--- a/문서/TheIsland_김하윤_이동규_이득유.pptx
+++ b/문서/TheIsland_김하윤_이동규_이득유.pptx
@@ -238,7 +238,7 @@
               <a:pPr lvl="0">
                 <a:defRPr/>
               </a:pPr>
-              <a:t>2019-12-10</a:t>
+              <a:t>2019-12-11</a:t>
             </a:fld>
             <a:endParaRPr lang="ko-KR" altLang="en-US"/>
           </a:p>
@@ -670,7 +670,7 @@
           <a:p>
             <a:fld id="{733DF88E-EEC7-4590-8394-8F97695D91F0}" type="datetimeFigureOut">
               <a:rPr lang="ko-KR" altLang="en-US" smtClean="0"/>
-              <a:t>2019-12-10</a:t>
+              <a:t>2019-12-11</a:t>
             </a:fld>
             <a:endParaRPr lang="ko-KR" altLang="en-US"/>
           </a:p>
@@ -868,7 +868,7 @@
           <a:p>
             <a:fld id="{733DF88E-EEC7-4590-8394-8F97695D91F0}" type="datetimeFigureOut">
               <a:rPr lang="ko-KR" altLang="en-US" smtClean="0"/>
-              <a:t>2019-12-10</a:t>
+              <a:t>2019-12-11</a:t>
             </a:fld>
             <a:endParaRPr lang="ko-KR" altLang="en-US"/>
           </a:p>
@@ -1076,7 +1076,7 @@
           <a:p>
             <a:fld id="{733DF88E-EEC7-4590-8394-8F97695D91F0}" type="datetimeFigureOut">
               <a:rPr lang="ko-KR" altLang="en-US" smtClean="0"/>
-              <a:t>2019-12-10</a:t>
+              <a:t>2019-12-11</a:t>
             </a:fld>
             <a:endParaRPr lang="ko-KR" altLang="en-US"/>
           </a:p>
@@ -1274,7 +1274,7 @@
           <a:p>
             <a:fld id="{733DF88E-EEC7-4590-8394-8F97695D91F0}" type="datetimeFigureOut">
               <a:rPr lang="ko-KR" altLang="en-US" smtClean="0"/>
-              <a:t>2019-12-10</a:t>
+              <a:t>2019-12-11</a:t>
             </a:fld>
             <a:endParaRPr lang="ko-KR" altLang="en-US"/>
           </a:p>
@@ -1549,7 +1549,7 @@
           <a:p>
             <a:fld id="{733DF88E-EEC7-4590-8394-8F97695D91F0}" type="datetimeFigureOut">
               <a:rPr lang="ko-KR" altLang="en-US" smtClean="0"/>
-              <a:t>2019-12-10</a:t>
+              <a:t>2019-12-11</a:t>
             </a:fld>
             <a:endParaRPr lang="ko-KR" altLang="en-US"/>
           </a:p>
@@ -1814,7 +1814,7 @@
           <a:p>
             <a:fld id="{733DF88E-EEC7-4590-8394-8F97695D91F0}" type="datetimeFigureOut">
               <a:rPr lang="ko-KR" altLang="en-US" smtClean="0"/>
-              <a:t>2019-12-10</a:t>
+              <a:t>2019-12-11</a:t>
             </a:fld>
             <a:endParaRPr lang="ko-KR" altLang="en-US"/>
           </a:p>
@@ -2226,7 +2226,7 @@
           <a:p>
             <a:fld id="{733DF88E-EEC7-4590-8394-8F97695D91F0}" type="datetimeFigureOut">
               <a:rPr lang="ko-KR" altLang="en-US" smtClean="0"/>
-              <a:t>2019-12-10</a:t>
+              <a:t>2019-12-11</a:t>
             </a:fld>
             <a:endParaRPr lang="ko-KR" altLang="en-US"/>
           </a:p>
@@ -2367,7 +2367,7 @@
           <a:p>
             <a:fld id="{733DF88E-EEC7-4590-8394-8F97695D91F0}" type="datetimeFigureOut">
               <a:rPr lang="ko-KR" altLang="en-US" smtClean="0"/>
-              <a:t>2019-12-10</a:t>
+              <a:t>2019-12-11</a:t>
             </a:fld>
             <a:endParaRPr lang="ko-KR" altLang="en-US"/>
           </a:p>
@@ -2480,7 +2480,7 @@
           <a:p>
             <a:fld id="{733DF88E-EEC7-4590-8394-8F97695D91F0}" type="datetimeFigureOut">
               <a:rPr lang="ko-KR" altLang="en-US" smtClean="0"/>
-              <a:t>2019-12-10</a:t>
+              <a:t>2019-12-11</a:t>
             </a:fld>
             <a:endParaRPr lang="ko-KR" altLang="en-US"/>
           </a:p>
@@ -2791,7 +2791,7 @@
           <a:p>
             <a:fld id="{733DF88E-EEC7-4590-8394-8F97695D91F0}" type="datetimeFigureOut">
               <a:rPr lang="ko-KR" altLang="en-US" smtClean="0"/>
-              <a:t>2019-12-10</a:t>
+              <a:t>2019-12-11</a:t>
             </a:fld>
             <a:endParaRPr lang="ko-KR" altLang="en-US"/>
           </a:p>
@@ -3079,7 +3079,7 @@
           <a:p>
             <a:fld id="{733DF88E-EEC7-4590-8394-8F97695D91F0}" type="datetimeFigureOut">
               <a:rPr lang="ko-KR" altLang="en-US" smtClean="0"/>
-              <a:t>2019-12-10</a:t>
+              <a:t>2019-12-11</a:t>
             </a:fld>
             <a:endParaRPr lang="ko-KR" altLang="en-US"/>
           </a:p>
@@ -3320,7 +3320,7 @@
           <a:p>
             <a:fld id="{733DF88E-EEC7-4590-8394-8F97695D91F0}" type="datetimeFigureOut">
               <a:rPr lang="ko-KR" altLang="en-US" smtClean="0"/>
-              <a:t>2019-12-10</a:t>
+              <a:t>2019-12-11</a:t>
             </a:fld>
             <a:endParaRPr lang="ko-KR" altLang="en-US"/>
           </a:p>
@@ -6730,7 +6730,7 @@
     <mc:Choice Requires="p14">
       <p:transition/>
     </mc:Choice>
-    <mc:Fallback xmlns="" xmlns:c="http://schemas.openxmlformats.org/drawingml/2006/chart" xmlns:dgm="http://schemas.openxmlformats.org/drawingml/2006/diagram" xmlns:dsp="http://schemas.microsoft.com/office/drawing/2008/diagram">
+    <mc:Fallback xmlns:dsp="http://schemas.microsoft.com/office/drawing/2008/diagram" xmlns:dgm="http://schemas.openxmlformats.org/drawingml/2006/diagram" xmlns:c="http://schemas.openxmlformats.org/drawingml/2006/chart" xmlns="">
       <p:transition/>
     </mc:Fallback>
   </mc:AlternateContent>
@@ -7236,7 +7236,7 @@
     <mc:Choice Requires="p14">
       <p:transition/>
     </mc:Choice>
-    <mc:Fallback xmlns="" xmlns:c="http://schemas.openxmlformats.org/drawingml/2006/chart" xmlns:dgm="http://schemas.openxmlformats.org/drawingml/2006/diagram" xmlns:dsp="http://schemas.microsoft.com/office/drawing/2008/diagram">
+    <mc:Fallback xmlns:dsp="http://schemas.microsoft.com/office/drawing/2008/diagram" xmlns:dgm="http://schemas.openxmlformats.org/drawingml/2006/diagram" xmlns:c="http://schemas.openxmlformats.org/drawingml/2006/chart" xmlns="">
       <p:transition/>
     </mc:Fallback>
   </mc:AlternateContent>
@@ -8419,7 +8419,7 @@
     <mc:Choice Requires="p14">
       <p:transition/>
     </mc:Choice>
-    <mc:Fallback xmlns:dsp="http://schemas.microsoft.com/office/drawing/2008/diagram" xmlns:dgm="http://schemas.openxmlformats.org/drawingml/2006/diagram" xmlns:c="http://schemas.openxmlformats.org/drawingml/2006/chart" xmlns="">
+    <mc:Fallback xmlns="" xmlns:c="http://schemas.openxmlformats.org/drawingml/2006/chart" xmlns:dgm="http://schemas.openxmlformats.org/drawingml/2006/diagram" xmlns:dsp="http://schemas.microsoft.com/office/drawing/2008/diagram">
       <p:transition/>
     </mc:Fallback>
   </mc:AlternateContent>
@@ -9348,7 +9348,7 @@
     <mc:Choice Requires="p14">
       <p:transition/>
     </mc:Choice>
-    <mc:Fallback xmlns:dsp="http://schemas.microsoft.com/office/drawing/2008/diagram" xmlns:dgm="http://schemas.openxmlformats.org/drawingml/2006/diagram" xmlns:c="http://schemas.openxmlformats.org/drawingml/2006/chart" xmlns="">
+    <mc:Fallback xmlns="" xmlns:c="http://schemas.openxmlformats.org/drawingml/2006/chart" xmlns:dgm="http://schemas.openxmlformats.org/drawingml/2006/diagram" xmlns:dsp="http://schemas.microsoft.com/office/drawing/2008/diagram">
       <p:transition/>
     </mc:Fallback>
   </mc:AlternateContent>
@@ -10204,7 +10204,7 @@
     <mc:Choice Requires="p14">
       <p:transition/>
     </mc:Choice>
-    <mc:Fallback xmlns:dsp="http://schemas.microsoft.com/office/drawing/2008/diagram" xmlns:dgm="http://schemas.openxmlformats.org/drawingml/2006/diagram" xmlns:c="http://schemas.openxmlformats.org/drawingml/2006/chart" xmlns="">
+    <mc:Fallback xmlns="" xmlns:c="http://schemas.openxmlformats.org/drawingml/2006/chart" xmlns:dgm="http://schemas.openxmlformats.org/drawingml/2006/diagram" xmlns:dsp="http://schemas.microsoft.com/office/drawing/2008/diagram">
       <p:transition/>
     </mc:Fallback>
   </mc:AlternateContent>
@@ -10524,13 +10524,13 @@
           <p:nvPr>
             <p:extLst>
               <p:ext uri="{D42A27DB-BD31-4B8C-83A1-F6EECF244321}">
-                <p14:modId xmlns:p14="http://schemas.microsoft.com/office/powerpoint/2010/main" val="556377880"/>
+                <p14:modId xmlns:p14="http://schemas.microsoft.com/office/powerpoint/2010/main" val="2109093159"/>
               </p:ext>
             </p:extLst>
           </p:nvPr>
         </p:nvGraphicFramePr>
         <p:xfrm>
-          <a:off x="1060843" y="1711923"/>
+          <a:off x="1060844" y="1853326"/>
           <a:ext cx="10070312" cy="4009494"/>
         </p:xfrm>
         <a:graphic>
@@ -12148,22 +12148,439 @@
                           <a:latin typeface="맑은 고딕" panose="020B0503020000020004" pitchFamily="50" charset="-127"/>
                           <a:ea typeface="맑은 고딕" panose="020B0503020000020004" pitchFamily="50" charset="-127"/>
                         </a:rPr>
-                        <a:t>플레이어 움직임 </a:t>
+                        <a:t>플레이어 움직임 구현</a:t>
+                      </a:r>
+                    </a:p>
+                  </a:txBody>
+                  <a:tcPr marL="0" marR="0" marT="0" marB="0"/>
+                </a:tc>
+                <a:tc>
+                  <a:txBody>
+                    <a:bodyPr/>
+                    <a:lstStyle/>
+                    <a:p>
+                      <a:pPr latinLnBrk="1"/>
+                      <a:endParaRPr lang="ko-KR" altLang="en-US" sz="1200" dirty="0"/>
+                    </a:p>
+                  </a:txBody>
+                  <a:tcPr marL="0" marR="0" marT="0" marB="0"/>
+                </a:tc>
+                <a:tc>
+                  <a:txBody>
+                    <a:bodyPr/>
+                    <a:lstStyle/>
+                    <a:p>
+                      <a:pPr latinLnBrk="1"/>
+                      <a:endParaRPr lang="ko-KR" altLang="en-US" sz="1200" dirty="0"/>
+                    </a:p>
+                  </a:txBody>
+                  <a:tcPr marL="0" marR="0" marT="0" marB="0"/>
+                </a:tc>
+                <a:tc>
+                  <a:txBody>
+                    <a:bodyPr/>
+                    <a:lstStyle/>
+                    <a:p>
+                      <a:pPr latinLnBrk="1"/>
+                      <a:endParaRPr lang="ko-KR" altLang="en-US" sz="1200" dirty="0"/>
+                    </a:p>
+                  </a:txBody>
+                  <a:tcPr marL="0" marR="0" marT="0" marB="0"/>
+                </a:tc>
+                <a:tc>
+                  <a:txBody>
+                    <a:bodyPr/>
+                    <a:lstStyle/>
+                    <a:p>
+                      <a:pPr latinLnBrk="1"/>
+                      <a:endParaRPr lang="ko-KR" altLang="en-US" sz="1200" dirty="0"/>
+                    </a:p>
+                  </a:txBody>
+                  <a:tcPr marL="0" marR="0" marT="0" marB="0"/>
+                </a:tc>
+                <a:tc>
+                  <a:txBody>
+                    <a:bodyPr/>
+                    <a:lstStyle/>
+                    <a:p>
+                      <a:pPr latinLnBrk="1"/>
+                      <a:endParaRPr lang="ko-KR" altLang="en-US" sz="1200" dirty="0"/>
+                    </a:p>
+                  </a:txBody>
+                  <a:tcPr marL="0" marR="0" marT="0" marB="0"/>
+                </a:tc>
+                <a:tc>
+                  <a:txBody>
+                    <a:bodyPr/>
+                    <a:lstStyle/>
+                    <a:p>
+                      <a:pPr latinLnBrk="1"/>
+                      <a:endParaRPr lang="ko-KR" altLang="en-US" sz="1200" dirty="0"/>
+                    </a:p>
+                  </a:txBody>
+                  <a:tcPr marL="0" marR="0" marT="0" marB="0"/>
+                </a:tc>
+                <a:tc>
+                  <a:txBody>
+                    <a:bodyPr/>
+                    <a:lstStyle/>
+                    <a:p>
+                      <a:pPr latinLnBrk="1"/>
+                      <a:endParaRPr lang="ko-KR" altLang="en-US" sz="1200" dirty="0"/>
+                    </a:p>
+                  </a:txBody>
+                  <a:tcPr marL="0" marR="0" marT="0" marB="0"/>
+                </a:tc>
+                <a:tc>
+                  <a:txBody>
+                    <a:bodyPr/>
+                    <a:lstStyle/>
+                    <a:p>
+                      <a:pPr latinLnBrk="1"/>
+                      <a:endParaRPr lang="ko-KR" altLang="en-US" sz="1200" dirty="0"/>
+                    </a:p>
+                  </a:txBody>
+                  <a:tcPr marL="0" marR="0" marT="0" marB="0"/>
+                </a:tc>
+                <a:tc>
+                  <a:txBody>
+                    <a:bodyPr/>
+                    <a:lstStyle/>
+                    <a:p>
+                      <a:pPr latinLnBrk="1"/>
+                      <a:endParaRPr lang="ko-KR" altLang="en-US" sz="1200"/>
+                    </a:p>
+                  </a:txBody>
+                  <a:tcPr marL="0" marR="0" marT="0" marB="0"/>
+                </a:tc>
+                <a:tc>
+                  <a:txBody>
+                    <a:bodyPr/>
+                    <a:lstStyle/>
+                    <a:p>
+                      <a:pPr latinLnBrk="1"/>
+                      <a:endParaRPr lang="ko-KR" altLang="en-US" sz="1200" dirty="0"/>
+                    </a:p>
+                  </a:txBody>
+                  <a:tcPr marL="0" marR="0" marT="0" marB="0"/>
+                </a:tc>
+                <a:tc>
+                  <a:txBody>
+                    <a:bodyPr/>
+                    <a:lstStyle/>
+                    <a:p>
+                      <a:pPr latinLnBrk="1"/>
+                      <a:endParaRPr lang="ko-KR" altLang="en-US" sz="1200"/>
+                    </a:p>
+                  </a:txBody>
+                  <a:tcPr marL="0" marR="0" marT="0" marB="0"/>
+                </a:tc>
+                <a:tc>
+                  <a:txBody>
+                    <a:bodyPr/>
+                    <a:lstStyle/>
+                    <a:p>
+                      <a:pPr latinLnBrk="1"/>
+                      <a:endParaRPr lang="ko-KR" altLang="en-US" sz="1200"/>
+                    </a:p>
+                  </a:txBody>
+                  <a:tcPr marL="0" marR="0" marT="0" marB="0"/>
+                </a:tc>
+                <a:tc>
+                  <a:txBody>
+                    <a:bodyPr/>
+                    <a:lstStyle/>
+                    <a:p>
+                      <a:pPr latinLnBrk="1"/>
+                      <a:endParaRPr lang="ko-KR" altLang="en-US" sz="1200"/>
+                    </a:p>
+                  </a:txBody>
+                  <a:tcPr marL="0" marR="0" marT="0" marB="0"/>
+                </a:tc>
+                <a:tc>
+                  <a:txBody>
+                    <a:bodyPr/>
+                    <a:lstStyle/>
+                    <a:p>
+                      <a:pPr latinLnBrk="1"/>
+                      <a:endParaRPr lang="ko-KR" altLang="en-US" sz="1200"/>
+                    </a:p>
+                  </a:txBody>
+                  <a:tcPr marL="0" marR="0" marT="0" marB="0"/>
+                </a:tc>
+                <a:tc>
+                  <a:txBody>
+                    <a:bodyPr/>
+                    <a:lstStyle/>
+                    <a:p>
+                      <a:pPr latinLnBrk="1"/>
+                      <a:endParaRPr lang="ko-KR" altLang="en-US" sz="1200"/>
+                    </a:p>
+                  </a:txBody>
+                  <a:tcPr marL="0" marR="0" marT="0" marB="0"/>
+                </a:tc>
+                <a:tc>
+                  <a:txBody>
+                    <a:bodyPr/>
+                    <a:lstStyle/>
+                    <a:p>
+                      <a:pPr latinLnBrk="1"/>
+                      <a:endParaRPr lang="ko-KR" altLang="en-US" sz="1200"/>
+                    </a:p>
+                  </a:txBody>
+                  <a:tcPr marL="0" marR="0" marT="0" marB="0"/>
+                </a:tc>
+                <a:tc>
+                  <a:txBody>
+                    <a:bodyPr/>
+                    <a:lstStyle/>
+                    <a:p>
+                      <a:pPr latinLnBrk="1"/>
+                      <a:endParaRPr lang="ko-KR" altLang="en-US" sz="1200"/>
+                    </a:p>
+                  </a:txBody>
+                  <a:tcPr marL="0" marR="0" marT="0" marB="0"/>
+                </a:tc>
+                <a:tc>
+                  <a:txBody>
+                    <a:bodyPr/>
+                    <a:lstStyle/>
+                    <a:p>
+                      <a:pPr latinLnBrk="1"/>
+                      <a:endParaRPr lang="ko-KR" altLang="en-US" sz="1200"/>
+                    </a:p>
+                  </a:txBody>
+                  <a:tcPr marL="0" marR="0" marT="0" marB="0"/>
+                </a:tc>
+                <a:tc>
+                  <a:txBody>
+                    <a:bodyPr/>
+                    <a:lstStyle/>
+                    <a:p>
+                      <a:pPr latinLnBrk="1"/>
+                      <a:endParaRPr lang="ko-KR" altLang="en-US" sz="1200"/>
+                    </a:p>
+                  </a:txBody>
+                  <a:tcPr marL="0" marR="0" marT="0" marB="0"/>
+                </a:tc>
+                <a:tc>
+                  <a:txBody>
+                    <a:bodyPr/>
+                    <a:lstStyle/>
+                    <a:p>
+                      <a:pPr latinLnBrk="1"/>
+                      <a:endParaRPr lang="ko-KR" altLang="en-US" sz="1200"/>
+                    </a:p>
+                  </a:txBody>
+                  <a:tcPr marL="0" marR="0" marT="0" marB="0"/>
+                </a:tc>
+                <a:tc>
+                  <a:txBody>
+                    <a:bodyPr/>
+                    <a:lstStyle/>
+                    <a:p>
+                      <a:pPr latinLnBrk="1"/>
+                      <a:endParaRPr lang="ko-KR" altLang="en-US" sz="1200"/>
+                    </a:p>
+                  </a:txBody>
+                  <a:tcPr marL="0" marR="0" marT="0" marB="0"/>
+                </a:tc>
+                <a:tc>
+                  <a:txBody>
+                    <a:bodyPr/>
+                    <a:lstStyle/>
+                    <a:p>
+                      <a:pPr latinLnBrk="1"/>
+                      <a:endParaRPr lang="ko-KR" altLang="en-US" sz="1200"/>
+                    </a:p>
+                  </a:txBody>
+                  <a:tcPr marL="0" marR="0" marT="0" marB="0"/>
+                </a:tc>
+                <a:tc>
+                  <a:txBody>
+                    <a:bodyPr/>
+                    <a:lstStyle/>
+                    <a:p>
+                      <a:pPr latinLnBrk="1"/>
+                      <a:endParaRPr lang="ko-KR" altLang="en-US" sz="1200"/>
+                    </a:p>
+                  </a:txBody>
+                  <a:tcPr marL="0" marR="0" marT="0" marB="0"/>
+                </a:tc>
+                <a:tc>
+                  <a:txBody>
+                    <a:bodyPr/>
+                    <a:lstStyle/>
+                    <a:p>
+                      <a:pPr latinLnBrk="1"/>
+                      <a:endParaRPr lang="ko-KR" altLang="en-US" sz="1200" dirty="0"/>
+                    </a:p>
+                  </a:txBody>
+                  <a:tcPr marL="0" marR="0" marT="0" marB="0"/>
+                </a:tc>
+                <a:tc>
+                  <a:txBody>
+                    <a:bodyPr/>
+                    <a:lstStyle/>
+                    <a:p>
+                      <a:pPr latinLnBrk="1"/>
+                      <a:endParaRPr lang="ko-KR" altLang="en-US" sz="1200"/>
+                    </a:p>
+                  </a:txBody>
+                  <a:tcPr marL="0" marR="0" marT="0" marB="0"/>
+                </a:tc>
+                <a:tc>
+                  <a:txBody>
+                    <a:bodyPr/>
+                    <a:lstStyle/>
+                    <a:p>
+                      <a:pPr latinLnBrk="1"/>
+                      <a:endParaRPr lang="ko-KR" altLang="en-US" sz="1200"/>
+                    </a:p>
+                  </a:txBody>
+                  <a:tcPr marL="0" marR="0" marT="0" marB="0"/>
+                </a:tc>
+                <a:tc>
+                  <a:txBody>
+                    <a:bodyPr/>
+                    <a:lstStyle/>
+                    <a:p>
+                      <a:pPr latinLnBrk="1"/>
+                      <a:endParaRPr lang="ko-KR" altLang="en-US" sz="1200"/>
+                    </a:p>
+                  </a:txBody>
+                  <a:tcPr marL="0" marR="0" marT="0" marB="0"/>
+                </a:tc>
+                <a:tc>
+                  <a:txBody>
+                    <a:bodyPr/>
+                    <a:lstStyle/>
+                    <a:p>
+                      <a:pPr latinLnBrk="1"/>
+                      <a:endParaRPr lang="ko-KR" altLang="en-US" sz="1200"/>
+                    </a:p>
+                  </a:txBody>
+                  <a:tcPr marL="0" marR="0" marT="0" marB="0"/>
+                </a:tc>
+                <a:tc>
+                  <a:txBody>
+                    <a:bodyPr/>
+                    <a:lstStyle/>
+                    <a:p>
+                      <a:pPr latinLnBrk="1"/>
+                      <a:endParaRPr lang="ko-KR" altLang="en-US" sz="1200"/>
+                    </a:p>
+                  </a:txBody>
+                  <a:tcPr marL="0" marR="0" marT="0" marB="0"/>
+                </a:tc>
+                <a:tc>
+                  <a:txBody>
+                    <a:bodyPr/>
+                    <a:lstStyle/>
+                    <a:p>
+                      <a:pPr latinLnBrk="1"/>
+                      <a:endParaRPr lang="ko-KR" altLang="en-US" sz="1200"/>
+                    </a:p>
+                  </a:txBody>
+                  <a:tcPr marL="0" marR="0" marT="0" marB="0"/>
+                </a:tc>
+                <a:tc>
+                  <a:txBody>
+                    <a:bodyPr/>
+                    <a:lstStyle/>
+                    <a:p>
+                      <a:pPr latinLnBrk="1"/>
+                      <a:endParaRPr lang="ko-KR" altLang="en-US" sz="1200"/>
+                    </a:p>
+                  </a:txBody>
+                  <a:tcPr marL="0" marR="0" marT="0" marB="0"/>
+                </a:tc>
+                <a:tc>
+                  <a:txBody>
+                    <a:bodyPr/>
+                    <a:lstStyle/>
+                    <a:p>
+                      <a:pPr latinLnBrk="1"/>
+                      <a:endParaRPr lang="ko-KR" altLang="en-US" sz="1200"/>
+                    </a:p>
+                  </a:txBody>
+                  <a:tcPr marL="0" marR="0" marT="0" marB="0"/>
+                </a:tc>
+                <a:tc>
+                  <a:txBody>
+                    <a:bodyPr/>
+                    <a:lstStyle/>
+                    <a:p>
+                      <a:pPr latinLnBrk="1"/>
+                      <a:endParaRPr lang="ko-KR" altLang="en-US" sz="1200" dirty="0"/>
+                    </a:p>
+                  </a:txBody>
+                  <a:tcPr marL="0" marR="0" marT="0" marB="0"/>
+                </a:tc>
+                <a:tc>
+                  <a:txBody>
+                    <a:bodyPr/>
+                    <a:lstStyle/>
+                    <a:p>
+                      <a:pPr latinLnBrk="1"/>
+                      <a:endParaRPr lang="ko-KR" altLang="en-US" sz="1200" dirty="0"/>
+                    </a:p>
+                  </a:txBody>
+                  <a:tcPr marL="0" marR="0" marT="0" marB="0"/>
+                </a:tc>
+                <a:tc>
+                  <a:txBody>
+                    <a:bodyPr/>
+                    <a:lstStyle/>
+                    <a:p>
+                      <a:pPr latinLnBrk="1"/>
+                      <a:endParaRPr lang="ko-KR" altLang="en-US" sz="1200" dirty="0"/>
+                    </a:p>
+                  </a:txBody>
+                  <a:tcPr marL="0" marR="0" marT="0" marB="0"/>
+                </a:tc>
+                <a:tc>
+                  <a:txBody>
+                    <a:bodyPr/>
+                    <a:lstStyle/>
+                    <a:p>
+                      <a:pPr latinLnBrk="1"/>
+                      <a:endParaRPr lang="ko-KR" altLang="en-US" sz="1200" dirty="0"/>
+                    </a:p>
+                  </a:txBody>
+                  <a:tcPr marL="0" marR="0" marT="0" marB="0"/>
+                </a:tc>
+                <a:extLst>
+                  <a:ext uri="{0D108BD9-81ED-4DB2-BD59-A6C34878D82A}">
+                    <a16:rowId xmlns:a16="http://schemas.microsoft.com/office/drawing/2014/main" val="3302103430"/>
+                  </a:ext>
+                </a:extLst>
+              </a:tr>
+              <a:tr h="0">
+                <a:tc>
+                  <a:txBody>
+                    <a:bodyPr/>
+                    <a:lstStyle/>
+                    <a:p>
+                      <a:pPr algn="ctr" latinLnBrk="1"/>
+                      <a:r>
+                        <a:rPr lang="ko-KR" altLang="en-US" sz="1000" dirty="0">
+                          <a:latin typeface="맑은 고딕" panose="020B0503020000020004" pitchFamily="50" charset="-127"/>
+                          <a:ea typeface="맑은 고딕" panose="020B0503020000020004" pitchFamily="50" charset="-127"/>
+                        </a:rPr>
+                        <a:t>플레이어 인벤토리 </a:t>
                       </a:r>
                       <a:r>
                         <a:rPr lang="en-US" altLang="ko-KR" sz="1000" dirty="0">
                           <a:latin typeface="맑은 고딕" panose="020B0503020000020004" pitchFamily="50" charset="-127"/>
                           <a:ea typeface="맑은 고딕" panose="020B0503020000020004" pitchFamily="50" charset="-127"/>
                         </a:rPr>
-                        <a:t>/ </a:t>
+                        <a:t>UI</a:t>
                       </a:r>
-                      <a:r>
-                        <a:rPr lang="ko-KR" altLang="en-US" sz="1000" dirty="0">
-                          <a:latin typeface="맑은 고딕" panose="020B0503020000020004" pitchFamily="50" charset="-127"/>
-                          <a:ea typeface="맑은 고딕" panose="020B0503020000020004" pitchFamily="50" charset="-127"/>
-                        </a:rPr>
-                        <a:t>인벤토리</a:t>
-                      </a:r>
+                      <a:endParaRPr lang="ko-KR" altLang="en-US" sz="1000" dirty="0">
+                        <a:latin typeface="맑은 고딕" panose="020B0503020000020004" pitchFamily="50" charset="-127"/>
+                        <a:ea typeface="맑은 고딕" panose="020B0503020000020004" pitchFamily="50" charset="-127"/>
+                      </a:endParaRPr>
                     </a:p>
                   </a:txBody>
                   <a:tcPr marL="0" marR="0" marT="0" marB="0"/>
@@ -12566,7 +12983,7 @@
                 </a:tc>
                 <a:extLst>
                   <a:ext uri="{0D108BD9-81ED-4DB2-BD59-A6C34878D82A}">
-                    <a16:rowId xmlns:a16="http://schemas.microsoft.com/office/drawing/2014/main" val="3302103430"/>
+                    <a16:rowId xmlns:a16="http://schemas.microsoft.com/office/drawing/2014/main" val="2543368069"/>
                   </a:ext>
                 </a:extLst>
               </a:tr>
@@ -12990,7 +13407,7 @@
                   </a:ext>
                 </a:extLst>
               </a:tr>
-              <a:tr h="0">
+              <a:tr h="60818">
                 <a:tc>
                   <a:txBody>
                     <a:bodyPr/>
@@ -13422,7 +13839,7 @@
                           <a:latin typeface="맑은 고딕" panose="020B0503020000020004" pitchFamily="50" charset="-127"/>
                           <a:ea typeface="맑은 고딕" panose="020B0503020000020004" pitchFamily="50" charset="-127"/>
                         </a:rPr>
-                        <a:t>동물 행동패턴</a:t>
+                        <a:t>동물 행동패턴 구현</a:t>
                       </a:r>
                     </a:p>
                   </a:txBody>
@@ -13544,7 +13961,7 @@
                     <a:lstStyle/>
                     <a:p>
                       <a:pPr latinLnBrk="1"/>
-                      <a:endParaRPr lang="ko-KR" altLang="en-US" sz="1200"/>
+                      <a:endParaRPr lang="ko-KR" altLang="en-US" sz="1200" dirty="0"/>
                     </a:p>
                   </a:txBody>
                   <a:tcPr marL="0" marR="0" marT="0" marB="0"/>
@@ -13842,217 +14259,206 @@
                           <a:latin typeface="맑은 고딕" panose="020B0503020000020004" pitchFamily="50" charset="-127"/>
                           <a:ea typeface="맑은 고딕" panose="020B0503020000020004" pitchFamily="50" charset="-127"/>
                         </a:rPr>
-                        <a:t>동물</a:t>
+                        <a:t>비선공형 동물 구현</a:t>
                       </a:r>
-                      <a:r>
-                        <a:rPr lang="en-US" altLang="ko-KR" sz="1000" strike="noStrike" dirty="0">
-                          <a:latin typeface="맑은 고딕" panose="020B0503020000020004" pitchFamily="50" charset="-127"/>
-                          <a:ea typeface="맑은 고딕" panose="020B0503020000020004" pitchFamily="50" charset="-127"/>
-                        </a:rPr>
-                        <a:t>1</a:t>
-                      </a:r>
-                      <a:endParaRPr lang="ko-KR" altLang="en-US" sz="1000" strike="noStrike" dirty="0">
-                        <a:latin typeface="맑은 고딕" panose="020B0503020000020004" pitchFamily="50" charset="-127"/>
-                        <a:ea typeface="맑은 고딕" panose="020B0503020000020004" pitchFamily="50" charset="-127"/>
-                      </a:endParaRPr>
-                    </a:p>
-                  </a:txBody>
-                  <a:tcPr marL="0" marR="0" marT="0" marB="0"/>
-                </a:tc>
-                <a:tc>
-                  <a:txBody>
-                    <a:bodyPr/>
-                    <a:lstStyle/>
-                    <a:p>
-                      <a:pPr latinLnBrk="1"/>
-                      <a:endParaRPr lang="ko-KR" altLang="en-US" sz="1200" dirty="0"/>
-                    </a:p>
-                  </a:txBody>
-                  <a:tcPr marL="0" marR="0" marT="0" marB="0"/>
-                </a:tc>
-                <a:tc>
-                  <a:txBody>
-                    <a:bodyPr/>
-                    <a:lstStyle/>
-                    <a:p>
-                      <a:pPr latinLnBrk="1"/>
-                      <a:endParaRPr lang="ko-KR" altLang="en-US" sz="1200" dirty="0"/>
-                    </a:p>
-                  </a:txBody>
-                  <a:tcPr marL="0" marR="0" marT="0" marB="0"/>
-                </a:tc>
-                <a:tc>
-                  <a:txBody>
-                    <a:bodyPr/>
-                    <a:lstStyle/>
-                    <a:p>
-                      <a:pPr latinLnBrk="1"/>
-                      <a:endParaRPr lang="ko-KR" altLang="en-US" sz="1200" dirty="0"/>
-                    </a:p>
-                  </a:txBody>
-                  <a:tcPr marL="0" marR="0" marT="0" marB="0"/>
-                </a:tc>
-                <a:tc>
-                  <a:txBody>
-                    <a:bodyPr/>
-                    <a:lstStyle/>
-                    <a:p>
-                      <a:pPr latinLnBrk="1"/>
-                      <a:endParaRPr lang="ko-KR" altLang="en-US" sz="1200" dirty="0"/>
-                    </a:p>
-                  </a:txBody>
-                  <a:tcPr marL="0" marR="0" marT="0" marB="0"/>
-                </a:tc>
-                <a:tc>
-                  <a:txBody>
-                    <a:bodyPr/>
-                    <a:lstStyle/>
-                    <a:p>
-                      <a:pPr latinLnBrk="1"/>
-                      <a:endParaRPr lang="ko-KR" altLang="en-US" sz="1200" dirty="0"/>
-                    </a:p>
-                  </a:txBody>
-                  <a:tcPr marL="0" marR="0" marT="0" marB="0"/>
-                </a:tc>
-                <a:tc>
-                  <a:txBody>
-                    <a:bodyPr/>
-                    <a:lstStyle/>
-                    <a:p>
-                      <a:pPr latinLnBrk="1"/>
-                      <a:endParaRPr lang="ko-KR" altLang="en-US" sz="1200" dirty="0"/>
-                    </a:p>
-                  </a:txBody>
-                  <a:tcPr marL="0" marR="0" marT="0" marB="0"/>
-                </a:tc>
-                <a:tc>
-                  <a:txBody>
-                    <a:bodyPr/>
-                    <a:lstStyle/>
-                    <a:p>
-                      <a:pPr latinLnBrk="1"/>
-                      <a:endParaRPr lang="ko-KR" altLang="en-US" sz="1200" dirty="0"/>
-                    </a:p>
-                  </a:txBody>
-                  <a:tcPr marL="0" marR="0" marT="0" marB="0"/>
-                </a:tc>
-                <a:tc>
-                  <a:txBody>
-                    <a:bodyPr/>
-                    <a:lstStyle/>
-                    <a:p>
-                      <a:pPr latinLnBrk="1"/>
-                      <a:endParaRPr lang="ko-KR" altLang="en-US" sz="1200" dirty="0"/>
-                    </a:p>
-                  </a:txBody>
-                  <a:tcPr marL="0" marR="0" marT="0" marB="0"/>
-                </a:tc>
-                <a:tc>
-                  <a:txBody>
-                    <a:bodyPr/>
-                    <a:lstStyle/>
-                    <a:p>
-                      <a:pPr latinLnBrk="1"/>
-                      <a:endParaRPr lang="ko-KR" altLang="en-US" sz="1200"/>
-                    </a:p>
-                  </a:txBody>
-                  <a:tcPr marL="0" marR="0" marT="0" marB="0"/>
-                </a:tc>
-                <a:tc>
-                  <a:txBody>
-                    <a:bodyPr/>
-                    <a:lstStyle/>
-                    <a:p>
-                      <a:pPr latinLnBrk="1"/>
-                      <a:endParaRPr lang="ko-KR" altLang="en-US" sz="1200"/>
-                    </a:p>
-                  </a:txBody>
-                  <a:tcPr marL="0" marR="0" marT="0" marB="0"/>
-                </a:tc>
-                <a:tc>
-                  <a:txBody>
-                    <a:bodyPr/>
-                    <a:lstStyle/>
-                    <a:p>
-                      <a:pPr latinLnBrk="1"/>
-                      <a:endParaRPr lang="ko-KR" altLang="en-US" sz="1200"/>
-                    </a:p>
-                  </a:txBody>
-                  <a:tcPr marL="0" marR="0" marT="0" marB="0"/>
-                </a:tc>
-                <a:tc>
-                  <a:txBody>
-                    <a:bodyPr/>
-                    <a:lstStyle/>
-                    <a:p>
-                      <a:pPr latinLnBrk="1"/>
-                      <a:endParaRPr lang="ko-KR" altLang="en-US" sz="1200"/>
-                    </a:p>
-                  </a:txBody>
-                  <a:tcPr marL="0" marR="0" marT="0" marB="0"/>
-                </a:tc>
-                <a:tc>
-                  <a:txBody>
-                    <a:bodyPr/>
-                    <a:lstStyle/>
-                    <a:p>
-                      <a:pPr latinLnBrk="1"/>
-                      <a:endParaRPr lang="ko-KR" altLang="en-US" sz="1200"/>
-                    </a:p>
-                  </a:txBody>
-                  <a:tcPr marL="0" marR="0" marT="0" marB="0"/>
-                </a:tc>
-                <a:tc>
-                  <a:txBody>
-                    <a:bodyPr/>
-                    <a:lstStyle/>
-                    <a:p>
-                      <a:pPr latinLnBrk="1"/>
-                      <a:endParaRPr lang="ko-KR" altLang="en-US" sz="1200"/>
-                    </a:p>
-                  </a:txBody>
-                  <a:tcPr marL="0" marR="0" marT="0" marB="0"/>
-                </a:tc>
-                <a:tc>
-                  <a:txBody>
-                    <a:bodyPr/>
-                    <a:lstStyle/>
-                    <a:p>
-                      <a:pPr latinLnBrk="1"/>
-                      <a:endParaRPr lang="ko-KR" altLang="en-US" sz="1200"/>
-                    </a:p>
-                  </a:txBody>
-                  <a:tcPr marL="0" marR="0" marT="0" marB="0"/>
-                </a:tc>
-                <a:tc>
-                  <a:txBody>
-                    <a:bodyPr/>
-                    <a:lstStyle/>
-                    <a:p>
-                      <a:pPr latinLnBrk="1"/>
-                      <a:endParaRPr lang="ko-KR" altLang="en-US" sz="1200"/>
-                    </a:p>
-                  </a:txBody>
-                  <a:tcPr marL="0" marR="0" marT="0" marB="0"/>
-                </a:tc>
-                <a:tc>
-                  <a:txBody>
-                    <a:bodyPr/>
-                    <a:lstStyle/>
-                    <a:p>
-                      <a:pPr latinLnBrk="1"/>
-                      <a:endParaRPr lang="ko-KR" altLang="en-US" sz="1200"/>
-                    </a:p>
-                  </a:txBody>
-                  <a:tcPr marL="0" marR="0" marT="0" marB="0"/>
-                </a:tc>
-                <a:tc>
-                  <a:txBody>
-                    <a:bodyPr/>
-                    <a:lstStyle/>
-                    <a:p>
-                      <a:pPr latinLnBrk="1"/>
-                      <a:endParaRPr lang="ko-KR" altLang="en-US" sz="1200"/>
+                    </a:p>
+                  </a:txBody>
+                  <a:tcPr marL="0" marR="0" marT="0" marB="0"/>
+                </a:tc>
+                <a:tc>
+                  <a:txBody>
+                    <a:bodyPr/>
+                    <a:lstStyle/>
+                    <a:p>
+                      <a:pPr latinLnBrk="1"/>
+                      <a:endParaRPr lang="ko-KR" altLang="en-US" sz="1200" dirty="0"/>
+                    </a:p>
+                  </a:txBody>
+                  <a:tcPr marL="0" marR="0" marT="0" marB="0"/>
+                </a:tc>
+                <a:tc>
+                  <a:txBody>
+                    <a:bodyPr/>
+                    <a:lstStyle/>
+                    <a:p>
+                      <a:pPr latinLnBrk="1"/>
+                      <a:endParaRPr lang="ko-KR" altLang="en-US" sz="1200" dirty="0"/>
+                    </a:p>
+                  </a:txBody>
+                  <a:tcPr marL="0" marR="0" marT="0" marB="0"/>
+                </a:tc>
+                <a:tc>
+                  <a:txBody>
+                    <a:bodyPr/>
+                    <a:lstStyle/>
+                    <a:p>
+                      <a:pPr latinLnBrk="1"/>
+                      <a:endParaRPr lang="ko-KR" altLang="en-US" sz="1200" dirty="0"/>
+                    </a:p>
+                  </a:txBody>
+                  <a:tcPr marL="0" marR="0" marT="0" marB="0"/>
+                </a:tc>
+                <a:tc>
+                  <a:txBody>
+                    <a:bodyPr/>
+                    <a:lstStyle/>
+                    <a:p>
+                      <a:pPr latinLnBrk="1"/>
+                      <a:endParaRPr lang="ko-KR" altLang="en-US" sz="1200" dirty="0"/>
+                    </a:p>
+                  </a:txBody>
+                  <a:tcPr marL="0" marR="0" marT="0" marB="0"/>
+                </a:tc>
+                <a:tc>
+                  <a:txBody>
+                    <a:bodyPr/>
+                    <a:lstStyle/>
+                    <a:p>
+                      <a:pPr latinLnBrk="1"/>
+                      <a:endParaRPr lang="ko-KR" altLang="en-US" sz="1200" dirty="0"/>
+                    </a:p>
+                  </a:txBody>
+                  <a:tcPr marL="0" marR="0" marT="0" marB="0"/>
+                </a:tc>
+                <a:tc>
+                  <a:txBody>
+                    <a:bodyPr/>
+                    <a:lstStyle/>
+                    <a:p>
+                      <a:pPr latinLnBrk="1"/>
+                      <a:endParaRPr lang="ko-KR" altLang="en-US" sz="1200" dirty="0"/>
+                    </a:p>
+                  </a:txBody>
+                  <a:tcPr marL="0" marR="0" marT="0" marB="0"/>
+                </a:tc>
+                <a:tc>
+                  <a:txBody>
+                    <a:bodyPr/>
+                    <a:lstStyle/>
+                    <a:p>
+                      <a:pPr latinLnBrk="1"/>
+                      <a:endParaRPr lang="ko-KR" altLang="en-US" sz="1200" dirty="0"/>
+                    </a:p>
+                  </a:txBody>
+                  <a:tcPr marL="0" marR="0" marT="0" marB="0"/>
+                </a:tc>
+                <a:tc>
+                  <a:txBody>
+                    <a:bodyPr/>
+                    <a:lstStyle/>
+                    <a:p>
+                      <a:pPr latinLnBrk="1"/>
+                      <a:endParaRPr lang="ko-KR" altLang="en-US" sz="1200" dirty="0"/>
+                    </a:p>
+                  </a:txBody>
+                  <a:tcPr marL="0" marR="0" marT="0" marB="0"/>
+                </a:tc>
+                <a:tc>
+                  <a:txBody>
+                    <a:bodyPr/>
+                    <a:lstStyle/>
+                    <a:p>
+                      <a:pPr latinLnBrk="1"/>
+                      <a:endParaRPr lang="ko-KR" altLang="en-US" sz="1200"/>
+                    </a:p>
+                  </a:txBody>
+                  <a:tcPr marL="0" marR="0" marT="0" marB="0"/>
+                </a:tc>
+                <a:tc>
+                  <a:txBody>
+                    <a:bodyPr/>
+                    <a:lstStyle/>
+                    <a:p>
+                      <a:pPr latinLnBrk="1"/>
+                      <a:endParaRPr lang="ko-KR" altLang="en-US" sz="1200"/>
+                    </a:p>
+                  </a:txBody>
+                  <a:tcPr marL="0" marR="0" marT="0" marB="0"/>
+                </a:tc>
+                <a:tc>
+                  <a:txBody>
+                    <a:bodyPr/>
+                    <a:lstStyle/>
+                    <a:p>
+                      <a:pPr latinLnBrk="1"/>
+                      <a:endParaRPr lang="ko-KR" altLang="en-US" sz="1200"/>
+                    </a:p>
+                  </a:txBody>
+                  <a:tcPr marL="0" marR="0" marT="0" marB="0"/>
+                </a:tc>
+                <a:tc>
+                  <a:txBody>
+                    <a:bodyPr/>
+                    <a:lstStyle/>
+                    <a:p>
+                      <a:pPr latinLnBrk="1"/>
+                      <a:endParaRPr lang="ko-KR" altLang="en-US" sz="1200"/>
+                    </a:p>
+                  </a:txBody>
+                  <a:tcPr marL="0" marR="0" marT="0" marB="0"/>
+                </a:tc>
+                <a:tc>
+                  <a:txBody>
+                    <a:bodyPr/>
+                    <a:lstStyle/>
+                    <a:p>
+                      <a:pPr latinLnBrk="1"/>
+                      <a:endParaRPr lang="ko-KR" altLang="en-US" sz="1200"/>
+                    </a:p>
+                  </a:txBody>
+                  <a:tcPr marL="0" marR="0" marT="0" marB="0"/>
+                </a:tc>
+                <a:tc>
+                  <a:txBody>
+                    <a:bodyPr/>
+                    <a:lstStyle/>
+                    <a:p>
+                      <a:pPr latinLnBrk="1"/>
+                      <a:endParaRPr lang="ko-KR" altLang="en-US" sz="1200"/>
+                    </a:p>
+                  </a:txBody>
+                  <a:tcPr marL="0" marR="0" marT="0" marB="0"/>
+                </a:tc>
+                <a:tc>
+                  <a:txBody>
+                    <a:bodyPr/>
+                    <a:lstStyle/>
+                    <a:p>
+                      <a:pPr latinLnBrk="1"/>
+                      <a:endParaRPr lang="ko-KR" altLang="en-US" sz="1200"/>
+                    </a:p>
+                  </a:txBody>
+                  <a:tcPr marL="0" marR="0" marT="0" marB="0"/>
+                </a:tc>
+                <a:tc>
+                  <a:txBody>
+                    <a:bodyPr/>
+                    <a:lstStyle/>
+                    <a:p>
+                      <a:pPr latinLnBrk="1"/>
+                      <a:endParaRPr lang="ko-KR" altLang="en-US" sz="1200"/>
+                    </a:p>
+                  </a:txBody>
+                  <a:tcPr marL="0" marR="0" marT="0" marB="0"/>
+                </a:tc>
+                <a:tc>
+                  <a:txBody>
+                    <a:bodyPr/>
+                    <a:lstStyle/>
+                    <a:p>
+                      <a:pPr latinLnBrk="1"/>
+                      <a:endParaRPr lang="ko-KR" altLang="en-US" sz="1200"/>
+                    </a:p>
+                  </a:txBody>
+                  <a:tcPr marL="0" marR="0" marT="0" marB="0"/>
+                </a:tc>
+                <a:tc>
+                  <a:txBody>
+                    <a:bodyPr/>
+                    <a:lstStyle/>
+                    <a:p>
+                      <a:pPr latinLnBrk="1"/>
+                      <a:endParaRPr lang="ko-KR" altLang="en-US" sz="1200" dirty="0"/>
                     </a:p>
                   </a:txBody>
                   <a:tcPr marL="0" marR="0" marT="0" marB="0"/>
@@ -14273,19 +14679,8 @@
                           <a:latin typeface="맑은 고딕" panose="020B0503020000020004" pitchFamily="50" charset="-127"/>
                           <a:ea typeface="맑은 고딕" panose="020B0503020000020004" pitchFamily="50" charset="-127"/>
                         </a:rPr>
-                        <a:t>동물</a:t>
+                        <a:t>선공형 동물 구현</a:t>
                       </a:r>
-                      <a:r>
-                        <a:rPr lang="en-US" altLang="ko-KR" sz="1000" dirty="0">
-                          <a:latin typeface="맑은 고딕" panose="020B0503020000020004" pitchFamily="50" charset="-127"/>
-                          <a:ea typeface="맑은 고딕" panose="020B0503020000020004" pitchFamily="50" charset="-127"/>
-                        </a:rPr>
-                        <a:t>2</a:t>
-                      </a:r>
-                      <a:endParaRPr lang="ko-KR" altLang="en-US" sz="1000" dirty="0">
-                        <a:latin typeface="맑은 고딕" panose="020B0503020000020004" pitchFamily="50" charset="-127"/>
-                        <a:ea typeface="맑은 고딕" panose="020B0503020000020004" pitchFamily="50" charset="-127"/>
-                      </a:endParaRPr>
                     </a:p>
                   </a:txBody>
                   <a:tcPr marL="0" marR="0" marT="0" marB="0"/>
@@ -14704,21 +15099,7 @@
                           <a:latin typeface="맑은 고딕" panose="020B0503020000020004" pitchFamily="50" charset="-127"/>
                           <a:ea typeface="맑은 고딕" panose="020B0503020000020004" pitchFamily="50" charset="-127"/>
                         </a:rPr>
-                        <a:t>그림자</a:t>
-                      </a:r>
-                      <a:r>
-                        <a:rPr lang="en-US" altLang="ko-KR" sz="1000" dirty="0">
-                          <a:latin typeface="맑은 고딕" panose="020B0503020000020004" pitchFamily="50" charset="-127"/>
-                          <a:ea typeface="맑은 고딕" panose="020B0503020000020004" pitchFamily="50" charset="-127"/>
-                        </a:rPr>
-                        <a:t>&amp;</a:t>
-                      </a:r>
-                      <a:r>
-                        <a:rPr lang="ko-KR" altLang="en-US" sz="1000" dirty="0">
-                          <a:latin typeface="맑은 고딕" panose="020B0503020000020004" pitchFamily="50" charset="-127"/>
-                          <a:ea typeface="맑은 고딕" panose="020B0503020000020004" pitchFamily="50" charset="-127"/>
-                        </a:rPr>
-                        <a:t>조명</a:t>
+                        <a:t>회피형 동물 구현</a:t>
                       </a:r>
                     </a:p>
                   </a:txBody>
@@ -16400,10 +16781,27 @@
                     <a:lstStyle/>
                     <a:p>
                       <a:pPr algn="ctr" latinLnBrk="1"/>
-                      <a:endParaRPr lang="ko-KR" altLang="en-US" sz="1000" dirty="0">
-                        <a:latin typeface="맑은 고딕" panose="020B0503020000020004" pitchFamily="50" charset="-127"/>
-                        <a:ea typeface="맑은 고딕" panose="020B0503020000020004" pitchFamily="50" charset="-127"/>
-                      </a:endParaRPr>
+                      <a:r>
+                        <a:rPr lang="ko-KR" altLang="en-US" sz="1000" dirty="0">
+                          <a:latin typeface="맑은 고딕" panose="020B0503020000020004" pitchFamily="50" charset="-127"/>
+                          <a:ea typeface="맑은 고딕" panose="020B0503020000020004" pitchFamily="50" charset="-127"/>
+                        </a:rPr>
+                        <a:t>그림자 </a:t>
+                      </a:r>
+                      <a:r>
+                        <a:rPr lang="en-US" altLang="ko-KR" sz="1000" dirty="0">
+                          <a:latin typeface="맑은 고딕" panose="020B0503020000020004" pitchFamily="50" charset="-127"/>
+                          <a:ea typeface="맑은 고딕" panose="020B0503020000020004" pitchFamily="50" charset="-127"/>
+                        </a:rPr>
+                        <a:t>&amp; </a:t>
+                      </a:r>
+                      <a:r>
+                        <a:rPr lang="ko-KR" altLang="en-US" sz="1000" dirty="0">
+                          <a:latin typeface="맑은 고딕" panose="020B0503020000020004" pitchFamily="50" charset="-127"/>
+                          <a:ea typeface="맑은 고딕" panose="020B0503020000020004" pitchFamily="50" charset="-127"/>
+                        </a:rPr>
+                        <a:t>조명 구현</a:t>
+                      </a:r>
                     </a:p>
                   </a:txBody>
                   <a:tcPr marL="0" marR="0" marT="0" marB="0"/>
@@ -16822,7 +17220,7 @@
                           <a:latin typeface="맑은 고딕" panose="020B0503020000020004" pitchFamily="50" charset="-127"/>
                           <a:ea typeface="맑은 고딕" panose="020B0503020000020004" pitchFamily="50" charset="-127"/>
                         </a:rPr>
-                        <a:t>물 표현</a:t>
+                        <a:t>물 반사 구현</a:t>
                       </a:r>
                     </a:p>
                   </a:txBody>
@@ -16988,7 +17386,7 @@
                     <a:lstStyle/>
                     <a:p>
                       <a:pPr latinLnBrk="1"/>
-                      <a:endParaRPr lang="ko-KR" altLang="en-US" sz="1200"/>
+                      <a:endParaRPr lang="ko-KR" altLang="en-US" sz="1200" dirty="0"/>
                     </a:p>
                   </a:txBody>
                   <a:tcPr marL="0" marR="0" marT="0" marB="0"/>
@@ -17237,208 +17635,211 @@
                     <a:lstStyle/>
                     <a:p>
                       <a:pPr algn="ctr" latinLnBrk="1"/>
-                      <a:endParaRPr lang="ko-KR" altLang="en-US" sz="1000" dirty="0">
-                        <a:latin typeface="맑은 고딕" panose="020B0503020000020004" pitchFamily="50" charset="-127"/>
-                        <a:ea typeface="맑은 고딕" panose="020B0503020000020004" pitchFamily="50" charset="-127"/>
-                      </a:endParaRPr>
-                    </a:p>
-                  </a:txBody>
-                  <a:tcPr marL="0" marR="0" marT="0" marB="0"/>
-                </a:tc>
-                <a:tc>
-                  <a:txBody>
-                    <a:bodyPr/>
-                    <a:lstStyle/>
-                    <a:p>
-                      <a:pPr latinLnBrk="1"/>
-                      <a:endParaRPr lang="ko-KR" altLang="en-US" sz="1200" dirty="0"/>
-                    </a:p>
-                  </a:txBody>
-                  <a:tcPr marL="0" marR="0" marT="0" marB="0"/>
-                </a:tc>
-                <a:tc>
-                  <a:txBody>
-                    <a:bodyPr/>
-                    <a:lstStyle/>
-                    <a:p>
-                      <a:pPr latinLnBrk="1"/>
-                      <a:endParaRPr lang="ko-KR" altLang="en-US" sz="1200" dirty="0"/>
-                    </a:p>
-                  </a:txBody>
-                  <a:tcPr marL="0" marR="0" marT="0" marB="0"/>
-                </a:tc>
-                <a:tc>
-                  <a:txBody>
-                    <a:bodyPr/>
-                    <a:lstStyle/>
-                    <a:p>
-                      <a:pPr latinLnBrk="1"/>
-                      <a:endParaRPr lang="ko-KR" altLang="en-US" sz="1200"/>
-                    </a:p>
-                  </a:txBody>
-                  <a:tcPr marL="0" marR="0" marT="0" marB="0"/>
-                </a:tc>
-                <a:tc>
-                  <a:txBody>
-                    <a:bodyPr/>
-                    <a:lstStyle/>
-                    <a:p>
-                      <a:pPr latinLnBrk="1"/>
-                      <a:endParaRPr lang="ko-KR" altLang="en-US" sz="1200" dirty="0"/>
-                    </a:p>
-                  </a:txBody>
-                  <a:tcPr marL="0" marR="0" marT="0" marB="0"/>
-                </a:tc>
-                <a:tc>
-                  <a:txBody>
-                    <a:bodyPr/>
-                    <a:lstStyle/>
-                    <a:p>
-                      <a:pPr latinLnBrk="1"/>
-                      <a:endParaRPr lang="ko-KR" altLang="en-US" sz="1200"/>
-                    </a:p>
-                  </a:txBody>
-                  <a:tcPr marL="0" marR="0" marT="0" marB="0"/>
-                </a:tc>
-                <a:tc>
-                  <a:txBody>
-                    <a:bodyPr/>
-                    <a:lstStyle/>
-                    <a:p>
-                      <a:pPr latinLnBrk="1"/>
-                      <a:endParaRPr lang="ko-KR" altLang="en-US" sz="1200"/>
-                    </a:p>
-                  </a:txBody>
-                  <a:tcPr marL="0" marR="0" marT="0" marB="0"/>
-                </a:tc>
-                <a:tc>
-                  <a:txBody>
-                    <a:bodyPr/>
-                    <a:lstStyle/>
-                    <a:p>
-                      <a:pPr latinLnBrk="1"/>
-                      <a:endParaRPr lang="ko-KR" altLang="en-US" sz="1200"/>
-                    </a:p>
-                  </a:txBody>
-                  <a:tcPr marL="0" marR="0" marT="0" marB="0"/>
-                </a:tc>
-                <a:tc>
-                  <a:txBody>
-                    <a:bodyPr/>
-                    <a:lstStyle/>
-                    <a:p>
-                      <a:pPr latinLnBrk="1"/>
-                      <a:endParaRPr lang="ko-KR" altLang="en-US" sz="1200"/>
-                    </a:p>
-                  </a:txBody>
-                  <a:tcPr marL="0" marR="0" marT="0" marB="0"/>
-                </a:tc>
-                <a:tc>
-                  <a:txBody>
-                    <a:bodyPr/>
-                    <a:lstStyle/>
-                    <a:p>
-                      <a:pPr latinLnBrk="1"/>
-                      <a:endParaRPr lang="ko-KR" altLang="en-US" sz="1200"/>
-                    </a:p>
-                  </a:txBody>
-                  <a:tcPr marL="0" marR="0" marT="0" marB="0"/>
-                </a:tc>
-                <a:tc>
-                  <a:txBody>
-                    <a:bodyPr/>
-                    <a:lstStyle/>
-                    <a:p>
-                      <a:pPr latinLnBrk="1"/>
-                      <a:endParaRPr lang="ko-KR" altLang="en-US" sz="1200"/>
-                    </a:p>
-                  </a:txBody>
-                  <a:tcPr marL="0" marR="0" marT="0" marB="0"/>
-                </a:tc>
-                <a:tc>
-                  <a:txBody>
-                    <a:bodyPr/>
-                    <a:lstStyle/>
-                    <a:p>
-                      <a:pPr latinLnBrk="1"/>
-                      <a:endParaRPr lang="ko-KR" altLang="en-US" sz="1200" dirty="0"/>
-                    </a:p>
-                  </a:txBody>
-                  <a:tcPr marL="0" marR="0" marT="0" marB="0"/>
-                </a:tc>
-                <a:tc>
-                  <a:txBody>
-                    <a:bodyPr/>
-                    <a:lstStyle/>
-                    <a:p>
-                      <a:pPr latinLnBrk="1"/>
-                      <a:endParaRPr lang="ko-KR" altLang="en-US" sz="1200"/>
-                    </a:p>
-                  </a:txBody>
-                  <a:tcPr marL="0" marR="0" marT="0" marB="0"/>
-                </a:tc>
-                <a:tc>
-                  <a:txBody>
-                    <a:bodyPr/>
-                    <a:lstStyle/>
-                    <a:p>
-                      <a:pPr latinLnBrk="1"/>
-                      <a:endParaRPr lang="ko-KR" altLang="en-US" sz="1200"/>
-                    </a:p>
-                  </a:txBody>
-                  <a:tcPr marL="0" marR="0" marT="0" marB="0"/>
-                </a:tc>
-                <a:tc>
-                  <a:txBody>
-                    <a:bodyPr/>
-                    <a:lstStyle/>
-                    <a:p>
-                      <a:pPr latinLnBrk="1"/>
-                      <a:endParaRPr lang="ko-KR" altLang="en-US" sz="1200"/>
-                    </a:p>
-                  </a:txBody>
-                  <a:tcPr marL="0" marR="0" marT="0" marB="0"/>
-                </a:tc>
-                <a:tc>
-                  <a:txBody>
-                    <a:bodyPr/>
-                    <a:lstStyle/>
-                    <a:p>
-                      <a:pPr latinLnBrk="1"/>
-                      <a:endParaRPr lang="ko-KR" altLang="en-US" sz="1200"/>
-                    </a:p>
-                  </a:txBody>
-                  <a:tcPr marL="0" marR="0" marT="0" marB="0"/>
-                </a:tc>
-                <a:tc>
-                  <a:txBody>
-                    <a:bodyPr/>
-                    <a:lstStyle/>
-                    <a:p>
-                      <a:pPr latinLnBrk="1"/>
-                      <a:endParaRPr lang="ko-KR" altLang="en-US" sz="1200"/>
-                    </a:p>
-                  </a:txBody>
-                  <a:tcPr marL="0" marR="0" marT="0" marB="0"/>
-                </a:tc>
-                <a:tc>
-                  <a:txBody>
-                    <a:bodyPr/>
-                    <a:lstStyle/>
-                    <a:p>
-                      <a:pPr latinLnBrk="1"/>
-                      <a:endParaRPr lang="ko-KR" altLang="en-US" sz="1200"/>
-                    </a:p>
-                  </a:txBody>
-                  <a:tcPr marL="0" marR="0" marT="0" marB="0"/>
-                </a:tc>
-                <a:tc>
-                  <a:txBody>
-                    <a:bodyPr/>
-                    <a:lstStyle/>
-                    <a:p>
-                      <a:pPr latinLnBrk="1"/>
-                      <a:endParaRPr lang="ko-KR" altLang="en-US" sz="1200"/>
+                      <a:r>
+                        <a:rPr lang="ko-KR" altLang="en-US" sz="1000" dirty="0">
+                          <a:latin typeface="맑은 고딕" panose="020B0503020000020004" pitchFamily="50" charset="-127"/>
+                          <a:ea typeface="맑은 고딕" panose="020B0503020000020004" pitchFamily="50" charset="-127"/>
+                        </a:rPr>
+                        <a:t>파도 효과 구현</a:t>
+                      </a:r>
+                    </a:p>
+                  </a:txBody>
+                  <a:tcPr marL="0" marR="0" marT="0" marB="0"/>
+                </a:tc>
+                <a:tc>
+                  <a:txBody>
+                    <a:bodyPr/>
+                    <a:lstStyle/>
+                    <a:p>
+                      <a:pPr latinLnBrk="1"/>
+                      <a:endParaRPr lang="ko-KR" altLang="en-US" sz="1200" dirty="0"/>
+                    </a:p>
+                  </a:txBody>
+                  <a:tcPr marL="0" marR="0" marT="0" marB="0"/>
+                </a:tc>
+                <a:tc>
+                  <a:txBody>
+                    <a:bodyPr/>
+                    <a:lstStyle/>
+                    <a:p>
+                      <a:pPr latinLnBrk="1"/>
+                      <a:endParaRPr lang="ko-KR" altLang="en-US" sz="1200" dirty="0"/>
+                    </a:p>
+                  </a:txBody>
+                  <a:tcPr marL="0" marR="0" marT="0" marB="0"/>
+                </a:tc>
+                <a:tc>
+                  <a:txBody>
+                    <a:bodyPr/>
+                    <a:lstStyle/>
+                    <a:p>
+                      <a:pPr latinLnBrk="1"/>
+                      <a:endParaRPr lang="ko-KR" altLang="en-US" sz="1200"/>
+                    </a:p>
+                  </a:txBody>
+                  <a:tcPr marL="0" marR="0" marT="0" marB="0"/>
+                </a:tc>
+                <a:tc>
+                  <a:txBody>
+                    <a:bodyPr/>
+                    <a:lstStyle/>
+                    <a:p>
+                      <a:pPr latinLnBrk="1"/>
+                      <a:endParaRPr lang="ko-KR" altLang="en-US" sz="1200" dirty="0"/>
+                    </a:p>
+                  </a:txBody>
+                  <a:tcPr marL="0" marR="0" marT="0" marB="0"/>
+                </a:tc>
+                <a:tc>
+                  <a:txBody>
+                    <a:bodyPr/>
+                    <a:lstStyle/>
+                    <a:p>
+                      <a:pPr latinLnBrk="1"/>
+                      <a:endParaRPr lang="ko-KR" altLang="en-US" sz="1200"/>
+                    </a:p>
+                  </a:txBody>
+                  <a:tcPr marL="0" marR="0" marT="0" marB="0"/>
+                </a:tc>
+                <a:tc>
+                  <a:txBody>
+                    <a:bodyPr/>
+                    <a:lstStyle/>
+                    <a:p>
+                      <a:pPr latinLnBrk="1"/>
+                      <a:endParaRPr lang="ko-KR" altLang="en-US" sz="1200"/>
+                    </a:p>
+                  </a:txBody>
+                  <a:tcPr marL="0" marR="0" marT="0" marB="0"/>
+                </a:tc>
+                <a:tc>
+                  <a:txBody>
+                    <a:bodyPr/>
+                    <a:lstStyle/>
+                    <a:p>
+                      <a:pPr latinLnBrk="1"/>
+                      <a:endParaRPr lang="ko-KR" altLang="en-US" sz="1200"/>
+                    </a:p>
+                  </a:txBody>
+                  <a:tcPr marL="0" marR="0" marT="0" marB="0"/>
+                </a:tc>
+                <a:tc>
+                  <a:txBody>
+                    <a:bodyPr/>
+                    <a:lstStyle/>
+                    <a:p>
+                      <a:pPr latinLnBrk="1"/>
+                      <a:endParaRPr lang="ko-KR" altLang="en-US" sz="1200"/>
+                    </a:p>
+                  </a:txBody>
+                  <a:tcPr marL="0" marR="0" marT="0" marB="0"/>
+                </a:tc>
+                <a:tc>
+                  <a:txBody>
+                    <a:bodyPr/>
+                    <a:lstStyle/>
+                    <a:p>
+                      <a:pPr latinLnBrk="1"/>
+                      <a:endParaRPr lang="ko-KR" altLang="en-US" sz="1200"/>
+                    </a:p>
+                  </a:txBody>
+                  <a:tcPr marL="0" marR="0" marT="0" marB="0"/>
+                </a:tc>
+                <a:tc>
+                  <a:txBody>
+                    <a:bodyPr/>
+                    <a:lstStyle/>
+                    <a:p>
+                      <a:pPr latinLnBrk="1"/>
+                      <a:endParaRPr lang="ko-KR" altLang="en-US" sz="1200"/>
+                    </a:p>
+                  </a:txBody>
+                  <a:tcPr marL="0" marR="0" marT="0" marB="0"/>
+                </a:tc>
+                <a:tc>
+                  <a:txBody>
+                    <a:bodyPr/>
+                    <a:lstStyle/>
+                    <a:p>
+                      <a:pPr latinLnBrk="1"/>
+                      <a:endParaRPr lang="ko-KR" altLang="en-US" sz="1200" dirty="0"/>
+                    </a:p>
+                  </a:txBody>
+                  <a:tcPr marL="0" marR="0" marT="0" marB="0"/>
+                </a:tc>
+                <a:tc>
+                  <a:txBody>
+                    <a:bodyPr/>
+                    <a:lstStyle/>
+                    <a:p>
+                      <a:pPr latinLnBrk="1"/>
+                      <a:endParaRPr lang="ko-KR" altLang="en-US" sz="1200"/>
+                    </a:p>
+                  </a:txBody>
+                  <a:tcPr marL="0" marR="0" marT="0" marB="0"/>
+                </a:tc>
+                <a:tc>
+                  <a:txBody>
+                    <a:bodyPr/>
+                    <a:lstStyle/>
+                    <a:p>
+                      <a:pPr latinLnBrk="1"/>
+                      <a:endParaRPr lang="ko-KR" altLang="en-US" sz="1200"/>
+                    </a:p>
+                  </a:txBody>
+                  <a:tcPr marL="0" marR="0" marT="0" marB="0"/>
+                </a:tc>
+                <a:tc>
+                  <a:txBody>
+                    <a:bodyPr/>
+                    <a:lstStyle/>
+                    <a:p>
+                      <a:pPr latinLnBrk="1"/>
+                      <a:endParaRPr lang="ko-KR" altLang="en-US" sz="1200"/>
+                    </a:p>
+                  </a:txBody>
+                  <a:tcPr marL="0" marR="0" marT="0" marB="0"/>
+                </a:tc>
+                <a:tc>
+                  <a:txBody>
+                    <a:bodyPr/>
+                    <a:lstStyle/>
+                    <a:p>
+                      <a:pPr latinLnBrk="1"/>
+                      <a:endParaRPr lang="ko-KR" altLang="en-US" sz="1200"/>
+                    </a:p>
+                  </a:txBody>
+                  <a:tcPr marL="0" marR="0" marT="0" marB="0"/>
+                </a:tc>
+                <a:tc>
+                  <a:txBody>
+                    <a:bodyPr/>
+                    <a:lstStyle/>
+                    <a:p>
+                      <a:pPr latinLnBrk="1"/>
+                      <a:endParaRPr lang="ko-KR" altLang="en-US" sz="1200"/>
+                    </a:p>
+                  </a:txBody>
+                  <a:tcPr marL="0" marR="0" marT="0" marB="0"/>
+                </a:tc>
+                <a:tc>
+                  <a:txBody>
+                    <a:bodyPr/>
+                    <a:lstStyle/>
+                    <a:p>
+                      <a:pPr latinLnBrk="1"/>
+                      <a:endParaRPr lang="ko-KR" altLang="en-US" sz="1200"/>
+                    </a:p>
+                  </a:txBody>
+                  <a:tcPr marL="0" marR="0" marT="0" marB="0"/>
+                </a:tc>
+                <a:tc>
+                  <a:txBody>
+                    <a:bodyPr/>
+                    <a:lstStyle/>
+                    <a:p>
+                      <a:pPr latinLnBrk="1"/>
+                      <a:endParaRPr lang="ko-KR" altLang="en-US" sz="1200" dirty="0"/>
                     </a:p>
                   </a:txBody>
                   <a:tcPr marL="0" marR="0" marT="0" marB="0"/>
@@ -18495,439 +18896,19 @@
                     <a:p>
                       <a:pPr algn="ctr" latinLnBrk="1"/>
                       <a:r>
-                        <a:rPr lang="ko-KR" altLang="en-US" sz="1000" dirty="0">
+                        <a:rPr lang="ko-KR" altLang="en-US" sz="1000" dirty="0" err="1">
                           <a:latin typeface="맑은 고딕" panose="020B0503020000020004" pitchFamily="50" charset="-127"/>
                           <a:ea typeface="맑은 고딕" panose="020B0503020000020004" pitchFamily="50" charset="-127"/>
                         </a:rPr>
-                        <a:t>동물 </a:t>
-                      </a:r>
-                      <a:r>
-                        <a:rPr lang="en-US" altLang="ko-KR" sz="1000" dirty="0">
-                          <a:latin typeface="맑은 고딕" panose="020B0503020000020004" pitchFamily="50" charset="-127"/>
-                          <a:ea typeface="맑은 고딕" panose="020B0503020000020004" pitchFamily="50" charset="-127"/>
-                        </a:rPr>
-                        <a:t>A.I </a:t>
+                        <a:t>인게임</a:t>
                       </a:r>
                       <a:r>
                         <a:rPr lang="ko-KR" altLang="en-US" sz="1000" dirty="0">
                           <a:latin typeface="맑은 고딕" panose="020B0503020000020004" pitchFamily="50" charset="-127"/>
                           <a:ea typeface="맑은 고딕" panose="020B0503020000020004" pitchFamily="50" charset="-127"/>
                         </a:rPr>
-                        <a:t>구현</a:t>
+                        <a:t> </a:t>
                       </a:r>
-                    </a:p>
-                  </a:txBody>
-                  <a:tcPr marL="0" marR="0" marT="0" marB="0"/>
-                </a:tc>
-                <a:tc>
-                  <a:txBody>
-                    <a:bodyPr/>
-                    <a:lstStyle/>
-                    <a:p>
-                      <a:pPr latinLnBrk="1"/>
-                      <a:endParaRPr lang="ko-KR" altLang="en-US" sz="1200" dirty="0"/>
-                    </a:p>
-                  </a:txBody>
-                  <a:tcPr marL="0" marR="0" marT="0" marB="0"/>
-                </a:tc>
-                <a:tc>
-                  <a:txBody>
-                    <a:bodyPr/>
-                    <a:lstStyle/>
-                    <a:p>
-                      <a:pPr latinLnBrk="1"/>
-                      <a:endParaRPr lang="ko-KR" altLang="en-US" sz="1200"/>
-                    </a:p>
-                  </a:txBody>
-                  <a:tcPr marL="0" marR="0" marT="0" marB="0"/>
-                </a:tc>
-                <a:tc>
-                  <a:txBody>
-                    <a:bodyPr/>
-                    <a:lstStyle/>
-                    <a:p>
-                      <a:pPr latinLnBrk="1"/>
-                      <a:endParaRPr lang="ko-KR" altLang="en-US" sz="1200"/>
-                    </a:p>
-                  </a:txBody>
-                  <a:tcPr marL="0" marR="0" marT="0" marB="0"/>
-                </a:tc>
-                <a:tc>
-                  <a:txBody>
-                    <a:bodyPr/>
-                    <a:lstStyle/>
-                    <a:p>
-                      <a:pPr latinLnBrk="1"/>
-                      <a:endParaRPr lang="ko-KR" altLang="en-US" sz="1200" dirty="0"/>
-                    </a:p>
-                  </a:txBody>
-                  <a:tcPr marL="0" marR="0" marT="0" marB="0"/>
-                </a:tc>
-                <a:tc>
-                  <a:txBody>
-                    <a:bodyPr/>
-                    <a:lstStyle/>
-                    <a:p>
-                      <a:pPr latinLnBrk="1"/>
-                      <a:endParaRPr lang="ko-KR" altLang="en-US" sz="1200"/>
-                    </a:p>
-                  </a:txBody>
-                  <a:tcPr marL="0" marR="0" marT="0" marB="0"/>
-                </a:tc>
-                <a:tc>
-                  <a:txBody>
-                    <a:bodyPr/>
-                    <a:lstStyle/>
-                    <a:p>
-                      <a:pPr latinLnBrk="1"/>
-                      <a:endParaRPr lang="ko-KR" altLang="en-US" sz="1200"/>
-                    </a:p>
-                  </a:txBody>
-                  <a:tcPr marL="0" marR="0" marT="0" marB="0"/>
-                </a:tc>
-                <a:tc>
-                  <a:txBody>
-                    <a:bodyPr/>
-                    <a:lstStyle/>
-                    <a:p>
-                      <a:pPr latinLnBrk="1"/>
-                      <a:endParaRPr lang="ko-KR" altLang="en-US" sz="1200"/>
-                    </a:p>
-                  </a:txBody>
-                  <a:tcPr marL="0" marR="0" marT="0" marB="0"/>
-                </a:tc>
-                <a:tc>
-                  <a:txBody>
-                    <a:bodyPr/>
-                    <a:lstStyle/>
-                    <a:p>
-                      <a:pPr latinLnBrk="1"/>
-                      <a:endParaRPr lang="ko-KR" altLang="en-US" sz="1200"/>
-                    </a:p>
-                  </a:txBody>
-                  <a:tcPr marL="0" marR="0" marT="0" marB="0"/>
-                </a:tc>
-                <a:tc>
-                  <a:txBody>
-                    <a:bodyPr/>
-                    <a:lstStyle/>
-                    <a:p>
-                      <a:pPr latinLnBrk="1"/>
-                      <a:endParaRPr lang="ko-KR" altLang="en-US" sz="1200"/>
-                    </a:p>
-                  </a:txBody>
-                  <a:tcPr marL="0" marR="0" marT="0" marB="0"/>
-                </a:tc>
-                <a:tc>
-                  <a:txBody>
-                    <a:bodyPr/>
-                    <a:lstStyle/>
-                    <a:p>
-                      <a:pPr latinLnBrk="1"/>
-                      <a:endParaRPr lang="ko-KR" altLang="en-US" sz="1200"/>
-                    </a:p>
-                  </a:txBody>
-                  <a:tcPr marL="0" marR="0" marT="0" marB="0"/>
-                </a:tc>
-                <a:tc>
-                  <a:txBody>
-                    <a:bodyPr/>
-                    <a:lstStyle/>
-                    <a:p>
-                      <a:pPr latinLnBrk="1"/>
-                      <a:endParaRPr lang="ko-KR" altLang="en-US" sz="1200" dirty="0"/>
-                    </a:p>
-                  </a:txBody>
-                  <a:tcPr marL="0" marR="0" marT="0" marB="0"/>
-                </a:tc>
-                <a:tc>
-                  <a:txBody>
-                    <a:bodyPr/>
-                    <a:lstStyle/>
-                    <a:p>
-                      <a:pPr latinLnBrk="1"/>
-                      <a:endParaRPr lang="ko-KR" altLang="en-US" sz="1200"/>
-                    </a:p>
-                  </a:txBody>
-                  <a:tcPr marL="0" marR="0" marT="0" marB="0"/>
-                </a:tc>
-                <a:tc>
-                  <a:txBody>
-                    <a:bodyPr/>
-                    <a:lstStyle/>
-                    <a:p>
-                      <a:pPr latinLnBrk="1"/>
-                      <a:endParaRPr lang="ko-KR" altLang="en-US" sz="1200"/>
-                    </a:p>
-                  </a:txBody>
-                  <a:tcPr marL="0" marR="0" marT="0" marB="0"/>
-                </a:tc>
-                <a:tc>
-                  <a:txBody>
-                    <a:bodyPr/>
-                    <a:lstStyle/>
-                    <a:p>
-                      <a:pPr latinLnBrk="1"/>
-                      <a:endParaRPr lang="ko-KR" altLang="en-US" sz="1200"/>
-                    </a:p>
-                  </a:txBody>
-                  <a:tcPr marL="0" marR="0" marT="0" marB="0"/>
-                </a:tc>
-                <a:tc>
-                  <a:txBody>
-                    <a:bodyPr/>
-                    <a:lstStyle/>
-                    <a:p>
-                      <a:pPr latinLnBrk="1"/>
-                      <a:endParaRPr lang="ko-KR" altLang="en-US" sz="1200"/>
-                    </a:p>
-                  </a:txBody>
-                  <a:tcPr marL="0" marR="0" marT="0" marB="0"/>
-                </a:tc>
-                <a:tc>
-                  <a:txBody>
-                    <a:bodyPr/>
-                    <a:lstStyle/>
-                    <a:p>
-                      <a:pPr latinLnBrk="1"/>
-                      <a:endParaRPr lang="ko-KR" altLang="en-US" sz="1200"/>
-                    </a:p>
-                  </a:txBody>
-                  <a:tcPr marL="0" marR="0" marT="0" marB="0"/>
-                </a:tc>
-                <a:tc>
-                  <a:txBody>
-                    <a:bodyPr/>
-                    <a:lstStyle/>
-                    <a:p>
-                      <a:pPr latinLnBrk="1"/>
-                      <a:endParaRPr lang="ko-KR" altLang="en-US" sz="1200"/>
-                    </a:p>
-                  </a:txBody>
-                  <a:tcPr marL="0" marR="0" marT="0" marB="0"/>
-                </a:tc>
-                <a:tc>
-                  <a:txBody>
-                    <a:bodyPr/>
-                    <a:lstStyle/>
-                    <a:p>
-                      <a:pPr latinLnBrk="1"/>
-                      <a:endParaRPr lang="ko-KR" altLang="en-US" sz="1200"/>
-                    </a:p>
-                  </a:txBody>
-                  <a:tcPr marL="0" marR="0" marT="0" marB="0"/>
-                </a:tc>
-                <a:tc>
-                  <a:txBody>
-                    <a:bodyPr/>
-                    <a:lstStyle/>
-                    <a:p>
-                      <a:pPr latinLnBrk="1"/>
-                      <a:endParaRPr lang="ko-KR" altLang="en-US" sz="1200"/>
-                    </a:p>
-                  </a:txBody>
-                  <a:tcPr marL="0" marR="0" marT="0" marB="0"/>
-                </a:tc>
-                <a:tc>
-                  <a:txBody>
-                    <a:bodyPr/>
-                    <a:lstStyle/>
-                    <a:p>
-                      <a:pPr latinLnBrk="1"/>
-                      <a:endParaRPr lang="ko-KR" altLang="en-US" sz="1200" dirty="0"/>
-                    </a:p>
-                  </a:txBody>
-                  <a:tcPr marL="0" marR="0" marT="0" marB="0"/>
-                </a:tc>
-                <a:tc>
-                  <a:txBody>
-                    <a:bodyPr/>
-                    <a:lstStyle/>
-                    <a:p>
-                      <a:pPr latinLnBrk="1"/>
-                      <a:endParaRPr lang="ko-KR" altLang="en-US" sz="1200" dirty="0"/>
-                    </a:p>
-                  </a:txBody>
-                  <a:tcPr marL="0" marR="0" marT="0" marB="0"/>
-                </a:tc>
-                <a:tc>
-                  <a:txBody>
-                    <a:bodyPr/>
-                    <a:lstStyle/>
-                    <a:p>
-                      <a:pPr latinLnBrk="1"/>
-                      <a:endParaRPr lang="ko-KR" altLang="en-US" sz="1200"/>
-                    </a:p>
-                  </a:txBody>
-                  <a:tcPr marL="0" marR="0" marT="0" marB="0"/>
-                </a:tc>
-                <a:tc>
-                  <a:txBody>
-                    <a:bodyPr/>
-                    <a:lstStyle/>
-                    <a:p>
-                      <a:pPr latinLnBrk="1"/>
-                      <a:endParaRPr lang="ko-KR" altLang="en-US" sz="1200" dirty="0"/>
-                    </a:p>
-                  </a:txBody>
-                  <a:tcPr marL="0" marR="0" marT="0" marB="0"/>
-                </a:tc>
-                <a:tc>
-                  <a:txBody>
-                    <a:bodyPr/>
-                    <a:lstStyle/>
-                    <a:p>
-                      <a:pPr latinLnBrk="1"/>
-                      <a:endParaRPr lang="ko-KR" altLang="en-US" sz="1200"/>
-                    </a:p>
-                  </a:txBody>
-                  <a:tcPr marL="0" marR="0" marT="0" marB="0"/>
-                </a:tc>
-                <a:tc>
-                  <a:txBody>
-                    <a:bodyPr/>
-                    <a:lstStyle/>
-                    <a:p>
-                      <a:pPr latinLnBrk="1"/>
-                      <a:endParaRPr lang="ko-KR" altLang="en-US" sz="1200" dirty="0"/>
-                    </a:p>
-                  </a:txBody>
-                  <a:tcPr marL="0" marR="0" marT="0" marB="0"/>
-                </a:tc>
-                <a:tc>
-                  <a:txBody>
-                    <a:bodyPr/>
-                    <a:lstStyle/>
-                    <a:p>
-                      <a:pPr latinLnBrk="1"/>
-                      <a:endParaRPr lang="ko-KR" altLang="en-US" sz="1200" dirty="0"/>
-                    </a:p>
-                  </a:txBody>
-                  <a:tcPr marL="0" marR="0" marT="0" marB="0"/>
-                </a:tc>
-                <a:tc>
-                  <a:txBody>
-                    <a:bodyPr/>
-                    <a:lstStyle/>
-                    <a:p>
-                      <a:pPr latinLnBrk="1"/>
-                      <a:endParaRPr lang="ko-KR" altLang="en-US" sz="1200" dirty="0"/>
-                    </a:p>
-                  </a:txBody>
-                  <a:tcPr marL="0" marR="0" marT="0" marB="0"/>
-                </a:tc>
-                <a:tc>
-                  <a:txBody>
-                    <a:bodyPr/>
-                    <a:lstStyle/>
-                    <a:p>
-                      <a:pPr latinLnBrk="1"/>
-                      <a:endParaRPr lang="ko-KR" altLang="en-US" sz="1200" dirty="0"/>
-                    </a:p>
-                  </a:txBody>
-                  <a:tcPr marL="0" marR="0" marT="0" marB="0"/>
-                </a:tc>
-                <a:tc>
-                  <a:txBody>
-                    <a:bodyPr/>
-                    <a:lstStyle/>
-                    <a:p>
-                      <a:pPr latinLnBrk="1"/>
-                      <a:endParaRPr lang="ko-KR" altLang="en-US" sz="1200" dirty="0"/>
-                    </a:p>
-                  </a:txBody>
-                  <a:tcPr marL="0" marR="0" marT="0" marB="0"/>
-                </a:tc>
-                <a:tc>
-                  <a:txBody>
-                    <a:bodyPr/>
-                    <a:lstStyle/>
-                    <a:p>
-                      <a:pPr latinLnBrk="1"/>
-                      <a:endParaRPr lang="ko-KR" altLang="en-US" sz="1200" dirty="0"/>
-                    </a:p>
-                  </a:txBody>
-                  <a:tcPr marL="0" marR="0" marT="0" marB="0"/>
-                </a:tc>
-                <a:tc>
-                  <a:txBody>
-                    <a:bodyPr/>
-                    <a:lstStyle/>
-                    <a:p>
-                      <a:pPr latinLnBrk="1"/>
-                      <a:endParaRPr lang="ko-KR" altLang="en-US" sz="1200" dirty="0"/>
-                    </a:p>
-                  </a:txBody>
-                  <a:tcPr marL="0" marR="0" marT="0" marB="0"/>
-                </a:tc>
-                <a:tc>
-                  <a:txBody>
-                    <a:bodyPr/>
-                    <a:lstStyle/>
-                    <a:p>
-                      <a:pPr latinLnBrk="1"/>
-                      <a:endParaRPr lang="ko-KR" altLang="en-US" sz="1200" dirty="0"/>
-                    </a:p>
-                  </a:txBody>
-                  <a:tcPr marL="0" marR="0" marT="0" marB="0"/>
-                </a:tc>
-                <a:tc>
-                  <a:txBody>
-                    <a:bodyPr/>
-                    <a:lstStyle/>
-                    <a:p>
-                      <a:pPr latinLnBrk="1"/>
-                      <a:endParaRPr lang="ko-KR" altLang="en-US" sz="1200" dirty="0"/>
-                    </a:p>
-                  </a:txBody>
-                  <a:tcPr marL="0" marR="0" marT="0" marB="0"/>
-                </a:tc>
-                <a:tc>
-                  <a:txBody>
-                    <a:bodyPr/>
-                    <a:lstStyle/>
-                    <a:p>
-                      <a:pPr latinLnBrk="1"/>
-                      <a:endParaRPr lang="ko-KR" altLang="en-US" sz="1200" dirty="0"/>
-                    </a:p>
-                  </a:txBody>
-                  <a:tcPr marL="0" marR="0" marT="0" marB="0"/>
-                </a:tc>
-                <a:tc>
-                  <a:txBody>
-                    <a:bodyPr/>
-                    <a:lstStyle/>
-                    <a:p>
-                      <a:pPr latinLnBrk="1"/>
-                      <a:endParaRPr lang="ko-KR" altLang="en-US" sz="1200" dirty="0"/>
-                    </a:p>
-                  </a:txBody>
-                  <a:tcPr marL="0" marR="0" marT="0" marB="0"/>
-                </a:tc>
-                <a:tc>
-                  <a:txBody>
-                    <a:bodyPr/>
-                    <a:lstStyle/>
-                    <a:p>
-                      <a:pPr latinLnBrk="1"/>
-                      <a:endParaRPr lang="ko-KR" altLang="en-US" sz="1200" dirty="0"/>
-                    </a:p>
-                  </a:txBody>
-                  <a:tcPr marL="0" marR="0" marT="0" marB="0"/>
-                </a:tc>
-                <a:extLst>
-                  <a:ext uri="{0D108BD9-81ED-4DB2-BD59-A6C34878D82A}">
-                    <a16:rowId xmlns:a16="http://schemas.microsoft.com/office/drawing/2014/main" val="2659978703"/>
-                  </a:ext>
-                </a:extLst>
-              </a:tr>
-              <a:tr h="0">
-                <a:tc>
-                  <a:txBody>
-                    <a:bodyPr/>
-                    <a:lstStyle/>
-                    <a:p>
-                      <a:pPr algn="ctr" latinLnBrk="1"/>
                       <a:r>
                         <a:rPr lang="en-US" altLang="ko-KR" sz="1000" dirty="0">
                           <a:latin typeface="맑은 고딕" panose="020B0503020000020004" pitchFamily="50" charset="-127"/>
@@ -18993,205 +18974,205 @@
                     <a:lstStyle/>
                     <a:p>
                       <a:pPr latinLnBrk="1"/>
-                      <a:endParaRPr lang="ko-KR" altLang="en-US" sz="1200" dirty="0"/>
-                    </a:p>
-                  </a:txBody>
-                  <a:tcPr marL="0" marR="0" marT="0" marB="0"/>
-                </a:tc>
-                <a:tc>
-                  <a:txBody>
-                    <a:bodyPr/>
-                    <a:lstStyle/>
-                    <a:p>
-                      <a:pPr latinLnBrk="1"/>
-                      <a:endParaRPr lang="ko-KR" altLang="en-US" sz="1200"/>
-                    </a:p>
-                  </a:txBody>
-                  <a:tcPr marL="0" marR="0" marT="0" marB="0"/>
-                </a:tc>
-                <a:tc>
-                  <a:txBody>
-                    <a:bodyPr/>
-                    <a:lstStyle/>
-                    <a:p>
-                      <a:pPr latinLnBrk="1"/>
-                      <a:endParaRPr lang="ko-KR" altLang="en-US" sz="1200"/>
-                    </a:p>
-                  </a:txBody>
-                  <a:tcPr marL="0" marR="0" marT="0" marB="0"/>
-                </a:tc>
-                <a:tc>
-                  <a:txBody>
-                    <a:bodyPr/>
-                    <a:lstStyle/>
-                    <a:p>
-                      <a:pPr latinLnBrk="1"/>
-                      <a:endParaRPr lang="ko-KR" altLang="en-US" sz="1200"/>
-                    </a:p>
-                  </a:txBody>
-                  <a:tcPr marL="0" marR="0" marT="0" marB="0"/>
-                </a:tc>
-                <a:tc>
-                  <a:txBody>
-                    <a:bodyPr/>
-                    <a:lstStyle/>
-                    <a:p>
-                      <a:pPr latinLnBrk="1"/>
-                      <a:endParaRPr lang="ko-KR" altLang="en-US" sz="1200"/>
-                    </a:p>
-                  </a:txBody>
-                  <a:tcPr marL="0" marR="0" marT="0" marB="0"/>
-                </a:tc>
-                <a:tc>
-                  <a:txBody>
-                    <a:bodyPr/>
-                    <a:lstStyle/>
-                    <a:p>
-                      <a:pPr latinLnBrk="1"/>
-                      <a:endParaRPr lang="ko-KR" altLang="en-US" sz="1200"/>
-                    </a:p>
-                  </a:txBody>
-                  <a:tcPr marL="0" marR="0" marT="0" marB="0"/>
-                </a:tc>
-                <a:tc>
-                  <a:txBody>
-                    <a:bodyPr/>
-                    <a:lstStyle/>
-                    <a:p>
-                      <a:pPr latinLnBrk="1"/>
-                      <a:endParaRPr lang="ko-KR" altLang="en-US" sz="1200" dirty="0"/>
-                    </a:p>
-                  </a:txBody>
-                  <a:tcPr marL="0" marR="0" marT="0" marB="0"/>
-                </a:tc>
-                <a:tc>
-                  <a:txBody>
-                    <a:bodyPr/>
-                    <a:lstStyle/>
-                    <a:p>
-                      <a:pPr latinLnBrk="1"/>
-                      <a:endParaRPr lang="ko-KR" altLang="en-US" sz="1200"/>
-                    </a:p>
-                  </a:txBody>
-                  <a:tcPr marL="0" marR="0" marT="0" marB="0"/>
-                </a:tc>
-                <a:tc>
-                  <a:txBody>
-                    <a:bodyPr/>
-                    <a:lstStyle/>
-                    <a:p>
-                      <a:pPr latinLnBrk="1"/>
-                      <a:endParaRPr lang="ko-KR" altLang="en-US" sz="1200"/>
-                    </a:p>
-                  </a:txBody>
-                  <a:tcPr marL="0" marR="0" marT="0" marB="0"/>
-                </a:tc>
-                <a:tc>
-                  <a:txBody>
-                    <a:bodyPr/>
-                    <a:lstStyle/>
-                    <a:p>
-                      <a:pPr latinLnBrk="1"/>
-                      <a:endParaRPr lang="ko-KR" altLang="en-US" sz="1200"/>
-                    </a:p>
-                  </a:txBody>
-                  <a:tcPr marL="0" marR="0" marT="0" marB="0"/>
-                </a:tc>
-                <a:tc>
-                  <a:txBody>
-                    <a:bodyPr/>
-                    <a:lstStyle/>
-                    <a:p>
-                      <a:pPr latinLnBrk="1"/>
-                      <a:endParaRPr lang="ko-KR" altLang="en-US" sz="1200"/>
-                    </a:p>
-                  </a:txBody>
-                  <a:tcPr marL="0" marR="0" marT="0" marB="0"/>
-                </a:tc>
-                <a:tc>
-                  <a:txBody>
-                    <a:bodyPr/>
-                    <a:lstStyle/>
-                    <a:p>
-                      <a:pPr latinLnBrk="1"/>
-                      <a:endParaRPr lang="ko-KR" altLang="en-US" sz="1200"/>
-                    </a:p>
-                  </a:txBody>
-                  <a:tcPr marL="0" marR="0" marT="0" marB="0"/>
-                </a:tc>
-                <a:tc>
-                  <a:txBody>
-                    <a:bodyPr/>
-                    <a:lstStyle/>
-                    <a:p>
-                      <a:pPr latinLnBrk="1"/>
-                      <a:endParaRPr lang="ko-KR" altLang="en-US" sz="1200"/>
-                    </a:p>
-                  </a:txBody>
-                  <a:tcPr marL="0" marR="0" marT="0" marB="0"/>
-                </a:tc>
-                <a:tc>
-                  <a:txBody>
-                    <a:bodyPr/>
-                    <a:lstStyle/>
-                    <a:p>
-                      <a:pPr latinLnBrk="1"/>
-                      <a:endParaRPr lang="ko-KR" altLang="en-US" sz="1200"/>
-                    </a:p>
-                  </a:txBody>
-                  <a:tcPr marL="0" marR="0" marT="0" marB="0"/>
-                </a:tc>
-                <a:tc>
-                  <a:txBody>
-                    <a:bodyPr/>
-                    <a:lstStyle/>
-                    <a:p>
-                      <a:pPr latinLnBrk="1"/>
-                      <a:endParaRPr lang="ko-KR" altLang="en-US" sz="1200"/>
-                    </a:p>
-                  </a:txBody>
-                  <a:tcPr marL="0" marR="0" marT="0" marB="0"/>
-                </a:tc>
-                <a:tc>
-                  <a:txBody>
-                    <a:bodyPr/>
-                    <a:lstStyle/>
-                    <a:p>
-                      <a:pPr latinLnBrk="1"/>
-                      <a:endParaRPr lang="ko-KR" altLang="en-US" sz="1200" dirty="0"/>
-                    </a:p>
-                  </a:txBody>
-                  <a:tcPr marL="0" marR="0" marT="0" marB="0"/>
-                </a:tc>
-                <a:tc>
-                  <a:txBody>
-                    <a:bodyPr/>
-                    <a:lstStyle/>
-                    <a:p>
-                      <a:pPr latinLnBrk="1"/>
-                      <a:endParaRPr lang="ko-KR" altLang="en-US" sz="1200" dirty="0"/>
-                    </a:p>
-                  </a:txBody>
-                  <a:tcPr marL="0" marR="0" marT="0" marB="0"/>
-                </a:tc>
-                <a:tc>
-                  <a:txBody>
-                    <a:bodyPr/>
-                    <a:lstStyle/>
-                    <a:p>
-                      <a:pPr latinLnBrk="1"/>
-                      <a:endParaRPr lang="ko-KR" altLang="en-US" sz="1200"/>
-                    </a:p>
-                  </a:txBody>
-                  <a:tcPr marL="0" marR="0" marT="0" marB="0"/>
-                </a:tc>
-                <a:tc>
-                  <a:txBody>
-                    <a:bodyPr/>
-                    <a:lstStyle/>
-                    <a:p>
-                      <a:pPr latinLnBrk="1"/>
-                      <a:endParaRPr lang="ko-KR" altLang="en-US" sz="1200"/>
+                      <a:endParaRPr lang="ko-KR" altLang="en-US" sz="1200"/>
+                    </a:p>
+                  </a:txBody>
+                  <a:tcPr marL="0" marR="0" marT="0" marB="0"/>
+                </a:tc>
+                <a:tc>
+                  <a:txBody>
+                    <a:bodyPr/>
+                    <a:lstStyle/>
+                    <a:p>
+                      <a:pPr latinLnBrk="1"/>
+                      <a:endParaRPr lang="ko-KR" altLang="en-US" sz="1200"/>
+                    </a:p>
+                  </a:txBody>
+                  <a:tcPr marL="0" marR="0" marT="0" marB="0"/>
+                </a:tc>
+                <a:tc>
+                  <a:txBody>
+                    <a:bodyPr/>
+                    <a:lstStyle/>
+                    <a:p>
+                      <a:pPr latinLnBrk="1"/>
+                      <a:endParaRPr lang="ko-KR" altLang="en-US" sz="1200"/>
+                    </a:p>
+                  </a:txBody>
+                  <a:tcPr marL="0" marR="0" marT="0" marB="0"/>
+                </a:tc>
+                <a:tc>
+                  <a:txBody>
+                    <a:bodyPr/>
+                    <a:lstStyle/>
+                    <a:p>
+                      <a:pPr latinLnBrk="1"/>
+                      <a:endParaRPr lang="ko-KR" altLang="en-US" sz="1200"/>
+                    </a:p>
+                  </a:txBody>
+                  <a:tcPr marL="0" marR="0" marT="0" marB="0"/>
+                </a:tc>
+                <a:tc>
+                  <a:txBody>
+                    <a:bodyPr/>
+                    <a:lstStyle/>
+                    <a:p>
+                      <a:pPr latinLnBrk="1"/>
+                      <a:endParaRPr lang="ko-KR" altLang="en-US" sz="1200"/>
+                    </a:p>
+                  </a:txBody>
+                  <a:tcPr marL="0" marR="0" marT="0" marB="0"/>
+                </a:tc>
+                <a:tc>
+                  <a:txBody>
+                    <a:bodyPr/>
+                    <a:lstStyle/>
+                    <a:p>
+                      <a:pPr latinLnBrk="1"/>
+                      <a:endParaRPr lang="ko-KR" altLang="en-US" sz="1200"/>
+                    </a:p>
+                  </a:txBody>
+                  <a:tcPr marL="0" marR="0" marT="0" marB="0"/>
+                </a:tc>
+                <a:tc>
+                  <a:txBody>
+                    <a:bodyPr/>
+                    <a:lstStyle/>
+                    <a:p>
+                      <a:pPr latinLnBrk="1"/>
+                      <a:endParaRPr lang="ko-KR" altLang="en-US" sz="1200" dirty="0"/>
+                    </a:p>
+                  </a:txBody>
+                  <a:tcPr marL="0" marR="0" marT="0" marB="0"/>
+                </a:tc>
+                <a:tc>
+                  <a:txBody>
+                    <a:bodyPr/>
+                    <a:lstStyle/>
+                    <a:p>
+                      <a:pPr latinLnBrk="1"/>
+                      <a:endParaRPr lang="ko-KR" altLang="en-US" sz="1200"/>
+                    </a:p>
+                  </a:txBody>
+                  <a:tcPr marL="0" marR="0" marT="0" marB="0"/>
+                </a:tc>
+                <a:tc>
+                  <a:txBody>
+                    <a:bodyPr/>
+                    <a:lstStyle/>
+                    <a:p>
+                      <a:pPr latinLnBrk="1"/>
+                      <a:endParaRPr lang="ko-KR" altLang="en-US" sz="1200"/>
+                    </a:p>
+                  </a:txBody>
+                  <a:tcPr marL="0" marR="0" marT="0" marB="0"/>
+                </a:tc>
+                <a:tc>
+                  <a:txBody>
+                    <a:bodyPr/>
+                    <a:lstStyle/>
+                    <a:p>
+                      <a:pPr latinLnBrk="1"/>
+                      <a:endParaRPr lang="ko-KR" altLang="en-US" sz="1200"/>
+                    </a:p>
+                  </a:txBody>
+                  <a:tcPr marL="0" marR="0" marT="0" marB="0"/>
+                </a:tc>
+                <a:tc>
+                  <a:txBody>
+                    <a:bodyPr/>
+                    <a:lstStyle/>
+                    <a:p>
+                      <a:pPr latinLnBrk="1"/>
+                      <a:endParaRPr lang="ko-KR" altLang="en-US" sz="1200"/>
+                    </a:p>
+                  </a:txBody>
+                  <a:tcPr marL="0" marR="0" marT="0" marB="0"/>
+                </a:tc>
+                <a:tc>
+                  <a:txBody>
+                    <a:bodyPr/>
+                    <a:lstStyle/>
+                    <a:p>
+                      <a:pPr latinLnBrk="1"/>
+                      <a:endParaRPr lang="ko-KR" altLang="en-US" sz="1200"/>
+                    </a:p>
+                  </a:txBody>
+                  <a:tcPr marL="0" marR="0" marT="0" marB="0"/>
+                </a:tc>
+                <a:tc>
+                  <a:txBody>
+                    <a:bodyPr/>
+                    <a:lstStyle/>
+                    <a:p>
+                      <a:pPr latinLnBrk="1"/>
+                      <a:endParaRPr lang="ko-KR" altLang="en-US" sz="1200"/>
+                    </a:p>
+                  </a:txBody>
+                  <a:tcPr marL="0" marR="0" marT="0" marB="0"/>
+                </a:tc>
+                <a:tc>
+                  <a:txBody>
+                    <a:bodyPr/>
+                    <a:lstStyle/>
+                    <a:p>
+                      <a:pPr latinLnBrk="1"/>
+                      <a:endParaRPr lang="ko-KR" altLang="en-US" sz="1200"/>
+                    </a:p>
+                  </a:txBody>
+                  <a:tcPr marL="0" marR="0" marT="0" marB="0"/>
+                </a:tc>
+                <a:tc>
+                  <a:txBody>
+                    <a:bodyPr/>
+                    <a:lstStyle/>
+                    <a:p>
+                      <a:pPr latinLnBrk="1"/>
+                      <a:endParaRPr lang="ko-KR" altLang="en-US" sz="1200"/>
+                    </a:p>
+                  </a:txBody>
+                  <a:tcPr marL="0" marR="0" marT="0" marB="0"/>
+                </a:tc>
+                <a:tc>
+                  <a:txBody>
+                    <a:bodyPr/>
+                    <a:lstStyle/>
+                    <a:p>
+                      <a:pPr latinLnBrk="1"/>
+                      <a:endParaRPr lang="ko-KR" altLang="en-US" sz="1200" dirty="0"/>
+                    </a:p>
+                  </a:txBody>
+                  <a:tcPr marL="0" marR="0" marT="0" marB="0"/>
+                </a:tc>
+                <a:tc>
+                  <a:txBody>
+                    <a:bodyPr/>
+                    <a:lstStyle/>
+                    <a:p>
+                      <a:pPr latinLnBrk="1"/>
+                      <a:endParaRPr lang="ko-KR" altLang="en-US" sz="1200" dirty="0"/>
+                    </a:p>
+                  </a:txBody>
+                  <a:tcPr marL="0" marR="0" marT="0" marB="0"/>
+                </a:tc>
+                <a:tc>
+                  <a:txBody>
+                    <a:bodyPr/>
+                    <a:lstStyle/>
+                    <a:p>
+                      <a:pPr latinLnBrk="1"/>
+                      <a:endParaRPr lang="ko-KR" altLang="en-US" sz="1200"/>
+                    </a:p>
+                  </a:txBody>
+                  <a:tcPr marL="0" marR="0" marT="0" marB="0"/>
+                </a:tc>
+                <a:tc>
+                  <a:txBody>
+                    <a:bodyPr/>
+                    <a:lstStyle/>
+                    <a:p>
+                      <a:pPr latinLnBrk="1"/>
+                      <a:endParaRPr lang="ko-KR" altLang="en-US" sz="1200" dirty="0"/>
                     </a:p>
                   </a:txBody>
                   <a:tcPr marL="0" marR="0" marT="0" marB="0"/>
@@ -19341,7 +19322,7 @@
                 </a:tc>
                 <a:extLst>
                   <a:ext uri="{0D108BD9-81ED-4DB2-BD59-A6C34878D82A}">
-                    <a16:rowId xmlns:a16="http://schemas.microsoft.com/office/drawing/2014/main" val="1991589359"/>
+                    <a16:rowId xmlns:a16="http://schemas.microsoft.com/office/drawing/2014/main" val="2659978703"/>
                   </a:ext>
                 </a:extLst>
               </a:tr>
@@ -19811,7 +19792,7 @@
         </p:nvSpPr>
         <p:spPr>
           <a:xfrm>
-            <a:off x="2654968" y="2287282"/>
+            <a:off x="2654969" y="2428685"/>
             <a:ext cx="929329" cy="122704"/>
           </a:xfrm>
           <a:prstGeom prst="rect">
@@ -19956,7 +19937,7 @@
         </p:nvSpPr>
         <p:spPr>
           <a:xfrm>
-            <a:off x="2654968" y="2098490"/>
+            <a:off x="2654969" y="2239893"/>
             <a:ext cx="929329" cy="122704"/>
           </a:xfrm>
           <a:prstGeom prst="rect">
@@ -20002,7 +19983,7 @@
         </p:nvSpPr>
         <p:spPr>
           <a:xfrm>
-            <a:off x="3569925" y="2792477"/>
+            <a:off x="3569925" y="3139911"/>
             <a:ext cx="450292" cy="87248"/>
           </a:xfrm>
           <a:prstGeom prst="rect">
@@ -20048,7 +20029,7 @@
         </p:nvSpPr>
         <p:spPr>
           <a:xfrm>
-            <a:off x="3569926" y="2882844"/>
+            <a:off x="3569926" y="3230278"/>
             <a:ext cx="450292" cy="83265"/>
           </a:xfrm>
           <a:prstGeom prst="rect">
@@ -20094,7 +20075,7 @@
         </p:nvSpPr>
         <p:spPr>
           <a:xfrm>
-            <a:off x="2654968" y="2638248"/>
+            <a:off x="2654968" y="2964541"/>
             <a:ext cx="914957" cy="130969"/>
           </a:xfrm>
           <a:prstGeom prst="rect">
@@ -20140,8 +20121,8 @@
         </p:nvSpPr>
         <p:spPr>
           <a:xfrm>
-            <a:off x="3584297" y="2468302"/>
-            <a:ext cx="1864003" cy="112123"/>
+            <a:off x="3569925" y="2591940"/>
+            <a:ext cx="929329" cy="122704"/>
           </a:xfrm>
           <a:prstGeom prst="rect">
             <a:avLst/>
@@ -20174,98 +20155,6 @@
       </p:sp>
       <p:sp>
         <p:nvSpPr>
-          <p:cNvPr id="18" name="직사각형 17">
-            <a:extLst>
-              <a:ext uri="{FF2B5EF4-FFF2-40B4-BE49-F238E27FC236}">
-                <a16:creationId xmlns:a16="http://schemas.microsoft.com/office/drawing/2014/main" id="{6AD9BC69-97E9-430A-825A-195F80FC2218}"/>
-              </a:ext>
-            </a:extLst>
-          </p:cNvPr>
-          <p:cNvSpPr/>
-          <p:nvPr/>
-        </p:nvSpPr>
-        <p:spPr>
-          <a:xfrm>
-            <a:off x="3569925" y="3010284"/>
-            <a:ext cx="1878375" cy="118164"/>
-          </a:xfrm>
-          <a:prstGeom prst="rect">
-            <a:avLst/>
-          </a:prstGeom>
-        </p:spPr>
-        <p:style>
-          <a:lnRef idx="2">
-            <a:schemeClr val="accent4">
-              <a:shade val="50000"/>
-            </a:schemeClr>
-          </a:lnRef>
-          <a:fillRef idx="1">
-            <a:schemeClr val="accent4"/>
-          </a:fillRef>
-          <a:effectRef idx="0">
-            <a:schemeClr val="accent4"/>
-          </a:effectRef>
-          <a:fontRef idx="minor">
-            <a:schemeClr val="lt1"/>
-          </a:fontRef>
-        </p:style>
-        <p:txBody>
-          <a:bodyPr rtlCol="0" anchor="ctr"/>
-          <a:lstStyle/>
-          <a:p>
-            <a:pPr algn="ctr"/>
-            <a:endParaRPr lang="ko-KR" altLang="en-US" sz="1000" dirty="0"/>
-          </a:p>
-        </p:txBody>
-      </p:sp>
-      <p:sp>
-        <p:nvSpPr>
-          <p:cNvPr id="19" name="직사각형 18">
-            <a:extLst>
-              <a:ext uri="{FF2B5EF4-FFF2-40B4-BE49-F238E27FC236}">
-                <a16:creationId xmlns:a16="http://schemas.microsoft.com/office/drawing/2014/main" id="{4700A16C-EC9D-48B9-8E95-09F6249A860F}"/>
-              </a:ext>
-            </a:extLst>
-          </p:cNvPr>
-          <p:cNvSpPr/>
-          <p:nvPr/>
-        </p:nvSpPr>
-        <p:spPr>
-          <a:xfrm>
-            <a:off x="5472165" y="3009404"/>
-            <a:ext cx="1878375" cy="112123"/>
-          </a:xfrm>
-          <a:prstGeom prst="rect">
-            <a:avLst/>
-          </a:prstGeom>
-        </p:spPr>
-        <p:style>
-          <a:lnRef idx="2">
-            <a:schemeClr val="accent6">
-              <a:shade val="50000"/>
-            </a:schemeClr>
-          </a:lnRef>
-          <a:fillRef idx="1">
-            <a:schemeClr val="accent6"/>
-          </a:fillRef>
-          <a:effectRef idx="0">
-            <a:schemeClr val="accent6"/>
-          </a:effectRef>
-          <a:fontRef idx="minor">
-            <a:schemeClr val="lt1"/>
-          </a:fontRef>
-        </p:style>
-        <p:txBody>
-          <a:bodyPr rtlCol="0" anchor="ctr"/>
-          <a:lstStyle/>
-          <a:p>
-            <a:pPr algn="ctr"/>
-            <a:endParaRPr lang="ko-KR" altLang="en-US" sz="1000" dirty="0"/>
-          </a:p>
-        </p:txBody>
-      </p:sp>
-      <p:sp>
-        <p:nvSpPr>
           <p:cNvPr id="21" name="직사각형 20">
             <a:extLst>
               <a:ext uri="{FF2B5EF4-FFF2-40B4-BE49-F238E27FC236}">
@@ -20278,7 +20167,7 @@
         </p:nvSpPr>
         <p:spPr>
           <a:xfrm>
-            <a:off x="3569925" y="3730259"/>
+            <a:off x="3552880" y="4047174"/>
             <a:ext cx="963418" cy="149971"/>
           </a:xfrm>
           <a:prstGeom prst="rect">
@@ -20324,8 +20213,8 @@
         </p:nvSpPr>
         <p:spPr>
           <a:xfrm>
-            <a:off x="7367584" y="3926772"/>
-            <a:ext cx="2839915" cy="136338"/>
+            <a:off x="6401859" y="4221315"/>
+            <a:ext cx="1908182" cy="149970"/>
           </a:xfrm>
           <a:prstGeom prst="rect">
             <a:avLst/>
@@ -20370,8 +20259,8 @@
         </p:nvSpPr>
         <p:spPr>
           <a:xfrm>
-            <a:off x="5472530" y="4542161"/>
-            <a:ext cx="1385470" cy="75665"/>
+            <a:off x="8313748" y="4876055"/>
+            <a:ext cx="949395" cy="77585"/>
           </a:xfrm>
           <a:prstGeom prst="rect">
             <a:avLst/>
@@ -20404,10 +20293,10 @@
       </p:sp>
       <p:sp>
         <p:nvSpPr>
-          <p:cNvPr id="26" name="직사각형 25">
+          <p:cNvPr id="30" name="직사각형 29">
             <a:extLst>
               <a:ext uri="{FF2B5EF4-FFF2-40B4-BE49-F238E27FC236}">
-                <a16:creationId xmlns:a16="http://schemas.microsoft.com/office/drawing/2014/main" id="{22DE7852-D90C-4108-AE8A-FCAC89D190D3}"/>
+                <a16:creationId xmlns:a16="http://schemas.microsoft.com/office/drawing/2014/main" id="{9E16F661-9D65-4826-BF2D-C8DC6582DE3B}"/>
               </a:ext>
             </a:extLst>
           </p:cNvPr>
@@ -20416,8 +20305,54 @@
         </p:nvSpPr>
         <p:spPr>
           <a:xfrm>
-            <a:off x="3569924" y="5269446"/>
-            <a:ext cx="3756751" cy="89905"/>
+            <a:off x="8313746" y="4786666"/>
+            <a:ext cx="949396" cy="77585"/>
+          </a:xfrm>
+          <a:prstGeom prst="rect">
+            <a:avLst/>
+          </a:prstGeom>
+        </p:spPr>
+        <p:style>
+          <a:lnRef idx="2">
+            <a:schemeClr val="accent6">
+              <a:shade val="50000"/>
+            </a:schemeClr>
+          </a:lnRef>
+          <a:fillRef idx="1">
+            <a:schemeClr val="accent6"/>
+          </a:fillRef>
+          <a:effectRef idx="0">
+            <a:schemeClr val="accent6"/>
+          </a:effectRef>
+          <a:fontRef idx="minor">
+            <a:schemeClr val="lt1"/>
+          </a:fontRef>
+        </p:style>
+        <p:txBody>
+          <a:bodyPr rtlCol="0" anchor="ctr"/>
+          <a:lstStyle/>
+          <a:p>
+            <a:pPr algn="ctr"/>
+            <a:endParaRPr lang="ko-KR" altLang="en-US" sz="1000" dirty="0"/>
+          </a:p>
+        </p:txBody>
+      </p:sp>
+      <p:sp>
+        <p:nvSpPr>
+          <p:cNvPr id="31" name="직사각형 30">
+            <a:extLst>
+              <a:ext uri="{FF2B5EF4-FFF2-40B4-BE49-F238E27FC236}">
+                <a16:creationId xmlns:a16="http://schemas.microsoft.com/office/drawing/2014/main" id="{58865EA9-6409-4F0B-8218-76441E6A53F5}"/>
+              </a:ext>
+            </a:extLst>
+          </p:cNvPr>
+          <p:cNvSpPr/>
+          <p:nvPr/>
+        </p:nvSpPr>
+        <p:spPr>
+          <a:xfrm>
+            <a:off x="9263142" y="5243017"/>
+            <a:ext cx="1868013" cy="77392"/>
           </a:xfrm>
           <a:prstGeom prst="rect">
             <a:avLst/>
@@ -20450,10 +20385,10 @@
       </p:sp>
       <p:sp>
         <p:nvSpPr>
-          <p:cNvPr id="27" name="직사각형 26">
+          <p:cNvPr id="32" name="직사각형 31">
             <a:extLst>
               <a:ext uri="{FF2B5EF4-FFF2-40B4-BE49-F238E27FC236}">
-                <a16:creationId xmlns:a16="http://schemas.microsoft.com/office/drawing/2014/main" id="{FE5BB236-6589-495B-800F-458FDA05EDB8}"/>
+                <a16:creationId xmlns:a16="http://schemas.microsoft.com/office/drawing/2014/main" id="{AB4FB275-5978-4D0C-A6EA-C4C1CEA1A693}"/>
               </a:ext>
             </a:extLst>
           </p:cNvPr>
@@ -20462,8 +20397,8 @@
         </p:nvSpPr>
         <p:spPr>
           <a:xfrm>
-            <a:off x="3569924" y="5184892"/>
-            <a:ext cx="3756751" cy="69314"/>
+            <a:off x="9263142" y="5158461"/>
+            <a:ext cx="1868013" cy="59667"/>
           </a:xfrm>
           <a:prstGeom prst="rect">
             <a:avLst/>
@@ -20496,144 +20431,6 @@
       </p:sp>
       <p:sp>
         <p:nvSpPr>
-          <p:cNvPr id="30" name="직사각형 29">
-            <a:extLst>
-              <a:ext uri="{FF2B5EF4-FFF2-40B4-BE49-F238E27FC236}">
-                <a16:creationId xmlns:a16="http://schemas.microsoft.com/office/drawing/2014/main" id="{9E16F661-9D65-4826-BF2D-C8DC6582DE3B}"/>
-              </a:ext>
-            </a:extLst>
-          </p:cNvPr>
-          <p:cNvSpPr/>
-          <p:nvPr/>
-        </p:nvSpPr>
-        <p:spPr>
-          <a:xfrm>
-            <a:off x="5474458" y="4452772"/>
-            <a:ext cx="1385471" cy="75665"/>
-          </a:xfrm>
-          <a:prstGeom prst="rect">
-            <a:avLst/>
-          </a:prstGeom>
-        </p:spPr>
-        <p:style>
-          <a:lnRef idx="2">
-            <a:schemeClr val="accent6">
-              <a:shade val="50000"/>
-            </a:schemeClr>
-          </a:lnRef>
-          <a:fillRef idx="1">
-            <a:schemeClr val="accent6"/>
-          </a:fillRef>
-          <a:effectRef idx="0">
-            <a:schemeClr val="accent6"/>
-          </a:effectRef>
-          <a:fontRef idx="minor">
-            <a:schemeClr val="lt1"/>
-          </a:fontRef>
-        </p:style>
-        <p:txBody>
-          <a:bodyPr rtlCol="0" anchor="ctr"/>
-          <a:lstStyle/>
-          <a:p>
-            <a:pPr algn="ctr"/>
-            <a:endParaRPr lang="ko-KR" altLang="en-US" sz="1000" dirty="0"/>
-          </a:p>
-        </p:txBody>
-      </p:sp>
-      <p:sp>
-        <p:nvSpPr>
-          <p:cNvPr id="31" name="직사각형 30">
-            <a:extLst>
-              <a:ext uri="{FF2B5EF4-FFF2-40B4-BE49-F238E27FC236}">
-                <a16:creationId xmlns:a16="http://schemas.microsoft.com/office/drawing/2014/main" id="{58865EA9-6409-4F0B-8218-76441E6A53F5}"/>
-              </a:ext>
-            </a:extLst>
-          </p:cNvPr>
-          <p:cNvSpPr/>
-          <p:nvPr/>
-        </p:nvSpPr>
-        <p:spPr>
-          <a:xfrm>
-            <a:off x="8329124" y="4895582"/>
-            <a:ext cx="2802032" cy="100633"/>
-          </a:xfrm>
-          <a:prstGeom prst="rect">
-            <a:avLst/>
-          </a:prstGeom>
-        </p:spPr>
-        <p:style>
-          <a:lnRef idx="2">
-            <a:schemeClr val="accent4">
-              <a:shade val="50000"/>
-            </a:schemeClr>
-          </a:lnRef>
-          <a:fillRef idx="1">
-            <a:schemeClr val="accent4"/>
-          </a:fillRef>
-          <a:effectRef idx="0">
-            <a:schemeClr val="accent4"/>
-          </a:effectRef>
-          <a:fontRef idx="minor">
-            <a:schemeClr val="lt1"/>
-          </a:fontRef>
-        </p:style>
-        <p:txBody>
-          <a:bodyPr rtlCol="0" anchor="ctr"/>
-          <a:lstStyle/>
-          <a:p>
-            <a:pPr algn="ctr"/>
-            <a:endParaRPr lang="ko-KR" altLang="en-US" sz="1000" dirty="0"/>
-          </a:p>
-        </p:txBody>
-      </p:sp>
-      <p:sp>
-        <p:nvSpPr>
-          <p:cNvPr id="32" name="직사각형 31">
-            <a:extLst>
-              <a:ext uri="{FF2B5EF4-FFF2-40B4-BE49-F238E27FC236}">
-                <a16:creationId xmlns:a16="http://schemas.microsoft.com/office/drawing/2014/main" id="{AB4FB275-5978-4D0C-A6EA-C4C1CEA1A693}"/>
-              </a:ext>
-            </a:extLst>
-          </p:cNvPr>
-          <p:cNvSpPr/>
-          <p:nvPr/>
-        </p:nvSpPr>
-        <p:spPr>
-          <a:xfrm>
-            <a:off x="8329124" y="4811027"/>
-            <a:ext cx="2802032" cy="77585"/>
-          </a:xfrm>
-          <a:prstGeom prst="rect">
-            <a:avLst/>
-          </a:prstGeom>
-        </p:spPr>
-        <p:style>
-          <a:lnRef idx="2">
-            <a:schemeClr val="accent6">
-              <a:shade val="50000"/>
-            </a:schemeClr>
-          </a:lnRef>
-          <a:fillRef idx="1">
-            <a:schemeClr val="accent6"/>
-          </a:fillRef>
-          <a:effectRef idx="0">
-            <a:schemeClr val="accent6"/>
-          </a:effectRef>
-          <a:fontRef idx="minor">
-            <a:schemeClr val="lt1"/>
-          </a:fontRef>
-        </p:style>
-        <p:txBody>
-          <a:bodyPr rtlCol="0" anchor="ctr"/>
-          <a:lstStyle/>
-          <a:p>
-            <a:pPr algn="ctr"/>
-            <a:endParaRPr lang="ko-KR" altLang="en-US" sz="1000" dirty="0"/>
-          </a:p>
-        </p:txBody>
-      </p:sp>
-      <p:sp>
-        <p:nvSpPr>
           <p:cNvPr id="34" name="직사각형 33">
             <a:extLst>
               <a:ext uri="{FF2B5EF4-FFF2-40B4-BE49-F238E27FC236}">
@@ -20646,7 +20443,7 @@
         </p:nvSpPr>
         <p:spPr>
           <a:xfrm flipV="1">
-            <a:off x="9293707" y="5625067"/>
+            <a:off x="9290476" y="5759055"/>
             <a:ext cx="1827583" cy="45719"/>
           </a:xfrm>
           <a:prstGeom prst="rect">
@@ -20692,7 +20489,7 @@
         </p:nvSpPr>
         <p:spPr>
           <a:xfrm flipV="1">
-            <a:off x="9293707" y="5555752"/>
+            <a:off x="9290476" y="5689740"/>
             <a:ext cx="1827583" cy="45719"/>
           </a:xfrm>
           <a:prstGeom prst="rect">
@@ -20738,8 +20535,8 @@
         </p:nvSpPr>
         <p:spPr>
           <a:xfrm>
-            <a:off x="7389370" y="5017962"/>
-            <a:ext cx="910375" cy="127162"/>
+            <a:off x="8310041" y="5352883"/>
+            <a:ext cx="949394" cy="134088"/>
           </a:xfrm>
           <a:prstGeom prst="rect">
             <a:avLst/>
@@ -20784,8 +20581,8 @@
         </p:nvSpPr>
         <p:spPr>
           <a:xfrm>
-            <a:off x="7365706" y="3547361"/>
-            <a:ext cx="2343444" cy="136284"/>
+            <a:off x="6406555" y="4605277"/>
+            <a:ext cx="949395" cy="134820"/>
           </a:xfrm>
           <a:prstGeom prst="rect">
             <a:avLst/>
@@ -20818,10 +20615,10 @@
       </p:sp>
       <p:sp>
         <p:nvSpPr>
-          <p:cNvPr id="40" name="직사각형 39">
+          <p:cNvPr id="36" name="직사각형 35">
             <a:extLst>
               <a:ext uri="{FF2B5EF4-FFF2-40B4-BE49-F238E27FC236}">
-                <a16:creationId xmlns:a16="http://schemas.microsoft.com/office/drawing/2014/main" id="{3703FFD2-A27E-4A7F-BF50-89BF66DCBB7A}"/>
+                <a16:creationId xmlns:a16="http://schemas.microsoft.com/office/drawing/2014/main" id="{44FDBA19-2071-4075-83DB-D89B7A09F4E2}"/>
               </a:ext>
             </a:extLst>
           </p:cNvPr>
@@ -20830,8 +20627,8 @@
         </p:nvSpPr>
         <p:spPr>
           <a:xfrm>
-            <a:off x="5478515" y="5382413"/>
-            <a:ext cx="910375" cy="127162"/>
+            <a:off x="4513627" y="2781454"/>
+            <a:ext cx="929329" cy="122704"/>
           </a:xfrm>
           <a:prstGeom prst="rect">
             <a:avLst/>
@@ -20864,10 +20661,10 @@
       </p:sp>
       <p:sp>
         <p:nvSpPr>
-          <p:cNvPr id="41" name="직사각형 40">
+          <p:cNvPr id="39" name="직사각형 38">
             <a:extLst>
               <a:ext uri="{FF2B5EF4-FFF2-40B4-BE49-F238E27FC236}">
-                <a16:creationId xmlns:a16="http://schemas.microsoft.com/office/drawing/2014/main" id="{98492743-EF82-4E33-8A53-38D526765DA4}"/>
+                <a16:creationId xmlns:a16="http://schemas.microsoft.com/office/drawing/2014/main" id="{F3A8FECF-0C2C-46A8-8B25-B7984F0ADFB9}"/>
               </a:ext>
             </a:extLst>
           </p:cNvPr>
@@ -20876,8 +20673,54 @@
         </p:nvSpPr>
         <p:spPr>
           <a:xfrm>
-            <a:off x="5472165" y="4171518"/>
-            <a:ext cx="4735334" cy="87727"/>
+            <a:off x="5472530" y="5518931"/>
+            <a:ext cx="929329" cy="122704"/>
+          </a:xfrm>
+          <a:prstGeom prst="rect">
+            <a:avLst/>
+          </a:prstGeom>
+        </p:spPr>
+        <p:style>
+          <a:lnRef idx="2">
+            <a:schemeClr val="accent6">
+              <a:shade val="50000"/>
+            </a:schemeClr>
+          </a:lnRef>
+          <a:fillRef idx="1">
+            <a:schemeClr val="accent6"/>
+          </a:fillRef>
+          <a:effectRef idx="0">
+            <a:schemeClr val="accent6"/>
+          </a:effectRef>
+          <a:fontRef idx="minor">
+            <a:schemeClr val="lt1"/>
+          </a:fontRef>
+        </p:style>
+        <p:txBody>
+          <a:bodyPr rtlCol="0" anchor="ctr"/>
+          <a:lstStyle/>
+          <a:p>
+            <a:pPr algn="ctr"/>
+            <a:endParaRPr lang="ko-KR" altLang="en-US" sz="1000" dirty="0"/>
+          </a:p>
+        </p:txBody>
+      </p:sp>
+      <p:sp>
+        <p:nvSpPr>
+          <p:cNvPr id="44" name="직사각형 43">
+            <a:extLst>
+              <a:ext uri="{FF2B5EF4-FFF2-40B4-BE49-F238E27FC236}">
+                <a16:creationId xmlns:a16="http://schemas.microsoft.com/office/drawing/2014/main" id="{F840EFE1-1D67-454A-BC10-A3BB15DA983F}"/>
+              </a:ext>
+            </a:extLst>
+          </p:cNvPr>
+          <p:cNvSpPr/>
+          <p:nvPr/>
+        </p:nvSpPr>
+        <p:spPr>
+          <a:xfrm>
+            <a:off x="4014872" y="3322526"/>
+            <a:ext cx="682634" cy="122704"/>
           </a:xfrm>
           <a:prstGeom prst="rect">
             <a:avLst/>
@@ -20910,10 +20753,10 @@
       </p:sp>
       <p:sp>
         <p:nvSpPr>
-          <p:cNvPr id="42" name="직사각형 41">
+          <p:cNvPr id="45" name="직사각형 44">
             <a:extLst>
               <a:ext uri="{FF2B5EF4-FFF2-40B4-BE49-F238E27FC236}">
-                <a16:creationId xmlns:a16="http://schemas.microsoft.com/office/drawing/2014/main" id="{CA616E6B-1B75-46A8-84DE-4EA44BA3DB36}"/>
+                <a16:creationId xmlns:a16="http://schemas.microsoft.com/office/drawing/2014/main" id="{66281A93-8E57-46E5-8148-D6A5FF96967B}"/>
               </a:ext>
             </a:extLst>
           </p:cNvPr>
@@ -20922,8 +20765,238 @@
         </p:nvSpPr>
         <p:spPr>
           <a:xfrm>
-            <a:off x="5472165" y="4086964"/>
-            <a:ext cx="4735334" cy="67635"/>
+            <a:off x="4697506" y="3517075"/>
+            <a:ext cx="251012" cy="122704"/>
+          </a:xfrm>
+          <a:prstGeom prst="rect">
+            <a:avLst/>
+          </a:prstGeom>
+        </p:spPr>
+        <p:style>
+          <a:lnRef idx="2">
+            <a:schemeClr val="accent4">
+              <a:shade val="50000"/>
+            </a:schemeClr>
+          </a:lnRef>
+          <a:fillRef idx="1">
+            <a:schemeClr val="accent4"/>
+          </a:fillRef>
+          <a:effectRef idx="0">
+            <a:schemeClr val="accent4"/>
+          </a:effectRef>
+          <a:fontRef idx="minor">
+            <a:schemeClr val="lt1"/>
+          </a:fontRef>
+        </p:style>
+        <p:txBody>
+          <a:bodyPr rtlCol="0" anchor="ctr"/>
+          <a:lstStyle/>
+          <a:p>
+            <a:pPr algn="ctr"/>
+            <a:endParaRPr lang="ko-KR" altLang="en-US" sz="1000" dirty="0"/>
+          </a:p>
+        </p:txBody>
+      </p:sp>
+      <p:sp>
+        <p:nvSpPr>
+          <p:cNvPr id="46" name="직사각형 45">
+            <a:extLst>
+              <a:ext uri="{FF2B5EF4-FFF2-40B4-BE49-F238E27FC236}">
+                <a16:creationId xmlns:a16="http://schemas.microsoft.com/office/drawing/2014/main" id="{D2039C14-5660-4FFF-AC90-0DDCB2436729}"/>
+              </a:ext>
+            </a:extLst>
+          </p:cNvPr>
+          <p:cNvSpPr/>
+          <p:nvPr/>
+        </p:nvSpPr>
+        <p:spPr>
+          <a:xfrm>
+            <a:off x="4948518" y="3693930"/>
+            <a:ext cx="251012" cy="122704"/>
+          </a:xfrm>
+          <a:prstGeom prst="rect">
+            <a:avLst/>
+          </a:prstGeom>
+        </p:spPr>
+        <p:style>
+          <a:lnRef idx="2">
+            <a:schemeClr val="accent4">
+              <a:shade val="50000"/>
+            </a:schemeClr>
+          </a:lnRef>
+          <a:fillRef idx="1">
+            <a:schemeClr val="accent4"/>
+          </a:fillRef>
+          <a:effectRef idx="0">
+            <a:schemeClr val="accent4"/>
+          </a:effectRef>
+          <a:fontRef idx="minor">
+            <a:schemeClr val="lt1"/>
+          </a:fontRef>
+        </p:style>
+        <p:txBody>
+          <a:bodyPr rtlCol="0" anchor="ctr"/>
+          <a:lstStyle/>
+          <a:p>
+            <a:pPr algn="ctr"/>
+            <a:endParaRPr lang="ko-KR" altLang="en-US" sz="1000" dirty="0"/>
+          </a:p>
+        </p:txBody>
+      </p:sp>
+      <p:sp>
+        <p:nvSpPr>
+          <p:cNvPr id="47" name="직사각형 46">
+            <a:extLst>
+              <a:ext uri="{FF2B5EF4-FFF2-40B4-BE49-F238E27FC236}">
+                <a16:creationId xmlns:a16="http://schemas.microsoft.com/office/drawing/2014/main" id="{38D2C072-32D1-4B7B-8CCD-8218EB02C06C}"/>
+              </a:ext>
+            </a:extLst>
+          </p:cNvPr>
+          <p:cNvSpPr/>
+          <p:nvPr/>
+        </p:nvSpPr>
+        <p:spPr>
+          <a:xfrm>
+            <a:off x="5199530" y="3878596"/>
+            <a:ext cx="251012" cy="122704"/>
+          </a:xfrm>
+          <a:prstGeom prst="rect">
+            <a:avLst/>
+          </a:prstGeom>
+        </p:spPr>
+        <p:style>
+          <a:lnRef idx="2">
+            <a:schemeClr val="accent4">
+              <a:shade val="50000"/>
+            </a:schemeClr>
+          </a:lnRef>
+          <a:fillRef idx="1">
+            <a:schemeClr val="accent4"/>
+          </a:fillRef>
+          <a:effectRef idx="0">
+            <a:schemeClr val="accent4"/>
+          </a:effectRef>
+          <a:fontRef idx="minor">
+            <a:schemeClr val="lt1"/>
+          </a:fontRef>
+        </p:style>
+        <p:txBody>
+          <a:bodyPr rtlCol="0" anchor="ctr"/>
+          <a:lstStyle/>
+          <a:p>
+            <a:pPr algn="ctr"/>
+            <a:endParaRPr lang="ko-KR" altLang="en-US" sz="1000" dirty="0"/>
+          </a:p>
+        </p:txBody>
+      </p:sp>
+      <p:sp>
+        <p:nvSpPr>
+          <p:cNvPr id="48" name="직사각형 47">
+            <a:extLst>
+              <a:ext uri="{FF2B5EF4-FFF2-40B4-BE49-F238E27FC236}">
+                <a16:creationId xmlns:a16="http://schemas.microsoft.com/office/drawing/2014/main" id="{4E07167F-F353-4116-9002-2C559A7AA882}"/>
+              </a:ext>
+            </a:extLst>
+          </p:cNvPr>
+          <p:cNvSpPr/>
+          <p:nvPr/>
+        </p:nvSpPr>
+        <p:spPr>
+          <a:xfrm>
+            <a:off x="4513627" y="4488348"/>
+            <a:ext cx="1892747" cy="61918"/>
+          </a:xfrm>
+          <a:prstGeom prst="rect">
+            <a:avLst/>
+          </a:prstGeom>
+        </p:spPr>
+        <p:style>
+          <a:lnRef idx="2">
+            <a:schemeClr val="accent4">
+              <a:shade val="50000"/>
+            </a:schemeClr>
+          </a:lnRef>
+          <a:fillRef idx="1">
+            <a:schemeClr val="accent4"/>
+          </a:fillRef>
+          <a:effectRef idx="0">
+            <a:schemeClr val="accent4"/>
+          </a:effectRef>
+          <a:fontRef idx="minor">
+            <a:schemeClr val="lt1"/>
+          </a:fontRef>
+        </p:style>
+        <p:txBody>
+          <a:bodyPr rtlCol="0" anchor="ctr"/>
+          <a:lstStyle/>
+          <a:p>
+            <a:pPr algn="ctr"/>
+            <a:endParaRPr lang="ko-KR" altLang="en-US" sz="1000" dirty="0"/>
+          </a:p>
+        </p:txBody>
+      </p:sp>
+      <p:sp>
+        <p:nvSpPr>
+          <p:cNvPr id="41" name="직사각형 40">
+            <a:extLst>
+              <a:ext uri="{FF2B5EF4-FFF2-40B4-BE49-F238E27FC236}">
+                <a16:creationId xmlns:a16="http://schemas.microsoft.com/office/drawing/2014/main" id="{A97FA9B9-A115-4AF4-A066-0D8F66457B83}"/>
+              </a:ext>
+            </a:extLst>
+          </p:cNvPr>
+          <p:cNvSpPr/>
+          <p:nvPr/>
+        </p:nvSpPr>
+        <p:spPr>
+          <a:xfrm>
+            <a:off x="7360646" y="5037102"/>
+            <a:ext cx="949395" cy="77585"/>
+          </a:xfrm>
+          <a:prstGeom prst="rect">
+            <a:avLst/>
+          </a:prstGeom>
+        </p:spPr>
+        <p:style>
+          <a:lnRef idx="2">
+            <a:schemeClr val="accent4">
+              <a:shade val="50000"/>
+            </a:schemeClr>
+          </a:lnRef>
+          <a:fillRef idx="1">
+            <a:schemeClr val="accent4"/>
+          </a:fillRef>
+          <a:effectRef idx="0">
+            <a:schemeClr val="accent4"/>
+          </a:effectRef>
+          <a:fontRef idx="minor">
+            <a:schemeClr val="lt1"/>
+          </a:fontRef>
+        </p:style>
+        <p:txBody>
+          <a:bodyPr rtlCol="0" anchor="ctr"/>
+          <a:lstStyle/>
+          <a:p>
+            <a:pPr algn="ctr"/>
+            <a:endParaRPr lang="ko-KR" altLang="en-US" sz="1000" dirty="0"/>
+          </a:p>
+        </p:txBody>
+      </p:sp>
+      <p:sp>
+        <p:nvSpPr>
+          <p:cNvPr id="42" name="직사각형 41">
+            <a:extLst>
+              <a:ext uri="{FF2B5EF4-FFF2-40B4-BE49-F238E27FC236}">
+                <a16:creationId xmlns:a16="http://schemas.microsoft.com/office/drawing/2014/main" id="{A9CEEF2D-9856-4546-9457-74DA7878FA10}"/>
+              </a:ext>
+            </a:extLst>
+          </p:cNvPr>
+          <p:cNvSpPr/>
+          <p:nvPr/>
+        </p:nvSpPr>
+        <p:spPr>
+          <a:xfrm>
+            <a:off x="7360644" y="4947713"/>
+            <a:ext cx="949396" cy="77585"/>
           </a:xfrm>
           <a:prstGeom prst="rect">
             <a:avLst/>
@@ -20956,10 +21029,10 @@
       </p:sp>
       <p:sp>
         <p:nvSpPr>
-          <p:cNvPr id="43" name="직사각형 42">
+          <p:cNvPr id="40" name="직사각형 39">
             <a:extLst>
               <a:ext uri="{FF2B5EF4-FFF2-40B4-BE49-F238E27FC236}">
-                <a16:creationId xmlns:a16="http://schemas.microsoft.com/office/drawing/2014/main" id="{00CA5BD7-B20F-4CEA-BF06-E85676208597}"/>
+                <a16:creationId xmlns:a16="http://schemas.microsoft.com/office/drawing/2014/main" id="{C1BF8880-1F6B-4DB8-B134-72DEDC61A633}"/>
               </a:ext>
             </a:extLst>
           </p:cNvPr>
@@ -20968,8 +21041,8 @@
         </p:nvSpPr>
         <p:spPr>
           <a:xfrm>
-            <a:off x="8329124" y="5374419"/>
-            <a:ext cx="910375" cy="127162"/>
+            <a:off x="4513627" y="4423628"/>
+            <a:ext cx="1892747" cy="61918"/>
           </a:xfrm>
           <a:prstGeom prst="rect">
             <a:avLst/>

--- a/문서/TheIsland_김하윤_이동규_이득유.pptx
+++ b/문서/TheIsland_김하윤_이동규_이득유.pptx
@@ -1,35 +1,35 @@
 
 <file path=ppt/presentation.xml><?xml version="1.0" encoding="utf-8"?>
-<p:presentation xmlns:r="http://schemas.openxmlformats.org/officeDocument/2006/relationships" xmlns:c="http://schemas.openxmlformats.org/drawingml/2006/chart" xmlns:a="http://schemas.openxmlformats.org/drawingml/2006/main" xmlns:dgm="http://schemas.openxmlformats.org/drawingml/2006/diagram" xmlns:dsp="http://schemas.microsoft.com/office/drawing/2008/diagram" xmlns:p="http://schemas.openxmlformats.org/presentationml/2006/main">
+<p:presentation xmlns:a="http://schemas.openxmlformats.org/drawingml/2006/main" xmlns:r="http://schemas.openxmlformats.org/officeDocument/2006/relationships" xmlns:p="http://schemas.openxmlformats.org/presentationml/2006/main">
   <p:sldMasterIdLst>
     <p:sldMasterId id="2147483664" r:id="rId1"/>
   </p:sldMasterIdLst>
   <p:notesMasterIdLst>
-    <p:notesMasterId r:id="rId2"/>
+    <p:notesMasterId r:id="rId24"/>
   </p:notesMasterIdLst>
   <p:sldIdLst>
-    <p:sldId id="256" r:id="rId3"/>
-    <p:sldId id="257" r:id="rId4"/>
-    <p:sldId id="258" r:id="rId5"/>
-    <p:sldId id="259" r:id="rId6"/>
-    <p:sldId id="260" r:id="rId7"/>
-    <p:sldId id="261" r:id="rId8"/>
-    <p:sldId id="262" r:id="rId9"/>
-    <p:sldId id="263" r:id="rId10"/>
-    <p:sldId id="264" r:id="rId11"/>
-    <p:sldId id="265" r:id="rId12"/>
-    <p:sldId id="266" r:id="rId13"/>
-    <p:sldId id="267" r:id="rId14"/>
-    <p:sldId id="268" r:id="rId15"/>
-    <p:sldId id="269" r:id="rId16"/>
-    <p:sldId id="270" r:id="rId17"/>
-    <p:sldId id="271" r:id="rId18"/>
-    <p:sldId id="272" r:id="rId19"/>
-    <p:sldId id="273" r:id="rId20"/>
-    <p:sldId id="274" r:id="rId21"/>
-    <p:sldId id="275" r:id="rId22"/>
-    <p:sldId id="276" r:id="rId23"/>
-    <p:sldId id="277" r:id="rId24"/>
+    <p:sldId id="256" r:id="rId2"/>
+    <p:sldId id="257" r:id="rId3"/>
+    <p:sldId id="258" r:id="rId4"/>
+    <p:sldId id="259" r:id="rId5"/>
+    <p:sldId id="260" r:id="rId6"/>
+    <p:sldId id="261" r:id="rId7"/>
+    <p:sldId id="262" r:id="rId8"/>
+    <p:sldId id="263" r:id="rId9"/>
+    <p:sldId id="264" r:id="rId10"/>
+    <p:sldId id="265" r:id="rId11"/>
+    <p:sldId id="266" r:id="rId12"/>
+    <p:sldId id="267" r:id="rId13"/>
+    <p:sldId id="268" r:id="rId14"/>
+    <p:sldId id="269" r:id="rId15"/>
+    <p:sldId id="270" r:id="rId16"/>
+    <p:sldId id="271" r:id="rId17"/>
+    <p:sldId id="272" r:id="rId18"/>
+    <p:sldId id="273" r:id="rId19"/>
+    <p:sldId id="274" r:id="rId20"/>
+    <p:sldId id="275" r:id="rId21"/>
+    <p:sldId id="276" r:id="rId22"/>
+    <p:sldId id="277" r:id="rId23"/>
   </p:sldIdLst>
   <p:sldSz cx="12192000" cy="6858000"/>
   <p:notesSz cx="6858000" cy="9144000"/>
@@ -128,11 +128,27 @@
       </a:defRPr>
     </a:lvl9pPr>
   </p:defaultTextStyle>
+  <p:extLst>
+    <p:ext uri="{EFAFB233-063F-42B5-8137-9DF3F51BA10A}">
+      <p15:sldGuideLst xmlns:p15="http://schemas.microsoft.com/office/powerpoint/2012/main">
+        <p15:guide id="1" orient="horz" pos="2159">
+          <p15:clr>
+            <a:srgbClr val="A4A3A4"/>
+          </p15:clr>
+        </p15:guide>
+        <p15:guide id="2" pos="3839">
+          <p15:clr>
+            <a:srgbClr val="A4A3A4"/>
+          </p15:clr>
+        </p15:guide>
+      </p15:sldGuideLst>
+    </p:ext>
+  </p:extLst>
 </p:presentation>
 </file>
 
 <file path=ppt/notesMasters/notesMaster1.xml><?xml version="1.0" encoding="utf-8"?>
-<p:notesMaster xmlns:r="http://schemas.openxmlformats.org/officeDocument/2006/relationships" xmlns:c="http://schemas.openxmlformats.org/drawingml/2006/chart" xmlns:a="http://schemas.openxmlformats.org/drawingml/2006/main" xmlns:dgm="http://schemas.openxmlformats.org/drawingml/2006/diagram" xmlns:dsp="http://schemas.microsoft.com/office/drawing/2008/diagram" xmlns:p="http://schemas.openxmlformats.org/presentationml/2006/main">
+<p:notesMaster xmlns:a="http://schemas.openxmlformats.org/drawingml/2006/main" xmlns:r="http://schemas.openxmlformats.org/officeDocument/2006/relationships" xmlns:p="http://schemas.openxmlformats.org/presentationml/2006/main">
   <p:cSld>
     <p:bg>
       <p:bgRef idx="1001">
@@ -160,7 +176,7 @@
             <a:spLocks noGrp="1"/>
           </p:cNvSpPr>
           <p:nvPr>
-            <p:ph type="hdr" sz="quarter" idx="0"/>
+            <p:ph type="hdr" sz="quarter"/>
           </p:nvPr>
         </p:nvSpPr>
         <p:spPr>
@@ -183,10 +199,6 @@
             <a:pPr lvl="0">
               <a:defRPr/>
             </a:pPr>
-            <a:r>
-              <a:rPr lang="ko-KR" altLang="en-US"/>
-              <a:t/>
-            </a:r>
             <a:endParaRPr lang="ko-KR" altLang="en-US"/>
           </a:p>
         </p:txBody>
@@ -226,7 +238,7 @@
               <a:pPr lvl="0">
                 <a:defRPr/>
               </a:pPr>
-              <a:t>2019-12-11</a:t>
+              <a:t>2019-12-12</a:t>
             </a:fld>
             <a:endParaRPr lang="ko-KR" altLang="en-US"/>
           </a:p>
@@ -298,7 +310,6 @@
               <a:rPr lang="ko-KR" altLang="en-US"/>
               <a:t>마스터 텍스트 스타일을 편집하려면 클릭</a:t>
             </a:r>
-            <a:endParaRPr lang="ko-KR" altLang="en-US"/>
           </a:p>
           <a:p>
             <a:pPr lvl="1">
@@ -308,7 +319,6 @@
               <a:rPr lang="ko-KR" altLang="en-US"/>
               <a:t>두 번째 수준</a:t>
             </a:r>
-            <a:endParaRPr lang="ko-KR" altLang="en-US"/>
           </a:p>
           <a:p>
             <a:pPr lvl="2">
@@ -318,7 +328,6 @@
               <a:rPr lang="ko-KR" altLang="en-US"/>
               <a:t>세 번째 수준</a:t>
             </a:r>
-            <a:endParaRPr lang="ko-KR" altLang="en-US"/>
           </a:p>
           <a:p>
             <a:pPr lvl="3">
@@ -328,7 +337,6 @@
               <a:rPr lang="ko-KR" altLang="en-US"/>
               <a:t>네 번째 수준</a:t>
             </a:r>
-            <a:endParaRPr lang="ko-KR" altLang="en-US"/>
           </a:p>
           <a:p>
             <a:pPr lvl="4">
@@ -338,7 +346,6 @@
               <a:rPr lang="ko-KR" altLang="en-US"/>
               <a:t>다섯 번째 수준</a:t>
             </a:r>
-            <a:endParaRPr lang="ko-KR" altLang="en-US"/>
           </a:p>
         </p:txBody>
       </p:sp>
@@ -372,10 +379,6 @@
             <a:pPr lvl="0">
               <a:defRPr/>
             </a:pPr>
-            <a:r>
-              <a:rPr lang="ko-KR" altLang="en-US"/>
-              <a:t/>
-            </a:r>
             <a:endParaRPr lang="ko-KR" altLang="en-US"/>
           </a:p>
         </p:txBody>
@@ -667,7 +670,7 @@
           <a:p>
             <a:fld id="{733DF88E-EEC7-4590-8394-8F97695D91F0}" type="datetimeFigureOut">
               <a:rPr lang="ko-KR" altLang="en-US" smtClean="0"/>
-              <a:t>2019-12-11</a:t>
+              <a:t>2019-12-12</a:t>
             </a:fld>
             <a:endParaRPr lang="ko-KR" altLang="en-US"/>
           </a:p>
@@ -865,7 +868,7 @@
           <a:p>
             <a:fld id="{733DF88E-EEC7-4590-8394-8F97695D91F0}" type="datetimeFigureOut">
               <a:rPr lang="ko-KR" altLang="en-US" smtClean="0"/>
-              <a:t>2019-12-11</a:t>
+              <a:t>2019-12-12</a:t>
             </a:fld>
             <a:endParaRPr lang="ko-KR" altLang="en-US"/>
           </a:p>
@@ -1073,7 +1076,7 @@
           <a:p>
             <a:fld id="{733DF88E-EEC7-4590-8394-8F97695D91F0}" type="datetimeFigureOut">
               <a:rPr lang="ko-KR" altLang="en-US" smtClean="0"/>
-              <a:t>2019-12-11</a:t>
+              <a:t>2019-12-12</a:t>
             </a:fld>
             <a:endParaRPr lang="ko-KR" altLang="en-US"/>
           </a:p>
@@ -1271,7 +1274,7 @@
           <a:p>
             <a:fld id="{733DF88E-EEC7-4590-8394-8F97695D91F0}" type="datetimeFigureOut">
               <a:rPr lang="ko-KR" altLang="en-US" smtClean="0"/>
-              <a:t>2019-12-11</a:t>
+              <a:t>2019-12-12</a:t>
             </a:fld>
             <a:endParaRPr lang="ko-KR" altLang="en-US"/>
           </a:p>
@@ -1546,7 +1549,7 @@
           <a:p>
             <a:fld id="{733DF88E-EEC7-4590-8394-8F97695D91F0}" type="datetimeFigureOut">
               <a:rPr lang="ko-KR" altLang="en-US" smtClean="0"/>
-              <a:t>2019-12-11</a:t>
+              <a:t>2019-12-12</a:t>
             </a:fld>
             <a:endParaRPr lang="ko-KR" altLang="en-US"/>
           </a:p>
@@ -1811,7 +1814,7 @@
           <a:p>
             <a:fld id="{733DF88E-EEC7-4590-8394-8F97695D91F0}" type="datetimeFigureOut">
               <a:rPr lang="ko-KR" altLang="en-US" smtClean="0"/>
-              <a:t>2019-12-11</a:t>
+              <a:t>2019-12-12</a:t>
             </a:fld>
             <a:endParaRPr lang="ko-KR" altLang="en-US"/>
           </a:p>
@@ -2223,7 +2226,7 @@
           <a:p>
             <a:fld id="{733DF88E-EEC7-4590-8394-8F97695D91F0}" type="datetimeFigureOut">
               <a:rPr lang="ko-KR" altLang="en-US" smtClean="0"/>
-              <a:t>2019-12-11</a:t>
+              <a:t>2019-12-12</a:t>
             </a:fld>
             <a:endParaRPr lang="ko-KR" altLang="en-US"/>
           </a:p>
@@ -2364,7 +2367,7 @@
           <a:p>
             <a:fld id="{733DF88E-EEC7-4590-8394-8F97695D91F0}" type="datetimeFigureOut">
               <a:rPr lang="ko-KR" altLang="en-US" smtClean="0"/>
-              <a:t>2019-12-11</a:t>
+              <a:t>2019-12-12</a:t>
             </a:fld>
             <a:endParaRPr lang="ko-KR" altLang="en-US"/>
           </a:p>
@@ -2477,7 +2480,7 @@
           <a:p>
             <a:fld id="{733DF88E-EEC7-4590-8394-8F97695D91F0}" type="datetimeFigureOut">
               <a:rPr lang="ko-KR" altLang="en-US" smtClean="0"/>
-              <a:t>2019-12-11</a:t>
+              <a:t>2019-12-12</a:t>
             </a:fld>
             <a:endParaRPr lang="ko-KR" altLang="en-US"/>
           </a:p>
@@ -2788,7 +2791,7 @@
           <a:p>
             <a:fld id="{733DF88E-EEC7-4590-8394-8F97695D91F0}" type="datetimeFigureOut">
               <a:rPr lang="ko-KR" altLang="en-US" smtClean="0"/>
-              <a:t>2019-12-11</a:t>
+              <a:t>2019-12-12</a:t>
             </a:fld>
             <a:endParaRPr lang="ko-KR" altLang="en-US"/>
           </a:p>
@@ -3076,7 +3079,7 @@
           <a:p>
             <a:fld id="{733DF88E-EEC7-4590-8394-8F97695D91F0}" type="datetimeFigureOut">
               <a:rPr lang="ko-KR" altLang="en-US" smtClean="0"/>
-              <a:t>2019-12-11</a:t>
+              <a:t>2019-12-12</a:t>
             </a:fld>
             <a:endParaRPr lang="ko-KR" altLang="en-US"/>
           </a:p>
@@ -3317,7 +3320,7 @@
           <a:p>
             <a:fld id="{733DF88E-EEC7-4590-8394-8F97695D91F0}" type="datetimeFigureOut">
               <a:rPr lang="ko-KR" altLang="en-US" smtClean="0"/>
-              <a:t>2019-12-11</a:t>
+              <a:t>2019-12-12</a:t>
             </a:fld>
             <a:endParaRPr lang="ko-KR" altLang="en-US"/>
           </a:p>
@@ -4194,11 +4197,11 @@
           <a:lstStyle/>
           <a:p>
             <a:r>
-              <a:rPr lang="en-US" altLang="ko-KR" dirty="0">
+              <a:rPr lang="en-US" altLang="ko-KR" dirty="0" smtClean="0">
                 <a:latin typeface="HY헤드라인M" panose="02030600000101010101" pitchFamily="18" charset="-127"/>
                 <a:ea typeface="HY헤드라인M" panose="02030600000101010101" pitchFamily="18" charset="-127"/>
               </a:rPr>
-              <a:t>09/19</a:t>
+              <a:t>10/21</a:t>
             </a:r>
             <a:endParaRPr lang="ko-KR" altLang="en-US" dirty="0">
               <a:latin typeface="HY헤드라인M" panose="02030600000101010101" pitchFamily="18" charset="-127"/>
@@ -4730,11 +4733,11 @@
           <a:lstStyle/>
           <a:p>
             <a:r>
-              <a:rPr lang="en-US" altLang="ko-KR" dirty="0">
+              <a:rPr lang="en-US" altLang="ko-KR" dirty="0" smtClean="0">
                 <a:latin typeface="HY헤드라인M" panose="02030600000101010101" pitchFamily="18" charset="-127"/>
                 <a:ea typeface="HY헤드라인M" panose="02030600000101010101" pitchFamily="18" charset="-127"/>
               </a:rPr>
-              <a:t>10/19</a:t>
+              <a:t>11/21</a:t>
             </a:r>
             <a:endParaRPr lang="ko-KR" altLang="en-US" dirty="0">
               <a:latin typeface="HY헤드라인M" panose="02030600000101010101" pitchFamily="18" charset="-127"/>
@@ -5199,11 +5202,11 @@
           <a:lstStyle/>
           <a:p>
             <a:r>
-              <a:rPr lang="en-US" altLang="ko-KR" dirty="0">
+              <a:rPr lang="en-US" altLang="ko-KR" dirty="0" smtClean="0">
                 <a:latin typeface="HY헤드라인M" panose="02030600000101010101" pitchFamily="18" charset="-127"/>
                 <a:ea typeface="HY헤드라인M" panose="02030600000101010101" pitchFamily="18" charset="-127"/>
               </a:rPr>
-              <a:t>11/19</a:t>
+              <a:t>12/21</a:t>
             </a:r>
             <a:endParaRPr lang="ko-KR" altLang="en-US" dirty="0">
               <a:latin typeface="HY헤드라인M" panose="02030600000101010101" pitchFamily="18" charset="-127"/>
@@ -5734,11 +5737,11 @@
           <a:lstStyle/>
           <a:p>
             <a:r>
-              <a:rPr lang="en-US" altLang="ko-KR" dirty="0">
+              <a:rPr lang="en-US" altLang="ko-KR" dirty="0" smtClean="0">
                 <a:latin typeface="HY헤드라인M" panose="02030600000101010101" pitchFamily="18" charset="-127"/>
                 <a:ea typeface="HY헤드라인M" panose="02030600000101010101" pitchFamily="18" charset="-127"/>
               </a:rPr>
-              <a:t>12/19</a:t>
+              <a:t>13/21</a:t>
             </a:r>
             <a:endParaRPr lang="ko-KR" altLang="en-US" dirty="0">
               <a:latin typeface="HY헤드라인M" panose="02030600000101010101" pitchFamily="18" charset="-127"/>
@@ -6351,11 +6354,11 @@
               <a:defRPr/>
             </a:pPr>
             <a:r>
-              <a:rPr lang="en-US" altLang="ko-KR" dirty="0">
+              <a:rPr lang="en-US" altLang="ko-KR" dirty="0" smtClean="0">
                 <a:latin typeface="HY헤드라인M"/>
                 <a:ea typeface="HY헤드라인M"/>
               </a:rPr>
-              <a:t>13/19</a:t>
+              <a:t>14/21</a:t>
             </a:r>
             <a:endParaRPr lang="ko-KR" altLang="en-US" dirty="0">
               <a:latin typeface="HY헤드라인M"/>
@@ -6727,7 +6730,7 @@
     <mc:Choice Requires="p14">
       <p:transition/>
     </mc:Choice>
-    <mc:Fallback xmlns:dsp="http://schemas.microsoft.com/office/drawing/2008/diagram" xmlns:dgm="http://schemas.openxmlformats.org/drawingml/2006/diagram" xmlns:c="http://schemas.openxmlformats.org/drawingml/2006/chart" xmlns="">
+    <mc:Fallback xmlns="" xmlns:c="http://schemas.openxmlformats.org/drawingml/2006/chart" xmlns:dgm="http://schemas.openxmlformats.org/drawingml/2006/diagram" xmlns:dsp="http://schemas.microsoft.com/office/drawing/2008/diagram">
       <p:transition/>
     </mc:Fallback>
   </mc:AlternateContent>
@@ -6931,11 +6934,11 @@
               <a:defRPr/>
             </a:pPr>
             <a:r>
-              <a:rPr lang="en-US" altLang="ko-KR" dirty="0">
+              <a:rPr lang="en-US" altLang="ko-KR" dirty="0" smtClean="0">
                 <a:latin typeface="HY헤드라인M"/>
                 <a:ea typeface="HY헤드라인M"/>
               </a:rPr>
-              <a:t>14/19</a:t>
+              <a:t>15/21</a:t>
             </a:r>
             <a:endParaRPr lang="ko-KR" altLang="en-US" dirty="0">
               <a:latin typeface="HY헤드라인M"/>
@@ -7233,7 +7236,7 @@
     <mc:Choice Requires="p14">
       <p:transition/>
     </mc:Choice>
-    <mc:Fallback xmlns:dsp="http://schemas.microsoft.com/office/drawing/2008/diagram" xmlns:dgm="http://schemas.openxmlformats.org/drawingml/2006/diagram" xmlns:c="http://schemas.openxmlformats.org/drawingml/2006/chart" xmlns="">
+    <mc:Fallback xmlns="" xmlns:c="http://schemas.openxmlformats.org/drawingml/2006/chart" xmlns:dgm="http://schemas.openxmlformats.org/drawingml/2006/diagram" xmlns:dsp="http://schemas.microsoft.com/office/drawing/2008/diagram">
       <p:transition/>
     </mc:Fallback>
   </mc:AlternateContent>
@@ -7437,11 +7440,11 @@
               <a:defRPr/>
             </a:pPr>
             <a:r>
-              <a:rPr lang="en-US" altLang="ko-KR" dirty="0">
+              <a:rPr lang="en-US" altLang="ko-KR" dirty="0" smtClean="0">
                 <a:latin typeface="HY헤드라인M"/>
                 <a:ea typeface="HY헤드라인M"/>
               </a:rPr>
-              <a:t>15/19</a:t>
+              <a:t>16/21</a:t>
             </a:r>
             <a:endParaRPr lang="ko-KR" altLang="en-US" dirty="0">
               <a:latin typeface="HY헤드라인M"/>
@@ -8416,7 +8419,7 @@
     <mc:Choice Requires="p14">
       <p:transition/>
     </mc:Choice>
-    <mc:Fallback xmlns="" xmlns:c="http://schemas.openxmlformats.org/drawingml/2006/chart" xmlns:dgm="http://schemas.openxmlformats.org/drawingml/2006/diagram" xmlns:dsp="http://schemas.microsoft.com/office/drawing/2008/diagram">
+    <mc:Fallback xmlns:dsp="http://schemas.microsoft.com/office/drawing/2008/diagram" xmlns:dgm="http://schemas.openxmlformats.org/drawingml/2006/diagram" xmlns:c="http://schemas.openxmlformats.org/drawingml/2006/chart" xmlns="">
       <p:transition/>
     </mc:Fallback>
   </mc:AlternateContent>
@@ -8424,7 +8427,7 @@
 </file>
 
 <file path=ppt/slides/slide17.xml><?xml version="1.0" encoding="utf-8"?>
-<p:sld xmlns:r="http://schemas.openxmlformats.org/officeDocument/2006/relationships" xmlns:c="http://schemas.openxmlformats.org/drawingml/2006/chart" xmlns:a="http://schemas.openxmlformats.org/drawingml/2006/main" xmlns:dgm="http://schemas.openxmlformats.org/drawingml/2006/diagram" xmlns:dsp="http://schemas.microsoft.com/office/drawing/2008/diagram" xmlns:p="http://schemas.openxmlformats.org/presentationml/2006/main">
+<p:sld xmlns:a="http://schemas.openxmlformats.org/drawingml/2006/main" xmlns:r="http://schemas.openxmlformats.org/officeDocument/2006/relationships" xmlns:p="http://schemas.openxmlformats.org/presentationml/2006/main">
   <p:cSld>
     <p:spTree>
       <p:nvGrpSpPr>
@@ -8507,10 +8510,6 @@
               </a:rPr>
               <a:t>중점 연구 분야</a:t>
             </a:r>
-            <a:endParaRPr lang="ko-KR" altLang="en-US" sz="4000">
-              <a:latin typeface="HY헤드라인M"/>
-              <a:ea typeface="HY헤드라인M"/>
-            </a:endParaRPr>
           </a:p>
         </p:txBody>
       </p:sp>
@@ -8624,13 +8623,13 @@
               <a:defRPr/>
             </a:pPr>
             <a:r>
-              <a:rPr lang="en-US" altLang="ko-KR">
+              <a:rPr lang="en-US" altLang="ko-KR" dirty="0" smtClean="0">
                 <a:latin typeface="HY헤드라인M"/>
                 <a:ea typeface="HY헤드라인M"/>
               </a:rPr>
-              <a:t>16/19</a:t>
-            </a:r>
-            <a:endParaRPr lang="ko-KR" altLang="en-US">
+              <a:t>17/21</a:t>
+            </a:r>
+            <a:endParaRPr lang="ko-KR" altLang="en-US" dirty="0">
               <a:latin typeface="HY헤드라인M"/>
               <a:ea typeface="HY헤드라인M"/>
             </a:endParaRPr>
@@ -8704,10 +8703,6 @@
               </a:rPr>
               <a:t>이동규</a:t>
             </a:r>
-            <a:endParaRPr lang="ko-KR" altLang="en-US" sz="2000">
-              <a:latin typeface="HY견고딕"/>
-              <a:ea typeface="HY견고딕"/>
-            </a:endParaRPr>
           </a:p>
         </p:txBody>
       </p:sp>
@@ -8743,10 +8738,6 @@
               </a:rPr>
               <a:t>김하윤</a:t>
             </a:r>
-            <a:endParaRPr lang="ko-KR" altLang="en-US" sz="2000">
-              <a:latin typeface="HY견고딕"/>
-              <a:ea typeface="HY견고딕"/>
-            </a:endParaRPr>
           </a:p>
         </p:txBody>
       </p:sp>
@@ -8782,10 +8773,6 @@
               </a:rPr>
               <a:t>이득유</a:t>
             </a:r>
-            <a:endParaRPr lang="ko-KR" altLang="en-US" sz="2000">
-              <a:latin typeface="HY견고딕"/>
-              <a:ea typeface="HY견고딕"/>
-            </a:endParaRPr>
           </a:p>
         </p:txBody>
       </p:sp>
@@ -8978,10 +8965,6 @@
               </a:rPr>
               <a:t>다중 접속 서버</a:t>
             </a:r>
-            <a:endParaRPr lang="ko-KR" altLang="en-US">
-              <a:latin typeface="HY견고딕"/>
-              <a:ea typeface="HY견고딕"/>
-            </a:endParaRPr>
           </a:p>
           <a:p>
             <a:pPr algn="ctr">
@@ -9003,10 +8986,6 @@
               </a:rPr>
               <a:t>서버 프레임워크</a:t>
             </a:r>
-            <a:endParaRPr lang="ko-KR" altLang="en-US">
-              <a:latin typeface="HY견고딕"/>
-              <a:ea typeface="HY견고딕"/>
-            </a:endParaRPr>
           </a:p>
           <a:p>
             <a:pPr algn="ctr">
@@ -9028,10 +9007,6 @@
               </a:rPr>
               <a:t>서버 최적화</a:t>
             </a:r>
-            <a:endParaRPr lang="ko-KR" altLang="en-US">
-              <a:latin typeface="HY견고딕"/>
-              <a:ea typeface="HY견고딕"/>
-            </a:endParaRPr>
           </a:p>
           <a:p>
             <a:pPr algn="ctr">
@@ -9053,10 +9028,6 @@
               </a:rPr>
               <a:t>데드 레커닝</a:t>
             </a:r>
-            <a:endParaRPr lang="ko-KR" altLang="en-US">
-              <a:latin typeface="HY견고딕"/>
-              <a:ea typeface="HY견고딕"/>
-            </a:endParaRPr>
           </a:p>
           <a:p>
             <a:pPr algn="ctr">
@@ -9078,10 +9049,6 @@
               </a:rPr>
               <a:t>Database</a:t>
             </a:r>
-            <a:endParaRPr lang="en-US" altLang="ko-KR">
-              <a:latin typeface="HY견고딕"/>
-              <a:ea typeface="HY견고딕"/>
-            </a:endParaRPr>
           </a:p>
         </p:txBody>
       </p:sp>
@@ -9221,10 +9188,6 @@
               </a:rPr>
               <a:t>클라이언트 프레임워크</a:t>
             </a:r>
-            <a:endParaRPr lang="ko-KR" altLang="en-US">
-              <a:latin typeface="HY견고딕"/>
-              <a:ea typeface="HY견고딕"/>
-            </a:endParaRPr>
           </a:p>
           <a:p>
             <a:pPr algn="ctr">
@@ -9246,10 +9209,6 @@
               </a:rPr>
               <a:t>애니메이션</a:t>
             </a:r>
-            <a:endParaRPr lang="ko-KR" altLang="en-US">
-              <a:latin typeface="HY견고딕"/>
-              <a:ea typeface="HY견고딕"/>
-            </a:endParaRPr>
           </a:p>
           <a:p>
             <a:pPr algn="ctr">
@@ -9285,10 +9244,6 @@
               </a:rPr>
               <a:t>조명 </a:t>
             </a:r>
-            <a:endParaRPr lang="ko-KR" altLang="en-US">
-              <a:latin typeface="HY견고딕"/>
-              <a:ea typeface="HY견고딕"/>
-            </a:endParaRPr>
           </a:p>
           <a:p>
             <a:pPr algn="ctr">
@@ -9350,10 +9305,6 @@
               </a:rPr>
               <a:t>)</a:t>
             </a:r>
-            <a:endParaRPr lang="en-US" altLang="ko-KR">
-              <a:latin typeface="HY견고딕"/>
-              <a:ea typeface="HY견고딕"/>
-            </a:endParaRPr>
           </a:p>
           <a:p>
             <a:pPr algn="ctr">
@@ -9387,10 +9338,6 @@
               </a:rPr>
               <a:t>)</a:t>
             </a:r>
-            <a:endParaRPr lang="en-US" altLang="ko-KR">
-              <a:latin typeface="HY견고딕"/>
-              <a:ea typeface="HY견고딕"/>
-            </a:endParaRPr>
           </a:p>
           <a:p>
             <a:pPr algn="ctr">
@@ -9412,10 +9359,6 @@
               </a:rPr>
               <a:t>하우징 컨텐츠</a:t>
             </a:r>
-            <a:endParaRPr lang="ko-KR" altLang="en-US">
-              <a:latin typeface="HY견고딕"/>
-              <a:ea typeface="HY견고딕"/>
-            </a:endParaRPr>
           </a:p>
         </p:txBody>
       </p:sp>
@@ -9424,11 +9367,11 @@
   <p:clrMapOvr>
     <a:masterClrMapping/>
   </p:clrMapOvr>
-  <mc:AlternateContent xmlns:mc="http://schemas.openxmlformats.org/markup-compatibility/2006">
-    <mc:Choice xmlns:p14="http://schemas.microsoft.com/office/powerpoint/2010/main" Requires="p14">
-      <p:transition xmlns:mc="http://schemas.openxmlformats.org/markup-compatibility/2006" xmlns:p14="http://schemas.microsoft.com/office/powerpoint/2010/main" mc:Ignorable="p14" p14:dur="500"/>
+  <mc:AlternateContent xmlns:mc="http://schemas.openxmlformats.org/markup-compatibility/2006" xmlns:p14="http://schemas.microsoft.com/office/powerpoint/2010/main">
+    <mc:Choice Requires="p14">
+      <p:transition/>
     </mc:Choice>
-    <mc:Fallback>
+    <mc:Fallback xmlns:dsp="http://schemas.microsoft.com/office/drawing/2008/diagram" xmlns:dgm="http://schemas.openxmlformats.org/drawingml/2006/diagram" xmlns:c="http://schemas.openxmlformats.org/drawingml/2006/chart" xmlns="">
       <p:transition/>
     </mc:Fallback>
   </mc:AlternateContent>
@@ -9632,11 +9575,11 @@
               <a:defRPr/>
             </a:pPr>
             <a:r>
-              <a:rPr lang="en-US" altLang="ko-KR" dirty="0">
+              <a:rPr lang="en-US" altLang="ko-KR" dirty="0" smtClean="0">
                 <a:latin typeface="HY헤드라인M"/>
                 <a:ea typeface="HY헤드라인M"/>
               </a:rPr>
-              <a:t>17/19</a:t>
+              <a:t>18/21</a:t>
             </a:r>
             <a:endParaRPr lang="ko-KR" altLang="en-US" dirty="0">
               <a:latin typeface="HY헤드라인M"/>
@@ -10284,7 +10227,7 @@
     <mc:Choice Requires="p14">
       <p:transition/>
     </mc:Choice>
-    <mc:Fallback xmlns="" xmlns:c="http://schemas.openxmlformats.org/drawingml/2006/chart" xmlns:dgm="http://schemas.openxmlformats.org/drawingml/2006/diagram" xmlns:dsp="http://schemas.microsoft.com/office/drawing/2008/diagram">
+    <mc:Fallback xmlns:dsp="http://schemas.microsoft.com/office/drawing/2008/diagram" xmlns:dgm="http://schemas.openxmlformats.org/drawingml/2006/diagram" xmlns:c="http://schemas.openxmlformats.org/drawingml/2006/chart" xmlns="">
       <p:transition/>
     </mc:Fallback>
   </mc:AlternateContent>
@@ -10533,11 +10476,11 @@
           <a:lstStyle/>
           <a:p>
             <a:r>
-              <a:rPr lang="en-US" altLang="ko-KR" dirty="0">
+              <a:rPr lang="en-US" altLang="ko-KR" dirty="0" smtClean="0">
                 <a:latin typeface="HY헤드라인M" panose="02030600000101010101" pitchFamily="18" charset="-127"/>
                 <a:ea typeface="HY헤드라인M" panose="02030600000101010101" pitchFamily="18" charset="-127"/>
               </a:rPr>
-              <a:t>18/19</a:t>
+              <a:t>19/21</a:t>
             </a:r>
             <a:endParaRPr lang="ko-KR" altLang="en-US" dirty="0">
               <a:latin typeface="HY헤드라인M" panose="02030600000101010101" pitchFamily="18" charset="-127"/>
@@ -10604,7 +10547,7 @@
           <p:nvPr>
             <p:extLst>
               <p:ext uri="{D42A27DB-BD31-4B8C-83A1-F6EECF244321}">
-                <p14:modId xmlns:p14="http://schemas.microsoft.com/office/powerpoint/2010/main" val="2109093159"/>
+                <p14:modId xmlns:p14="http://schemas.microsoft.com/office/powerpoint/2010/main" val="1273608253"/>
               </p:ext>
             </p:extLst>
           </p:nvPr>
@@ -11384,43 +11327,75 @@
                     <a:lstStyle/>
                     <a:p>
                       <a:pPr latinLnBrk="1"/>
-                      <a:endParaRPr lang="ko-KR" altLang="en-US" sz="1200"/>
-                    </a:p>
-                  </a:txBody>
-                  <a:tcPr marL="0" marR="0" marT="0" marB="0"/>
-                </a:tc>
-                <a:tc>
-                  <a:txBody>
-                    <a:bodyPr/>
-                    <a:lstStyle/>
-                    <a:p>
-                      <a:pPr latinLnBrk="1"/>
-                      <a:endParaRPr lang="ko-KR" altLang="en-US" sz="1200" dirty="0"/>
-                    </a:p>
-                  </a:txBody>
-                  <a:tcPr marL="0" marR="0" marT="0" marB="0"/>
-                </a:tc>
-                <a:tc>
-                  <a:txBody>
-                    <a:bodyPr/>
-                    <a:lstStyle/>
-                    <a:p>
-                      <a:pPr latinLnBrk="1"/>
-                      <a:endParaRPr lang="ko-KR" altLang="en-US" sz="1200"/>
-                    </a:p>
-                  </a:txBody>
-                  <a:tcPr marL="0" marR="0" marT="0" marB="0"/>
-                </a:tc>
-                <a:tc>
-                  <a:txBody>
-                    <a:bodyPr/>
-                    <a:lstStyle/>
-                    <a:p>
-                      <a:pPr latinLnBrk="1"/>
-                      <a:endParaRPr lang="ko-KR" altLang="en-US" sz="1200"/>
-                    </a:p>
-                  </a:txBody>
-                  <a:tcPr marL="0" marR="0" marT="0" marB="0"/>
+                      <a:endParaRPr lang="ko-KR" altLang="en-US" sz="1200" dirty="0">
+                        <a:solidFill>
+                          <a:schemeClr val="accent6"/>
+                        </a:solidFill>
+                      </a:endParaRPr>
+                    </a:p>
+                  </a:txBody>
+                  <a:tcPr marL="0" marR="0" marT="0" marB="0">
+                    <a:solidFill>
+                      <a:schemeClr val="accent6"/>
+                    </a:solidFill>
+                  </a:tcPr>
+                </a:tc>
+                <a:tc>
+                  <a:txBody>
+                    <a:bodyPr/>
+                    <a:lstStyle/>
+                    <a:p>
+                      <a:pPr latinLnBrk="1"/>
+                      <a:endParaRPr lang="ko-KR" altLang="en-US" sz="1200" dirty="0">
+                        <a:solidFill>
+                          <a:schemeClr val="accent6"/>
+                        </a:solidFill>
+                      </a:endParaRPr>
+                    </a:p>
+                  </a:txBody>
+                  <a:tcPr marL="0" marR="0" marT="0" marB="0">
+                    <a:solidFill>
+                      <a:schemeClr val="accent6"/>
+                    </a:solidFill>
+                  </a:tcPr>
+                </a:tc>
+                <a:tc>
+                  <a:txBody>
+                    <a:bodyPr/>
+                    <a:lstStyle/>
+                    <a:p>
+                      <a:pPr latinLnBrk="1"/>
+                      <a:endParaRPr lang="ko-KR" altLang="en-US" sz="1200">
+                        <a:solidFill>
+                          <a:schemeClr val="accent6"/>
+                        </a:solidFill>
+                      </a:endParaRPr>
+                    </a:p>
+                  </a:txBody>
+                  <a:tcPr marL="0" marR="0" marT="0" marB="0">
+                    <a:solidFill>
+                      <a:schemeClr val="accent6"/>
+                    </a:solidFill>
+                  </a:tcPr>
+                </a:tc>
+                <a:tc>
+                  <a:txBody>
+                    <a:bodyPr/>
+                    <a:lstStyle/>
+                    <a:p>
+                      <a:pPr latinLnBrk="1"/>
+                      <a:endParaRPr lang="ko-KR" altLang="en-US" sz="1200" dirty="0">
+                        <a:solidFill>
+                          <a:schemeClr val="accent6"/>
+                        </a:solidFill>
+                      </a:endParaRPr>
+                    </a:p>
+                  </a:txBody>
+                  <a:tcPr marL="0" marR="0" marT="0" marB="0">
+                    <a:solidFill>
+                      <a:schemeClr val="accent6"/>
+                    </a:solidFill>
+                  </a:tcPr>
                 </a:tc>
                 <a:tc>
                   <a:txBody>
@@ -20017,7 +19992,7 @@
         </p:nvSpPr>
         <p:spPr>
           <a:xfrm>
-            <a:off x="2654969" y="2239893"/>
+            <a:off x="2647781" y="2238417"/>
             <a:ext cx="929329" cy="122704"/>
           </a:xfrm>
           <a:prstGeom prst="rect">
@@ -22177,7 +22152,7 @@
 </file>
 
 <file path=ppt/slides/slide20.xml><?xml version="1.0" encoding="utf-8"?>
-<p:sld xmlns:r="http://schemas.openxmlformats.org/officeDocument/2006/relationships" xmlns:c="http://schemas.openxmlformats.org/drawingml/2006/chart" xmlns:a="http://schemas.openxmlformats.org/drawingml/2006/main" xmlns:dgm="http://schemas.openxmlformats.org/drawingml/2006/diagram" xmlns:dsp="http://schemas.microsoft.com/office/drawing/2008/diagram" xmlns:p="http://schemas.openxmlformats.org/presentationml/2006/main">
+<p:sld xmlns:a="http://schemas.openxmlformats.org/drawingml/2006/main" xmlns:r="http://schemas.openxmlformats.org/officeDocument/2006/relationships" xmlns:p="http://schemas.openxmlformats.org/presentationml/2006/main">
   <p:cSld>
     <p:spTree>
       <p:nvGrpSpPr>
@@ -22398,13 +22373,13 @@
               <a:defRPr/>
             </a:pPr>
             <a:r>
-              <a:rPr lang="en-US" altLang="ko-KR">
+              <a:rPr lang="en-US" altLang="ko-KR" dirty="0" smtClean="0">
                 <a:latin typeface="HY헤드라인M"/>
                 <a:ea typeface="HY헤드라인M"/>
               </a:rPr>
-              <a:t>18/19</a:t>
-            </a:r>
-            <a:endParaRPr lang="ko-KR" altLang="en-US">
+              <a:t>20/21</a:t>
+            </a:r>
+            <a:endParaRPr lang="ko-KR" altLang="en-US" dirty="0">
               <a:latin typeface="HY헤드라인M"/>
               <a:ea typeface="HY헤드라인M"/>
             </a:endParaRPr>
@@ -22456,7 +22431,7 @@
         </p:nvGraphicFramePr>
         <p:xfrm>
           <a:off x="1060843" y="1711923"/>
-          <a:ext cx="10069684" cy="2104494"/>
+          <a:ext cx="10069684" cy="2119734"/>
         </p:xfrm>
         <a:graphic>
           <a:graphicData uri="http://schemas.openxmlformats.org/drawingml/2006/table">
@@ -22465,48 +22440,271 @@
                 <a:tableStyleId>{073A0DAA-6AF3-43AB-8588-CEC1D06C72B9}</a:tableStyleId>
               </a:tblPr>
               <a:tblGrid>
-                <a:gridCol w="1581150"/>
-                <a:gridCol w="237411"/>
-                <a:gridCol w="208280"/>
-                <a:gridCol w="237411"/>
-                <a:gridCol w="237411"/>
-                <a:gridCol w="208280"/>
-                <a:gridCol w="237411"/>
-                <a:gridCol w="237411"/>
-                <a:gridCol w="266542"/>
-                <a:gridCol w="208280"/>
-                <a:gridCol w="237411"/>
-                <a:gridCol w="237411"/>
-                <a:gridCol w="266542"/>
-                <a:gridCol w="208280"/>
-                <a:gridCol w="237411"/>
-                <a:gridCol w="237411"/>
-                <a:gridCol w="266542"/>
-                <a:gridCol w="208280"/>
-                <a:gridCol w="237411"/>
-                <a:gridCol w="237411"/>
-                <a:gridCol w="266542"/>
-                <a:gridCol w="208280"/>
-                <a:gridCol w="237411"/>
-                <a:gridCol w="237411"/>
-                <a:gridCol w="266542"/>
-                <a:gridCol w="208280"/>
-                <a:gridCol w="237411"/>
-                <a:gridCol w="237411"/>
-                <a:gridCol w="266542"/>
-                <a:gridCol w="208280"/>
-                <a:gridCol w="237411"/>
-                <a:gridCol w="237411"/>
-                <a:gridCol w="266542"/>
-                <a:gridCol w="208280"/>
-                <a:gridCol w="237411"/>
-                <a:gridCol w="237411"/>
-                <a:gridCol w="237411"/>
+                <a:gridCol w="1581150">
+                  <a:extLst>
+                    <a:ext uri="{9D8B030D-6E8A-4147-A177-3AD203B41FA5}">
+                      <a16:colId xmlns:a16="http://schemas.microsoft.com/office/drawing/2014/main" val="20000"/>
+                    </a:ext>
+                  </a:extLst>
+                </a:gridCol>
+                <a:gridCol w="237411">
+                  <a:extLst>
+                    <a:ext uri="{9D8B030D-6E8A-4147-A177-3AD203B41FA5}">
+                      <a16:colId xmlns:a16="http://schemas.microsoft.com/office/drawing/2014/main" val="20001"/>
+                    </a:ext>
+                  </a:extLst>
+                </a:gridCol>
+                <a:gridCol w="208280">
+                  <a:extLst>
+                    <a:ext uri="{9D8B030D-6E8A-4147-A177-3AD203B41FA5}">
+                      <a16:colId xmlns:a16="http://schemas.microsoft.com/office/drawing/2014/main" val="20002"/>
+                    </a:ext>
+                  </a:extLst>
+                </a:gridCol>
+                <a:gridCol w="237411">
+                  <a:extLst>
+                    <a:ext uri="{9D8B030D-6E8A-4147-A177-3AD203B41FA5}">
+                      <a16:colId xmlns:a16="http://schemas.microsoft.com/office/drawing/2014/main" val="20003"/>
+                    </a:ext>
+                  </a:extLst>
+                </a:gridCol>
+                <a:gridCol w="237411">
+                  <a:extLst>
+                    <a:ext uri="{9D8B030D-6E8A-4147-A177-3AD203B41FA5}">
+                      <a16:colId xmlns:a16="http://schemas.microsoft.com/office/drawing/2014/main" val="20004"/>
+                    </a:ext>
+                  </a:extLst>
+                </a:gridCol>
+                <a:gridCol w="208280">
+                  <a:extLst>
+                    <a:ext uri="{9D8B030D-6E8A-4147-A177-3AD203B41FA5}">
+                      <a16:colId xmlns:a16="http://schemas.microsoft.com/office/drawing/2014/main" val="20005"/>
+                    </a:ext>
+                  </a:extLst>
+                </a:gridCol>
+                <a:gridCol w="237411">
+                  <a:extLst>
+                    <a:ext uri="{9D8B030D-6E8A-4147-A177-3AD203B41FA5}">
+                      <a16:colId xmlns:a16="http://schemas.microsoft.com/office/drawing/2014/main" val="20006"/>
+                    </a:ext>
+                  </a:extLst>
+                </a:gridCol>
+                <a:gridCol w="237411">
+                  <a:extLst>
+                    <a:ext uri="{9D8B030D-6E8A-4147-A177-3AD203B41FA5}">
+                      <a16:colId xmlns:a16="http://schemas.microsoft.com/office/drawing/2014/main" val="20007"/>
+                    </a:ext>
+                  </a:extLst>
+                </a:gridCol>
+                <a:gridCol w="266542">
+                  <a:extLst>
+                    <a:ext uri="{9D8B030D-6E8A-4147-A177-3AD203B41FA5}">
+                      <a16:colId xmlns:a16="http://schemas.microsoft.com/office/drawing/2014/main" val="20008"/>
+                    </a:ext>
+                  </a:extLst>
+                </a:gridCol>
+                <a:gridCol w="208280">
+                  <a:extLst>
+                    <a:ext uri="{9D8B030D-6E8A-4147-A177-3AD203B41FA5}">
+                      <a16:colId xmlns:a16="http://schemas.microsoft.com/office/drawing/2014/main" val="20009"/>
+                    </a:ext>
+                  </a:extLst>
+                </a:gridCol>
+                <a:gridCol w="237411">
+                  <a:extLst>
+                    <a:ext uri="{9D8B030D-6E8A-4147-A177-3AD203B41FA5}">
+                      <a16:colId xmlns:a16="http://schemas.microsoft.com/office/drawing/2014/main" val="20010"/>
+                    </a:ext>
+                  </a:extLst>
+                </a:gridCol>
+                <a:gridCol w="237411">
+                  <a:extLst>
+                    <a:ext uri="{9D8B030D-6E8A-4147-A177-3AD203B41FA5}">
+                      <a16:colId xmlns:a16="http://schemas.microsoft.com/office/drawing/2014/main" val="20011"/>
+                    </a:ext>
+                  </a:extLst>
+                </a:gridCol>
+                <a:gridCol w="266542">
+                  <a:extLst>
+                    <a:ext uri="{9D8B030D-6E8A-4147-A177-3AD203B41FA5}">
+                      <a16:colId xmlns:a16="http://schemas.microsoft.com/office/drawing/2014/main" val="20012"/>
+                    </a:ext>
+                  </a:extLst>
+                </a:gridCol>
+                <a:gridCol w="208280">
+                  <a:extLst>
+                    <a:ext uri="{9D8B030D-6E8A-4147-A177-3AD203B41FA5}">
+                      <a16:colId xmlns:a16="http://schemas.microsoft.com/office/drawing/2014/main" val="20013"/>
+                    </a:ext>
+                  </a:extLst>
+                </a:gridCol>
+                <a:gridCol w="237411">
+                  <a:extLst>
+                    <a:ext uri="{9D8B030D-6E8A-4147-A177-3AD203B41FA5}">
+                      <a16:colId xmlns:a16="http://schemas.microsoft.com/office/drawing/2014/main" val="20014"/>
+                    </a:ext>
+                  </a:extLst>
+                </a:gridCol>
+                <a:gridCol w="237411">
+                  <a:extLst>
+                    <a:ext uri="{9D8B030D-6E8A-4147-A177-3AD203B41FA5}">
+                      <a16:colId xmlns:a16="http://schemas.microsoft.com/office/drawing/2014/main" val="20015"/>
+                    </a:ext>
+                  </a:extLst>
+                </a:gridCol>
+                <a:gridCol w="266542">
+                  <a:extLst>
+                    <a:ext uri="{9D8B030D-6E8A-4147-A177-3AD203B41FA5}">
+                      <a16:colId xmlns:a16="http://schemas.microsoft.com/office/drawing/2014/main" val="20016"/>
+                    </a:ext>
+                  </a:extLst>
+                </a:gridCol>
+                <a:gridCol w="208280">
+                  <a:extLst>
+                    <a:ext uri="{9D8B030D-6E8A-4147-A177-3AD203B41FA5}">
+                      <a16:colId xmlns:a16="http://schemas.microsoft.com/office/drawing/2014/main" val="20017"/>
+                    </a:ext>
+                  </a:extLst>
+                </a:gridCol>
+                <a:gridCol w="237411">
+                  <a:extLst>
+                    <a:ext uri="{9D8B030D-6E8A-4147-A177-3AD203B41FA5}">
+                      <a16:colId xmlns:a16="http://schemas.microsoft.com/office/drawing/2014/main" val="20018"/>
+                    </a:ext>
+                  </a:extLst>
+                </a:gridCol>
+                <a:gridCol w="237411">
+                  <a:extLst>
+                    <a:ext uri="{9D8B030D-6E8A-4147-A177-3AD203B41FA5}">
+                      <a16:colId xmlns:a16="http://schemas.microsoft.com/office/drawing/2014/main" val="20019"/>
+                    </a:ext>
+                  </a:extLst>
+                </a:gridCol>
+                <a:gridCol w="266542">
+                  <a:extLst>
+                    <a:ext uri="{9D8B030D-6E8A-4147-A177-3AD203B41FA5}">
+                      <a16:colId xmlns:a16="http://schemas.microsoft.com/office/drawing/2014/main" val="20020"/>
+                    </a:ext>
+                  </a:extLst>
+                </a:gridCol>
+                <a:gridCol w="208280">
+                  <a:extLst>
+                    <a:ext uri="{9D8B030D-6E8A-4147-A177-3AD203B41FA5}">
+                      <a16:colId xmlns:a16="http://schemas.microsoft.com/office/drawing/2014/main" val="20021"/>
+                    </a:ext>
+                  </a:extLst>
+                </a:gridCol>
+                <a:gridCol w="237411">
+                  <a:extLst>
+                    <a:ext uri="{9D8B030D-6E8A-4147-A177-3AD203B41FA5}">
+                      <a16:colId xmlns:a16="http://schemas.microsoft.com/office/drawing/2014/main" val="20022"/>
+                    </a:ext>
+                  </a:extLst>
+                </a:gridCol>
+                <a:gridCol w="237411">
+                  <a:extLst>
+                    <a:ext uri="{9D8B030D-6E8A-4147-A177-3AD203B41FA5}">
+                      <a16:colId xmlns:a16="http://schemas.microsoft.com/office/drawing/2014/main" val="20023"/>
+                    </a:ext>
+                  </a:extLst>
+                </a:gridCol>
+                <a:gridCol w="266542">
+                  <a:extLst>
+                    <a:ext uri="{9D8B030D-6E8A-4147-A177-3AD203B41FA5}">
+                      <a16:colId xmlns:a16="http://schemas.microsoft.com/office/drawing/2014/main" val="20024"/>
+                    </a:ext>
+                  </a:extLst>
+                </a:gridCol>
+                <a:gridCol w="208280">
+                  <a:extLst>
+                    <a:ext uri="{9D8B030D-6E8A-4147-A177-3AD203B41FA5}">
+                      <a16:colId xmlns:a16="http://schemas.microsoft.com/office/drawing/2014/main" val="20025"/>
+                    </a:ext>
+                  </a:extLst>
+                </a:gridCol>
+                <a:gridCol w="237411">
+                  <a:extLst>
+                    <a:ext uri="{9D8B030D-6E8A-4147-A177-3AD203B41FA5}">
+                      <a16:colId xmlns:a16="http://schemas.microsoft.com/office/drawing/2014/main" val="20026"/>
+                    </a:ext>
+                  </a:extLst>
+                </a:gridCol>
+                <a:gridCol w="237411">
+                  <a:extLst>
+                    <a:ext uri="{9D8B030D-6E8A-4147-A177-3AD203B41FA5}">
+                      <a16:colId xmlns:a16="http://schemas.microsoft.com/office/drawing/2014/main" val="20027"/>
+                    </a:ext>
+                  </a:extLst>
+                </a:gridCol>
+                <a:gridCol w="266542">
+                  <a:extLst>
+                    <a:ext uri="{9D8B030D-6E8A-4147-A177-3AD203B41FA5}">
+                      <a16:colId xmlns:a16="http://schemas.microsoft.com/office/drawing/2014/main" val="20028"/>
+                    </a:ext>
+                  </a:extLst>
+                </a:gridCol>
+                <a:gridCol w="208280">
+                  <a:extLst>
+                    <a:ext uri="{9D8B030D-6E8A-4147-A177-3AD203B41FA5}">
+                      <a16:colId xmlns:a16="http://schemas.microsoft.com/office/drawing/2014/main" val="20029"/>
+                    </a:ext>
+                  </a:extLst>
+                </a:gridCol>
+                <a:gridCol w="237411">
+                  <a:extLst>
+                    <a:ext uri="{9D8B030D-6E8A-4147-A177-3AD203B41FA5}">
+                      <a16:colId xmlns:a16="http://schemas.microsoft.com/office/drawing/2014/main" val="20030"/>
+                    </a:ext>
+                  </a:extLst>
+                </a:gridCol>
+                <a:gridCol w="237411">
+                  <a:extLst>
+                    <a:ext uri="{9D8B030D-6E8A-4147-A177-3AD203B41FA5}">
+                      <a16:colId xmlns:a16="http://schemas.microsoft.com/office/drawing/2014/main" val="20031"/>
+                    </a:ext>
+                  </a:extLst>
+                </a:gridCol>
+                <a:gridCol w="266542">
+                  <a:extLst>
+                    <a:ext uri="{9D8B030D-6E8A-4147-A177-3AD203B41FA5}">
+                      <a16:colId xmlns:a16="http://schemas.microsoft.com/office/drawing/2014/main" val="20032"/>
+                    </a:ext>
+                  </a:extLst>
+                </a:gridCol>
+                <a:gridCol w="208280">
+                  <a:extLst>
+                    <a:ext uri="{9D8B030D-6E8A-4147-A177-3AD203B41FA5}">
+                      <a16:colId xmlns:a16="http://schemas.microsoft.com/office/drawing/2014/main" val="20033"/>
+                    </a:ext>
+                  </a:extLst>
+                </a:gridCol>
+                <a:gridCol w="237411">
+                  <a:extLst>
+                    <a:ext uri="{9D8B030D-6E8A-4147-A177-3AD203B41FA5}">
+                      <a16:colId xmlns:a16="http://schemas.microsoft.com/office/drawing/2014/main" val="20034"/>
+                    </a:ext>
+                  </a:extLst>
+                </a:gridCol>
+                <a:gridCol w="237411">
+                  <a:extLst>
+                    <a:ext uri="{9D8B030D-6E8A-4147-A177-3AD203B41FA5}">
+                      <a16:colId xmlns:a16="http://schemas.microsoft.com/office/drawing/2014/main" val="20035"/>
+                    </a:ext>
+                  </a:extLst>
+                </a:gridCol>
+                <a:gridCol w="237411">
+                  <a:extLst>
+                    <a:ext uri="{9D8B030D-6E8A-4147-A177-3AD203B41FA5}">
+                      <a16:colId xmlns:a16="http://schemas.microsoft.com/office/drawing/2014/main" val="20036"/>
+                    </a:ext>
+                  </a:extLst>
+                </a:gridCol>
               </a:tblGrid>
               <a:tr h="351894">
                 <a:tc>
                   <a:txBody>
-                    <a:bodyPr vert="horz" lIns="0" tIns="0" rIns="0" bIns="0" anchor="t" anchorCtr="0"/>
+                    <a:bodyPr/>
+                    <a:lstStyle/>
                     <a:p>
                       <a:pPr algn="ctr" latinLnBrk="1">
                         <a:defRPr/>
@@ -22515,14 +22713,14 @@
                         <a:rPr lang="ko-KR" altLang="en-US"/>
                         <a:t>항목</a:t>
                       </a:r>
-                      <a:endParaRPr lang="ko-KR" altLang="en-US"/>
                     </a:p>
                   </a:txBody>
                   <a:tcPr marL="0" marR="0" marT="0" marB="0"/>
                 </a:tc>
                 <a:tc gridSpan="4">
                   <a:txBody>
-                    <a:bodyPr vert="horz" lIns="0" tIns="0" rIns="0" bIns="0" anchor="t" anchorCtr="0"/>
+                    <a:bodyPr/>
+                    <a:lstStyle/>
                     <a:p>
                       <a:pPr algn="ctr" latinLnBrk="1">
                         <a:defRPr/>
@@ -22535,14 +22733,27 @@
                         <a:rPr lang="ko-KR" altLang="en-US"/>
                         <a:t>월</a:t>
                       </a:r>
+                    </a:p>
+                  </a:txBody>
+                  <a:tcPr marL="0" marR="0" marT="0" marB="0"/>
+                </a:tc>
+                <a:tc hMerge="1">
+                  <a:txBody>
+                    <a:bodyPr/>
+                    <a:lstStyle/>
+                    <a:p>
+                      <a:pPr latinLnBrk="1">
+                        <a:defRPr/>
+                      </a:pPr>
                       <a:endParaRPr lang="ko-KR" altLang="en-US"/>
                     </a:p>
                   </a:txBody>
-                  <a:tcPr marL="0" marR="0" marT="0" marB="0"/>
+                  <a:tcPr/>
                 </a:tc>
                 <a:tc hMerge="1">
                   <a:txBody>
                     <a:bodyPr/>
+                    <a:lstStyle/>
                     <a:p>
                       <a:pPr latinLnBrk="1">
                         <a:defRPr/>
@@ -22550,11 +22761,12 @@
                       <a:endParaRPr lang="ko-KR" altLang="en-US"/>
                     </a:p>
                   </a:txBody>
-                  <a:tcPr marL="91440" marR="91440"/>
+                  <a:tcPr/>
                 </a:tc>
                 <a:tc hMerge="1">
                   <a:txBody>
                     <a:bodyPr/>
+                    <a:lstStyle/>
                     <a:p>
                       <a:pPr latinLnBrk="1">
                         <a:defRPr/>
@@ -22562,23 +22774,12 @@
                       <a:endParaRPr lang="ko-KR" altLang="en-US"/>
                     </a:p>
                   </a:txBody>
-                  <a:tcPr marL="91440" marR="91440"/>
-                </a:tc>
-                <a:tc hMerge="1">
-                  <a:txBody>
-                    <a:bodyPr/>
-                    <a:p>
-                      <a:pPr latinLnBrk="1">
-                        <a:defRPr/>
-                      </a:pPr>
-                      <a:endParaRPr lang="ko-KR" altLang="en-US"/>
-                    </a:p>
-                  </a:txBody>
-                  <a:tcPr marL="91440" marR="91440"/>
+                  <a:tcPr/>
                 </a:tc>
                 <a:tc gridSpan="4">
                   <a:txBody>
-                    <a:bodyPr vert="horz" lIns="0" tIns="0" rIns="0" bIns="0" anchor="t" anchorCtr="0"/>
+                    <a:bodyPr/>
+                    <a:lstStyle/>
                     <a:p>
                       <a:pPr algn="ctr" latinLnBrk="1">
                         <a:defRPr/>
@@ -22591,14 +22792,27 @@
                         <a:rPr lang="ko-KR" altLang="en-US"/>
                         <a:t>월</a:t>
                       </a:r>
+                    </a:p>
+                  </a:txBody>
+                  <a:tcPr marL="0" marR="0" marT="0" marB="0"/>
+                </a:tc>
+                <a:tc hMerge="1">
+                  <a:txBody>
+                    <a:bodyPr/>
+                    <a:lstStyle/>
+                    <a:p>
+                      <a:pPr latinLnBrk="1">
+                        <a:defRPr/>
+                      </a:pPr>
                       <a:endParaRPr lang="ko-KR" altLang="en-US"/>
                     </a:p>
                   </a:txBody>
-                  <a:tcPr marL="0" marR="0" marT="0" marB="0"/>
+                  <a:tcPr/>
                 </a:tc>
                 <a:tc hMerge="1">
                   <a:txBody>
                     <a:bodyPr/>
+                    <a:lstStyle/>
                     <a:p>
                       <a:pPr latinLnBrk="1">
                         <a:defRPr/>
@@ -22606,11 +22820,12 @@
                       <a:endParaRPr lang="ko-KR" altLang="en-US"/>
                     </a:p>
                   </a:txBody>
-                  <a:tcPr marL="91440" marR="91440"/>
+                  <a:tcPr/>
                 </a:tc>
                 <a:tc hMerge="1">
                   <a:txBody>
                     <a:bodyPr/>
+                    <a:lstStyle/>
                     <a:p>
                       <a:pPr latinLnBrk="1">
                         <a:defRPr/>
@@ -22618,23 +22833,12 @@
                       <a:endParaRPr lang="ko-KR" altLang="en-US"/>
                     </a:p>
                   </a:txBody>
-                  <a:tcPr marL="91440" marR="91440"/>
-                </a:tc>
-                <a:tc hMerge="1">
-                  <a:txBody>
-                    <a:bodyPr/>
-                    <a:p>
-                      <a:pPr latinLnBrk="1">
-                        <a:defRPr/>
-                      </a:pPr>
-                      <a:endParaRPr lang="ko-KR" altLang="en-US"/>
-                    </a:p>
-                  </a:txBody>
-                  <a:tcPr marL="91440" marR="91440"/>
+                  <a:tcPr/>
                 </a:tc>
                 <a:tc gridSpan="4">
                   <a:txBody>
-                    <a:bodyPr vert="horz" lIns="0" tIns="0" rIns="0" bIns="0" anchor="t" anchorCtr="0"/>
+                    <a:bodyPr/>
+                    <a:lstStyle/>
                     <a:p>
                       <a:pPr algn="ctr" latinLnBrk="1">
                         <a:defRPr/>
@@ -22647,14 +22851,27 @@
                         <a:rPr lang="ko-KR" altLang="en-US"/>
                         <a:t>월</a:t>
                       </a:r>
+                    </a:p>
+                  </a:txBody>
+                  <a:tcPr marL="0" marR="0" marT="0" marB="0"/>
+                </a:tc>
+                <a:tc hMerge="1">
+                  <a:txBody>
+                    <a:bodyPr/>
+                    <a:lstStyle/>
+                    <a:p>
+                      <a:pPr latinLnBrk="1">
+                        <a:defRPr/>
+                      </a:pPr>
                       <a:endParaRPr lang="ko-KR" altLang="en-US"/>
                     </a:p>
                   </a:txBody>
-                  <a:tcPr marL="0" marR="0" marT="0" marB="0"/>
+                  <a:tcPr/>
                 </a:tc>
                 <a:tc hMerge="1">
                   <a:txBody>
                     <a:bodyPr/>
+                    <a:lstStyle/>
                     <a:p>
                       <a:pPr latinLnBrk="1">
                         <a:defRPr/>
@@ -22662,11 +22879,12 @@
                       <a:endParaRPr lang="ko-KR" altLang="en-US"/>
                     </a:p>
                   </a:txBody>
-                  <a:tcPr marL="91440" marR="91440"/>
+                  <a:tcPr/>
                 </a:tc>
                 <a:tc hMerge="1">
                   <a:txBody>
                     <a:bodyPr/>
+                    <a:lstStyle/>
                     <a:p>
                       <a:pPr latinLnBrk="1">
                         <a:defRPr/>
@@ -22674,23 +22892,12 @@
                       <a:endParaRPr lang="ko-KR" altLang="en-US"/>
                     </a:p>
                   </a:txBody>
-                  <a:tcPr marL="91440" marR="91440"/>
-                </a:tc>
-                <a:tc hMerge="1">
-                  <a:txBody>
-                    <a:bodyPr/>
-                    <a:p>
-                      <a:pPr latinLnBrk="1">
-                        <a:defRPr/>
-                      </a:pPr>
-                      <a:endParaRPr lang="ko-KR" altLang="en-US"/>
-                    </a:p>
-                  </a:txBody>
-                  <a:tcPr marL="91440" marR="91440"/>
+                  <a:tcPr/>
                 </a:tc>
                 <a:tc gridSpan="4">
                   <a:txBody>
-                    <a:bodyPr vert="horz" lIns="0" tIns="0" rIns="0" bIns="0" anchor="t" anchorCtr="0"/>
+                    <a:bodyPr/>
+                    <a:lstStyle/>
                     <a:p>
                       <a:pPr algn="ctr" latinLnBrk="1">
                         <a:defRPr/>
@@ -22703,14 +22910,27 @@
                         <a:rPr lang="ko-KR" altLang="en-US"/>
                         <a:t>월</a:t>
                       </a:r>
+                    </a:p>
+                  </a:txBody>
+                  <a:tcPr marL="0" marR="0" marT="0" marB="0"/>
+                </a:tc>
+                <a:tc hMerge="1">
+                  <a:txBody>
+                    <a:bodyPr/>
+                    <a:lstStyle/>
+                    <a:p>
+                      <a:pPr latinLnBrk="1">
+                        <a:defRPr/>
+                      </a:pPr>
                       <a:endParaRPr lang="ko-KR" altLang="en-US"/>
                     </a:p>
                   </a:txBody>
-                  <a:tcPr marL="0" marR="0" marT="0" marB="0"/>
+                  <a:tcPr/>
                 </a:tc>
                 <a:tc hMerge="1">
                   <a:txBody>
                     <a:bodyPr/>
+                    <a:lstStyle/>
                     <a:p>
                       <a:pPr latinLnBrk="1">
                         <a:defRPr/>
@@ -22718,11 +22938,12 @@
                       <a:endParaRPr lang="ko-KR" altLang="en-US"/>
                     </a:p>
                   </a:txBody>
-                  <a:tcPr marL="91440" marR="91440"/>
+                  <a:tcPr/>
                 </a:tc>
                 <a:tc hMerge="1">
                   <a:txBody>
                     <a:bodyPr/>
+                    <a:lstStyle/>
                     <a:p>
                       <a:pPr latinLnBrk="1">
                         <a:defRPr/>
@@ -22730,23 +22951,12 @@
                       <a:endParaRPr lang="ko-KR" altLang="en-US"/>
                     </a:p>
                   </a:txBody>
-                  <a:tcPr marL="91440" marR="91440"/>
-                </a:tc>
-                <a:tc hMerge="1">
-                  <a:txBody>
-                    <a:bodyPr/>
-                    <a:p>
-                      <a:pPr latinLnBrk="1">
-                        <a:defRPr/>
-                      </a:pPr>
-                      <a:endParaRPr lang="ko-KR" altLang="en-US"/>
-                    </a:p>
-                  </a:txBody>
-                  <a:tcPr marL="91440" marR="91440"/>
+                  <a:tcPr/>
                 </a:tc>
                 <a:tc gridSpan="4">
                   <a:txBody>
-                    <a:bodyPr vert="horz" lIns="0" tIns="0" rIns="0" bIns="0" anchor="t" anchorCtr="0"/>
+                    <a:bodyPr/>
+                    <a:lstStyle/>
                     <a:p>
                       <a:pPr algn="ctr" latinLnBrk="1">
                         <a:defRPr/>
@@ -22759,14 +22969,27 @@
                         <a:rPr lang="ko-KR" altLang="en-US"/>
                         <a:t>월</a:t>
                       </a:r>
+                    </a:p>
+                  </a:txBody>
+                  <a:tcPr marL="0" marR="0" marT="0" marB="0"/>
+                </a:tc>
+                <a:tc hMerge="1">
+                  <a:txBody>
+                    <a:bodyPr/>
+                    <a:lstStyle/>
+                    <a:p>
+                      <a:pPr latinLnBrk="1">
+                        <a:defRPr/>
+                      </a:pPr>
                       <a:endParaRPr lang="ko-KR" altLang="en-US"/>
                     </a:p>
                   </a:txBody>
-                  <a:tcPr marL="0" marR="0" marT="0" marB="0"/>
+                  <a:tcPr/>
                 </a:tc>
                 <a:tc hMerge="1">
                   <a:txBody>
                     <a:bodyPr/>
+                    <a:lstStyle/>
                     <a:p>
                       <a:pPr latinLnBrk="1">
                         <a:defRPr/>
@@ -22774,11 +22997,12 @@
                       <a:endParaRPr lang="ko-KR" altLang="en-US"/>
                     </a:p>
                   </a:txBody>
-                  <a:tcPr marL="91440" marR="91440"/>
+                  <a:tcPr/>
                 </a:tc>
                 <a:tc hMerge="1">
                   <a:txBody>
                     <a:bodyPr/>
+                    <a:lstStyle/>
                     <a:p>
                       <a:pPr latinLnBrk="1">
                         <a:defRPr/>
@@ -22786,23 +23010,12 @@
                       <a:endParaRPr lang="ko-KR" altLang="en-US"/>
                     </a:p>
                   </a:txBody>
-                  <a:tcPr marL="91440" marR="91440"/>
-                </a:tc>
-                <a:tc hMerge="1">
-                  <a:txBody>
-                    <a:bodyPr/>
-                    <a:p>
-                      <a:pPr latinLnBrk="1">
-                        <a:defRPr/>
-                      </a:pPr>
-                      <a:endParaRPr lang="ko-KR" altLang="en-US"/>
-                    </a:p>
-                  </a:txBody>
-                  <a:tcPr marL="91440" marR="91440"/>
+                  <a:tcPr/>
                 </a:tc>
                 <a:tc gridSpan="4">
                   <a:txBody>
-                    <a:bodyPr vert="horz" lIns="0" tIns="0" rIns="0" bIns="0" anchor="t" anchorCtr="0"/>
+                    <a:bodyPr/>
+                    <a:lstStyle/>
                     <a:p>
                       <a:pPr algn="ctr" latinLnBrk="1">
                         <a:defRPr/>
@@ -22815,14 +23028,27 @@
                         <a:rPr lang="ko-KR" altLang="en-US"/>
                         <a:t>월</a:t>
                       </a:r>
+                    </a:p>
+                  </a:txBody>
+                  <a:tcPr marL="0" marR="0" marT="0" marB="0"/>
+                </a:tc>
+                <a:tc hMerge="1">
+                  <a:txBody>
+                    <a:bodyPr/>
+                    <a:lstStyle/>
+                    <a:p>
+                      <a:pPr latinLnBrk="1">
+                        <a:defRPr/>
+                      </a:pPr>
                       <a:endParaRPr lang="ko-KR" altLang="en-US"/>
                     </a:p>
                   </a:txBody>
-                  <a:tcPr marL="0" marR="0" marT="0" marB="0"/>
+                  <a:tcPr/>
                 </a:tc>
                 <a:tc hMerge="1">
                   <a:txBody>
                     <a:bodyPr/>
+                    <a:lstStyle/>
                     <a:p>
                       <a:pPr latinLnBrk="1">
                         <a:defRPr/>
@@ -22830,11 +23056,12 @@
                       <a:endParaRPr lang="ko-KR" altLang="en-US"/>
                     </a:p>
                   </a:txBody>
-                  <a:tcPr marL="91440" marR="91440"/>
+                  <a:tcPr/>
                 </a:tc>
                 <a:tc hMerge="1">
                   <a:txBody>
                     <a:bodyPr/>
+                    <a:lstStyle/>
                     <a:p>
                       <a:pPr latinLnBrk="1">
                         <a:defRPr/>
@@ -22842,23 +23069,12 @@
                       <a:endParaRPr lang="ko-KR" altLang="en-US"/>
                     </a:p>
                   </a:txBody>
-                  <a:tcPr marL="91440" marR="91440"/>
-                </a:tc>
-                <a:tc hMerge="1">
-                  <a:txBody>
-                    <a:bodyPr/>
-                    <a:p>
-                      <a:pPr latinLnBrk="1">
-                        <a:defRPr/>
-                      </a:pPr>
-                      <a:endParaRPr lang="ko-KR" altLang="en-US"/>
-                    </a:p>
-                  </a:txBody>
-                  <a:tcPr marL="91440" marR="91440"/>
+                  <a:tcPr/>
                 </a:tc>
                 <a:tc gridSpan="4">
                   <a:txBody>
-                    <a:bodyPr vert="horz" lIns="0" tIns="0" rIns="0" bIns="0" anchor="t" anchorCtr="0"/>
+                    <a:bodyPr/>
+                    <a:lstStyle/>
                     <a:p>
                       <a:pPr algn="ctr" latinLnBrk="1">
                         <a:defRPr/>
@@ -22871,14 +23087,27 @@
                         <a:rPr lang="ko-KR" altLang="en-US"/>
                         <a:t>월</a:t>
                       </a:r>
+                    </a:p>
+                  </a:txBody>
+                  <a:tcPr marL="0" marR="0" marT="0" marB="0"/>
+                </a:tc>
+                <a:tc hMerge="1">
+                  <a:txBody>
+                    <a:bodyPr/>
+                    <a:lstStyle/>
+                    <a:p>
+                      <a:pPr latinLnBrk="1">
+                        <a:defRPr/>
+                      </a:pPr>
                       <a:endParaRPr lang="ko-KR" altLang="en-US"/>
                     </a:p>
                   </a:txBody>
-                  <a:tcPr marL="0" marR="0" marT="0" marB="0"/>
+                  <a:tcPr/>
                 </a:tc>
                 <a:tc hMerge="1">
                   <a:txBody>
                     <a:bodyPr/>
+                    <a:lstStyle/>
                     <a:p>
                       <a:pPr latinLnBrk="1">
                         <a:defRPr/>
@@ -22886,11 +23115,12 @@
                       <a:endParaRPr lang="ko-KR" altLang="en-US"/>
                     </a:p>
                   </a:txBody>
-                  <a:tcPr marL="91440" marR="91440"/>
+                  <a:tcPr/>
                 </a:tc>
                 <a:tc hMerge="1">
                   <a:txBody>
                     <a:bodyPr/>
+                    <a:lstStyle/>
                     <a:p>
                       <a:pPr latinLnBrk="1">
                         <a:defRPr/>
@@ -22898,23 +23128,12 @@
                       <a:endParaRPr lang="ko-KR" altLang="en-US"/>
                     </a:p>
                   </a:txBody>
-                  <a:tcPr marL="91440" marR="91440"/>
-                </a:tc>
-                <a:tc hMerge="1">
-                  <a:txBody>
-                    <a:bodyPr/>
-                    <a:p>
-                      <a:pPr latinLnBrk="1">
-                        <a:defRPr/>
-                      </a:pPr>
-                      <a:endParaRPr lang="ko-KR" altLang="en-US"/>
-                    </a:p>
-                  </a:txBody>
-                  <a:tcPr marL="91440" marR="91440"/>
+                  <a:tcPr/>
                 </a:tc>
                 <a:tc gridSpan="4">
                   <a:txBody>
-                    <a:bodyPr vert="horz" lIns="0" tIns="0" rIns="0" bIns="0" anchor="t" anchorCtr="0"/>
+                    <a:bodyPr/>
+                    <a:lstStyle/>
                     <a:p>
                       <a:pPr algn="ctr" latinLnBrk="1">
                         <a:defRPr/>
@@ -22927,14 +23146,27 @@
                         <a:rPr lang="ko-KR" altLang="en-US"/>
                         <a:t>월</a:t>
                       </a:r>
+                    </a:p>
+                  </a:txBody>
+                  <a:tcPr marL="0" marR="0" marT="0" marB="0"/>
+                </a:tc>
+                <a:tc hMerge="1">
+                  <a:txBody>
+                    <a:bodyPr/>
+                    <a:lstStyle/>
+                    <a:p>
+                      <a:pPr latinLnBrk="1">
+                        <a:defRPr/>
+                      </a:pPr>
                       <a:endParaRPr lang="ko-KR" altLang="en-US"/>
                     </a:p>
                   </a:txBody>
-                  <a:tcPr marL="0" marR="0" marT="0" marB="0"/>
+                  <a:tcPr/>
                 </a:tc>
                 <a:tc hMerge="1">
                   <a:txBody>
                     <a:bodyPr/>
+                    <a:lstStyle/>
                     <a:p>
                       <a:pPr latinLnBrk="1">
                         <a:defRPr/>
@@ -22942,11 +23174,12 @@
                       <a:endParaRPr lang="ko-KR" altLang="en-US"/>
                     </a:p>
                   </a:txBody>
-                  <a:tcPr marL="91440" marR="91440"/>
+                  <a:tcPr/>
                 </a:tc>
                 <a:tc hMerge="1">
                   <a:txBody>
                     <a:bodyPr/>
+                    <a:lstStyle/>
                     <a:p>
                       <a:pPr latinLnBrk="1">
                         <a:defRPr/>
@@ -22954,23 +23187,12 @@
                       <a:endParaRPr lang="ko-KR" altLang="en-US"/>
                     </a:p>
                   </a:txBody>
-                  <a:tcPr marL="91440" marR="91440"/>
-                </a:tc>
-                <a:tc hMerge="1">
-                  <a:txBody>
-                    <a:bodyPr/>
-                    <a:p>
-                      <a:pPr latinLnBrk="1">
-                        <a:defRPr/>
-                      </a:pPr>
-                      <a:endParaRPr lang="ko-KR" altLang="en-US"/>
-                    </a:p>
-                  </a:txBody>
-                  <a:tcPr marL="91440" marR="91440"/>
+                  <a:tcPr/>
                 </a:tc>
                 <a:tc gridSpan="4">
                   <a:txBody>
-                    <a:bodyPr vert="horz" lIns="0" tIns="0" rIns="0" bIns="0" anchor="t" anchorCtr="0"/>
+                    <a:bodyPr/>
+                    <a:lstStyle/>
                     <a:p>
                       <a:pPr algn="ctr" latinLnBrk="1">
                         <a:defRPr/>
@@ -22983,14 +23205,27 @@
                         <a:rPr lang="ko-KR" altLang="en-US"/>
                         <a:t>월</a:t>
                       </a:r>
+                    </a:p>
+                  </a:txBody>
+                  <a:tcPr marL="0" marR="0" marT="0" marB="0"/>
+                </a:tc>
+                <a:tc hMerge="1">
+                  <a:txBody>
+                    <a:bodyPr/>
+                    <a:lstStyle/>
+                    <a:p>
+                      <a:pPr latinLnBrk="1">
+                        <a:defRPr/>
+                      </a:pPr>
                       <a:endParaRPr lang="ko-KR" altLang="en-US"/>
                     </a:p>
                   </a:txBody>
-                  <a:tcPr marL="0" marR="0" marT="0" marB="0"/>
+                  <a:tcPr/>
                 </a:tc>
                 <a:tc hMerge="1">
                   <a:txBody>
                     <a:bodyPr/>
+                    <a:lstStyle/>
                     <a:p>
                       <a:pPr latinLnBrk="1">
                         <a:defRPr/>
@@ -22998,11 +23233,12 @@
                       <a:endParaRPr lang="ko-KR" altLang="en-US"/>
                     </a:p>
                   </a:txBody>
-                  <a:tcPr marL="91440" marR="91440"/>
+                  <a:tcPr/>
                 </a:tc>
                 <a:tc hMerge="1">
                   <a:txBody>
                     <a:bodyPr/>
+                    <a:lstStyle/>
                     <a:p>
                       <a:pPr latinLnBrk="1">
                         <a:defRPr/>
@@ -23010,25 +23246,19 @@
                       <a:endParaRPr lang="ko-KR" altLang="en-US"/>
                     </a:p>
                   </a:txBody>
-                  <a:tcPr marL="91440" marR="91440"/>
-                </a:tc>
-                <a:tc hMerge="1">
-                  <a:txBody>
-                    <a:bodyPr/>
-                    <a:p>
-                      <a:pPr latinLnBrk="1">
-                        <a:defRPr/>
-                      </a:pPr>
-                      <a:endParaRPr lang="ko-KR" altLang="en-US"/>
-                    </a:p>
-                  </a:txBody>
-                  <a:tcPr marL="91440" marR="91440"/>
-                </a:tc>
+                  <a:tcPr/>
+                </a:tc>
+                <a:extLst>
+                  <a:ext uri="{0D108BD9-81ED-4DB2-BD59-A6C34878D82A}">
+                    <a16:rowId xmlns:a16="http://schemas.microsoft.com/office/drawing/2014/main" val="10000"/>
+                  </a:ext>
+                </a:extLst>
               </a:tr>
               <a:tr h="143622">
                 <a:tc>
                   <a:txBody>
-                    <a:bodyPr vert="horz" lIns="0" tIns="0" rIns="0" bIns="0" anchor="t" anchorCtr="0"/>
+                    <a:bodyPr/>
+                    <a:lstStyle/>
                     <a:p>
                       <a:pPr marL="0" marR="0" lvl="0" indent="0" algn="ctr" defTabSz="914400" rtl="0" eaLnBrk="1" latinLnBrk="1" hangingPunct="1">
                         <a:lnSpc>
@@ -23052,17 +23282,14 @@
                         </a:rPr>
                         <a:t>서버 프레임워크</a:t>
                       </a:r>
-                      <a:endParaRPr lang="ko-KR" altLang="en-US" sz="1000">
-                        <a:latin typeface="맑은 고딕"/>
-                        <a:ea typeface="+mn-ea"/>
-                      </a:endParaRPr>
-                    </a:p>
-                  </a:txBody>
-                  <a:tcPr marL="0" marR="0" marT="0" marB="0"/>
-                </a:tc>
-                <a:tc>
-                  <a:txBody>
-                    <a:bodyPr vert="horz" lIns="0" tIns="0" rIns="0" bIns="0" anchor="t" anchorCtr="0"/>
+                    </a:p>
+                  </a:txBody>
+                  <a:tcPr marL="0" marR="0" marT="0" marB="0"/>
+                </a:tc>
+                <a:tc>
+                  <a:txBody>
+                    <a:bodyPr/>
+                    <a:lstStyle/>
                     <a:p>
                       <a:pPr latinLnBrk="1">
                         <a:defRPr/>
@@ -23078,7 +23305,8 @@
                 </a:tc>
                 <a:tc>
                   <a:txBody>
-                    <a:bodyPr vert="horz" lIns="0" tIns="0" rIns="0" bIns="0" anchor="t" anchorCtr="0"/>
+                    <a:bodyPr/>
+                    <a:lstStyle/>
                     <a:p>
                       <a:pPr latinLnBrk="1">
                         <a:defRPr/>
@@ -23094,7 +23322,8 @@
                 </a:tc>
                 <a:tc>
                   <a:txBody>
-                    <a:bodyPr vert="horz" lIns="0" tIns="0" rIns="0" bIns="0" anchor="t" anchorCtr="0"/>
+                    <a:bodyPr/>
+                    <a:lstStyle/>
                     <a:p>
                       <a:pPr latinLnBrk="1">
                         <a:defRPr/>
@@ -23110,7 +23339,8 @@
                 </a:tc>
                 <a:tc>
                   <a:txBody>
-                    <a:bodyPr vert="horz" lIns="0" tIns="0" rIns="0" bIns="0" anchor="t" anchorCtr="0"/>
+                    <a:bodyPr/>
+                    <a:lstStyle/>
                     <a:p>
                       <a:pPr latinLnBrk="1">
                         <a:defRPr/>
@@ -23126,7 +23356,8 @@
                 </a:tc>
                 <a:tc>
                   <a:txBody>
-                    <a:bodyPr vert="horz" lIns="0" tIns="0" rIns="0" bIns="0" anchor="t" anchorCtr="0"/>
+                    <a:bodyPr/>
+                    <a:lstStyle/>
                     <a:p>
                       <a:pPr latinLnBrk="1">
                         <a:defRPr/>
@@ -23142,7 +23373,8 @@
                 </a:tc>
                 <a:tc>
                   <a:txBody>
-                    <a:bodyPr vert="horz" lIns="0" tIns="0" rIns="0" bIns="0" anchor="t" anchorCtr="0"/>
+                    <a:bodyPr/>
+                    <a:lstStyle/>
                     <a:p>
                       <a:pPr latinLnBrk="1">
                         <a:defRPr/>
@@ -23158,7 +23390,8 @@
                 </a:tc>
                 <a:tc>
                   <a:txBody>
-                    <a:bodyPr vert="horz" lIns="0" tIns="0" rIns="0" bIns="0" anchor="t" anchorCtr="0"/>
+                    <a:bodyPr/>
+                    <a:lstStyle/>
                     <a:p>
                       <a:pPr latinLnBrk="1">
                         <a:defRPr/>
@@ -23174,7 +23407,8 @@
                 </a:tc>
                 <a:tc>
                   <a:txBody>
-                    <a:bodyPr vert="horz" lIns="0" tIns="0" rIns="0" bIns="0" anchor="t" anchorCtr="0"/>
+                    <a:bodyPr/>
+                    <a:lstStyle/>
                     <a:p>
                       <a:pPr latinLnBrk="1">
                         <a:defRPr/>
@@ -23190,345 +23424,379 @@
                 </a:tc>
                 <a:tc>
                   <a:txBody>
-                    <a:bodyPr vert="horz" lIns="0" tIns="0" rIns="0" bIns="0" anchor="t" anchorCtr="0"/>
-                    <a:p>
-                      <a:pPr latinLnBrk="1">
-                        <a:defRPr/>
-                      </a:pPr>
-                      <a:endParaRPr lang="ko-KR" altLang="en-US" sz="1200"/>
-                    </a:p>
-                  </a:txBody>
-                  <a:tcPr marL="0" marR="0" marT="0" marB="0"/>
-                </a:tc>
-                <a:tc>
-                  <a:txBody>
-                    <a:bodyPr vert="horz" lIns="0" tIns="0" rIns="0" bIns="0" anchor="t" anchorCtr="0"/>
-                    <a:p>
-                      <a:pPr latinLnBrk="1">
-                        <a:defRPr/>
-                      </a:pPr>
-                      <a:endParaRPr lang="ko-KR" altLang="en-US" sz="1200"/>
-                    </a:p>
-                  </a:txBody>
-                  <a:tcPr marL="0" marR="0" marT="0" marB="0"/>
-                </a:tc>
-                <a:tc>
-                  <a:txBody>
-                    <a:bodyPr vert="horz" lIns="0" tIns="0" rIns="0" bIns="0" anchor="t" anchorCtr="0"/>
-                    <a:p>
-                      <a:pPr latinLnBrk="1">
-                        <a:defRPr/>
-                      </a:pPr>
-                      <a:endParaRPr lang="ko-KR" altLang="en-US" sz="1200"/>
-                    </a:p>
-                  </a:txBody>
-                  <a:tcPr marL="0" marR="0" marT="0" marB="0"/>
-                </a:tc>
-                <a:tc>
-                  <a:txBody>
-                    <a:bodyPr vert="horz" lIns="0" tIns="0" rIns="0" bIns="0" anchor="t" anchorCtr="0"/>
-                    <a:p>
-                      <a:pPr latinLnBrk="1">
-                        <a:defRPr/>
-                      </a:pPr>
-                      <a:endParaRPr lang="ko-KR" altLang="en-US" sz="1200"/>
-                    </a:p>
-                  </a:txBody>
-                  <a:tcPr marL="0" marR="0" marT="0" marB="0"/>
-                </a:tc>
-                <a:tc>
-                  <a:txBody>
-                    <a:bodyPr vert="horz" lIns="0" tIns="0" rIns="0" bIns="0" anchor="t" anchorCtr="0"/>
-                    <a:p>
-                      <a:pPr latinLnBrk="1">
-                        <a:defRPr/>
-                      </a:pPr>
-                      <a:endParaRPr lang="ko-KR" altLang="en-US" sz="1200"/>
-                    </a:p>
-                  </a:txBody>
-                  <a:tcPr marL="0" marR="0" marT="0" marB="0"/>
-                </a:tc>
-                <a:tc>
-                  <a:txBody>
-                    <a:bodyPr vert="horz" lIns="0" tIns="0" rIns="0" bIns="0" anchor="t" anchorCtr="0"/>
-                    <a:p>
-                      <a:pPr latinLnBrk="1">
-                        <a:defRPr/>
-                      </a:pPr>
-                      <a:endParaRPr lang="ko-KR" altLang="en-US" sz="1200"/>
-                    </a:p>
-                  </a:txBody>
-                  <a:tcPr marL="0" marR="0" marT="0" marB="0"/>
-                </a:tc>
-                <a:tc>
-                  <a:txBody>
-                    <a:bodyPr vert="horz" lIns="0" tIns="0" rIns="0" bIns="0" anchor="t" anchorCtr="0"/>
-                    <a:p>
-                      <a:pPr latinLnBrk="1">
-                        <a:defRPr/>
-                      </a:pPr>
-                      <a:endParaRPr lang="ko-KR" altLang="en-US" sz="1200"/>
-                    </a:p>
-                  </a:txBody>
-                  <a:tcPr marL="0" marR="0" marT="0" marB="0"/>
-                </a:tc>
-                <a:tc>
-                  <a:txBody>
-                    <a:bodyPr vert="horz" lIns="0" tIns="0" rIns="0" bIns="0" anchor="t" anchorCtr="0"/>
-                    <a:p>
-                      <a:pPr latinLnBrk="1">
-                        <a:defRPr/>
-                      </a:pPr>
-                      <a:endParaRPr lang="ko-KR" altLang="en-US" sz="1200"/>
-                    </a:p>
-                  </a:txBody>
-                  <a:tcPr marL="0" marR="0" marT="0" marB="0"/>
-                </a:tc>
-                <a:tc>
-                  <a:txBody>
-                    <a:bodyPr vert="horz" lIns="0" tIns="0" rIns="0" bIns="0" anchor="t" anchorCtr="0"/>
-                    <a:p>
-                      <a:pPr latinLnBrk="1">
-                        <a:defRPr/>
-                      </a:pPr>
-                      <a:endParaRPr lang="ko-KR" altLang="en-US" sz="1200"/>
-                    </a:p>
-                  </a:txBody>
-                  <a:tcPr marL="0" marR="0" marT="0" marB="0"/>
-                </a:tc>
-                <a:tc>
-                  <a:txBody>
-                    <a:bodyPr vert="horz" lIns="0" tIns="0" rIns="0" bIns="0" anchor="t" anchorCtr="0"/>
-                    <a:p>
-                      <a:pPr latinLnBrk="1">
-                        <a:defRPr/>
-                      </a:pPr>
-                      <a:endParaRPr lang="ko-KR" altLang="en-US" sz="1200"/>
-                    </a:p>
-                  </a:txBody>
-                  <a:tcPr marL="0" marR="0" marT="0" marB="0"/>
-                </a:tc>
-                <a:tc>
-                  <a:txBody>
-                    <a:bodyPr vert="horz" lIns="0" tIns="0" rIns="0" bIns="0" anchor="t" anchorCtr="0"/>
-                    <a:p>
-                      <a:pPr latinLnBrk="1">
-                        <a:defRPr/>
-                      </a:pPr>
-                      <a:endParaRPr lang="ko-KR" altLang="en-US" sz="1200"/>
-                    </a:p>
-                  </a:txBody>
-                  <a:tcPr marL="0" marR="0" marT="0" marB="0"/>
-                </a:tc>
-                <a:tc>
-                  <a:txBody>
-                    <a:bodyPr vert="horz" lIns="0" tIns="0" rIns="0" bIns="0" anchor="t" anchorCtr="0"/>
-                    <a:p>
-                      <a:pPr latinLnBrk="1">
-                        <a:defRPr/>
-                      </a:pPr>
-                      <a:endParaRPr lang="ko-KR" altLang="en-US" sz="1200"/>
-                    </a:p>
-                  </a:txBody>
-                  <a:tcPr marL="0" marR="0" marT="0" marB="0"/>
-                </a:tc>
-                <a:tc>
-                  <a:txBody>
-                    <a:bodyPr vert="horz" lIns="0" tIns="0" rIns="0" bIns="0" anchor="t" anchorCtr="0"/>
-                    <a:p>
-                      <a:pPr latinLnBrk="1">
-                        <a:defRPr/>
-                      </a:pPr>
-                      <a:endParaRPr lang="ko-KR" altLang="en-US" sz="1200"/>
-                    </a:p>
-                  </a:txBody>
-                  <a:tcPr marL="0" marR="0" marT="0" marB="0"/>
-                </a:tc>
-                <a:tc>
-                  <a:txBody>
-                    <a:bodyPr vert="horz" lIns="0" tIns="0" rIns="0" bIns="0" anchor="t" anchorCtr="0"/>
-                    <a:p>
-                      <a:pPr latinLnBrk="1">
-                        <a:defRPr/>
-                      </a:pPr>
-                      <a:endParaRPr lang="ko-KR" altLang="en-US" sz="1200"/>
-                    </a:p>
-                  </a:txBody>
-                  <a:tcPr marL="0" marR="0" marT="0" marB="0"/>
-                </a:tc>
-                <a:tc>
-                  <a:txBody>
-                    <a:bodyPr vert="horz" lIns="0" tIns="0" rIns="0" bIns="0" anchor="t" anchorCtr="0"/>
-                    <a:p>
-                      <a:pPr latinLnBrk="1">
-                        <a:defRPr/>
-                      </a:pPr>
-                      <a:endParaRPr lang="ko-KR" altLang="en-US" sz="1200"/>
-                    </a:p>
-                  </a:txBody>
-                  <a:tcPr marL="0" marR="0" marT="0" marB="0"/>
-                </a:tc>
-                <a:tc>
-                  <a:txBody>
-                    <a:bodyPr vert="horz" lIns="0" tIns="0" rIns="0" bIns="0" anchor="t" anchorCtr="0"/>
-                    <a:p>
-                      <a:pPr latinLnBrk="1">
-                        <a:defRPr/>
-                      </a:pPr>
-                      <a:endParaRPr lang="ko-KR" altLang="en-US" sz="1200"/>
-                    </a:p>
-                  </a:txBody>
-                  <a:tcPr marL="0" marR="0" marT="0" marB="0"/>
-                </a:tc>
-                <a:tc>
-                  <a:txBody>
-                    <a:bodyPr vert="horz" lIns="0" tIns="0" rIns="0" bIns="0" anchor="t" anchorCtr="0"/>
-                    <a:p>
-                      <a:pPr latinLnBrk="1">
-                        <a:defRPr/>
-                      </a:pPr>
-                      <a:endParaRPr lang="ko-KR" altLang="en-US" sz="1200"/>
-                    </a:p>
-                  </a:txBody>
-                  <a:tcPr marL="0" marR="0" marT="0" marB="0"/>
-                </a:tc>
-                <a:tc>
-                  <a:txBody>
-                    <a:bodyPr vert="horz" lIns="0" tIns="0" rIns="0" bIns="0" anchor="t" anchorCtr="0"/>
-                    <a:p>
-                      <a:pPr latinLnBrk="1">
-                        <a:defRPr/>
-                      </a:pPr>
-                      <a:endParaRPr lang="ko-KR" altLang="en-US" sz="1200"/>
-                    </a:p>
-                  </a:txBody>
-                  <a:tcPr marL="0" marR="0" marT="0" marB="0"/>
-                </a:tc>
-                <a:tc>
-                  <a:txBody>
-                    <a:bodyPr vert="horz" lIns="0" tIns="0" rIns="0" bIns="0" anchor="t" anchorCtr="0"/>
-                    <a:p>
-                      <a:pPr latinLnBrk="1">
-                        <a:defRPr/>
-                      </a:pPr>
-                      <a:endParaRPr lang="ko-KR" altLang="en-US" sz="1200"/>
-                    </a:p>
-                  </a:txBody>
-                  <a:tcPr marL="0" marR="0" marT="0" marB="0"/>
-                </a:tc>
-                <a:tc>
-                  <a:txBody>
-                    <a:bodyPr vert="horz" lIns="0" tIns="0" rIns="0" bIns="0" anchor="t" anchorCtr="0"/>
-                    <a:p>
-                      <a:pPr latinLnBrk="1">
-                        <a:defRPr/>
-                      </a:pPr>
-                      <a:endParaRPr lang="ko-KR" altLang="en-US" sz="1200"/>
-                    </a:p>
-                  </a:txBody>
-                  <a:tcPr marL="0" marR="0" marT="0" marB="0"/>
-                </a:tc>
-                <a:tc>
-                  <a:txBody>
-                    <a:bodyPr vert="horz" lIns="0" tIns="0" rIns="0" bIns="0" anchor="t" anchorCtr="0"/>
-                    <a:p>
-                      <a:pPr latinLnBrk="1">
-                        <a:defRPr/>
-                      </a:pPr>
-                      <a:endParaRPr lang="ko-KR" altLang="en-US" sz="1200"/>
-                    </a:p>
-                  </a:txBody>
-                  <a:tcPr marL="0" marR="0" marT="0" marB="0"/>
-                </a:tc>
-                <a:tc>
-                  <a:txBody>
-                    <a:bodyPr vert="horz" lIns="0" tIns="0" rIns="0" bIns="0" anchor="t" anchorCtr="0"/>
-                    <a:p>
-                      <a:pPr latinLnBrk="1">
-                        <a:defRPr/>
-                      </a:pPr>
-                      <a:endParaRPr lang="ko-KR" altLang="en-US" sz="1200"/>
-                    </a:p>
-                  </a:txBody>
-                  <a:tcPr marL="0" marR="0" marT="0" marB="0"/>
-                </a:tc>
-                <a:tc>
-                  <a:txBody>
-                    <a:bodyPr vert="horz" lIns="0" tIns="0" rIns="0" bIns="0" anchor="t" anchorCtr="0"/>
-                    <a:p>
-                      <a:pPr latinLnBrk="1">
-                        <a:defRPr/>
-                      </a:pPr>
-                      <a:endParaRPr lang="ko-KR" altLang="en-US" sz="1200"/>
-                    </a:p>
-                  </a:txBody>
-                  <a:tcPr marL="0" marR="0" marT="0" marB="0"/>
-                </a:tc>
-                <a:tc>
-                  <a:txBody>
-                    <a:bodyPr vert="horz" lIns="0" tIns="0" rIns="0" bIns="0" anchor="t" anchorCtr="0"/>
-                    <a:p>
-                      <a:pPr latinLnBrk="1">
-                        <a:defRPr/>
-                      </a:pPr>
-                      <a:endParaRPr lang="ko-KR" altLang="en-US" sz="1200"/>
-                    </a:p>
-                  </a:txBody>
-                  <a:tcPr marL="0" marR="0" marT="0" marB="0"/>
-                </a:tc>
-                <a:tc>
-                  <a:txBody>
-                    <a:bodyPr vert="horz" lIns="0" tIns="0" rIns="0" bIns="0" anchor="t" anchorCtr="0"/>
-                    <a:p>
-                      <a:pPr latinLnBrk="1">
-                        <a:defRPr/>
-                      </a:pPr>
-                      <a:endParaRPr lang="ko-KR" altLang="en-US" sz="1200"/>
-                    </a:p>
-                  </a:txBody>
-                  <a:tcPr marL="0" marR="0" marT="0" marB="0"/>
-                </a:tc>
-                <a:tc>
-                  <a:txBody>
-                    <a:bodyPr vert="horz" lIns="0" tIns="0" rIns="0" bIns="0" anchor="t" anchorCtr="0"/>
-                    <a:p>
-                      <a:pPr latinLnBrk="1">
-                        <a:defRPr/>
-                      </a:pPr>
-                      <a:endParaRPr lang="ko-KR" altLang="en-US" sz="1200"/>
-                    </a:p>
-                  </a:txBody>
-                  <a:tcPr marL="0" marR="0" marT="0" marB="0"/>
-                </a:tc>
-                <a:tc>
-                  <a:txBody>
-                    <a:bodyPr vert="horz" lIns="0" tIns="0" rIns="0" bIns="0" anchor="t" anchorCtr="0"/>
-                    <a:p>
-                      <a:pPr latinLnBrk="1">
-                        <a:defRPr/>
-                      </a:pPr>
-                      <a:endParaRPr lang="ko-KR" altLang="en-US" sz="1200"/>
-                    </a:p>
-                  </a:txBody>
-                  <a:tcPr marL="0" marR="0" marT="0" marB="0"/>
-                </a:tc>
-                <a:tc>
-                  <a:txBody>
-                    <a:bodyPr vert="horz" lIns="0" tIns="0" rIns="0" bIns="0" anchor="t" anchorCtr="0"/>
-                    <a:p>
-                      <a:pPr latinLnBrk="1">
-                        <a:defRPr/>
-                      </a:pPr>
-                      <a:endParaRPr lang="ko-KR" altLang="en-US" sz="1200"/>
-                    </a:p>
-                  </a:txBody>
-                  <a:tcPr marL="0" marR="0" marT="0" marB="0"/>
-                </a:tc>
+                    <a:bodyPr/>
+                    <a:lstStyle/>
+                    <a:p>
+                      <a:pPr latinLnBrk="1">
+                        <a:defRPr/>
+                      </a:pPr>
+                      <a:endParaRPr lang="ko-KR" altLang="en-US" sz="1200"/>
+                    </a:p>
+                  </a:txBody>
+                  <a:tcPr marL="0" marR="0" marT="0" marB="0"/>
+                </a:tc>
+                <a:tc>
+                  <a:txBody>
+                    <a:bodyPr/>
+                    <a:lstStyle/>
+                    <a:p>
+                      <a:pPr latinLnBrk="1">
+                        <a:defRPr/>
+                      </a:pPr>
+                      <a:endParaRPr lang="ko-KR" altLang="en-US" sz="1200"/>
+                    </a:p>
+                  </a:txBody>
+                  <a:tcPr marL="0" marR="0" marT="0" marB="0"/>
+                </a:tc>
+                <a:tc>
+                  <a:txBody>
+                    <a:bodyPr/>
+                    <a:lstStyle/>
+                    <a:p>
+                      <a:pPr latinLnBrk="1">
+                        <a:defRPr/>
+                      </a:pPr>
+                      <a:endParaRPr lang="ko-KR" altLang="en-US" sz="1200"/>
+                    </a:p>
+                  </a:txBody>
+                  <a:tcPr marL="0" marR="0" marT="0" marB="0"/>
+                </a:tc>
+                <a:tc>
+                  <a:txBody>
+                    <a:bodyPr/>
+                    <a:lstStyle/>
+                    <a:p>
+                      <a:pPr latinLnBrk="1">
+                        <a:defRPr/>
+                      </a:pPr>
+                      <a:endParaRPr lang="ko-KR" altLang="en-US" sz="1200"/>
+                    </a:p>
+                  </a:txBody>
+                  <a:tcPr marL="0" marR="0" marT="0" marB="0"/>
+                </a:tc>
+                <a:tc>
+                  <a:txBody>
+                    <a:bodyPr/>
+                    <a:lstStyle/>
+                    <a:p>
+                      <a:pPr latinLnBrk="1">
+                        <a:defRPr/>
+                      </a:pPr>
+                      <a:endParaRPr lang="ko-KR" altLang="en-US" sz="1200"/>
+                    </a:p>
+                  </a:txBody>
+                  <a:tcPr marL="0" marR="0" marT="0" marB="0"/>
+                </a:tc>
+                <a:tc>
+                  <a:txBody>
+                    <a:bodyPr/>
+                    <a:lstStyle/>
+                    <a:p>
+                      <a:pPr latinLnBrk="1">
+                        <a:defRPr/>
+                      </a:pPr>
+                      <a:endParaRPr lang="ko-KR" altLang="en-US" sz="1200"/>
+                    </a:p>
+                  </a:txBody>
+                  <a:tcPr marL="0" marR="0" marT="0" marB="0"/>
+                </a:tc>
+                <a:tc>
+                  <a:txBody>
+                    <a:bodyPr/>
+                    <a:lstStyle/>
+                    <a:p>
+                      <a:pPr latinLnBrk="1">
+                        <a:defRPr/>
+                      </a:pPr>
+                      <a:endParaRPr lang="ko-KR" altLang="en-US" sz="1200"/>
+                    </a:p>
+                  </a:txBody>
+                  <a:tcPr marL="0" marR="0" marT="0" marB="0"/>
+                </a:tc>
+                <a:tc>
+                  <a:txBody>
+                    <a:bodyPr/>
+                    <a:lstStyle/>
+                    <a:p>
+                      <a:pPr latinLnBrk="1">
+                        <a:defRPr/>
+                      </a:pPr>
+                      <a:endParaRPr lang="ko-KR" altLang="en-US" sz="1200"/>
+                    </a:p>
+                  </a:txBody>
+                  <a:tcPr marL="0" marR="0" marT="0" marB="0"/>
+                </a:tc>
+                <a:tc>
+                  <a:txBody>
+                    <a:bodyPr/>
+                    <a:lstStyle/>
+                    <a:p>
+                      <a:pPr latinLnBrk="1">
+                        <a:defRPr/>
+                      </a:pPr>
+                      <a:endParaRPr lang="ko-KR" altLang="en-US" sz="1200"/>
+                    </a:p>
+                  </a:txBody>
+                  <a:tcPr marL="0" marR="0" marT="0" marB="0"/>
+                </a:tc>
+                <a:tc>
+                  <a:txBody>
+                    <a:bodyPr/>
+                    <a:lstStyle/>
+                    <a:p>
+                      <a:pPr latinLnBrk="1">
+                        <a:defRPr/>
+                      </a:pPr>
+                      <a:endParaRPr lang="ko-KR" altLang="en-US" sz="1200"/>
+                    </a:p>
+                  </a:txBody>
+                  <a:tcPr marL="0" marR="0" marT="0" marB="0"/>
+                </a:tc>
+                <a:tc>
+                  <a:txBody>
+                    <a:bodyPr/>
+                    <a:lstStyle/>
+                    <a:p>
+                      <a:pPr latinLnBrk="1">
+                        <a:defRPr/>
+                      </a:pPr>
+                      <a:endParaRPr lang="ko-KR" altLang="en-US" sz="1200"/>
+                    </a:p>
+                  </a:txBody>
+                  <a:tcPr marL="0" marR="0" marT="0" marB="0"/>
+                </a:tc>
+                <a:tc>
+                  <a:txBody>
+                    <a:bodyPr/>
+                    <a:lstStyle/>
+                    <a:p>
+                      <a:pPr latinLnBrk="1">
+                        <a:defRPr/>
+                      </a:pPr>
+                      <a:endParaRPr lang="ko-KR" altLang="en-US" sz="1200"/>
+                    </a:p>
+                  </a:txBody>
+                  <a:tcPr marL="0" marR="0" marT="0" marB="0"/>
+                </a:tc>
+                <a:tc>
+                  <a:txBody>
+                    <a:bodyPr/>
+                    <a:lstStyle/>
+                    <a:p>
+                      <a:pPr latinLnBrk="1">
+                        <a:defRPr/>
+                      </a:pPr>
+                      <a:endParaRPr lang="ko-KR" altLang="en-US" sz="1200"/>
+                    </a:p>
+                  </a:txBody>
+                  <a:tcPr marL="0" marR="0" marT="0" marB="0"/>
+                </a:tc>
+                <a:tc>
+                  <a:txBody>
+                    <a:bodyPr/>
+                    <a:lstStyle/>
+                    <a:p>
+                      <a:pPr latinLnBrk="1">
+                        <a:defRPr/>
+                      </a:pPr>
+                      <a:endParaRPr lang="ko-KR" altLang="en-US" sz="1200"/>
+                    </a:p>
+                  </a:txBody>
+                  <a:tcPr marL="0" marR="0" marT="0" marB="0"/>
+                </a:tc>
+                <a:tc>
+                  <a:txBody>
+                    <a:bodyPr/>
+                    <a:lstStyle/>
+                    <a:p>
+                      <a:pPr latinLnBrk="1">
+                        <a:defRPr/>
+                      </a:pPr>
+                      <a:endParaRPr lang="ko-KR" altLang="en-US" sz="1200"/>
+                    </a:p>
+                  </a:txBody>
+                  <a:tcPr marL="0" marR="0" marT="0" marB="0"/>
+                </a:tc>
+                <a:tc>
+                  <a:txBody>
+                    <a:bodyPr/>
+                    <a:lstStyle/>
+                    <a:p>
+                      <a:pPr latinLnBrk="1">
+                        <a:defRPr/>
+                      </a:pPr>
+                      <a:endParaRPr lang="ko-KR" altLang="en-US" sz="1200"/>
+                    </a:p>
+                  </a:txBody>
+                  <a:tcPr marL="0" marR="0" marT="0" marB="0"/>
+                </a:tc>
+                <a:tc>
+                  <a:txBody>
+                    <a:bodyPr/>
+                    <a:lstStyle/>
+                    <a:p>
+                      <a:pPr latinLnBrk="1">
+                        <a:defRPr/>
+                      </a:pPr>
+                      <a:endParaRPr lang="ko-KR" altLang="en-US" sz="1200"/>
+                    </a:p>
+                  </a:txBody>
+                  <a:tcPr marL="0" marR="0" marT="0" marB="0"/>
+                </a:tc>
+                <a:tc>
+                  <a:txBody>
+                    <a:bodyPr/>
+                    <a:lstStyle/>
+                    <a:p>
+                      <a:pPr latinLnBrk="1">
+                        <a:defRPr/>
+                      </a:pPr>
+                      <a:endParaRPr lang="ko-KR" altLang="en-US" sz="1200"/>
+                    </a:p>
+                  </a:txBody>
+                  <a:tcPr marL="0" marR="0" marT="0" marB="0"/>
+                </a:tc>
+                <a:tc>
+                  <a:txBody>
+                    <a:bodyPr/>
+                    <a:lstStyle/>
+                    <a:p>
+                      <a:pPr latinLnBrk="1">
+                        <a:defRPr/>
+                      </a:pPr>
+                      <a:endParaRPr lang="ko-KR" altLang="en-US" sz="1200"/>
+                    </a:p>
+                  </a:txBody>
+                  <a:tcPr marL="0" marR="0" marT="0" marB="0"/>
+                </a:tc>
+                <a:tc>
+                  <a:txBody>
+                    <a:bodyPr/>
+                    <a:lstStyle/>
+                    <a:p>
+                      <a:pPr latinLnBrk="1">
+                        <a:defRPr/>
+                      </a:pPr>
+                      <a:endParaRPr lang="ko-KR" altLang="en-US" sz="1200"/>
+                    </a:p>
+                  </a:txBody>
+                  <a:tcPr marL="0" marR="0" marT="0" marB="0"/>
+                </a:tc>
+                <a:tc>
+                  <a:txBody>
+                    <a:bodyPr/>
+                    <a:lstStyle/>
+                    <a:p>
+                      <a:pPr latinLnBrk="1">
+                        <a:defRPr/>
+                      </a:pPr>
+                      <a:endParaRPr lang="ko-KR" altLang="en-US" sz="1200"/>
+                    </a:p>
+                  </a:txBody>
+                  <a:tcPr marL="0" marR="0" marT="0" marB="0"/>
+                </a:tc>
+                <a:tc>
+                  <a:txBody>
+                    <a:bodyPr/>
+                    <a:lstStyle/>
+                    <a:p>
+                      <a:pPr latinLnBrk="1">
+                        <a:defRPr/>
+                      </a:pPr>
+                      <a:endParaRPr lang="ko-KR" altLang="en-US" sz="1200"/>
+                    </a:p>
+                  </a:txBody>
+                  <a:tcPr marL="0" marR="0" marT="0" marB="0"/>
+                </a:tc>
+                <a:tc>
+                  <a:txBody>
+                    <a:bodyPr/>
+                    <a:lstStyle/>
+                    <a:p>
+                      <a:pPr latinLnBrk="1">
+                        <a:defRPr/>
+                      </a:pPr>
+                      <a:endParaRPr lang="ko-KR" altLang="en-US" sz="1200"/>
+                    </a:p>
+                  </a:txBody>
+                  <a:tcPr marL="0" marR="0" marT="0" marB="0"/>
+                </a:tc>
+                <a:tc>
+                  <a:txBody>
+                    <a:bodyPr/>
+                    <a:lstStyle/>
+                    <a:p>
+                      <a:pPr latinLnBrk="1">
+                        <a:defRPr/>
+                      </a:pPr>
+                      <a:endParaRPr lang="ko-KR" altLang="en-US" sz="1200"/>
+                    </a:p>
+                  </a:txBody>
+                  <a:tcPr marL="0" marR="0" marT="0" marB="0"/>
+                </a:tc>
+                <a:tc>
+                  <a:txBody>
+                    <a:bodyPr/>
+                    <a:lstStyle/>
+                    <a:p>
+                      <a:pPr latinLnBrk="1">
+                        <a:defRPr/>
+                      </a:pPr>
+                      <a:endParaRPr lang="ko-KR" altLang="en-US" sz="1200"/>
+                    </a:p>
+                  </a:txBody>
+                  <a:tcPr marL="0" marR="0" marT="0" marB="0"/>
+                </a:tc>
+                <a:tc>
+                  <a:txBody>
+                    <a:bodyPr/>
+                    <a:lstStyle/>
+                    <a:p>
+                      <a:pPr latinLnBrk="1">
+                        <a:defRPr/>
+                      </a:pPr>
+                      <a:endParaRPr lang="ko-KR" altLang="en-US" sz="1200"/>
+                    </a:p>
+                  </a:txBody>
+                  <a:tcPr marL="0" marR="0" marT="0" marB="0"/>
+                </a:tc>
+                <a:tc>
+                  <a:txBody>
+                    <a:bodyPr/>
+                    <a:lstStyle/>
+                    <a:p>
+                      <a:pPr latinLnBrk="1">
+                        <a:defRPr/>
+                      </a:pPr>
+                      <a:endParaRPr lang="ko-KR" altLang="en-US" sz="1200"/>
+                    </a:p>
+                  </a:txBody>
+                  <a:tcPr marL="0" marR="0" marT="0" marB="0"/>
+                </a:tc>
+                <a:tc>
+                  <a:txBody>
+                    <a:bodyPr/>
+                    <a:lstStyle/>
+                    <a:p>
+                      <a:pPr latinLnBrk="1">
+                        <a:defRPr/>
+                      </a:pPr>
+                      <a:endParaRPr lang="ko-KR" altLang="en-US" sz="1200"/>
+                    </a:p>
+                  </a:txBody>
+                  <a:tcPr marL="0" marR="0" marT="0" marB="0"/>
+                </a:tc>
+                <a:extLst>
+                  <a:ext uri="{0D108BD9-81ED-4DB2-BD59-A6C34878D82A}">
+                    <a16:rowId xmlns:a16="http://schemas.microsoft.com/office/drawing/2014/main" val="10001"/>
+                  </a:ext>
+                </a:extLst>
               </a:tr>
               <a:tr h="0">
                 <a:tc>
                   <a:txBody>
-                    <a:bodyPr vert="horz" lIns="0" tIns="0" rIns="0" bIns="0" anchor="t" anchorCtr="0"/>
+                    <a:bodyPr/>
+                    <a:lstStyle/>
                     <a:p>
                       <a:pPr algn="ctr" latinLnBrk="1">
                         <a:defRPr/>
@@ -23554,113 +23822,118 @@
                         </a:rPr>
                         <a:t> 처리</a:t>
                       </a:r>
-                      <a:endParaRPr lang="ko-KR" altLang="en-US" sz="1000" strike="noStrike" spc="-200">
-                        <a:latin typeface="맑은 고딕"/>
-                        <a:ea typeface="맑은 고딕"/>
-                      </a:endParaRPr>
-                    </a:p>
-                  </a:txBody>
-                  <a:tcPr marL="0" marR="0" marT="0" marB="0"/>
-                </a:tc>
-                <a:tc>
-                  <a:txBody>
-                    <a:bodyPr vert="horz" lIns="0" tIns="0" rIns="0" bIns="0" anchor="t" anchorCtr="0"/>
-                    <a:p>
-                      <a:pPr latinLnBrk="1">
-                        <a:defRPr/>
-                      </a:pPr>
-                      <a:endParaRPr lang="ko-KR" altLang="en-US" sz="1200"/>
-                    </a:p>
-                  </a:txBody>
-                  <a:tcPr marL="0" marR="0" marT="0" marB="0"/>
-                </a:tc>
-                <a:tc>
-                  <a:txBody>
-                    <a:bodyPr vert="horz" lIns="0" tIns="0" rIns="0" bIns="0" anchor="t" anchorCtr="0"/>
-                    <a:p>
-                      <a:pPr latinLnBrk="1">
-                        <a:defRPr/>
-                      </a:pPr>
-                      <a:endParaRPr lang="ko-KR" altLang="en-US" sz="1200"/>
-                    </a:p>
-                  </a:txBody>
-                  <a:tcPr marL="0" marR="0" marT="0" marB="0"/>
-                </a:tc>
-                <a:tc>
-                  <a:txBody>
-                    <a:bodyPr vert="horz" lIns="0" tIns="0" rIns="0" bIns="0" anchor="t" anchorCtr="0"/>
-                    <a:p>
-                      <a:pPr latinLnBrk="1">
-                        <a:defRPr/>
-                      </a:pPr>
-                      <a:endParaRPr lang="ko-KR" altLang="en-US" sz="1200"/>
-                    </a:p>
-                  </a:txBody>
-                  <a:tcPr marL="0" marR="0" marT="0" marB="0"/>
-                </a:tc>
-                <a:tc>
-                  <a:txBody>
-                    <a:bodyPr vert="horz" lIns="0" tIns="0" rIns="0" bIns="0" anchor="t" anchorCtr="0"/>
-                    <a:p>
-                      <a:pPr latinLnBrk="1">
-                        <a:defRPr/>
-                      </a:pPr>
-                      <a:endParaRPr lang="ko-KR" altLang="en-US" sz="1200"/>
-                    </a:p>
-                  </a:txBody>
-                  <a:tcPr marL="0" marR="0" marT="0" marB="0"/>
-                </a:tc>
-                <a:tc>
-                  <a:txBody>
-                    <a:bodyPr vert="horz" lIns="0" tIns="0" rIns="0" bIns="0" anchor="t" anchorCtr="0"/>
-                    <a:p>
-                      <a:pPr latinLnBrk="1">
-                        <a:defRPr/>
-                      </a:pPr>
-                      <a:endParaRPr lang="ko-KR" altLang="en-US" sz="1200"/>
-                    </a:p>
-                  </a:txBody>
-                  <a:tcPr marL="0" marR="0" marT="0" marB="0"/>
-                </a:tc>
-                <a:tc>
-                  <a:txBody>
-                    <a:bodyPr vert="horz" lIns="0" tIns="0" rIns="0" bIns="0" anchor="t" anchorCtr="0"/>
-                    <a:p>
-                      <a:pPr latinLnBrk="1">
-                        <a:defRPr/>
-                      </a:pPr>
-                      <a:endParaRPr lang="ko-KR" altLang="en-US" sz="1200"/>
-                    </a:p>
-                  </a:txBody>
-                  <a:tcPr marL="0" marR="0" marT="0" marB="0"/>
-                </a:tc>
-                <a:tc>
-                  <a:txBody>
-                    <a:bodyPr vert="horz" lIns="0" tIns="0" rIns="0" bIns="0" anchor="t" anchorCtr="0"/>
-                    <a:p>
-                      <a:pPr latinLnBrk="1">
-                        <a:defRPr/>
-                      </a:pPr>
-                      <a:endParaRPr lang="ko-KR" altLang="en-US" sz="1200"/>
-                    </a:p>
-                  </a:txBody>
-                  <a:tcPr marL="0" marR="0" marT="0" marB="0"/>
-                </a:tc>
-                <a:tc>
-                  <a:txBody>
-                    <a:bodyPr vert="horz" lIns="0" tIns="0" rIns="0" bIns="0" anchor="t" anchorCtr="0"/>
-                    <a:p>
-                      <a:pPr latinLnBrk="1">
-                        <a:defRPr/>
-                      </a:pPr>
-                      <a:endParaRPr lang="ko-KR" altLang="en-US" sz="1200"/>
-                    </a:p>
-                  </a:txBody>
-                  <a:tcPr marL="0" marR="0" marT="0" marB="0"/>
-                </a:tc>
-                <a:tc>
-                  <a:txBody>
-                    <a:bodyPr vert="horz" lIns="0" tIns="0" rIns="0" bIns="0" anchor="t" anchorCtr="0"/>
+                    </a:p>
+                  </a:txBody>
+                  <a:tcPr marL="0" marR="0" marT="0" marB="0"/>
+                </a:tc>
+                <a:tc>
+                  <a:txBody>
+                    <a:bodyPr/>
+                    <a:lstStyle/>
+                    <a:p>
+                      <a:pPr latinLnBrk="1">
+                        <a:defRPr/>
+                      </a:pPr>
+                      <a:endParaRPr lang="ko-KR" altLang="en-US" sz="1200"/>
+                    </a:p>
+                  </a:txBody>
+                  <a:tcPr marL="0" marR="0" marT="0" marB="0"/>
+                </a:tc>
+                <a:tc>
+                  <a:txBody>
+                    <a:bodyPr/>
+                    <a:lstStyle/>
+                    <a:p>
+                      <a:pPr latinLnBrk="1">
+                        <a:defRPr/>
+                      </a:pPr>
+                      <a:endParaRPr lang="ko-KR" altLang="en-US" sz="1200"/>
+                    </a:p>
+                  </a:txBody>
+                  <a:tcPr marL="0" marR="0" marT="0" marB="0"/>
+                </a:tc>
+                <a:tc>
+                  <a:txBody>
+                    <a:bodyPr/>
+                    <a:lstStyle/>
+                    <a:p>
+                      <a:pPr latinLnBrk="1">
+                        <a:defRPr/>
+                      </a:pPr>
+                      <a:endParaRPr lang="ko-KR" altLang="en-US" sz="1200"/>
+                    </a:p>
+                  </a:txBody>
+                  <a:tcPr marL="0" marR="0" marT="0" marB="0"/>
+                </a:tc>
+                <a:tc>
+                  <a:txBody>
+                    <a:bodyPr/>
+                    <a:lstStyle/>
+                    <a:p>
+                      <a:pPr latinLnBrk="1">
+                        <a:defRPr/>
+                      </a:pPr>
+                      <a:endParaRPr lang="ko-KR" altLang="en-US" sz="1200"/>
+                    </a:p>
+                  </a:txBody>
+                  <a:tcPr marL="0" marR="0" marT="0" marB="0"/>
+                </a:tc>
+                <a:tc>
+                  <a:txBody>
+                    <a:bodyPr/>
+                    <a:lstStyle/>
+                    <a:p>
+                      <a:pPr latinLnBrk="1">
+                        <a:defRPr/>
+                      </a:pPr>
+                      <a:endParaRPr lang="ko-KR" altLang="en-US" sz="1200"/>
+                    </a:p>
+                  </a:txBody>
+                  <a:tcPr marL="0" marR="0" marT="0" marB="0"/>
+                </a:tc>
+                <a:tc>
+                  <a:txBody>
+                    <a:bodyPr/>
+                    <a:lstStyle/>
+                    <a:p>
+                      <a:pPr latinLnBrk="1">
+                        <a:defRPr/>
+                      </a:pPr>
+                      <a:endParaRPr lang="ko-KR" altLang="en-US" sz="1200"/>
+                    </a:p>
+                  </a:txBody>
+                  <a:tcPr marL="0" marR="0" marT="0" marB="0"/>
+                </a:tc>
+                <a:tc>
+                  <a:txBody>
+                    <a:bodyPr/>
+                    <a:lstStyle/>
+                    <a:p>
+                      <a:pPr latinLnBrk="1">
+                        <a:defRPr/>
+                      </a:pPr>
+                      <a:endParaRPr lang="ko-KR" altLang="en-US" sz="1200"/>
+                    </a:p>
+                  </a:txBody>
+                  <a:tcPr marL="0" marR="0" marT="0" marB="0"/>
+                </a:tc>
+                <a:tc>
+                  <a:txBody>
+                    <a:bodyPr/>
+                    <a:lstStyle/>
+                    <a:p>
+                      <a:pPr latinLnBrk="1">
+                        <a:defRPr/>
+                      </a:pPr>
+                      <a:endParaRPr lang="ko-KR" altLang="en-US" sz="1200"/>
+                    </a:p>
+                  </a:txBody>
+                  <a:tcPr marL="0" marR="0" marT="0" marB="0"/>
+                </a:tc>
+                <a:tc>
+                  <a:txBody>
+                    <a:bodyPr/>
+                    <a:lstStyle/>
                     <a:p>
                       <a:pPr latinLnBrk="1">
                         <a:defRPr/>
@@ -23676,7 +23949,8 @@
                 </a:tc>
                 <a:tc>
                   <a:txBody>
-                    <a:bodyPr vert="horz" lIns="0" tIns="0" rIns="0" bIns="0" anchor="t" anchorCtr="0"/>
+                    <a:bodyPr/>
+                    <a:lstStyle/>
                     <a:p>
                       <a:pPr latinLnBrk="1">
                         <a:defRPr/>
@@ -23692,7 +23966,8 @@
                 </a:tc>
                 <a:tc>
                   <a:txBody>
-                    <a:bodyPr vert="horz" lIns="0" tIns="0" rIns="0" bIns="0" anchor="t" anchorCtr="0"/>
+                    <a:bodyPr/>
+                    <a:lstStyle/>
                     <a:p>
                       <a:pPr latinLnBrk="1">
                         <a:defRPr/>
@@ -23702,13 +23977,14 @@
                   </a:txBody>
                   <a:tcPr marL="0" marR="0" marT="0" marB="0">
                     <a:solidFill>
-                      <a:srgbClr val="e0e0e0"/>
+                      <a:srgbClr val="E0E0E0"/>
                     </a:solidFill>
                   </a:tcPr>
                 </a:tc>
                 <a:tc>
                   <a:txBody>
-                    <a:bodyPr vert="horz" lIns="0" tIns="0" rIns="0" bIns="0" anchor="t" anchorCtr="0"/>
+                    <a:bodyPr/>
+                    <a:lstStyle/>
                     <a:p>
                       <a:pPr latinLnBrk="1">
                         <a:defRPr/>
@@ -23718,303 +23994,333 @@
                   </a:txBody>
                   <a:tcPr marL="0" marR="0" marT="0" marB="0">
                     <a:solidFill>
-                      <a:srgbClr val="e0e0e0"/>
+                      <a:srgbClr val="E0E0E0"/>
                     </a:solidFill>
                   </a:tcPr>
                 </a:tc>
                 <a:tc>
                   <a:txBody>
-                    <a:bodyPr vert="horz" lIns="0" tIns="0" rIns="0" bIns="0" anchor="t" anchorCtr="0"/>
-                    <a:p>
-                      <a:pPr latinLnBrk="1">
-                        <a:defRPr/>
-                      </a:pPr>
-                      <a:endParaRPr lang="ko-KR" altLang="en-US" sz="1200"/>
-                    </a:p>
-                  </a:txBody>
-                  <a:tcPr marL="0" marR="0" marT="0" marB="0"/>
-                </a:tc>
-                <a:tc>
-                  <a:txBody>
-                    <a:bodyPr vert="horz" lIns="0" tIns="0" rIns="0" bIns="0" anchor="t" anchorCtr="0"/>
-                    <a:p>
-                      <a:pPr latinLnBrk="1">
-                        <a:defRPr/>
-                      </a:pPr>
-                      <a:endParaRPr lang="ko-KR" altLang="en-US" sz="1200"/>
-                    </a:p>
-                  </a:txBody>
-                  <a:tcPr marL="0" marR="0" marT="0" marB="0"/>
-                </a:tc>
-                <a:tc>
-                  <a:txBody>
-                    <a:bodyPr vert="horz" lIns="0" tIns="0" rIns="0" bIns="0" anchor="t" anchorCtr="0"/>
-                    <a:p>
-                      <a:pPr latinLnBrk="1">
-                        <a:defRPr/>
-                      </a:pPr>
-                      <a:endParaRPr lang="ko-KR" altLang="en-US" sz="1200"/>
-                    </a:p>
-                  </a:txBody>
-                  <a:tcPr marL="0" marR="0" marT="0" marB="0"/>
-                </a:tc>
-                <a:tc>
-                  <a:txBody>
-                    <a:bodyPr vert="horz" lIns="0" tIns="0" rIns="0" bIns="0" anchor="t" anchorCtr="0"/>
-                    <a:p>
-                      <a:pPr latinLnBrk="1">
-                        <a:defRPr/>
-                      </a:pPr>
-                      <a:endParaRPr lang="ko-KR" altLang="en-US" sz="1200"/>
-                    </a:p>
-                  </a:txBody>
-                  <a:tcPr marL="0" marR="0" marT="0" marB="0"/>
-                </a:tc>
-                <a:tc>
-                  <a:txBody>
-                    <a:bodyPr vert="horz" lIns="0" tIns="0" rIns="0" bIns="0" anchor="t" anchorCtr="0"/>
-                    <a:p>
-                      <a:pPr latinLnBrk="1">
-                        <a:defRPr/>
-                      </a:pPr>
-                      <a:endParaRPr lang="ko-KR" altLang="en-US" sz="1200"/>
-                    </a:p>
-                  </a:txBody>
-                  <a:tcPr marL="0" marR="0" marT="0" marB="0"/>
-                </a:tc>
-                <a:tc>
-                  <a:txBody>
-                    <a:bodyPr vert="horz" lIns="0" tIns="0" rIns="0" bIns="0" anchor="t" anchorCtr="0"/>
-                    <a:p>
-                      <a:pPr latinLnBrk="1">
-                        <a:defRPr/>
-                      </a:pPr>
-                      <a:endParaRPr lang="ko-KR" altLang="en-US" sz="1200"/>
-                    </a:p>
-                  </a:txBody>
-                  <a:tcPr marL="0" marR="0" marT="0" marB="0"/>
-                </a:tc>
-                <a:tc>
-                  <a:txBody>
-                    <a:bodyPr vert="horz" lIns="0" tIns="0" rIns="0" bIns="0" anchor="t" anchorCtr="0"/>
-                    <a:p>
-                      <a:pPr latinLnBrk="1">
-                        <a:defRPr/>
-                      </a:pPr>
-                      <a:endParaRPr lang="ko-KR" altLang="en-US" sz="1200"/>
-                    </a:p>
-                  </a:txBody>
-                  <a:tcPr marL="0" marR="0" marT="0" marB="0"/>
-                </a:tc>
-                <a:tc>
-                  <a:txBody>
-                    <a:bodyPr vert="horz" lIns="0" tIns="0" rIns="0" bIns="0" anchor="t" anchorCtr="0"/>
-                    <a:p>
-                      <a:pPr latinLnBrk="1">
-                        <a:defRPr/>
-                      </a:pPr>
-                      <a:endParaRPr lang="ko-KR" altLang="en-US" sz="1200"/>
-                    </a:p>
-                  </a:txBody>
-                  <a:tcPr marL="0" marR="0" marT="0" marB="0"/>
-                </a:tc>
-                <a:tc>
-                  <a:txBody>
-                    <a:bodyPr vert="horz" lIns="0" tIns="0" rIns="0" bIns="0" anchor="t" anchorCtr="0"/>
-                    <a:p>
-                      <a:pPr latinLnBrk="1">
-                        <a:defRPr/>
-                      </a:pPr>
-                      <a:endParaRPr lang="ko-KR" altLang="en-US" sz="1200"/>
-                    </a:p>
-                  </a:txBody>
-                  <a:tcPr marL="0" marR="0" marT="0" marB="0"/>
-                </a:tc>
-                <a:tc>
-                  <a:txBody>
-                    <a:bodyPr vert="horz" lIns="0" tIns="0" rIns="0" bIns="0" anchor="t" anchorCtr="0"/>
-                    <a:p>
-                      <a:pPr latinLnBrk="1">
-                        <a:defRPr/>
-                      </a:pPr>
-                      <a:endParaRPr lang="ko-KR" altLang="en-US" sz="1200"/>
-                    </a:p>
-                  </a:txBody>
-                  <a:tcPr marL="0" marR="0" marT="0" marB="0"/>
-                </a:tc>
-                <a:tc>
-                  <a:txBody>
-                    <a:bodyPr vert="horz" lIns="0" tIns="0" rIns="0" bIns="0" anchor="t" anchorCtr="0"/>
-                    <a:p>
-                      <a:pPr latinLnBrk="1">
-                        <a:defRPr/>
-                      </a:pPr>
-                      <a:endParaRPr lang="ko-KR" altLang="en-US" sz="1200"/>
-                    </a:p>
-                  </a:txBody>
-                  <a:tcPr marL="0" marR="0" marT="0" marB="0"/>
-                </a:tc>
-                <a:tc>
-                  <a:txBody>
-                    <a:bodyPr vert="horz" lIns="0" tIns="0" rIns="0" bIns="0" anchor="t" anchorCtr="0"/>
-                    <a:p>
-                      <a:pPr latinLnBrk="1">
-                        <a:defRPr/>
-                      </a:pPr>
-                      <a:endParaRPr lang="ko-KR" altLang="en-US" sz="1200"/>
-                    </a:p>
-                  </a:txBody>
-                  <a:tcPr marL="0" marR="0" marT="0" marB="0"/>
-                </a:tc>
-                <a:tc>
-                  <a:txBody>
-                    <a:bodyPr vert="horz" lIns="0" tIns="0" rIns="0" bIns="0" anchor="t" anchorCtr="0"/>
-                    <a:p>
-                      <a:pPr latinLnBrk="1">
-                        <a:defRPr/>
-                      </a:pPr>
-                      <a:endParaRPr lang="ko-KR" altLang="en-US" sz="1200"/>
-                    </a:p>
-                  </a:txBody>
-                  <a:tcPr marL="0" marR="0" marT="0" marB="0"/>
-                </a:tc>
-                <a:tc>
-                  <a:txBody>
-                    <a:bodyPr vert="horz" lIns="0" tIns="0" rIns="0" bIns="0" anchor="t" anchorCtr="0"/>
-                    <a:p>
-                      <a:pPr latinLnBrk="1">
-                        <a:defRPr/>
-                      </a:pPr>
-                      <a:endParaRPr lang="ko-KR" altLang="en-US" sz="1200"/>
-                    </a:p>
-                  </a:txBody>
-                  <a:tcPr marL="0" marR="0" marT="0" marB="0"/>
-                </a:tc>
-                <a:tc>
-                  <a:txBody>
-                    <a:bodyPr vert="horz" lIns="0" tIns="0" rIns="0" bIns="0" anchor="t" anchorCtr="0"/>
-                    <a:p>
-                      <a:pPr latinLnBrk="1">
-                        <a:defRPr/>
-                      </a:pPr>
-                      <a:endParaRPr lang="ko-KR" altLang="en-US" sz="1200"/>
-                    </a:p>
-                  </a:txBody>
-                  <a:tcPr marL="0" marR="0" marT="0" marB="0"/>
-                </a:tc>
-                <a:tc>
-                  <a:txBody>
-                    <a:bodyPr vert="horz" lIns="0" tIns="0" rIns="0" bIns="0" anchor="t" anchorCtr="0"/>
-                    <a:p>
-                      <a:pPr latinLnBrk="1">
-                        <a:defRPr/>
-                      </a:pPr>
-                      <a:endParaRPr lang="ko-KR" altLang="en-US" sz="1200"/>
-                    </a:p>
-                  </a:txBody>
-                  <a:tcPr marL="0" marR="0" marT="0" marB="0"/>
-                </a:tc>
-                <a:tc>
-                  <a:txBody>
-                    <a:bodyPr vert="horz" lIns="0" tIns="0" rIns="0" bIns="0" anchor="t" anchorCtr="0"/>
-                    <a:p>
-                      <a:pPr latinLnBrk="1">
-                        <a:defRPr/>
-                      </a:pPr>
-                      <a:endParaRPr lang="ko-KR" altLang="en-US" sz="1200"/>
-                    </a:p>
-                  </a:txBody>
-                  <a:tcPr marL="0" marR="0" marT="0" marB="0"/>
-                </a:tc>
-                <a:tc>
-                  <a:txBody>
-                    <a:bodyPr vert="horz" lIns="0" tIns="0" rIns="0" bIns="0" anchor="t" anchorCtr="0"/>
-                    <a:p>
-                      <a:pPr latinLnBrk="1">
-                        <a:defRPr/>
-                      </a:pPr>
-                      <a:endParaRPr lang="ko-KR" altLang="en-US" sz="1200"/>
-                    </a:p>
-                  </a:txBody>
-                  <a:tcPr marL="0" marR="0" marT="0" marB="0"/>
-                </a:tc>
-                <a:tc>
-                  <a:txBody>
-                    <a:bodyPr vert="horz" lIns="0" tIns="0" rIns="0" bIns="0" anchor="t" anchorCtr="0"/>
-                    <a:p>
-                      <a:pPr latinLnBrk="1">
-                        <a:defRPr/>
-                      </a:pPr>
-                      <a:endParaRPr lang="ko-KR" altLang="en-US" sz="1200"/>
-                    </a:p>
-                  </a:txBody>
-                  <a:tcPr marL="0" marR="0" marT="0" marB="0"/>
-                </a:tc>
-                <a:tc>
-                  <a:txBody>
-                    <a:bodyPr vert="horz" lIns="0" tIns="0" rIns="0" bIns="0" anchor="t" anchorCtr="0"/>
-                    <a:p>
-                      <a:pPr latinLnBrk="1">
-                        <a:defRPr/>
-                      </a:pPr>
-                      <a:endParaRPr lang="ko-KR" altLang="en-US" sz="1200"/>
-                    </a:p>
-                  </a:txBody>
-                  <a:tcPr marL="0" marR="0" marT="0" marB="0"/>
-                </a:tc>
-                <a:tc>
-                  <a:txBody>
-                    <a:bodyPr vert="horz" lIns="0" tIns="0" rIns="0" bIns="0" anchor="t" anchorCtr="0"/>
-                    <a:p>
-                      <a:pPr latinLnBrk="1">
-                        <a:defRPr/>
-                      </a:pPr>
-                      <a:endParaRPr lang="ko-KR" altLang="en-US" sz="1200"/>
-                    </a:p>
-                  </a:txBody>
-                  <a:tcPr marL="0" marR="0" marT="0" marB="0"/>
-                </a:tc>
-                <a:tc>
-                  <a:txBody>
-                    <a:bodyPr vert="horz" lIns="0" tIns="0" rIns="0" bIns="0" anchor="t" anchorCtr="0"/>
-                    <a:p>
-                      <a:pPr latinLnBrk="1">
-                        <a:defRPr/>
-                      </a:pPr>
-                      <a:endParaRPr lang="ko-KR" altLang="en-US" sz="1200"/>
-                    </a:p>
-                  </a:txBody>
-                  <a:tcPr marL="0" marR="0" marT="0" marB="0"/>
-                </a:tc>
-                <a:tc>
-                  <a:txBody>
-                    <a:bodyPr vert="horz" lIns="0" tIns="0" rIns="0" bIns="0" anchor="t" anchorCtr="0"/>
-                    <a:p>
-                      <a:pPr latinLnBrk="1">
-                        <a:defRPr/>
-                      </a:pPr>
-                      <a:endParaRPr lang="ko-KR" altLang="en-US" sz="1200"/>
-                    </a:p>
-                  </a:txBody>
-                  <a:tcPr marL="0" marR="0" marT="0" marB="0"/>
-                </a:tc>
-                <a:tc>
-                  <a:txBody>
-                    <a:bodyPr vert="horz" lIns="0" tIns="0" rIns="0" bIns="0" anchor="t" anchorCtr="0"/>
-                    <a:p>
-                      <a:pPr latinLnBrk="1">
-                        <a:defRPr/>
-                      </a:pPr>
-                      <a:endParaRPr lang="ko-KR" altLang="en-US" sz="1200"/>
-                    </a:p>
-                  </a:txBody>
-                  <a:tcPr marL="0" marR="0" marT="0" marB="0"/>
-                </a:tc>
+                    <a:bodyPr/>
+                    <a:lstStyle/>
+                    <a:p>
+                      <a:pPr latinLnBrk="1">
+                        <a:defRPr/>
+                      </a:pPr>
+                      <a:endParaRPr lang="ko-KR" altLang="en-US" sz="1200"/>
+                    </a:p>
+                  </a:txBody>
+                  <a:tcPr marL="0" marR="0" marT="0" marB="0"/>
+                </a:tc>
+                <a:tc>
+                  <a:txBody>
+                    <a:bodyPr/>
+                    <a:lstStyle/>
+                    <a:p>
+                      <a:pPr latinLnBrk="1">
+                        <a:defRPr/>
+                      </a:pPr>
+                      <a:endParaRPr lang="ko-KR" altLang="en-US" sz="1200"/>
+                    </a:p>
+                  </a:txBody>
+                  <a:tcPr marL="0" marR="0" marT="0" marB="0"/>
+                </a:tc>
+                <a:tc>
+                  <a:txBody>
+                    <a:bodyPr/>
+                    <a:lstStyle/>
+                    <a:p>
+                      <a:pPr latinLnBrk="1">
+                        <a:defRPr/>
+                      </a:pPr>
+                      <a:endParaRPr lang="ko-KR" altLang="en-US" sz="1200"/>
+                    </a:p>
+                  </a:txBody>
+                  <a:tcPr marL="0" marR="0" marT="0" marB="0"/>
+                </a:tc>
+                <a:tc>
+                  <a:txBody>
+                    <a:bodyPr/>
+                    <a:lstStyle/>
+                    <a:p>
+                      <a:pPr latinLnBrk="1">
+                        <a:defRPr/>
+                      </a:pPr>
+                      <a:endParaRPr lang="ko-KR" altLang="en-US" sz="1200"/>
+                    </a:p>
+                  </a:txBody>
+                  <a:tcPr marL="0" marR="0" marT="0" marB="0"/>
+                </a:tc>
+                <a:tc>
+                  <a:txBody>
+                    <a:bodyPr/>
+                    <a:lstStyle/>
+                    <a:p>
+                      <a:pPr latinLnBrk="1">
+                        <a:defRPr/>
+                      </a:pPr>
+                      <a:endParaRPr lang="ko-KR" altLang="en-US" sz="1200"/>
+                    </a:p>
+                  </a:txBody>
+                  <a:tcPr marL="0" marR="0" marT="0" marB="0"/>
+                </a:tc>
+                <a:tc>
+                  <a:txBody>
+                    <a:bodyPr/>
+                    <a:lstStyle/>
+                    <a:p>
+                      <a:pPr latinLnBrk="1">
+                        <a:defRPr/>
+                      </a:pPr>
+                      <a:endParaRPr lang="ko-KR" altLang="en-US" sz="1200"/>
+                    </a:p>
+                  </a:txBody>
+                  <a:tcPr marL="0" marR="0" marT="0" marB="0"/>
+                </a:tc>
+                <a:tc>
+                  <a:txBody>
+                    <a:bodyPr/>
+                    <a:lstStyle/>
+                    <a:p>
+                      <a:pPr latinLnBrk="1">
+                        <a:defRPr/>
+                      </a:pPr>
+                      <a:endParaRPr lang="ko-KR" altLang="en-US" sz="1200"/>
+                    </a:p>
+                  </a:txBody>
+                  <a:tcPr marL="0" marR="0" marT="0" marB="0"/>
+                </a:tc>
+                <a:tc>
+                  <a:txBody>
+                    <a:bodyPr/>
+                    <a:lstStyle/>
+                    <a:p>
+                      <a:pPr latinLnBrk="1">
+                        <a:defRPr/>
+                      </a:pPr>
+                      <a:endParaRPr lang="ko-KR" altLang="en-US" sz="1200"/>
+                    </a:p>
+                  </a:txBody>
+                  <a:tcPr marL="0" marR="0" marT="0" marB="0"/>
+                </a:tc>
+                <a:tc>
+                  <a:txBody>
+                    <a:bodyPr/>
+                    <a:lstStyle/>
+                    <a:p>
+                      <a:pPr latinLnBrk="1">
+                        <a:defRPr/>
+                      </a:pPr>
+                      <a:endParaRPr lang="ko-KR" altLang="en-US" sz="1200"/>
+                    </a:p>
+                  </a:txBody>
+                  <a:tcPr marL="0" marR="0" marT="0" marB="0"/>
+                </a:tc>
+                <a:tc>
+                  <a:txBody>
+                    <a:bodyPr/>
+                    <a:lstStyle/>
+                    <a:p>
+                      <a:pPr latinLnBrk="1">
+                        <a:defRPr/>
+                      </a:pPr>
+                      <a:endParaRPr lang="ko-KR" altLang="en-US" sz="1200"/>
+                    </a:p>
+                  </a:txBody>
+                  <a:tcPr marL="0" marR="0" marT="0" marB="0"/>
+                </a:tc>
+                <a:tc>
+                  <a:txBody>
+                    <a:bodyPr/>
+                    <a:lstStyle/>
+                    <a:p>
+                      <a:pPr latinLnBrk="1">
+                        <a:defRPr/>
+                      </a:pPr>
+                      <a:endParaRPr lang="ko-KR" altLang="en-US" sz="1200"/>
+                    </a:p>
+                  </a:txBody>
+                  <a:tcPr marL="0" marR="0" marT="0" marB="0"/>
+                </a:tc>
+                <a:tc>
+                  <a:txBody>
+                    <a:bodyPr/>
+                    <a:lstStyle/>
+                    <a:p>
+                      <a:pPr latinLnBrk="1">
+                        <a:defRPr/>
+                      </a:pPr>
+                      <a:endParaRPr lang="ko-KR" altLang="en-US" sz="1200"/>
+                    </a:p>
+                  </a:txBody>
+                  <a:tcPr marL="0" marR="0" marT="0" marB="0"/>
+                </a:tc>
+                <a:tc>
+                  <a:txBody>
+                    <a:bodyPr/>
+                    <a:lstStyle/>
+                    <a:p>
+                      <a:pPr latinLnBrk="1">
+                        <a:defRPr/>
+                      </a:pPr>
+                      <a:endParaRPr lang="ko-KR" altLang="en-US" sz="1200"/>
+                    </a:p>
+                  </a:txBody>
+                  <a:tcPr marL="0" marR="0" marT="0" marB="0"/>
+                </a:tc>
+                <a:tc>
+                  <a:txBody>
+                    <a:bodyPr/>
+                    <a:lstStyle/>
+                    <a:p>
+                      <a:pPr latinLnBrk="1">
+                        <a:defRPr/>
+                      </a:pPr>
+                      <a:endParaRPr lang="ko-KR" altLang="en-US" sz="1200"/>
+                    </a:p>
+                  </a:txBody>
+                  <a:tcPr marL="0" marR="0" marT="0" marB="0"/>
+                </a:tc>
+                <a:tc>
+                  <a:txBody>
+                    <a:bodyPr/>
+                    <a:lstStyle/>
+                    <a:p>
+                      <a:pPr latinLnBrk="1">
+                        <a:defRPr/>
+                      </a:pPr>
+                      <a:endParaRPr lang="ko-KR" altLang="en-US" sz="1200"/>
+                    </a:p>
+                  </a:txBody>
+                  <a:tcPr marL="0" marR="0" marT="0" marB="0"/>
+                </a:tc>
+                <a:tc>
+                  <a:txBody>
+                    <a:bodyPr/>
+                    <a:lstStyle/>
+                    <a:p>
+                      <a:pPr latinLnBrk="1">
+                        <a:defRPr/>
+                      </a:pPr>
+                      <a:endParaRPr lang="ko-KR" altLang="en-US" sz="1200"/>
+                    </a:p>
+                  </a:txBody>
+                  <a:tcPr marL="0" marR="0" marT="0" marB="0"/>
+                </a:tc>
+                <a:tc>
+                  <a:txBody>
+                    <a:bodyPr/>
+                    <a:lstStyle/>
+                    <a:p>
+                      <a:pPr latinLnBrk="1">
+                        <a:defRPr/>
+                      </a:pPr>
+                      <a:endParaRPr lang="ko-KR" altLang="en-US" sz="1200"/>
+                    </a:p>
+                  </a:txBody>
+                  <a:tcPr marL="0" marR="0" marT="0" marB="0"/>
+                </a:tc>
+                <a:tc>
+                  <a:txBody>
+                    <a:bodyPr/>
+                    <a:lstStyle/>
+                    <a:p>
+                      <a:pPr latinLnBrk="1">
+                        <a:defRPr/>
+                      </a:pPr>
+                      <a:endParaRPr lang="ko-KR" altLang="en-US" sz="1200"/>
+                    </a:p>
+                  </a:txBody>
+                  <a:tcPr marL="0" marR="0" marT="0" marB="0"/>
+                </a:tc>
+                <a:tc>
+                  <a:txBody>
+                    <a:bodyPr/>
+                    <a:lstStyle/>
+                    <a:p>
+                      <a:pPr latinLnBrk="1">
+                        <a:defRPr/>
+                      </a:pPr>
+                      <a:endParaRPr lang="ko-KR" altLang="en-US" sz="1200"/>
+                    </a:p>
+                  </a:txBody>
+                  <a:tcPr marL="0" marR="0" marT="0" marB="0"/>
+                </a:tc>
+                <a:tc>
+                  <a:txBody>
+                    <a:bodyPr/>
+                    <a:lstStyle/>
+                    <a:p>
+                      <a:pPr latinLnBrk="1">
+                        <a:defRPr/>
+                      </a:pPr>
+                      <a:endParaRPr lang="ko-KR" altLang="en-US" sz="1200"/>
+                    </a:p>
+                  </a:txBody>
+                  <a:tcPr marL="0" marR="0" marT="0" marB="0"/>
+                </a:tc>
+                <a:tc>
+                  <a:txBody>
+                    <a:bodyPr/>
+                    <a:lstStyle/>
+                    <a:p>
+                      <a:pPr latinLnBrk="1">
+                        <a:defRPr/>
+                      </a:pPr>
+                      <a:endParaRPr lang="ko-KR" altLang="en-US" sz="1200"/>
+                    </a:p>
+                  </a:txBody>
+                  <a:tcPr marL="0" marR="0" marT="0" marB="0"/>
+                </a:tc>
+                <a:tc>
+                  <a:txBody>
+                    <a:bodyPr/>
+                    <a:lstStyle/>
+                    <a:p>
+                      <a:pPr latinLnBrk="1">
+                        <a:defRPr/>
+                      </a:pPr>
+                      <a:endParaRPr lang="ko-KR" altLang="en-US" sz="1200"/>
+                    </a:p>
+                  </a:txBody>
+                  <a:tcPr marL="0" marR="0" marT="0" marB="0"/>
+                </a:tc>
+                <a:tc>
+                  <a:txBody>
+                    <a:bodyPr/>
+                    <a:lstStyle/>
+                    <a:p>
+                      <a:pPr latinLnBrk="1">
+                        <a:defRPr/>
+                      </a:pPr>
+                      <a:endParaRPr lang="ko-KR" altLang="en-US" sz="1200"/>
+                    </a:p>
+                  </a:txBody>
+                  <a:tcPr marL="0" marR="0" marT="0" marB="0"/>
+                </a:tc>
+                <a:tc>
+                  <a:txBody>
+                    <a:bodyPr/>
+                    <a:lstStyle/>
+                    <a:p>
+                      <a:pPr latinLnBrk="1">
+                        <a:defRPr/>
+                      </a:pPr>
+                      <a:endParaRPr lang="ko-KR" altLang="en-US" sz="1200"/>
+                    </a:p>
+                  </a:txBody>
+                  <a:tcPr marL="0" marR="0" marT="0" marB="0"/>
+                </a:tc>
+                <a:extLst>
+                  <a:ext uri="{0D108BD9-81ED-4DB2-BD59-A6C34878D82A}">
+                    <a16:rowId xmlns:a16="http://schemas.microsoft.com/office/drawing/2014/main" val="10002"/>
+                  </a:ext>
+                </a:extLst>
               </a:tr>
               <a:tr h="0">
                 <a:tc>
                   <a:txBody>
-                    <a:bodyPr vert="horz" lIns="0" tIns="0" rIns="0" bIns="0" anchor="t" anchorCtr="0"/>
+                    <a:bodyPr/>
+                    <a:lstStyle/>
                     <a:p>
                       <a:pPr algn="ctr" latinLnBrk="1">
                         <a:defRPr/>
@@ -24040,137 +24346,144 @@
                         </a:rPr>
                         <a:t> 처리</a:t>
                       </a:r>
-                      <a:endParaRPr lang="ko-KR" altLang="en-US" sz="1000">
-                        <a:latin typeface="맑은 고딕"/>
-                        <a:ea typeface="맑은 고딕"/>
-                      </a:endParaRPr>
-                    </a:p>
-                  </a:txBody>
-                  <a:tcPr marL="0" marR="0" marT="0" marB="0"/>
-                </a:tc>
-                <a:tc>
-                  <a:txBody>
-                    <a:bodyPr vert="horz" lIns="0" tIns="0" rIns="0" bIns="0" anchor="t" anchorCtr="0"/>
-                    <a:p>
-                      <a:pPr latinLnBrk="1">
-                        <a:defRPr/>
-                      </a:pPr>
-                      <a:endParaRPr lang="ko-KR" altLang="en-US" sz="1200"/>
-                    </a:p>
-                  </a:txBody>
-                  <a:tcPr marL="0" marR="0" marT="0" marB="0"/>
-                </a:tc>
-                <a:tc>
-                  <a:txBody>
-                    <a:bodyPr vert="horz" lIns="0" tIns="0" rIns="0" bIns="0" anchor="t" anchorCtr="0"/>
-                    <a:p>
-                      <a:pPr latinLnBrk="1">
-                        <a:defRPr/>
-                      </a:pPr>
-                      <a:endParaRPr lang="ko-KR" altLang="en-US" sz="1200"/>
-                    </a:p>
-                  </a:txBody>
-                  <a:tcPr marL="0" marR="0" marT="0" marB="0"/>
-                </a:tc>
-                <a:tc>
-                  <a:txBody>
-                    <a:bodyPr vert="horz" lIns="0" tIns="0" rIns="0" bIns="0" anchor="t" anchorCtr="0"/>
-                    <a:p>
-                      <a:pPr latinLnBrk="1">
-                        <a:defRPr/>
-                      </a:pPr>
-                      <a:endParaRPr lang="ko-KR" altLang="en-US" sz="1200"/>
-                    </a:p>
-                  </a:txBody>
-                  <a:tcPr marL="0" marR="0" marT="0" marB="0"/>
-                </a:tc>
-                <a:tc>
-                  <a:txBody>
-                    <a:bodyPr vert="horz" lIns="0" tIns="0" rIns="0" bIns="0" anchor="t" anchorCtr="0"/>
-                    <a:p>
-                      <a:pPr latinLnBrk="1">
-                        <a:defRPr/>
-                      </a:pPr>
-                      <a:endParaRPr lang="ko-KR" altLang="en-US" sz="1200"/>
-                    </a:p>
-                  </a:txBody>
-                  <a:tcPr marL="0" marR="0" marT="0" marB="0"/>
-                </a:tc>
-                <a:tc>
-                  <a:txBody>
-                    <a:bodyPr vert="horz" lIns="0" tIns="0" rIns="0" bIns="0" anchor="t" anchorCtr="0"/>
-                    <a:p>
-                      <a:pPr latinLnBrk="1">
-                        <a:defRPr/>
-                      </a:pPr>
-                      <a:endParaRPr lang="ko-KR" altLang="en-US" sz="1200"/>
-                    </a:p>
-                  </a:txBody>
-                  <a:tcPr marL="0" marR="0" marT="0" marB="0"/>
-                </a:tc>
-                <a:tc>
-                  <a:txBody>
-                    <a:bodyPr vert="horz" lIns="0" tIns="0" rIns="0" bIns="0" anchor="t" anchorCtr="0"/>
-                    <a:p>
-                      <a:pPr latinLnBrk="1">
-                        <a:defRPr/>
-                      </a:pPr>
-                      <a:endParaRPr lang="ko-KR" altLang="en-US" sz="1200"/>
-                    </a:p>
-                  </a:txBody>
-                  <a:tcPr marL="0" marR="0" marT="0" marB="0"/>
-                </a:tc>
-                <a:tc>
-                  <a:txBody>
-                    <a:bodyPr vert="horz" lIns="0" tIns="0" rIns="0" bIns="0" anchor="t" anchorCtr="0"/>
-                    <a:p>
-                      <a:pPr latinLnBrk="1">
-                        <a:defRPr/>
-                      </a:pPr>
-                      <a:endParaRPr lang="ko-KR" altLang="en-US" sz="1200"/>
-                    </a:p>
-                  </a:txBody>
-                  <a:tcPr marL="0" marR="0" marT="0" marB="0"/>
-                </a:tc>
-                <a:tc>
-                  <a:txBody>
-                    <a:bodyPr vert="horz" lIns="0" tIns="0" rIns="0" bIns="0" anchor="t" anchorCtr="0"/>
-                    <a:p>
-                      <a:pPr latinLnBrk="1">
-                        <a:defRPr/>
-                      </a:pPr>
-                      <a:endParaRPr lang="ko-KR" altLang="en-US" sz="1200"/>
-                    </a:p>
-                  </a:txBody>
-                  <a:tcPr marL="0" marR="0" marT="0" marB="0"/>
-                </a:tc>
-                <a:tc>
-                  <a:txBody>
-                    <a:bodyPr vert="horz" lIns="0" tIns="0" rIns="0" bIns="0" anchor="t" anchorCtr="0"/>
-                    <a:p>
-                      <a:pPr latinLnBrk="1">
-                        <a:defRPr/>
-                      </a:pPr>
-                      <a:endParaRPr lang="ko-KR" altLang="en-US" sz="1200"/>
-                    </a:p>
-                  </a:txBody>
-                  <a:tcPr marL="0" marR="0" marT="0" marB="0"/>
-                </a:tc>
-                <a:tc>
-                  <a:txBody>
-                    <a:bodyPr vert="horz" lIns="0" tIns="0" rIns="0" bIns="0" anchor="t" anchorCtr="0"/>
-                    <a:p>
-                      <a:pPr latinLnBrk="1">
-                        <a:defRPr/>
-                      </a:pPr>
-                      <a:endParaRPr lang="ko-KR" altLang="en-US" sz="1200"/>
-                    </a:p>
-                  </a:txBody>
-                  <a:tcPr marL="0" marR="0" marT="0" marB="0"/>
-                </a:tc>
-                <a:tc>
-                  <a:txBody>
-                    <a:bodyPr vert="horz" lIns="0" tIns="0" rIns="0" bIns="0" anchor="t" anchorCtr="0"/>
+                    </a:p>
+                  </a:txBody>
+                  <a:tcPr marL="0" marR="0" marT="0" marB="0"/>
+                </a:tc>
+                <a:tc>
+                  <a:txBody>
+                    <a:bodyPr/>
+                    <a:lstStyle/>
+                    <a:p>
+                      <a:pPr latinLnBrk="1">
+                        <a:defRPr/>
+                      </a:pPr>
+                      <a:endParaRPr lang="ko-KR" altLang="en-US" sz="1200"/>
+                    </a:p>
+                  </a:txBody>
+                  <a:tcPr marL="0" marR="0" marT="0" marB="0"/>
+                </a:tc>
+                <a:tc>
+                  <a:txBody>
+                    <a:bodyPr/>
+                    <a:lstStyle/>
+                    <a:p>
+                      <a:pPr latinLnBrk="1">
+                        <a:defRPr/>
+                      </a:pPr>
+                      <a:endParaRPr lang="ko-KR" altLang="en-US" sz="1200"/>
+                    </a:p>
+                  </a:txBody>
+                  <a:tcPr marL="0" marR="0" marT="0" marB="0"/>
+                </a:tc>
+                <a:tc>
+                  <a:txBody>
+                    <a:bodyPr/>
+                    <a:lstStyle/>
+                    <a:p>
+                      <a:pPr latinLnBrk="1">
+                        <a:defRPr/>
+                      </a:pPr>
+                      <a:endParaRPr lang="ko-KR" altLang="en-US" sz="1200"/>
+                    </a:p>
+                  </a:txBody>
+                  <a:tcPr marL="0" marR="0" marT="0" marB="0"/>
+                </a:tc>
+                <a:tc>
+                  <a:txBody>
+                    <a:bodyPr/>
+                    <a:lstStyle/>
+                    <a:p>
+                      <a:pPr latinLnBrk="1">
+                        <a:defRPr/>
+                      </a:pPr>
+                      <a:endParaRPr lang="ko-KR" altLang="en-US" sz="1200"/>
+                    </a:p>
+                  </a:txBody>
+                  <a:tcPr marL="0" marR="0" marT="0" marB="0"/>
+                </a:tc>
+                <a:tc>
+                  <a:txBody>
+                    <a:bodyPr/>
+                    <a:lstStyle/>
+                    <a:p>
+                      <a:pPr latinLnBrk="1">
+                        <a:defRPr/>
+                      </a:pPr>
+                      <a:endParaRPr lang="ko-KR" altLang="en-US" sz="1200"/>
+                    </a:p>
+                  </a:txBody>
+                  <a:tcPr marL="0" marR="0" marT="0" marB="0"/>
+                </a:tc>
+                <a:tc>
+                  <a:txBody>
+                    <a:bodyPr/>
+                    <a:lstStyle/>
+                    <a:p>
+                      <a:pPr latinLnBrk="1">
+                        <a:defRPr/>
+                      </a:pPr>
+                      <a:endParaRPr lang="ko-KR" altLang="en-US" sz="1200"/>
+                    </a:p>
+                  </a:txBody>
+                  <a:tcPr marL="0" marR="0" marT="0" marB="0"/>
+                </a:tc>
+                <a:tc>
+                  <a:txBody>
+                    <a:bodyPr/>
+                    <a:lstStyle/>
+                    <a:p>
+                      <a:pPr latinLnBrk="1">
+                        <a:defRPr/>
+                      </a:pPr>
+                      <a:endParaRPr lang="ko-KR" altLang="en-US" sz="1200"/>
+                    </a:p>
+                  </a:txBody>
+                  <a:tcPr marL="0" marR="0" marT="0" marB="0"/>
+                </a:tc>
+                <a:tc>
+                  <a:txBody>
+                    <a:bodyPr/>
+                    <a:lstStyle/>
+                    <a:p>
+                      <a:pPr latinLnBrk="1">
+                        <a:defRPr/>
+                      </a:pPr>
+                      <a:endParaRPr lang="ko-KR" altLang="en-US" sz="1200"/>
+                    </a:p>
+                  </a:txBody>
+                  <a:tcPr marL="0" marR="0" marT="0" marB="0"/>
+                </a:tc>
+                <a:tc>
+                  <a:txBody>
+                    <a:bodyPr/>
+                    <a:lstStyle/>
+                    <a:p>
+                      <a:pPr latinLnBrk="1">
+                        <a:defRPr/>
+                      </a:pPr>
+                      <a:endParaRPr lang="ko-KR" altLang="en-US" sz="1200"/>
+                    </a:p>
+                  </a:txBody>
+                  <a:tcPr marL="0" marR="0" marT="0" marB="0"/>
+                </a:tc>
+                <a:tc>
+                  <a:txBody>
+                    <a:bodyPr/>
+                    <a:lstStyle/>
+                    <a:p>
+                      <a:pPr latinLnBrk="1">
+                        <a:defRPr/>
+                      </a:pPr>
+                      <a:endParaRPr lang="ko-KR" altLang="en-US" sz="1200"/>
+                    </a:p>
+                  </a:txBody>
+                  <a:tcPr marL="0" marR="0" marT="0" marB="0"/>
+                </a:tc>
+                <a:tc>
+                  <a:txBody>
+                    <a:bodyPr/>
+                    <a:lstStyle/>
                     <a:p>
                       <a:pPr latinLnBrk="1">
                         <a:defRPr/>
@@ -24186,7 +24499,8 @@
                 </a:tc>
                 <a:tc>
                   <a:txBody>
-                    <a:bodyPr vert="horz" lIns="0" tIns="0" rIns="0" bIns="0" anchor="t" anchorCtr="0"/>
+                    <a:bodyPr/>
+                    <a:lstStyle/>
                     <a:p>
                       <a:pPr latinLnBrk="1">
                         <a:defRPr/>
@@ -24202,7 +24516,8 @@
                 </a:tc>
                 <a:tc>
                   <a:txBody>
-                    <a:bodyPr vert="horz" lIns="0" tIns="0" rIns="0" bIns="0" anchor="t" anchorCtr="0"/>
+                    <a:bodyPr/>
+                    <a:lstStyle/>
                     <a:p>
                       <a:pPr latinLnBrk="1">
                         <a:defRPr/>
@@ -24212,13 +24527,14 @@
                   </a:txBody>
                   <a:tcPr marL="0" marR="0" marT="0" marB="0">
                     <a:solidFill>
-                      <a:srgbClr val="d1d1d1"/>
+                      <a:srgbClr val="D1D1D1"/>
                     </a:solidFill>
                   </a:tcPr>
                 </a:tc>
                 <a:tc>
                   <a:txBody>
-                    <a:bodyPr vert="horz" lIns="0" tIns="0" rIns="0" bIns="0" anchor="t" anchorCtr="0"/>
+                    <a:bodyPr/>
+                    <a:lstStyle/>
                     <a:p>
                       <a:pPr latinLnBrk="1">
                         <a:defRPr/>
@@ -24228,13 +24544,14 @@
                   </a:txBody>
                   <a:tcPr marL="0" marR="0" marT="0" marB="0">
                     <a:solidFill>
-                      <a:srgbClr val="d1d1d1"/>
+                      <a:srgbClr val="D1D1D1"/>
                     </a:solidFill>
                   </a:tcPr>
                 </a:tc>
                 <a:tc>
                   <a:txBody>
-                    <a:bodyPr vert="horz" lIns="0" tIns="0" rIns="0" bIns="0" anchor="t" anchorCtr="0"/>
+                    <a:bodyPr/>
+                    <a:lstStyle/>
                     <a:p>
                       <a:pPr latinLnBrk="1">
                         <a:defRPr/>
@@ -24244,13 +24561,14 @@
                   </a:txBody>
                   <a:tcPr marL="0" marR="0" marT="0" marB="0">
                     <a:solidFill>
-                      <a:srgbClr val="d1d1d1"/>
+                      <a:srgbClr val="D1D1D1"/>
                     </a:solidFill>
                   </a:tcPr>
                 </a:tc>
                 <a:tc>
                   <a:txBody>
-                    <a:bodyPr vert="horz" lIns="0" tIns="0" rIns="0" bIns="0" anchor="t" anchorCtr="0"/>
+                    <a:bodyPr/>
+                    <a:lstStyle/>
                     <a:p>
                       <a:pPr latinLnBrk="1">
                         <a:defRPr/>
@@ -24260,255 +24578,281 @@
                   </a:txBody>
                   <a:tcPr marL="0" marR="0" marT="0" marB="0">
                     <a:solidFill>
-                      <a:srgbClr val="d1d1d1"/>
+                      <a:srgbClr val="D1D1D1"/>
                     </a:solidFill>
                   </a:tcPr>
                 </a:tc>
                 <a:tc>
                   <a:txBody>
-                    <a:bodyPr vert="horz" lIns="0" tIns="0" rIns="0" bIns="0" anchor="t" anchorCtr="0"/>
-                    <a:p>
-                      <a:pPr latinLnBrk="1">
-                        <a:defRPr/>
-                      </a:pPr>
-                      <a:endParaRPr lang="ko-KR" altLang="en-US" sz="1200"/>
-                    </a:p>
-                  </a:txBody>
-                  <a:tcPr marL="0" marR="0" marT="0" marB="0"/>
-                </a:tc>
-                <a:tc>
-                  <a:txBody>
-                    <a:bodyPr vert="horz" lIns="0" tIns="0" rIns="0" bIns="0" anchor="t" anchorCtr="0"/>
-                    <a:p>
-                      <a:pPr latinLnBrk="1">
-                        <a:defRPr/>
-                      </a:pPr>
-                      <a:endParaRPr lang="ko-KR" altLang="en-US" sz="1200"/>
-                    </a:p>
-                  </a:txBody>
-                  <a:tcPr marL="0" marR="0" marT="0" marB="0"/>
-                </a:tc>
-                <a:tc>
-                  <a:txBody>
-                    <a:bodyPr vert="horz" lIns="0" tIns="0" rIns="0" bIns="0" anchor="t" anchorCtr="0"/>
-                    <a:p>
-                      <a:pPr latinLnBrk="1">
-                        <a:defRPr/>
-                      </a:pPr>
-                      <a:endParaRPr lang="ko-KR" altLang="en-US" sz="1200"/>
-                    </a:p>
-                  </a:txBody>
-                  <a:tcPr marL="0" marR="0" marT="0" marB="0"/>
-                </a:tc>
-                <a:tc>
-                  <a:txBody>
-                    <a:bodyPr vert="horz" lIns="0" tIns="0" rIns="0" bIns="0" anchor="t" anchorCtr="0"/>
-                    <a:p>
-                      <a:pPr latinLnBrk="1">
-                        <a:defRPr/>
-                      </a:pPr>
-                      <a:endParaRPr lang="ko-KR" altLang="en-US" sz="1200"/>
-                    </a:p>
-                  </a:txBody>
-                  <a:tcPr marL="0" marR="0" marT="0" marB="0"/>
-                </a:tc>
-                <a:tc>
-                  <a:txBody>
-                    <a:bodyPr vert="horz" lIns="0" tIns="0" rIns="0" bIns="0" anchor="t" anchorCtr="0"/>
-                    <a:p>
-                      <a:pPr latinLnBrk="1">
-                        <a:defRPr/>
-                      </a:pPr>
-                      <a:endParaRPr lang="ko-KR" altLang="en-US" sz="1200"/>
-                    </a:p>
-                  </a:txBody>
-                  <a:tcPr marL="0" marR="0" marT="0" marB="0"/>
-                </a:tc>
-                <a:tc>
-                  <a:txBody>
-                    <a:bodyPr vert="horz" lIns="0" tIns="0" rIns="0" bIns="0" anchor="t" anchorCtr="0"/>
-                    <a:p>
-                      <a:pPr latinLnBrk="1">
-                        <a:defRPr/>
-                      </a:pPr>
-                      <a:endParaRPr lang="ko-KR" altLang="en-US" sz="1200"/>
-                    </a:p>
-                  </a:txBody>
-                  <a:tcPr marL="0" marR="0" marT="0" marB="0"/>
-                </a:tc>
-                <a:tc>
-                  <a:txBody>
-                    <a:bodyPr vert="horz" lIns="0" tIns="0" rIns="0" bIns="0" anchor="t" anchorCtr="0"/>
-                    <a:p>
-                      <a:pPr latinLnBrk="1">
-                        <a:defRPr/>
-                      </a:pPr>
-                      <a:endParaRPr lang="ko-KR" altLang="en-US" sz="1200"/>
-                    </a:p>
-                  </a:txBody>
-                  <a:tcPr marL="0" marR="0" marT="0" marB="0"/>
-                </a:tc>
-                <a:tc>
-                  <a:txBody>
-                    <a:bodyPr vert="horz" lIns="0" tIns="0" rIns="0" bIns="0" anchor="t" anchorCtr="0"/>
-                    <a:p>
-                      <a:pPr latinLnBrk="1">
-                        <a:defRPr/>
-                      </a:pPr>
-                      <a:endParaRPr lang="ko-KR" altLang="en-US" sz="1200"/>
-                    </a:p>
-                  </a:txBody>
-                  <a:tcPr marL="0" marR="0" marT="0" marB="0"/>
-                </a:tc>
-                <a:tc>
-                  <a:txBody>
-                    <a:bodyPr vert="horz" lIns="0" tIns="0" rIns="0" bIns="0" anchor="t" anchorCtr="0"/>
-                    <a:p>
-                      <a:pPr latinLnBrk="1">
-                        <a:defRPr/>
-                      </a:pPr>
-                      <a:endParaRPr lang="ko-KR" altLang="en-US" sz="1200"/>
-                    </a:p>
-                  </a:txBody>
-                  <a:tcPr marL="0" marR="0" marT="0" marB="0"/>
-                </a:tc>
-                <a:tc>
-                  <a:txBody>
-                    <a:bodyPr vert="horz" lIns="0" tIns="0" rIns="0" bIns="0" anchor="t" anchorCtr="0"/>
-                    <a:p>
-                      <a:pPr latinLnBrk="1">
-                        <a:defRPr/>
-                      </a:pPr>
-                      <a:endParaRPr lang="ko-KR" altLang="en-US" sz="1200"/>
-                    </a:p>
-                  </a:txBody>
-                  <a:tcPr marL="0" marR="0" marT="0" marB="0"/>
-                </a:tc>
-                <a:tc>
-                  <a:txBody>
-                    <a:bodyPr vert="horz" lIns="0" tIns="0" rIns="0" bIns="0" anchor="t" anchorCtr="0"/>
-                    <a:p>
-                      <a:pPr latinLnBrk="1">
-                        <a:defRPr/>
-                      </a:pPr>
-                      <a:endParaRPr lang="ko-KR" altLang="en-US" sz="1200"/>
-                    </a:p>
-                  </a:txBody>
-                  <a:tcPr marL="0" marR="0" marT="0" marB="0"/>
-                </a:tc>
-                <a:tc>
-                  <a:txBody>
-                    <a:bodyPr vert="horz" lIns="0" tIns="0" rIns="0" bIns="0" anchor="t" anchorCtr="0"/>
-                    <a:p>
-                      <a:pPr latinLnBrk="1">
-                        <a:defRPr/>
-                      </a:pPr>
-                      <a:endParaRPr lang="ko-KR" altLang="en-US" sz="1200"/>
-                    </a:p>
-                  </a:txBody>
-                  <a:tcPr marL="0" marR="0" marT="0" marB="0"/>
-                </a:tc>
-                <a:tc>
-                  <a:txBody>
-                    <a:bodyPr vert="horz" lIns="0" tIns="0" rIns="0" bIns="0" anchor="t" anchorCtr="0"/>
-                    <a:p>
-                      <a:pPr latinLnBrk="1">
-                        <a:defRPr/>
-                      </a:pPr>
-                      <a:endParaRPr lang="ko-KR" altLang="en-US" sz="1200"/>
-                    </a:p>
-                  </a:txBody>
-                  <a:tcPr marL="0" marR="0" marT="0" marB="0"/>
-                </a:tc>
-                <a:tc>
-                  <a:txBody>
-                    <a:bodyPr vert="horz" lIns="0" tIns="0" rIns="0" bIns="0" anchor="t" anchorCtr="0"/>
-                    <a:p>
-                      <a:pPr latinLnBrk="1">
-                        <a:defRPr/>
-                      </a:pPr>
-                      <a:endParaRPr lang="ko-KR" altLang="en-US" sz="1200"/>
-                    </a:p>
-                  </a:txBody>
-                  <a:tcPr marL="0" marR="0" marT="0" marB="0"/>
-                </a:tc>
-                <a:tc>
-                  <a:txBody>
-                    <a:bodyPr vert="horz" lIns="0" tIns="0" rIns="0" bIns="0" anchor="t" anchorCtr="0"/>
-                    <a:p>
-                      <a:pPr latinLnBrk="1">
-                        <a:defRPr/>
-                      </a:pPr>
-                      <a:endParaRPr lang="ko-KR" altLang="en-US" sz="1200"/>
-                    </a:p>
-                  </a:txBody>
-                  <a:tcPr marL="0" marR="0" marT="0" marB="0"/>
-                </a:tc>
-                <a:tc>
-                  <a:txBody>
-                    <a:bodyPr vert="horz" lIns="0" tIns="0" rIns="0" bIns="0" anchor="t" anchorCtr="0"/>
-                    <a:p>
-                      <a:pPr latinLnBrk="1">
-                        <a:defRPr/>
-                      </a:pPr>
-                      <a:endParaRPr lang="ko-KR" altLang="en-US" sz="1200"/>
-                    </a:p>
-                  </a:txBody>
-                  <a:tcPr marL="0" marR="0" marT="0" marB="0"/>
-                </a:tc>
-                <a:tc>
-                  <a:txBody>
-                    <a:bodyPr vert="horz" lIns="0" tIns="0" rIns="0" bIns="0" anchor="t" anchorCtr="0"/>
-                    <a:p>
-                      <a:pPr latinLnBrk="1">
-                        <a:defRPr/>
-                      </a:pPr>
-                      <a:endParaRPr lang="ko-KR" altLang="en-US" sz="1200"/>
-                    </a:p>
-                  </a:txBody>
-                  <a:tcPr marL="0" marR="0" marT="0" marB="0"/>
-                </a:tc>
-                <a:tc>
-                  <a:txBody>
-                    <a:bodyPr vert="horz" lIns="0" tIns="0" rIns="0" bIns="0" anchor="t" anchorCtr="0"/>
-                    <a:p>
-                      <a:pPr latinLnBrk="1">
-                        <a:defRPr/>
-                      </a:pPr>
-                      <a:endParaRPr lang="ko-KR" altLang="en-US" sz="1200"/>
-                    </a:p>
-                  </a:txBody>
-                  <a:tcPr marL="0" marR="0" marT="0" marB="0"/>
-                </a:tc>
-                <a:tc>
-                  <a:txBody>
-                    <a:bodyPr vert="horz" lIns="0" tIns="0" rIns="0" bIns="0" anchor="t" anchorCtr="0"/>
-                    <a:p>
-                      <a:pPr latinLnBrk="1">
-                        <a:defRPr/>
-                      </a:pPr>
-                      <a:endParaRPr lang="ko-KR" altLang="en-US" sz="1200"/>
-                    </a:p>
-                  </a:txBody>
-                  <a:tcPr marL="0" marR="0" marT="0" marB="0"/>
-                </a:tc>
-                <a:tc>
-                  <a:txBody>
-                    <a:bodyPr vert="horz" lIns="0" tIns="0" rIns="0" bIns="0" anchor="t" anchorCtr="0"/>
-                    <a:p>
-                      <a:pPr latinLnBrk="1">
-                        <a:defRPr/>
-                      </a:pPr>
-                      <a:endParaRPr lang="ko-KR" altLang="en-US" sz="1200"/>
-                    </a:p>
-                  </a:txBody>
-                  <a:tcPr marL="0" marR="0" marT="0" marB="0"/>
-                </a:tc>
+                    <a:bodyPr/>
+                    <a:lstStyle/>
+                    <a:p>
+                      <a:pPr latinLnBrk="1">
+                        <a:defRPr/>
+                      </a:pPr>
+                      <a:endParaRPr lang="ko-KR" altLang="en-US" sz="1200"/>
+                    </a:p>
+                  </a:txBody>
+                  <a:tcPr marL="0" marR="0" marT="0" marB="0"/>
+                </a:tc>
+                <a:tc>
+                  <a:txBody>
+                    <a:bodyPr/>
+                    <a:lstStyle/>
+                    <a:p>
+                      <a:pPr latinLnBrk="1">
+                        <a:defRPr/>
+                      </a:pPr>
+                      <a:endParaRPr lang="ko-KR" altLang="en-US" sz="1200"/>
+                    </a:p>
+                  </a:txBody>
+                  <a:tcPr marL="0" marR="0" marT="0" marB="0"/>
+                </a:tc>
+                <a:tc>
+                  <a:txBody>
+                    <a:bodyPr/>
+                    <a:lstStyle/>
+                    <a:p>
+                      <a:pPr latinLnBrk="1">
+                        <a:defRPr/>
+                      </a:pPr>
+                      <a:endParaRPr lang="ko-KR" altLang="en-US" sz="1200"/>
+                    </a:p>
+                  </a:txBody>
+                  <a:tcPr marL="0" marR="0" marT="0" marB="0"/>
+                </a:tc>
+                <a:tc>
+                  <a:txBody>
+                    <a:bodyPr/>
+                    <a:lstStyle/>
+                    <a:p>
+                      <a:pPr latinLnBrk="1">
+                        <a:defRPr/>
+                      </a:pPr>
+                      <a:endParaRPr lang="ko-KR" altLang="en-US" sz="1200"/>
+                    </a:p>
+                  </a:txBody>
+                  <a:tcPr marL="0" marR="0" marT="0" marB="0"/>
+                </a:tc>
+                <a:tc>
+                  <a:txBody>
+                    <a:bodyPr/>
+                    <a:lstStyle/>
+                    <a:p>
+                      <a:pPr latinLnBrk="1">
+                        <a:defRPr/>
+                      </a:pPr>
+                      <a:endParaRPr lang="ko-KR" altLang="en-US" sz="1200"/>
+                    </a:p>
+                  </a:txBody>
+                  <a:tcPr marL="0" marR="0" marT="0" marB="0"/>
+                </a:tc>
+                <a:tc>
+                  <a:txBody>
+                    <a:bodyPr/>
+                    <a:lstStyle/>
+                    <a:p>
+                      <a:pPr latinLnBrk="1">
+                        <a:defRPr/>
+                      </a:pPr>
+                      <a:endParaRPr lang="ko-KR" altLang="en-US" sz="1200"/>
+                    </a:p>
+                  </a:txBody>
+                  <a:tcPr marL="0" marR="0" marT="0" marB="0"/>
+                </a:tc>
+                <a:tc>
+                  <a:txBody>
+                    <a:bodyPr/>
+                    <a:lstStyle/>
+                    <a:p>
+                      <a:pPr latinLnBrk="1">
+                        <a:defRPr/>
+                      </a:pPr>
+                      <a:endParaRPr lang="ko-KR" altLang="en-US" sz="1200"/>
+                    </a:p>
+                  </a:txBody>
+                  <a:tcPr marL="0" marR="0" marT="0" marB="0"/>
+                </a:tc>
+                <a:tc>
+                  <a:txBody>
+                    <a:bodyPr/>
+                    <a:lstStyle/>
+                    <a:p>
+                      <a:pPr latinLnBrk="1">
+                        <a:defRPr/>
+                      </a:pPr>
+                      <a:endParaRPr lang="ko-KR" altLang="en-US" sz="1200"/>
+                    </a:p>
+                  </a:txBody>
+                  <a:tcPr marL="0" marR="0" marT="0" marB="0"/>
+                </a:tc>
+                <a:tc>
+                  <a:txBody>
+                    <a:bodyPr/>
+                    <a:lstStyle/>
+                    <a:p>
+                      <a:pPr latinLnBrk="1">
+                        <a:defRPr/>
+                      </a:pPr>
+                      <a:endParaRPr lang="ko-KR" altLang="en-US" sz="1200"/>
+                    </a:p>
+                  </a:txBody>
+                  <a:tcPr marL="0" marR="0" marT="0" marB="0"/>
+                </a:tc>
+                <a:tc>
+                  <a:txBody>
+                    <a:bodyPr/>
+                    <a:lstStyle/>
+                    <a:p>
+                      <a:pPr latinLnBrk="1">
+                        <a:defRPr/>
+                      </a:pPr>
+                      <a:endParaRPr lang="ko-KR" altLang="en-US" sz="1200"/>
+                    </a:p>
+                  </a:txBody>
+                  <a:tcPr marL="0" marR="0" marT="0" marB="0"/>
+                </a:tc>
+                <a:tc>
+                  <a:txBody>
+                    <a:bodyPr/>
+                    <a:lstStyle/>
+                    <a:p>
+                      <a:pPr latinLnBrk="1">
+                        <a:defRPr/>
+                      </a:pPr>
+                      <a:endParaRPr lang="ko-KR" altLang="en-US" sz="1200"/>
+                    </a:p>
+                  </a:txBody>
+                  <a:tcPr marL="0" marR="0" marT="0" marB="0"/>
+                </a:tc>
+                <a:tc>
+                  <a:txBody>
+                    <a:bodyPr/>
+                    <a:lstStyle/>
+                    <a:p>
+                      <a:pPr latinLnBrk="1">
+                        <a:defRPr/>
+                      </a:pPr>
+                      <a:endParaRPr lang="ko-KR" altLang="en-US" sz="1200"/>
+                    </a:p>
+                  </a:txBody>
+                  <a:tcPr marL="0" marR="0" marT="0" marB="0"/>
+                </a:tc>
+                <a:tc>
+                  <a:txBody>
+                    <a:bodyPr/>
+                    <a:lstStyle/>
+                    <a:p>
+                      <a:pPr latinLnBrk="1">
+                        <a:defRPr/>
+                      </a:pPr>
+                      <a:endParaRPr lang="ko-KR" altLang="en-US" sz="1200"/>
+                    </a:p>
+                  </a:txBody>
+                  <a:tcPr marL="0" marR="0" marT="0" marB="0"/>
+                </a:tc>
+                <a:tc>
+                  <a:txBody>
+                    <a:bodyPr/>
+                    <a:lstStyle/>
+                    <a:p>
+                      <a:pPr latinLnBrk="1">
+                        <a:defRPr/>
+                      </a:pPr>
+                      <a:endParaRPr lang="ko-KR" altLang="en-US" sz="1200"/>
+                    </a:p>
+                  </a:txBody>
+                  <a:tcPr marL="0" marR="0" marT="0" marB="0"/>
+                </a:tc>
+                <a:tc>
+                  <a:txBody>
+                    <a:bodyPr/>
+                    <a:lstStyle/>
+                    <a:p>
+                      <a:pPr latinLnBrk="1">
+                        <a:defRPr/>
+                      </a:pPr>
+                      <a:endParaRPr lang="ko-KR" altLang="en-US" sz="1200"/>
+                    </a:p>
+                  </a:txBody>
+                  <a:tcPr marL="0" marR="0" marT="0" marB="0"/>
+                </a:tc>
+                <a:tc>
+                  <a:txBody>
+                    <a:bodyPr/>
+                    <a:lstStyle/>
+                    <a:p>
+                      <a:pPr latinLnBrk="1">
+                        <a:defRPr/>
+                      </a:pPr>
+                      <a:endParaRPr lang="ko-KR" altLang="en-US" sz="1200"/>
+                    </a:p>
+                  </a:txBody>
+                  <a:tcPr marL="0" marR="0" marT="0" marB="0"/>
+                </a:tc>
+                <a:tc>
+                  <a:txBody>
+                    <a:bodyPr/>
+                    <a:lstStyle/>
+                    <a:p>
+                      <a:pPr latinLnBrk="1">
+                        <a:defRPr/>
+                      </a:pPr>
+                      <a:endParaRPr lang="ko-KR" altLang="en-US" sz="1200"/>
+                    </a:p>
+                  </a:txBody>
+                  <a:tcPr marL="0" marR="0" marT="0" marB="0"/>
+                </a:tc>
+                <a:tc>
+                  <a:txBody>
+                    <a:bodyPr/>
+                    <a:lstStyle/>
+                    <a:p>
+                      <a:pPr latinLnBrk="1">
+                        <a:defRPr/>
+                      </a:pPr>
+                      <a:endParaRPr lang="ko-KR" altLang="en-US" sz="1200"/>
+                    </a:p>
+                  </a:txBody>
+                  <a:tcPr marL="0" marR="0" marT="0" marB="0"/>
+                </a:tc>
+                <a:tc>
+                  <a:txBody>
+                    <a:bodyPr/>
+                    <a:lstStyle/>
+                    <a:p>
+                      <a:pPr latinLnBrk="1">
+                        <a:defRPr/>
+                      </a:pPr>
+                      <a:endParaRPr lang="ko-KR" altLang="en-US" sz="1200"/>
+                    </a:p>
+                  </a:txBody>
+                  <a:tcPr marL="0" marR="0" marT="0" marB="0"/>
+                </a:tc>
+                <a:tc>
+                  <a:txBody>
+                    <a:bodyPr/>
+                    <a:lstStyle/>
+                    <a:p>
+                      <a:pPr latinLnBrk="1">
+                        <a:defRPr/>
+                      </a:pPr>
+                      <a:endParaRPr lang="ko-KR" altLang="en-US" sz="1200"/>
+                    </a:p>
+                  </a:txBody>
+                  <a:tcPr marL="0" marR="0" marT="0" marB="0"/>
+                </a:tc>
+                <a:extLst>
+                  <a:ext uri="{0D108BD9-81ED-4DB2-BD59-A6C34878D82A}">
+                    <a16:rowId xmlns:a16="http://schemas.microsoft.com/office/drawing/2014/main" val="10003"/>
+                  </a:ext>
+                </a:extLst>
               </a:tr>
               <a:tr h="0">
                 <a:tc>
                   <a:txBody>
-                    <a:bodyPr vert="horz" lIns="0" tIns="0" rIns="0" bIns="0" anchor="t" anchorCtr="0"/>
+                    <a:bodyPr/>
+                    <a:lstStyle/>
                     <a:p>
                       <a:pPr algn="ctr" latinLnBrk="1">
                         <a:defRPr/>
@@ -24527,89 +24871,92 @@
                         </a:rPr>
                         <a:t>DB</a:t>
                       </a:r>
-                      <a:endParaRPr lang="en-US" altLang="ko-KR" sz="1000">
-                        <a:latin typeface="맑은 고딕"/>
-                        <a:ea typeface="맑은 고딕"/>
-                      </a:endParaRPr>
-                    </a:p>
-                  </a:txBody>
-                  <a:tcPr marL="0" marR="0" marT="0" marB="0"/>
-                </a:tc>
-                <a:tc>
-                  <a:txBody>
-                    <a:bodyPr vert="horz" lIns="0" tIns="0" rIns="0" bIns="0" anchor="t" anchorCtr="0"/>
-                    <a:p>
-                      <a:pPr latinLnBrk="1">
-                        <a:defRPr/>
-                      </a:pPr>
-                      <a:endParaRPr lang="ko-KR" altLang="en-US" sz="1200"/>
-                    </a:p>
-                  </a:txBody>
-                  <a:tcPr marL="0" marR="0" marT="0" marB="0"/>
-                </a:tc>
-                <a:tc>
-                  <a:txBody>
-                    <a:bodyPr vert="horz" lIns="0" tIns="0" rIns="0" bIns="0" anchor="t" anchorCtr="0"/>
-                    <a:p>
-                      <a:pPr latinLnBrk="1">
-                        <a:defRPr/>
-                      </a:pPr>
-                      <a:endParaRPr lang="ko-KR" altLang="en-US" sz="1200"/>
-                    </a:p>
-                  </a:txBody>
-                  <a:tcPr marL="0" marR="0" marT="0" marB="0"/>
-                </a:tc>
-                <a:tc>
-                  <a:txBody>
-                    <a:bodyPr vert="horz" lIns="0" tIns="0" rIns="0" bIns="0" anchor="t" anchorCtr="0"/>
-                    <a:p>
-                      <a:pPr latinLnBrk="1">
-                        <a:defRPr/>
-                      </a:pPr>
-                      <a:endParaRPr lang="ko-KR" altLang="en-US" sz="1200"/>
-                    </a:p>
-                  </a:txBody>
-                  <a:tcPr marL="0" marR="0" marT="0" marB="0"/>
-                </a:tc>
-                <a:tc>
-                  <a:txBody>
-                    <a:bodyPr vert="horz" lIns="0" tIns="0" rIns="0" bIns="0" anchor="t" anchorCtr="0"/>
-                    <a:p>
-                      <a:pPr latinLnBrk="1">
-                        <a:defRPr/>
-                      </a:pPr>
-                      <a:endParaRPr lang="ko-KR" altLang="en-US" sz="1200"/>
-                    </a:p>
-                  </a:txBody>
-                  <a:tcPr marL="0" marR="0" marT="0" marB="0"/>
-                </a:tc>
-                <a:tc>
-                  <a:txBody>
-                    <a:bodyPr vert="horz" lIns="0" tIns="0" rIns="0" bIns="0" anchor="t" anchorCtr="0"/>
-                    <a:p>
-                      <a:pPr latinLnBrk="1">
-                        <a:defRPr/>
-                      </a:pPr>
-                      <a:endParaRPr lang="ko-KR" altLang="en-US" sz="1200"/>
-                    </a:p>
-                  </a:txBody>
-                  <a:tcPr marL="0" marR="0" marT="0" marB="0"/>
-                </a:tc>
-                <a:tc>
-                  <a:txBody>
-                    <a:bodyPr vert="horz" lIns="0" tIns="0" rIns="0" bIns="0" anchor="t" anchorCtr="0"/>
-                    <a:p>
-                      <a:pPr latinLnBrk="1">
-                        <a:defRPr/>
-                      </a:pPr>
-                      <a:endParaRPr lang="ko-KR" altLang="en-US" sz="1200"/>
-                    </a:p>
-                  </a:txBody>
-                  <a:tcPr marL="0" marR="0" marT="0" marB="0"/>
-                </a:tc>
-                <a:tc>
-                  <a:txBody>
-                    <a:bodyPr vert="horz" lIns="0" tIns="0" rIns="0" bIns="0" anchor="t" anchorCtr="0"/>
+                    </a:p>
+                  </a:txBody>
+                  <a:tcPr marL="0" marR="0" marT="0" marB="0"/>
+                </a:tc>
+                <a:tc>
+                  <a:txBody>
+                    <a:bodyPr/>
+                    <a:lstStyle/>
+                    <a:p>
+                      <a:pPr latinLnBrk="1">
+                        <a:defRPr/>
+                      </a:pPr>
+                      <a:endParaRPr lang="ko-KR" altLang="en-US" sz="1200"/>
+                    </a:p>
+                  </a:txBody>
+                  <a:tcPr marL="0" marR="0" marT="0" marB="0"/>
+                </a:tc>
+                <a:tc>
+                  <a:txBody>
+                    <a:bodyPr/>
+                    <a:lstStyle/>
+                    <a:p>
+                      <a:pPr latinLnBrk="1">
+                        <a:defRPr/>
+                      </a:pPr>
+                      <a:endParaRPr lang="ko-KR" altLang="en-US" sz="1200"/>
+                    </a:p>
+                  </a:txBody>
+                  <a:tcPr marL="0" marR="0" marT="0" marB="0"/>
+                </a:tc>
+                <a:tc>
+                  <a:txBody>
+                    <a:bodyPr/>
+                    <a:lstStyle/>
+                    <a:p>
+                      <a:pPr latinLnBrk="1">
+                        <a:defRPr/>
+                      </a:pPr>
+                      <a:endParaRPr lang="ko-KR" altLang="en-US" sz="1200"/>
+                    </a:p>
+                  </a:txBody>
+                  <a:tcPr marL="0" marR="0" marT="0" marB="0"/>
+                </a:tc>
+                <a:tc>
+                  <a:txBody>
+                    <a:bodyPr/>
+                    <a:lstStyle/>
+                    <a:p>
+                      <a:pPr latinLnBrk="1">
+                        <a:defRPr/>
+                      </a:pPr>
+                      <a:endParaRPr lang="ko-KR" altLang="en-US" sz="1200"/>
+                    </a:p>
+                  </a:txBody>
+                  <a:tcPr marL="0" marR="0" marT="0" marB="0"/>
+                </a:tc>
+                <a:tc>
+                  <a:txBody>
+                    <a:bodyPr/>
+                    <a:lstStyle/>
+                    <a:p>
+                      <a:pPr latinLnBrk="1">
+                        <a:defRPr/>
+                      </a:pPr>
+                      <a:endParaRPr lang="ko-KR" altLang="en-US" sz="1200"/>
+                    </a:p>
+                  </a:txBody>
+                  <a:tcPr marL="0" marR="0" marT="0" marB="0"/>
+                </a:tc>
+                <a:tc>
+                  <a:txBody>
+                    <a:bodyPr/>
+                    <a:lstStyle/>
+                    <a:p>
+                      <a:pPr latinLnBrk="1">
+                        <a:defRPr/>
+                      </a:pPr>
+                      <a:endParaRPr lang="ko-KR" altLang="en-US" sz="1200"/>
+                    </a:p>
+                  </a:txBody>
+                  <a:tcPr marL="0" marR="0" marT="0" marB="0"/>
+                </a:tc>
+                <a:tc>
+                  <a:txBody>
+                    <a:bodyPr/>
+                    <a:lstStyle/>
                     <a:p>
                       <a:pPr latinLnBrk="1">
                         <a:defRPr/>
@@ -24619,13 +24966,14 @@
                   </a:txBody>
                   <a:tcPr marL="0" marR="0" marT="0" marB="0">
                     <a:solidFill>
-                      <a:srgbClr val="e0e0e0"/>
+                      <a:srgbClr val="E0E0E0"/>
                     </a:solidFill>
                   </a:tcPr>
                 </a:tc>
                 <a:tc>
                   <a:txBody>
-                    <a:bodyPr vert="horz" lIns="0" tIns="0" rIns="0" bIns="0" anchor="t" anchorCtr="0"/>
+                    <a:bodyPr/>
+                    <a:lstStyle/>
                     <a:p>
                       <a:pPr latinLnBrk="1">
                         <a:defRPr/>
@@ -24635,13 +24983,14 @@
                   </a:txBody>
                   <a:tcPr marL="0" marR="0" marT="0" marB="0">
                     <a:solidFill>
-                      <a:srgbClr val="e0e0e0"/>
+                      <a:srgbClr val="E0E0E0"/>
                     </a:solidFill>
                   </a:tcPr>
                 </a:tc>
                 <a:tc>
                   <a:txBody>
-                    <a:bodyPr vert="horz" lIns="0" tIns="0" rIns="0" bIns="0" anchor="t" anchorCtr="0"/>
+                    <a:bodyPr/>
+                    <a:lstStyle/>
                     <a:p>
                       <a:pPr latinLnBrk="1">
                         <a:defRPr/>
@@ -24651,13 +25000,14 @@
                   </a:txBody>
                   <a:tcPr marL="0" marR="0" marT="0" marB="0">
                     <a:solidFill>
-                      <a:srgbClr val="e0e0e0"/>
+                      <a:srgbClr val="E0E0E0"/>
                     </a:solidFill>
                   </a:tcPr>
                 </a:tc>
                 <a:tc>
                   <a:txBody>
-                    <a:bodyPr vert="horz" lIns="0" tIns="0" rIns="0" bIns="0" anchor="t" anchorCtr="0"/>
+                    <a:bodyPr/>
+                    <a:lstStyle/>
                     <a:p>
                       <a:pPr latinLnBrk="1">
                         <a:defRPr/>
@@ -24667,13 +25017,14 @@
                   </a:txBody>
                   <a:tcPr marL="0" marR="0" marT="0" marB="0">
                     <a:solidFill>
-                      <a:srgbClr val="e0e0e0"/>
+                      <a:srgbClr val="E0E0E0"/>
                     </a:solidFill>
                   </a:tcPr>
                 </a:tc>
                 <a:tc>
                   <a:txBody>
-                    <a:bodyPr vert="horz" lIns="0" tIns="0" rIns="0" bIns="0" anchor="t" anchorCtr="0"/>
+                    <a:bodyPr/>
+                    <a:lstStyle/>
                     <a:p>
                       <a:pPr latinLnBrk="1">
                         <a:defRPr/>
@@ -24683,13 +25034,14 @@
                   </a:txBody>
                   <a:tcPr marL="0" marR="0" marT="0" marB="0">
                     <a:solidFill>
-                      <a:srgbClr val="e0e0e0"/>
+                      <a:srgbClr val="E0E0E0"/>
                     </a:solidFill>
                   </a:tcPr>
                 </a:tc>
                 <a:tc>
                   <a:txBody>
-                    <a:bodyPr vert="horz" lIns="0" tIns="0" rIns="0" bIns="0" anchor="t" anchorCtr="0"/>
+                    <a:bodyPr/>
+                    <a:lstStyle/>
                     <a:p>
                       <a:pPr latinLnBrk="1">
                         <a:defRPr/>
@@ -24699,13 +25051,14 @@
                   </a:txBody>
                   <a:tcPr marL="0" marR="0" marT="0" marB="0">
                     <a:solidFill>
-                      <a:srgbClr val="e0e0e0"/>
+                      <a:srgbClr val="E0E0E0"/>
                     </a:solidFill>
                   </a:tcPr>
                 </a:tc>
                 <a:tc>
                   <a:txBody>
-                    <a:bodyPr vert="horz" lIns="0" tIns="0" rIns="0" bIns="0" anchor="t" anchorCtr="0"/>
+                    <a:bodyPr/>
+                    <a:lstStyle/>
                     <a:p>
                       <a:pPr latinLnBrk="1">
                         <a:defRPr/>
@@ -24721,7 +25074,8 @@
                 </a:tc>
                 <a:tc>
                   <a:txBody>
-                    <a:bodyPr vert="horz" lIns="0" tIns="0" rIns="0" bIns="0" anchor="t" anchorCtr="0"/>
+                    <a:bodyPr/>
+                    <a:lstStyle/>
                     <a:p>
                       <a:pPr latinLnBrk="1">
                         <a:defRPr/>
@@ -24737,7 +25091,8 @@
                 </a:tc>
                 <a:tc>
                   <a:txBody>
-                    <a:bodyPr vert="horz" lIns="0" tIns="0" rIns="0" bIns="0" anchor="t" anchorCtr="0"/>
+                    <a:bodyPr/>
+                    <a:lstStyle/>
                     <a:p>
                       <a:pPr latinLnBrk="1">
                         <a:defRPr/>
@@ -24753,7 +25108,8 @@
                 </a:tc>
                 <a:tc>
                   <a:txBody>
-                    <a:bodyPr vert="horz" lIns="0" tIns="0" rIns="0" bIns="0" anchor="t" anchorCtr="0"/>
+                    <a:bodyPr/>
+                    <a:lstStyle/>
                     <a:p>
                       <a:pPr latinLnBrk="1">
                         <a:defRPr/>
@@ -24769,249 +25125,275 @@
                 </a:tc>
                 <a:tc>
                   <a:txBody>
-                    <a:bodyPr vert="horz" lIns="0" tIns="0" rIns="0" bIns="0" anchor="t" anchorCtr="0"/>
-                    <a:p>
-                      <a:pPr latinLnBrk="1">
-                        <a:defRPr/>
-                      </a:pPr>
-                      <a:endParaRPr lang="ko-KR" altLang="en-US" sz="1200"/>
-                    </a:p>
-                  </a:txBody>
-                  <a:tcPr marL="0" marR="0" marT="0" marB="0"/>
-                </a:tc>
-                <a:tc>
-                  <a:txBody>
-                    <a:bodyPr vert="horz" lIns="0" tIns="0" rIns="0" bIns="0" anchor="t" anchorCtr="0"/>
-                    <a:p>
-                      <a:pPr latinLnBrk="1">
-                        <a:defRPr/>
-                      </a:pPr>
-                      <a:endParaRPr lang="ko-KR" altLang="en-US" sz="1200"/>
-                    </a:p>
-                  </a:txBody>
-                  <a:tcPr marL="0" marR="0" marT="0" marB="0"/>
-                </a:tc>
-                <a:tc>
-                  <a:txBody>
-                    <a:bodyPr vert="horz" lIns="0" tIns="0" rIns="0" bIns="0" anchor="t" anchorCtr="0"/>
-                    <a:p>
-                      <a:pPr latinLnBrk="1">
-                        <a:defRPr/>
-                      </a:pPr>
-                      <a:endParaRPr lang="ko-KR" altLang="en-US" sz="1200"/>
-                    </a:p>
-                  </a:txBody>
-                  <a:tcPr marL="0" marR="0" marT="0" marB="0"/>
-                </a:tc>
-                <a:tc>
-                  <a:txBody>
-                    <a:bodyPr vert="horz" lIns="0" tIns="0" rIns="0" bIns="0" anchor="t" anchorCtr="0"/>
-                    <a:p>
-                      <a:pPr latinLnBrk="1">
-                        <a:defRPr/>
-                      </a:pPr>
-                      <a:endParaRPr lang="ko-KR" altLang="en-US" sz="1200"/>
-                    </a:p>
-                  </a:txBody>
-                  <a:tcPr marL="0" marR="0" marT="0" marB="0"/>
-                </a:tc>
-                <a:tc>
-                  <a:txBody>
-                    <a:bodyPr vert="horz" lIns="0" tIns="0" rIns="0" bIns="0" anchor="t" anchorCtr="0"/>
-                    <a:p>
-                      <a:pPr latinLnBrk="1">
-                        <a:defRPr/>
-                      </a:pPr>
-                      <a:endParaRPr lang="ko-KR" altLang="en-US" sz="1200"/>
-                    </a:p>
-                  </a:txBody>
-                  <a:tcPr marL="0" marR="0" marT="0" marB="0"/>
-                </a:tc>
-                <a:tc>
-                  <a:txBody>
-                    <a:bodyPr vert="horz" lIns="0" tIns="0" rIns="0" bIns="0" anchor="t" anchorCtr="0"/>
-                    <a:p>
-                      <a:pPr latinLnBrk="1">
-                        <a:defRPr/>
-                      </a:pPr>
-                      <a:endParaRPr lang="ko-KR" altLang="en-US" sz="1200"/>
-                    </a:p>
-                  </a:txBody>
-                  <a:tcPr marL="0" marR="0" marT="0" marB="0"/>
-                </a:tc>
-                <a:tc>
-                  <a:txBody>
-                    <a:bodyPr vert="horz" lIns="0" tIns="0" rIns="0" bIns="0" anchor="t" anchorCtr="0"/>
-                    <a:p>
-                      <a:pPr latinLnBrk="1">
-                        <a:defRPr/>
-                      </a:pPr>
-                      <a:endParaRPr lang="ko-KR" altLang="en-US" sz="1200"/>
-                    </a:p>
-                  </a:txBody>
-                  <a:tcPr marL="0" marR="0" marT="0" marB="0"/>
-                </a:tc>
-                <a:tc>
-                  <a:txBody>
-                    <a:bodyPr vert="horz" lIns="0" tIns="0" rIns="0" bIns="0" anchor="t" anchorCtr="0"/>
-                    <a:p>
-                      <a:pPr latinLnBrk="1">
-                        <a:defRPr/>
-                      </a:pPr>
-                      <a:endParaRPr lang="ko-KR" altLang="en-US" sz="1200"/>
-                    </a:p>
-                  </a:txBody>
-                  <a:tcPr marL="0" marR="0" marT="0" marB="0"/>
-                </a:tc>
-                <a:tc>
-                  <a:txBody>
-                    <a:bodyPr vert="horz" lIns="0" tIns="0" rIns="0" bIns="0" anchor="t" anchorCtr="0"/>
-                    <a:p>
-                      <a:pPr latinLnBrk="1">
-                        <a:defRPr/>
-                      </a:pPr>
-                      <a:endParaRPr lang="ko-KR" altLang="en-US" sz="1200"/>
-                    </a:p>
-                  </a:txBody>
-                  <a:tcPr marL="0" marR="0" marT="0" marB="0"/>
-                </a:tc>
-                <a:tc>
-                  <a:txBody>
-                    <a:bodyPr vert="horz" lIns="0" tIns="0" rIns="0" bIns="0" anchor="t" anchorCtr="0"/>
-                    <a:p>
-                      <a:pPr latinLnBrk="1">
-                        <a:defRPr/>
-                      </a:pPr>
-                      <a:endParaRPr lang="ko-KR" altLang="en-US" sz="1200"/>
-                    </a:p>
-                  </a:txBody>
-                  <a:tcPr marL="0" marR="0" marT="0" marB="0"/>
-                </a:tc>
-                <a:tc>
-                  <a:txBody>
-                    <a:bodyPr vert="horz" lIns="0" tIns="0" rIns="0" bIns="0" anchor="t" anchorCtr="0"/>
-                    <a:p>
-                      <a:pPr latinLnBrk="1">
-                        <a:defRPr/>
-                      </a:pPr>
-                      <a:endParaRPr lang="ko-KR" altLang="en-US" sz="1200"/>
-                    </a:p>
-                  </a:txBody>
-                  <a:tcPr marL="0" marR="0" marT="0" marB="0"/>
-                </a:tc>
-                <a:tc>
-                  <a:txBody>
-                    <a:bodyPr vert="horz" lIns="0" tIns="0" rIns="0" bIns="0" anchor="t" anchorCtr="0"/>
-                    <a:p>
-                      <a:pPr latinLnBrk="1">
-                        <a:defRPr/>
-                      </a:pPr>
-                      <a:endParaRPr lang="ko-KR" altLang="en-US" sz="1200"/>
-                    </a:p>
-                  </a:txBody>
-                  <a:tcPr marL="0" marR="0" marT="0" marB="0"/>
-                </a:tc>
-                <a:tc>
-                  <a:txBody>
-                    <a:bodyPr vert="horz" lIns="0" tIns="0" rIns="0" bIns="0" anchor="t" anchorCtr="0"/>
-                    <a:p>
-                      <a:pPr latinLnBrk="1">
-                        <a:defRPr/>
-                      </a:pPr>
-                      <a:endParaRPr lang="ko-KR" altLang="en-US" sz="1200"/>
-                    </a:p>
-                  </a:txBody>
-                  <a:tcPr marL="0" marR="0" marT="0" marB="0"/>
-                </a:tc>
-                <a:tc>
-                  <a:txBody>
-                    <a:bodyPr vert="horz" lIns="0" tIns="0" rIns="0" bIns="0" anchor="t" anchorCtr="0"/>
-                    <a:p>
-                      <a:pPr latinLnBrk="1">
-                        <a:defRPr/>
-                      </a:pPr>
-                      <a:endParaRPr lang="ko-KR" altLang="en-US" sz="1200"/>
-                    </a:p>
-                  </a:txBody>
-                  <a:tcPr marL="0" marR="0" marT="0" marB="0"/>
-                </a:tc>
-                <a:tc>
-                  <a:txBody>
-                    <a:bodyPr vert="horz" lIns="0" tIns="0" rIns="0" bIns="0" anchor="t" anchorCtr="0"/>
-                    <a:p>
-                      <a:pPr latinLnBrk="1">
-                        <a:defRPr/>
-                      </a:pPr>
-                      <a:endParaRPr lang="ko-KR" altLang="en-US" sz="1200"/>
-                    </a:p>
-                  </a:txBody>
-                  <a:tcPr marL="0" marR="0" marT="0" marB="0"/>
-                </a:tc>
-                <a:tc>
-                  <a:txBody>
-                    <a:bodyPr vert="horz" lIns="0" tIns="0" rIns="0" bIns="0" anchor="t" anchorCtr="0"/>
-                    <a:p>
-                      <a:pPr latinLnBrk="1">
-                        <a:defRPr/>
-                      </a:pPr>
-                      <a:endParaRPr lang="ko-KR" altLang="en-US" sz="1200"/>
-                    </a:p>
-                  </a:txBody>
-                  <a:tcPr marL="0" marR="0" marT="0" marB="0"/>
-                </a:tc>
-                <a:tc>
-                  <a:txBody>
-                    <a:bodyPr vert="horz" lIns="0" tIns="0" rIns="0" bIns="0" anchor="t" anchorCtr="0"/>
-                    <a:p>
-                      <a:pPr latinLnBrk="1">
-                        <a:defRPr/>
-                      </a:pPr>
-                      <a:endParaRPr lang="ko-KR" altLang="en-US" sz="1200"/>
-                    </a:p>
-                  </a:txBody>
-                  <a:tcPr marL="0" marR="0" marT="0" marB="0"/>
-                </a:tc>
-                <a:tc>
-                  <a:txBody>
-                    <a:bodyPr vert="horz" lIns="0" tIns="0" rIns="0" bIns="0" anchor="t" anchorCtr="0"/>
-                    <a:p>
-                      <a:pPr latinLnBrk="1">
-                        <a:defRPr/>
-                      </a:pPr>
-                      <a:endParaRPr lang="ko-KR" altLang="en-US" sz="1200"/>
-                    </a:p>
-                  </a:txBody>
-                  <a:tcPr marL="0" marR="0" marT="0" marB="0"/>
-                </a:tc>
-                <a:tc>
-                  <a:txBody>
-                    <a:bodyPr vert="horz" lIns="0" tIns="0" rIns="0" bIns="0" anchor="t" anchorCtr="0"/>
-                    <a:p>
-                      <a:pPr latinLnBrk="1">
-                        <a:defRPr/>
-                      </a:pPr>
-                      <a:endParaRPr lang="ko-KR" altLang="en-US" sz="1200"/>
-                    </a:p>
-                  </a:txBody>
-                  <a:tcPr marL="0" marR="0" marT="0" marB="0"/>
-                </a:tc>
-                <a:tc>
-                  <a:txBody>
-                    <a:bodyPr vert="horz" lIns="0" tIns="0" rIns="0" bIns="0" anchor="t" anchorCtr="0"/>
-                    <a:p>
-                      <a:pPr latinLnBrk="1">
-                        <a:defRPr/>
-                      </a:pPr>
-                      <a:endParaRPr lang="ko-KR" altLang="en-US" sz="1200"/>
-                    </a:p>
-                  </a:txBody>
-                  <a:tcPr marL="0" marR="0" marT="0" marB="0"/>
-                </a:tc>
+                    <a:bodyPr/>
+                    <a:lstStyle/>
+                    <a:p>
+                      <a:pPr latinLnBrk="1">
+                        <a:defRPr/>
+                      </a:pPr>
+                      <a:endParaRPr lang="ko-KR" altLang="en-US" sz="1200"/>
+                    </a:p>
+                  </a:txBody>
+                  <a:tcPr marL="0" marR="0" marT="0" marB="0"/>
+                </a:tc>
+                <a:tc>
+                  <a:txBody>
+                    <a:bodyPr/>
+                    <a:lstStyle/>
+                    <a:p>
+                      <a:pPr latinLnBrk="1">
+                        <a:defRPr/>
+                      </a:pPr>
+                      <a:endParaRPr lang="ko-KR" altLang="en-US" sz="1200"/>
+                    </a:p>
+                  </a:txBody>
+                  <a:tcPr marL="0" marR="0" marT="0" marB="0"/>
+                </a:tc>
+                <a:tc>
+                  <a:txBody>
+                    <a:bodyPr/>
+                    <a:lstStyle/>
+                    <a:p>
+                      <a:pPr latinLnBrk="1">
+                        <a:defRPr/>
+                      </a:pPr>
+                      <a:endParaRPr lang="ko-KR" altLang="en-US" sz="1200"/>
+                    </a:p>
+                  </a:txBody>
+                  <a:tcPr marL="0" marR="0" marT="0" marB="0"/>
+                </a:tc>
+                <a:tc>
+                  <a:txBody>
+                    <a:bodyPr/>
+                    <a:lstStyle/>
+                    <a:p>
+                      <a:pPr latinLnBrk="1">
+                        <a:defRPr/>
+                      </a:pPr>
+                      <a:endParaRPr lang="ko-KR" altLang="en-US" sz="1200"/>
+                    </a:p>
+                  </a:txBody>
+                  <a:tcPr marL="0" marR="0" marT="0" marB="0"/>
+                </a:tc>
+                <a:tc>
+                  <a:txBody>
+                    <a:bodyPr/>
+                    <a:lstStyle/>
+                    <a:p>
+                      <a:pPr latinLnBrk="1">
+                        <a:defRPr/>
+                      </a:pPr>
+                      <a:endParaRPr lang="ko-KR" altLang="en-US" sz="1200"/>
+                    </a:p>
+                  </a:txBody>
+                  <a:tcPr marL="0" marR="0" marT="0" marB="0"/>
+                </a:tc>
+                <a:tc>
+                  <a:txBody>
+                    <a:bodyPr/>
+                    <a:lstStyle/>
+                    <a:p>
+                      <a:pPr latinLnBrk="1">
+                        <a:defRPr/>
+                      </a:pPr>
+                      <a:endParaRPr lang="ko-KR" altLang="en-US" sz="1200"/>
+                    </a:p>
+                  </a:txBody>
+                  <a:tcPr marL="0" marR="0" marT="0" marB="0"/>
+                </a:tc>
+                <a:tc>
+                  <a:txBody>
+                    <a:bodyPr/>
+                    <a:lstStyle/>
+                    <a:p>
+                      <a:pPr latinLnBrk="1">
+                        <a:defRPr/>
+                      </a:pPr>
+                      <a:endParaRPr lang="ko-KR" altLang="en-US" sz="1200"/>
+                    </a:p>
+                  </a:txBody>
+                  <a:tcPr marL="0" marR="0" marT="0" marB="0"/>
+                </a:tc>
+                <a:tc>
+                  <a:txBody>
+                    <a:bodyPr/>
+                    <a:lstStyle/>
+                    <a:p>
+                      <a:pPr latinLnBrk="1">
+                        <a:defRPr/>
+                      </a:pPr>
+                      <a:endParaRPr lang="ko-KR" altLang="en-US" sz="1200"/>
+                    </a:p>
+                  </a:txBody>
+                  <a:tcPr marL="0" marR="0" marT="0" marB="0"/>
+                </a:tc>
+                <a:tc>
+                  <a:txBody>
+                    <a:bodyPr/>
+                    <a:lstStyle/>
+                    <a:p>
+                      <a:pPr latinLnBrk="1">
+                        <a:defRPr/>
+                      </a:pPr>
+                      <a:endParaRPr lang="ko-KR" altLang="en-US" sz="1200"/>
+                    </a:p>
+                  </a:txBody>
+                  <a:tcPr marL="0" marR="0" marT="0" marB="0"/>
+                </a:tc>
+                <a:tc>
+                  <a:txBody>
+                    <a:bodyPr/>
+                    <a:lstStyle/>
+                    <a:p>
+                      <a:pPr latinLnBrk="1">
+                        <a:defRPr/>
+                      </a:pPr>
+                      <a:endParaRPr lang="ko-KR" altLang="en-US" sz="1200"/>
+                    </a:p>
+                  </a:txBody>
+                  <a:tcPr marL="0" marR="0" marT="0" marB="0"/>
+                </a:tc>
+                <a:tc>
+                  <a:txBody>
+                    <a:bodyPr/>
+                    <a:lstStyle/>
+                    <a:p>
+                      <a:pPr latinLnBrk="1">
+                        <a:defRPr/>
+                      </a:pPr>
+                      <a:endParaRPr lang="ko-KR" altLang="en-US" sz="1200"/>
+                    </a:p>
+                  </a:txBody>
+                  <a:tcPr marL="0" marR="0" marT="0" marB="0"/>
+                </a:tc>
+                <a:tc>
+                  <a:txBody>
+                    <a:bodyPr/>
+                    <a:lstStyle/>
+                    <a:p>
+                      <a:pPr latinLnBrk="1">
+                        <a:defRPr/>
+                      </a:pPr>
+                      <a:endParaRPr lang="ko-KR" altLang="en-US" sz="1200"/>
+                    </a:p>
+                  </a:txBody>
+                  <a:tcPr marL="0" marR="0" marT="0" marB="0"/>
+                </a:tc>
+                <a:tc>
+                  <a:txBody>
+                    <a:bodyPr/>
+                    <a:lstStyle/>
+                    <a:p>
+                      <a:pPr latinLnBrk="1">
+                        <a:defRPr/>
+                      </a:pPr>
+                      <a:endParaRPr lang="ko-KR" altLang="en-US" sz="1200"/>
+                    </a:p>
+                  </a:txBody>
+                  <a:tcPr marL="0" marR="0" marT="0" marB="0"/>
+                </a:tc>
+                <a:tc>
+                  <a:txBody>
+                    <a:bodyPr/>
+                    <a:lstStyle/>
+                    <a:p>
+                      <a:pPr latinLnBrk="1">
+                        <a:defRPr/>
+                      </a:pPr>
+                      <a:endParaRPr lang="ko-KR" altLang="en-US" sz="1200"/>
+                    </a:p>
+                  </a:txBody>
+                  <a:tcPr marL="0" marR="0" marT="0" marB="0"/>
+                </a:tc>
+                <a:tc>
+                  <a:txBody>
+                    <a:bodyPr/>
+                    <a:lstStyle/>
+                    <a:p>
+                      <a:pPr latinLnBrk="1">
+                        <a:defRPr/>
+                      </a:pPr>
+                      <a:endParaRPr lang="ko-KR" altLang="en-US" sz="1200"/>
+                    </a:p>
+                  </a:txBody>
+                  <a:tcPr marL="0" marR="0" marT="0" marB="0"/>
+                </a:tc>
+                <a:tc>
+                  <a:txBody>
+                    <a:bodyPr/>
+                    <a:lstStyle/>
+                    <a:p>
+                      <a:pPr latinLnBrk="1">
+                        <a:defRPr/>
+                      </a:pPr>
+                      <a:endParaRPr lang="ko-KR" altLang="en-US" sz="1200"/>
+                    </a:p>
+                  </a:txBody>
+                  <a:tcPr marL="0" marR="0" marT="0" marB="0"/>
+                </a:tc>
+                <a:tc>
+                  <a:txBody>
+                    <a:bodyPr/>
+                    <a:lstStyle/>
+                    <a:p>
+                      <a:pPr latinLnBrk="1">
+                        <a:defRPr/>
+                      </a:pPr>
+                      <a:endParaRPr lang="ko-KR" altLang="en-US" sz="1200"/>
+                    </a:p>
+                  </a:txBody>
+                  <a:tcPr marL="0" marR="0" marT="0" marB="0"/>
+                </a:tc>
+                <a:tc>
+                  <a:txBody>
+                    <a:bodyPr/>
+                    <a:lstStyle/>
+                    <a:p>
+                      <a:pPr latinLnBrk="1">
+                        <a:defRPr/>
+                      </a:pPr>
+                      <a:endParaRPr lang="ko-KR" altLang="en-US" sz="1200"/>
+                    </a:p>
+                  </a:txBody>
+                  <a:tcPr marL="0" marR="0" marT="0" marB="0"/>
+                </a:tc>
+                <a:tc>
+                  <a:txBody>
+                    <a:bodyPr/>
+                    <a:lstStyle/>
+                    <a:p>
+                      <a:pPr latinLnBrk="1">
+                        <a:defRPr/>
+                      </a:pPr>
+                      <a:endParaRPr lang="ko-KR" altLang="en-US" sz="1200"/>
+                    </a:p>
+                  </a:txBody>
+                  <a:tcPr marL="0" marR="0" marT="0" marB="0"/>
+                </a:tc>
+                <a:tc>
+                  <a:txBody>
+                    <a:bodyPr/>
+                    <a:lstStyle/>
+                    <a:p>
+                      <a:pPr latinLnBrk="1">
+                        <a:defRPr/>
+                      </a:pPr>
+                      <a:endParaRPr lang="ko-KR" altLang="en-US" sz="1200"/>
+                    </a:p>
+                  </a:txBody>
+                  <a:tcPr marL="0" marR="0" marT="0" marB="0"/>
+                </a:tc>
+                <a:extLst>
+                  <a:ext uri="{0D108BD9-81ED-4DB2-BD59-A6C34878D82A}">
+                    <a16:rowId xmlns:a16="http://schemas.microsoft.com/office/drawing/2014/main" val="10004"/>
+                  </a:ext>
+                </a:extLst>
               </a:tr>
               <a:tr h="0">
                 <a:tc>
                   <a:txBody>
-                    <a:bodyPr vert="horz" lIns="0" tIns="0" rIns="0" bIns="0" anchor="t" anchorCtr="0"/>
+                    <a:bodyPr/>
+                    <a:lstStyle/>
                     <a:p>
                       <a:pPr algn="ctr" latinLnBrk="1">
                         <a:defRPr/>
@@ -25023,209 +25405,222 @@
                         </a:rPr>
                         <a:t>충돌체크 및 네트워크 연동</a:t>
                       </a:r>
-                      <a:endParaRPr lang="ko-KR" altLang="en-US" sz="1000">
-                        <a:latin typeface="맑은 고딕"/>
-                        <a:ea typeface="맑은 고딕"/>
-                      </a:endParaRPr>
-                    </a:p>
-                  </a:txBody>
-                  <a:tcPr marL="0" marR="0" marT="0" marB="0"/>
-                </a:tc>
-                <a:tc>
-                  <a:txBody>
-                    <a:bodyPr vert="horz" lIns="0" tIns="0" rIns="0" bIns="0" anchor="t" anchorCtr="0"/>
-                    <a:p>
-                      <a:pPr latinLnBrk="1">
-                        <a:defRPr/>
-                      </a:pPr>
-                      <a:endParaRPr lang="ko-KR" altLang="en-US" sz="1200"/>
-                    </a:p>
-                  </a:txBody>
-                  <a:tcPr marL="0" marR="0" marT="0" marB="0"/>
-                </a:tc>
-                <a:tc>
-                  <a:txBody>
-                    <a:bodyPr vert="horz" lIns="0" tIns="0" rIns="0" bIns="0" anchor="t" anchorCtr="0"/>
-                    <a:p>
-                      <a:pPr latinLnBrk="1">
-                        <a:defRPr/>
-                      </a:pPr>
-                      <a:endParaRPr lang="ko-KR" altLang="en-US" sz="1200"/>
-                    </a:p>
-                  </a:txBody>
-                  <a:tcPr marL="0" marR="0" marT="0" marB="0"/>
-                </a:tc>
-                <a:tc>
-                  <a:txBody>
-                    <a:bodyPr vert="horz" lIns="0" tIns="0" rIns="0" bIns="0" anchor="t" anchorCtr="0"/>
-                    <a:p>
-                      <a:pPr latinLnBrk="1">
-                        <a:defRPr/>
-                      </a:pPr>
-                      <a:endParaRPr lang="ko-KR" altLang="en-US" sz="1200"/>
-                    </a:p>
-                  </a:txBody>
-                  <a:tcPr marL="0" marR="0" marT="0" marB="0"/>
-                </a:tc>
-                <a:tc>
-                  <a:txBody>
-                    <a:bodyPr vert="horz" lIns="0" tIns="0" rIns="0" bIns="0" anchor="t" anchorCtr="0"/>
-                    <a:p>
-                      <a:pPr latinLnBrk="1">
-                        <a:defRPr/>
-                      </a:pPr>
-                      <a:endParaRPr lang="ko-KR" altLang="en-US" sz="1200"/>
-                    </a:p>
-                  </a:txBody>
-                  <a:tcPr marL="0" marR="0" marT="0" marB="0"/>
-                </a:tc>
-                <a:tc>
-                  <a:txBody>
-                    <a:bodyPr vert="horz" lIns="0" tIns="0" rIns="0" bIns="0" anchor="t" anchorCtr="0"/>
-                    <a:p>
-                      <a:pPr latinLnBrk="1">
-                        <a:defRPr/>
-                      </a:pPr>
-                      <a:endParaRPr lang="ko-KR" altLang="en-US" sz="1200"/>
-                    </a:p>
-                  </a:txBody>
-                  <a:tcPr marL="0" marR="0" marT="0" marB="0"/>
-                </a:tc>
-                <a:tc>
-                  <a:txBody>
-                    <a:bodyPr vert="horz" lIns="0" tIns="0" rIns="0" bIns="0" anchor="t" anchorCtr="0"/>
-                    <a:p>
-                      <a:pPr latinLnBrk="1">
-                        <a:defRPr/>
-                      </a:pPr>
-                      <a:endParaRPr lang="ko-KR" altLang="en-US" sz="1200"/>
-                    </a:p>
-                  </a:txBody>
-                  <a:tcPr marL="0" marR="0" marT="0" marB="0"/>
-                </a:tc>
-                <a:tc>
-                  <a:txBody>
-                    <a:bodyPr vert="horz" lIns="0" tIns="0" rIns="0" bIns="0" anchor="t" anchorCtr="0"/>
-                    <a:p>
-                      <a:pPr latinLnBrk="1">
-                        <a:defRPr/>
-                      </a:pPr>
-                      <a:endParaRPr lang="ko-KR" altLang="en-US" sz="1200"/>
-                    </a:p>
-                  </a:txBody>
-                  <a:tcPr marL="0" marR="0" marT="0" marB="0"/>
-                </a:tc>
-                <a:tc>
-                  <a:txBody>
-                    <a:bodyPr vert="horz" lIns="0" tIns="0" rIns="0" bIns="0" anchor="t" anchorCtr="0"/>
-                    <a:p>
-                      <a:pPr latinLnBrk="1">
-                        <a:defRPr/>
-                      </a:pPr>
-                      <a:endParaRPr lang="ko-KR" altLang="en-US" sz="1200"/>
-                    </a:p>
-                  </a:txBody>
-                  <a:tcPr marL="0" marR="0" marT="0" marB="0"/>
-                </a:tc>
-                <a:tc>
-                  <a:txBody>
-                    <a:bodyPr vert="horz" lIns="0" tIns="0" rIns="0" bIns="0" anchor="t" anchorCtr="0"/>
-                    <a:p>
-                      <a:pPr latinLnBrk="1">
-                        <a:defRPr/>
-                      </a:pPr>
-                      <a:endParaRPr lang="ko-KR" altLang="en-US" sz="1200"/>
-                    </a:p>
-                  </a:txBody>
-                  <a:tcPr marL="0" marR="0" marT="0" marB="0"/>
-                </a:tc>
-                <a:tc>
-                  <a:txBody>
-                    <a:bodyPr vert="horz" lIns="0" tIns="0" rIns="0" bIns="0" anchor="t" anchorCtr="0"/>
-                    <a:p>
-                      <a:pPr latinLnBrk="1">
-                        <a:defRPr/>
-                      </a:pPr>
-                      <a:endParaRPr lang="ko-KR" altLang="en-US" sz="1200"/>
-                    </a:p>
-                  </a:txBody>
-                  <a:tcPr marL="0" marR="0" marT="0" marB="0"/>
-                </a:tc>
-                <a:tc>
-                  <a:txBody>
-                    <a:bodyPr vert="horz" lIns="0" tIns="0" rIns="0" bIns="0" anchor="t" anchorCtr="0"/>
-                    <a:p>
-                      <a:pPr latinLnBrk="1">
-                        <a:defRPr/>
-                      </a:pPr>
-                      <a:endParaRPr lang="ko-KR" altLang="en-US" sz="1200"/>
-                    </a:p>
-                  </a:txBody>
-                  <a:tcPr marL="0" marR="0" marT="0" marB="0"/>
-                </a:tc>
-                <a:tc>
-                  <a:txBody>
-                    <a:bodyPr vert="horz" lIns="0" tIns="0" rIns="0" bIns="0" anchor="t" anchorCtr="0"/>
-                    <a:p>
-                      <a:pPr latinLnBrk="1">
-                        <a:defRPr/>
-                      </a:pPr>
-                      <a:endParaRPr lang="ko-KR" altLang="en-US" sz="1200"/>
-                    </a:p>
-                  </a:txBody>
-                  <a:tcPr marL="0" marR="0" marT="0" marB="0"/>
-                </a:tc>
-                <a:tc>
-                  <a:txBody>
-                    <a:bodyPr vert="horz" lIns="0" tIns="0" rIns="0" bIns="0" anchor="t" anchorCtr="0"/>
-                    <a:p>
-                      <a:pPr latinLnBrk="1">
-                        <a:defRPr/>
-                      </a:pPr>
-                      <a:endParaRPr lang="ko-KR" altLang="en-US" sz="1200"/>
-                    </a:p>
-                  </a:txBody>
-                  <a:tcPr marL="0" marR="0" marT="0" marB="0"/>
-                </a:tc>
-                <a:tc>
-                  <a:txBody>
-                    <a:bodyPr vert="horz" lIns="0" tIns="0" rIns="0" bIns="0" anchor="t" anchorCtr="0"/>
-                    <a:p>
-                      <a:pPr latinLnBrk="1">
-                        <a:defRPr/>
-                      </a:pPr>
-                      <a:endParaRPr lang="ko-KR" altLang="en-US" sz="1200"/>
-                    </a:p>
-                  </a:txBody>
-                  <a:tcPr marL="0" marR="0" marT="0" marB="0"/>
-                </a:tc>
-                <a:tc>
-                  <a:txBody>
-                    <a:bodyPr vert="horz" lIns="0" tIns="0" rIns="0" bIns="0" anchor="t" anchorCtr="0"/>
-                    <a:p>
-                      <a:pPr latinLnBrk="1">
-                        <a:defRPr/>
-                      </a:pPr>
-                      <a:endParaRPr lang="ko-KR" altLang="en-US" sz="1200"/>
-                    </a:p>
-                  </a:txBody>
-                  <a:tcPr marL="0" marR="0" marT="0" marB="0"/>
-                </a:tc>
-                <a:tc>
-                  <a:txBody>
-                    <a:bodyPr vert="horz" lIns="0" tIns="0" rIns="0" bIns="0" anchor="t" anchorCtr="0"/>
-                    <a:p>
-                      <a:pPr latinLnBrk="1">
-                        <a:defRPr/>
-                      </a:pPr>
-                      <a:endParaRPr lang="ko-KR" altLang="en-US" sz="1200"/>
-                    </a:p>
-                  </a:txBody>
-                  <a:tcPr marL="0" marR="0" marT="0" marB="0"/>
-                </a:tc>
-                <a:tc>
-                  <a:txBody>
-                    <a:bodyPr vert="horz" lIns="0" tIns="0" rIns="0" bIns="0" anchor="t" anchorCtr="0"/>
+                    </a:p>
+                  </a:txBody>
+                  <a:tcPr marL="0" marR="0" marT="0" marB="0"/>
+                </a:tc>
+                <a:tc>
+                  <a:txBody>
+                    <a:bodyPr/>
+                    <a:lstStyle/>
+                    <a:p>
+                      <a:pPr latinLnBrk="1">
+                        <a:defRPr/>
+                      </a:pPr>
+                      <a:endParaRPr lang="ko-KR" altLang="en-US" sz="1200"/>
+                    </a:p>
+                  </a:txBody>
+                  <a:tcPr marL="0" marR="0" marT="0" marB="0"/>
+                </a:tc>
+                <a:tc>
+                  <a:txBody>
+                    <a:bodyPr/>
+                    <a:lstStyle/>
+                    <a:p>
+                      <a:pPr latinLnBrk="1">
+                        <a:defRPr/>
+                      </a:pPr>
+                      <a:endParaRPr lang="ko-KR" altLang="en-US" sz="1200"/>
+                    </a:p>
+                  </a:txBody>
+                  <a:tcPr marL="0" marR="0" marT="0" marB="0"/>
+                </a:tc>
+                <a:tc>
+                  <a:txBody>
+                    <a:bodyPr/>
+                    <a:lstStyle/>
+                    <a:p>
+                      <a:pPr latinLnBrk="1">
+                        <a:defRPr/>
+                      </a:pPr>
+                      <a:endParaRPr lang="ko-KR" altLang="en-US" sz="1200"/>
+                    </a:p>
+                  </a:txBody>
+                  <a:tcPr marL="0" marR="0" marT="0" marB="0"/>
+                </a:tc>
+                <a:tc>
+                  <a:txBody>
+                    <a:bodyPr/>
+                    <a:lstStyle/>
+                    <a:p>
+                      <a:pPr latinLnBrk="1">
+                        <a:defRPr/>
+                      </a:pPr>
+                      <a:endParaRPr lang="ko-KR" altLang="en-US" sz="1200"/>
+                    </a:p>
+                  </a:txBody>
+                  <a:tcPr marL="0" marR="0" marT="0" marB="0"/>
+                </a:tc>
+                <a:tc>
+                  <a:txBody>
+                    <a:bodyPr/>
+                    <a:lstStyle/>
+                    <a:p>
+                      <a:pPr latinLnBrk="1">
+                        <a:defRPr/>
+                      </a:pPr>
+                      <a:endParaRPr lang="ko-KR" altLang="en-US" sz="1200"/>
+                    </a:p>
+                  </a:txBody>
+                  <a:tcPr marL="0" marR="0" marT="0" marB="0"/>
+                </a:tc>
+                <a:tc>
+                  <a:txBody>
+                    <a:bodyPr/>
+                    <a:lstStyle/>
+                    <a:p>
+                      <a:pPr latinLnBrk="1">
+                        <a:defRPr/>
+                      </a:pPr>
+                      <a:endParaRPr lang="ko-KR" altLang="en-US" sz="1200"/>
+                    </a:p>
+                  </a:txBody>
+                  <a:tcPr marL="0" marR="0" marT="0" marB="0"/>
+                </a:tc>
+                <a:tc>
+                  <a:txBody>
+                    <a:bodyPr/>
+                    <a:lstStyle/>
+                    <a:p>
+                      <a:pPr latinLnBrk="1">
+                        <a:defRPr/>
+                      </a:pPr>
+                      <a:endParaRPr lang="ko-KR" altLang="en-US" sz="1200"/>
+                    </a:p>
+                  </a:txBody>
+                  <a:tcPr marL="0" marR="0" marT="0" marB="0"/>
+                </a:tc>
+                <a:tc>
+                  <a:txBody>
+                    <a:bodyPr/>
+                    <a:lstStyle/>
+                    <a:p>
+                      <a:pPr latinLnBrk="1">
+                        <a:defRPr/>
+                      </a:pPr>
+                      <a:endParaRPr lang="ko-KR" altLang="en-US" sz="1200"/>
+                    </a:p>
+                  </a:txBody>
+                  <a:tcPr marL="0" marR="0" marT="0" marB="0"/>
+                </a:tc>
+                <a:tc>
+                  <a:txBody>
+                    <a:bodyPr/>
+                    <a:lstStyle/>
+                    <a:p>
+                      <a:pPr latinLnBrk="1">
+                        <a:defRPr/>
+                      </a:pPr>
+                      <a:endParaRPr lang="ko-KR" altLang="en-US" sz="1200"/>
+                    </a:p>
+                  </a:txBody>
+                  <a:tcPr marL="0" marR="0" marT="0" marB="0"/>
+                </a:tc>
+                <a:tc>
+                  <a:txBody>
+                    <a:bodyPr/>
+                    <a:lstStyle/>
+                    <a:p>
+                      <a:pPr latinLnBrk="1">
+                        <a:defRPr/>
+                      </a:pPr>
+                      <a:endParaRPr lang="ko-KR" altLang="en-US" sz="1200"/>
+                    </a:p>
+                  </a:txBody>
+                  <a:tcPr marL="0" marR="0" marT="0" marB="0"/>
+                </a:tc>
+                <a:tc>
+                  <a:txBody>
+                    <a:bodyPr/>
+                    <a:lstStyle/>
+                    <a:p>
+                      <a:pPr latinLnBrk="1">
+                        <a:defRPr/>
+                      </a:pPr>
+                      <a:endParaRPr lang="ko-KR" altLang="en-US" sz="1200"/>
+                    </a:p>
+                  </a:txBody>
+                  <a:tcPr marL="0" marR="0" marT="0" marB="0"/>
+                </a:tc>
+                <a:tc>
+                  <a:txBody>
+                    <a:bodyPr/>
+                    <a:lstStyle/>
+                    <a:p>
+                      <a:pPr latinLnBrk="1">
+                        <a:defRPr/>
+                      </a:pPr>
+                      <a:endParaRPr lang="ko-KR" altLang="en-US" sz="1200"/>
+                    </a:p>
+                  </a:txBody>
+                  <a:tcPr marL="0" marR="0" marT="0" marB="0"/>
+                </a:tc>
+                <a:tc>
+                  <a:txBody>
+                    <a:bodyPr/>
+                    <a:lstStyle/>
+                    <a:p>
+                      <a:pPr latinLnBrk="1">
+                        <a:defRPr/>
+                      </a:pPr>
+                      <a:endParaRPr lang="ko-KR" altLang="en-US" sz="1200"/>
+                    </a:p>
+                  </a:txBody>
+                  <a:tcPr marL="0" marR="0" marT="0" marB="0"/>
+                </a:tc>
+                <a:tc>
+                  <a:txBody>
+                    <a:bodyPr/>
+                    <a:lstStyle/>
+                    <a:p>
+                      <a:pPr latinLnBrk="1">
+                        <a:defRPr/>
+                      </a:pPr>
+                      <a:endParaRPr lang="ko-KR" altLang="en-US" sz="1200"/>
+                    </a:p>
+                  </a:txBody>
+                  <a:tcPr marL="0" marR="0" marT="0" marB="0"/>
+                </a:tc>
+                <a:tc>
+                  <a:txBody>
+                    <a:bodyPr/>
+                    <a:lstStyle/>
+                    <a:p>
+                      <a:pPr latinLnBrk="1">
+                        <a:defRPr/>
+                      </a:pPr>
+                      <a:endParaRPr lang="ko-KR" altLang="en-US" sz="1200"/>
+                    </a:p>
+                  </a:txBody>
+                  <a:tcPr marL="0" marR="0" marT="0" marB="0"/>
+                </a:tc>
+                <a:tc>
+                  <a:txBody>
+                    <a:bodyPr/>
+                    <a:lstStyle/>
+                    <a:p>
+                      <a:pPr latinLnBrk="1">
+                        <a:defRPr/>
+                      </a:pPr>
+                      <a:endParaRPr lang="ko-KR" altLang="en-US" sz="1200"/>
+                    </a:p>
+                  </a:txBody>
+                  <a:tcPr marL="0" marR="0" marT="0" marB="0"/>
+                </a:tc>
+                <a:tc>
+                  <a:txBody>
+                    <a:bodyPr/>
+                    <a:lstStyle/>
                     <a:p>
                       <a:pPr latinLnBrk="1">
                         <a:defRPr/>
@@ -25241,7 +25636,8 @@
                 </a:tc>
                 <a:tc>
                   <a:txBody>
-                    <a:bodyPr vert="horz" lIns="0" tIns="0" rIns="0" bIns="0" anchor="t" anchorCtr="0"/>
+                    <a:bodyPr/>
+                    <a:lstStyle/>
                     <a:p>
                       <a:pPr latinLnBrk="1">
                         <a:defRPr/>
@@ -25257,7 +25653,8 @@
                 </a:tc>
                 <a:tc>
                   <a:txBody>
-                    <a:bodyPr vert="horz" lIns="0" tIns="0" rIns="0" bIns="0" anchor="t" anchorCtr="0"/>
+                    <a:bodyPr/>
+                    <a:lstStyle/>
                     <a:p>
                       <a:pPr latinLnBrk="1">
                         <a:defRPr/>
@@ -25273,7 +25670,8 @@
                 </a:tc>
                 <a:tc>
                   <a:txBody>
-                    <a:bodyPr vert="horz" lIns="0" tIns="0" rIns="0" bIns="0" anchor="t" anchorCtr="0"/>
+                    <a:bodyPr/>
+                    <a:lstStyle/>
                     <a:p>
                       <a:pPr latinLnBrk="1">
                         <a:defRPr/>
@@ -25289,7 +25687,8 @@
                 </a:tc>
                 <a:tc>
                   <a:txBody>
-                    <a:bodyPr vert="horz" lIns="0" tIns="0" rIns="0" bIns="0" anchor="t" anchorCtr="0"/>
+                    <a:bodyPr/>
+                    <a:lstStyle/>
                     <a:p>
                       <a:pPr latinLnBrk="1">
                         <a:defRPr/>
@@ -25305,7 +25704,8 @@
                 </a:tc>
                 <a:tc>
                   <a:txBody>
-                    <a:bodyPr vert="horz" lIns="0" tIns="0" rIns="0" bIns="0" anchor="t" anchorCtr="0"/>
+                    <a:bodyPr/>
+                    <a:lstStyle/>
                     <a:p>
                       <a:pPr latinLnBrk="1">
                         <a:defRPr/>
@@ -25321,7 +25721,8 @@
                 </a:tc>
                 <a:tc>
                   <a:txBody>
-                    <a:bodyPr vert="horz" lIns="0" tIns="0" rIns="0" bIns="0" anchor="t" anchorCtr="0"/>
+                    <a:bodyPr/>
+                    <a:lstStyle/>
                     <a:p>
                       <a:pPr latinLnBrk="1">
                         <a:defRPr/>
@@ -25337,7 +25738,8 @@
                 </a:tc>
                 <a:tc>
                   <a:txBody>
-                    <a:bodyPr vert="horz" lIns="0" tIns="0" rIns="0" bIns="0" anchor="t" anchorCtr="0"/>
+                    <a:bodyPr/>
+                    <a:lstStyle/>
                     <a:p>
                       <a:pPr latinLnBrk="1">
                         <a:defRPr/>
@@ -25353,153 +25755,171 @@
                 </a:tc>
                 <a:tc>
                   <a:txBody>
-                    <a:bodyPr vert="horz" lIns="0" tIns="0" rIns="0" bIns="0" anchor="t" anchorCtr="0"/>
-                    <a:p>
-                      <a:pPr latinLnBrk="1">
-                        <a:defRPr/>
-                      </a:pPr>
-                      <a:endParaRPr lang="ko-KR" altLang="en-US" sz="1200"/>
-                    </a:p>
-                  </a:txBody>
-                  <a:tcPr marL="0" marR="0" marT="0" marB="0"/>
-                </a:tc>
-                <a:tc>
-                  <a:txBody>
-                    <a:bodyPr vert="horz" lIns="0" tIns="0" rIns="0" bIns="0" anchor="t" anchorCtr="0"/>
-                    <a:p>
-                      <a:pPr latinLnBrk="1">
-                        <a:defRPr/>
-                      </a:pPr>
-                      <a:endParaRPr lang="ko-KR" altLang="en-US" sz="1200"/>
-                    </a:p>
-                  </a:txBody>
-                  <a:tcPr marL="0" marR="0" marT="0" marB="0"/>
-                </a:tc>
-                <a:tc>
-                  <a:txBody>
-                    <a:bodyPr vert="horz" lIns="0" tIns="0" rIns="0" bIns="0" anchor="t" anchorCtr="0"/>
-                    <a:p>
-                      <a:pPr latinLnBrk="1">
-                        <a:defRPr/>
-                      </a:pPr>
-                      <a:endParaRPr lang="ko-KR" altLang="en-US" sz="1200"/>
-                    </a:p>
-                  </a:txBody>
-                  <a:tcPr marL="0" marR="0" marT="0" marB="0"/>
-                </a:tc>
-                <a:tc>
-                  <a:txBody>
-                    <a:bodyPr vert="horz" lIns="0" tIns="0" rIns="0" bIns="0" anchor="t" anchorCtr="0"/>
-                    <a:p>
-                      <a:pPr latinLnBrk="1">
-                        <a:defRPr/>
-                      </a:pPr>
-                      <a:endParaRPr lang="ko-KR" altLang="en-US" sz="1200"/>
-                    </a:p>
-                  </a:txBody>
-                  <a:tcPr marL="0" marR="0" marT="0" marB="0"/>
-                </a:tc>
-                <a:tc>
-                  <a:txBody>
-                    <a:bodyPr vert="horz" lIns="0" tIns="0" rIns="0" bIns="0" anchor="t" anchorCtr="0"/>
-                    <a:p>
-                      <a:pPr latinLnBrk="1">
-                        <a:defRPr/>
-                      </a:pPr>
-                      <a:endParaRPr lang="ko-KR" altLang="en-US" sz="1200"/>
-                    </a:p>
-                  </a:txBody>
-                  <a:tcPr marL="0" marR="0" marT="0" marB="0"/>
-                </a:tc>
-                <a:tc>
-                  <a:txBody>
-                    <a:bodyPr vert="horz" lIns="0" tIns="0" rIns="0" bIns="0" anchor="t" anchorCtr="0"/>
-                    <a:p>
-                      <a:pPr latinLnBrk="1">
-                        <a:defRPr/>
-                      </a:pPr>
-                      <a:endParaRPr lang="ko-KR" altLang="en-US" sz="1200"/>
-                    </a:p>
-                  </a:txBody>
-                  <a:tcPr marL="0" marR="0" marT="0" marB="0"/>
-                </a:tc>
-                <a:tc>
-                  <a:txBody>
-                    <a:bodyPr vert="horz" lIns="0" tIns="0" rIns="0" bIns="0" anchor="t" anchorCtr="0"/>
-                    <a:p>
-                      <a:pPr latinLnBrk="1">
-                        <a:defRPr/>
-                      </a:pPr>
-                      <a:endParaRPr lang="ko-KR" altLang="en-US" sz="1200"/>
-                    </a:p>
-                  </a:txBody>
-                  <a:tcPr marL="0" marR="0" marT="0" marB="0"/>
-                </a:tc>
-                <a:tc>
-                  <a:txBody>
-                    <a:bodyPr vert="horz" lIns="0" tIns="0" rIns="0" bIns="0" anchor="t" anchorCtr="0"/>
-                    <a:p>
-                      <a:pPr latinLnBrk="1">
-                        <a:defRPr/>
-                      </a:pPr>
-                      <a:endParaRPr lang="ko-KR" altLang="en-US" sz="1200"/>
-                    </a:p>
-                  </a:txBody>
-                  <a:tcPr marL="0" marR="0" marT="0" marB="0"/>
-                </a:tc>
-                <a:tc>
-                  <a:txBody>
-                    <a:bodyPr vert="horz" lIns="0" tIns="0" rIns="0" bIns="0" anchor="t" anchorCtr="0"/>
-                    <a:p>
-                      <a:pPr latinLnBrk="1">
-                        <a:defRPr/>
-                      </a:pPr>
-                      <a:endParaRPr lang="ko-KR" altLang="en-US" sz="1200"/>
-                    </a:p>
-                  </a:txBody>
-                  <a:tcPr marL="0" marR="0" marT="0" marB="0"/>
-                </a:tc>
-                <a:tc>
-                  <a:txBody>
-                    <a:bodyPr vert="horz" lIns="0" tIns="0" rIns="0" bIns="0" anchor="t" anchorCtr="0"/>
-                    <a:p>
-                      <a:pPr latinLnBrk="1">
-                        <a:defRPr/>
-                      </a:pPr>
-                      <a:endParaRPr lang="ko-KR" altLang="en-US" sz="1200"/>
-                    </a:p>
-                  </a:txBody>
-                  <a:tcPr marL="0" marR="0" marT="0" marB="0"/>
-                </a:tc>
-                <a:tc>
-                  <a:txBody>
-                    <a:bodyPr vert="horz" lIns="0" tIns="0" rIns="0" bIns="0" anchor="t" anchorCtr="0"/>
-                    <a:p>
-                      <a:pPr latinLnBrk="1">
-                        <a:defRPr/>
-                      </a:pPr>
-                      <a:endParaRPr lang="ko-KR" altLang="en-US" sz="1200"/>
-                    </a:p>
-                  </a:txBody>
-                  <a:tcPr marL="0" marR="0" marT="0" marB="0"/>
-                </a:tc>
-                <a:tc>
-                  <a:txBody>
-                    <a:bodyPr vert="horz" lIns="0" tIns="0" rIns="0" bIns="0" anchor="t" anchorCtr="0"/>
-                    <a:p>
-                      <a:pPr latinLnBrk="1">
-                        <a:defRPr/>
-                      </a:pPr>
-                      <a:endParaRPr lang="ko-KR" altLang="en-US" sz="1200"/>
-                    </a:p>
-                  </a:txBody>
-                  <a:tcPr marL="0" marR="0" marT="0" marB="0"/>
-                </a:tc>
+                    <a:bodyPr/>
+                    <a:lstStyle/>
+                    <a:p>
+                      <a:pPr latinLnBrk="1">
+                        <a:defRPr/>
+                      </a:pPr>
+                      <a:endParaRPr lang="ko-KR" altLang="en-US" sz="1200"/>
+                    </a:p>
+                  </a:txBody>
+                  <a:tcPr marL="0" marR="0" marT="0" marB="0"/>
+                </a:tc>
+                <a:tc>
+                  <a:txBody>
+                    <a:bodyPr/>
+                    <a:lstStyle/>
+                    <a:p>
+                      <a:pPr latinLnBrk="1">
+                        <a:defRPr/>
+                      </a:pPr>
+                      <a:endParaRPr lang="ko-KR" altLang="en-US" sz="1200"/>
+                    </a:p>
+                  </a:txBody>
+                  <a:tcPr marL="0" marR="0" marT="0" marB="0"/>
+                </a:tc>
+                <a:tc>
+                  <a:txBody>
+                    <a:bodyPr/>
+                    <a:lstStyle/>
+                    <a:p>
+                      <a:pPr latinLnBrk="1">
+                        <a:defRPr/>
+                      </a:pPr>
+                      <a:endParaRPr lang="ko-KR" altLang="en-US" sz="1200"/>
+                    </a:p>
+                  </a:txBody>
+                  <a:tcPr marL="0" marR="0" marT="0" marB="0"/>
+                </a:tc>
+                <a:tc>
+                  <a:txBody>
+                    <a:bodyPr/>
+                    <a:lstStyle/>
+                    <a:p>
+                      <a:pPr latinLnBrk="1">
+                        <a:defRPr/>
+                      </a:pPr>
+                      <a:endParaRPr lang="ko-KR" altLang="en-US" sz="1200"/>
+                    </a:p>
+                  </a:txBody>
+                  <a:tcPr marL="0" marR="0" marT="0" marB="0"/>
+                </a:tc>
+                <a:tc>
+                  <a:txBody>
+                    <a:bodyPr/>
+                    <a:lstStyle/>
+                    <a:p>
+                      <a:pPr latinLnBrk="1">
+                        <a:defRPr/>
+                      </a:pPr>
+                      <a:endParaRPr lang="ko-KR" altLang="en-US" sz="1200"/>
+                    </a:p>
+                  </a:txBody>
+                  <a:tcPr marL="0" marR="0" marT="0" marB="0"/>
+                </a:tc>
+                <a:tc>
+                  <a:txBody>
+                    <a:bodyPr/>
+                    <a:lstStyle/>
+                    <a:p>
+                      <a:pPr latinLnBrk="1">
+                        <a:defRPr/>
+                      </a:pPr>
+                      <a:endParaRPr lang="ko-KR" altLang="en-US" sz="1200"/>
+                    </a:p>
+                  </a:txBody>
+                  <a:tcPr marL="0" marR="0" marT="0" marB="0"/>
+                </a:tc>
+                <a:tc>
+                  <a:txBody>
+                    <a:bodyPr/>
+                    <a:lstStyle/>
+                    <a:p>
+                      <a:pPr latinLnBrk="1">
+                        <a:defRPr/>
+                      </a:pPr>
+                      <a:endParaRPr lang="ko-KR" altLang="en-US" sz="1200"/>
+                    </a:p>
+                  </a:txBody>
+                  <a:tcPr marL="0" marR="0" marT="0" marB="0"/>
+                </a:tc>
+                <a:tc>
+                  <a:txBody>
+                    <a:bodyPr/>
+                    <a:lstStyle/>
+                    <a:p>
+                      <a:pPr latinLnBrk="1">
+                        <a:defRPr/>
+                      </a:pPr>
+                      <a:endParaRPr lang="ko-KR" altLang="en-US" sz="1200"/>
+                    </a:p>
+                  </a:txBody>
+                  <a:tcPr marL="0" marR="0" marT="0" marB="0"/>
+                </a:tc>
+                <a:tc>
+                  <a:txBody>
+                    <a:bodyPr/>
+                    <a:lstStyle/>
+                    <a:p>
+                      <a:pPr latinLnBrk="1">
+                        <a:defRPr/>
+                      </a:pPr>
+                      <a:endParaRPr lang="ko-KR" altLang="en-US" sz="1200"/>
+                    </a:p>
+                  </a:txBody>
+                  <a:tcPr marL="0" marR="0" marT="0" marB="0"/>
+                </a:tc>
+                <a:tc>
+                  <a:txBody>
+                    <a:bodyPr/>
+                    <a:lstStyle/>
+                    <a:p>
+                      <a:pPr latinLnBrk="1">
+                        <a:defRPr/>
+                      </a:pPr>
+                      <a:endParaRPr lang="ko-KR" altLang="en-US" sz="1200"/>
+                    </a:p>
+                  </a:txBody>
+                  <a:tcPr marL="0" marR="0" marT="0" marB="0"/>
+                </a:tc>
+                <a:tc>
+                  <a:txBody>
+                    <a:bodyPr/>
+                    <a:lstStyle/>
+                    <a:p>
+                      <a:pPr latinLnBrk="1">
+                        <a:defRPr/>
+                      </a:pPr>
+                      <a:endParaRPr lang="ko-KR" altLang="en-US" sz="1200"/>
+                    </a:p>
+                  </a:txBody>
+                  <a:tcPr marL="0" marR="0" marT="0" marB="0"/>
+                </a:tc>
+                <a:tc>
+                  <a:txBody>
+                    <a:bodyPr/>
+                    <a:lstStyle/>
+                    <a:p>
+                      <a:pPr latinLnBrk="1">
+                        <a:defRPr/>
+                      </a:pPr>
+                      <a:endParaRPr lang="ko-KR" altLang="en-US" sz="1200"/>
+                    </a:p>
+                  </a:txBody>
+                  <a:tcPr marL="0" marR="0" marT="0" marB="0"/>
+                </a:tc>
+                <a:extLst>
+                  <a:ext uri="{0D108BD9-81ED-4DB2-BD59-A6C34878D82A}">
+                    <a16:rowId xmlns:a16="http://schemas.microsoft.com/office/drawing/2014/main" val="10005"/>
+                  </a:ext>
+                </a:extLst>
               </a:tr>
               <a:tr h="0">
                 <a:tc>
                   <a:txBody>
-                    <a:bodyPr vert="horz" lIns="0" tIns="0" rIns="0" bIns="0" anchor="t" anchorCtr="0"/>
+                    <a:bodyPr/>
+                    <a:lstStyle/>
                     <a:p>
                       <a:pPr algn="ctr" latinLnBrk="1">
                         <a:defRPr/>
@@ -25511,10 +25931,6 @@
                         </a:rPr>
                         <a:t>하우징 충돌 처리 </a:t>
                       </a:r>
-                      <a:endParaRPr lang="ko-KR" altLang="en-US" sz="1000">
-                        <a:latin typeface="맑은 고딕"/>
-                        <a:ea typeface="맑은 고딕"/>
-                      </a:endParaRPr>
                     </a:p>
                     <a:p>
                       <a:pPr algn="ctr" latinLnBrk="1">
@@ -25527,305 +25943,326 @@
                         </a:rPr>
                         <a:t>및 네트워크 연동</a:t>
                       </a:r>
-                      <a:endParaRPr lang="ko-KR" altLang="en-US" sz="1000">
-                        <a:latin typeface="맑은 고딕"/>
-                        <a:ea typeface="맑은 고딕"/>
-                      </a:endParaRPr>
-                    </a:p>
-                  </a:txBody>
-                  <a:tcPr marL="0" marR="0" marT="0" marB="0"/>
-                </a:tc>
-                <a:tc>
-                  <a:txBody>
-                    <a:bodyPr vert="horz" lIns="0" tIns="0" rIns="0" bIns="0" anchor="t" anchorCtr="0"/>
-                    <a:p>
-                      <a:pPr latinLnBrk="1">
-                        <a:defRPr/>
-                      </a:pPr>
-                      <a:endParaRPr lang="ko-KR" altLang="en-US" sz="1200"/>
-                    </a:p>
-                  </a:txBody>
-                  <a:tcPr marL="0" marR="0" marT="0" marB="0"/>
-                </a:tc>
-                <a:tc>
-                  <a:txBody>
-                    <a:bodyPr vert="horz" lIns="0" tIns="0" rIns="0" bIns="0" anchor="t" anchorCtr="0"/>
-                    <a:p>
-                      <a:pPr latinLnBrk="1">
-                        <a:defRPr/>
-                      </a:pPr>
-                      <a:endParaRPr lang="ko-KR" altLang="en-US" sz="1200"/>
-                    </a:p>
-                  </a:txBody>
-                  <a:tcPr marL="0" marR="0" marT="0" marB="0"/>
-                </a:tc>
-                <a:tc>
-                  <a:txBody>
-                    <a:bodyPr vert="horz" lIns="0" tIns="0" rIns="0" bIns="0" anchor="t" anchorCtr="0"/>
-                    <a:p>
-                      <a:pPr latinLnBrk="1">
-                        <a:defRPr/>
-                      </a:pPr>
-                      <a:endParaRPr lang="ko-KR" altLang="en-US" sz="1200"/>
-                    </a:p>
-                  </a:txBody>
-                  <a:tcPr marL="0" marR="0" marT="0" marB="0"/>
-                </a:tc>
-                <a:tc>
-                  <a:txBody>
-                    <a:bodyPr vert="horz" lIns="0" tIns="0" rIns="0" bIns="0" anchor="t" anchorCtr="0"/>
-                    <a:p>
-                      <a:pPr latinLnBrk="1">
-                        <a:defRPr/>
-                      </a:pPr>
-                      <a:endParaRPr lang="ko-KR" altLang="en-US" sz="1200"/>
-                    </a:p>
-                  </a:txBody>
-                  <a:tcPr marL="0" marR="0" marT="0" marB="0"/>
-                </a:tc>
-                <a:tc>
-                  <a:txBody>
-                    <a:bodyPr vert="horz" lIns="0" tIns="0" rIns="0" bIns="0" anchor="t" anchorCtr="0"/>
-                    <a:p>
-                      <a:pPr latinLnBrk="1">
-                        <a:defRPr/>
-                      </a:pPr>
-                      <a:endParaRPr lang="ko-KR" altLang="en-US" sz="1200"/>
-                    </a:p>
-                  </a:txBody>
-                  <a:tcPr marL="0" marR="0" marT="0" marB="0"/>
-                </a:tc>
-                <a:tc>
-                  <a:txBody>
-                    <a:bodyPr vert="horz" lIns="0" tIns="0" rIns="0" bIns="0" anchor="t" anchorCtr="0"/>
-                    <a:p>
-                      <a:pPr latinLnBrk="1">
-                        <a:defRPr/>
-                      </a:pPr>
-                      <a:endParaRPr lang="ko-KR" altLang="en-US" sz="1200"/>
-                    </a:p>
-                  </a:txBody>
-                  <a:tcPr marL="0" marR="0" marT="0" marB="0"/>
-                </a:tc>
-                <a:tc>
-                  <a:txBody>
-                    <a:bodyPr vert="horz" lIns="0" tIns="0" rIns="0" bIns="0" anchor="t" anchorCtr="0"/>
-                    <a:p>
-                      <a:pPr latinLnBrk="1">
-                        <a:defRPr/>
-                      </a:pPr>
-                      <a:endParaRPr lang="ko-KR" altLang="en-US" sz="1200"/>
-                    </a:p>
-                  </a:txBody>
-                  <a:tcPr marL="0" marR="0" marT="0" marB="0"/>
-                </a:tc>
-                <a:tc>
-                  <a:txBody>
-                    <a:bodyPr vert="horz" lIns="0" tIns="0" rIns="0" bIns="0" anchor="t" anchorCtr="0"/>
-                    <a:p>
-                      <a:pPr latinLnBrk="1">
-                        <a:defRPr/>
-                      </a:pPr>
-                      <a:endParaRPr lang="ko-KR" altLang="en-US" sz="1200"/>
-                    </a:p>
-                  </a:txBody>
-                  <a:tcPr marL="0" marR="0" marT="0" marB="0"/>
-                </a:tc>
-                <a:tc>
-                  <a:txBody>
-                    <a:bodyPr vert="horz" lIns="0" tIns="0" rIns="0" bIns="0" anchor="t" anchorCtr="0"/>
-                    <a:p>
-                      <a:pPr latinLnBrk="1">
-                        <a:defRPr/>
-                      </a:pPr>
-                      <a:endParaRPr lang="ko-KR" altLang="en-US" sz="1200"/>
-                    </a:p>
-                  </a:txBody>
-                  <a:tcPr marL="0" marR="0" marT="0" marB="0"/>
-                </a:tc>
-                <a:tc>
-                  <a:txBody>
-                    <a:bodyPr vert="horz" lIns="0" tIns="0" rIns="0" bIns="0" anchor="t" anchorCtr="0"/>
-                    <a:p>
-                      <a:pPr latinLnBrk="1">
-                        <a:defRPr/>
-                      </a:pPr>
-                      <a:endParaRPr lang="ko-KR" altLang="en-US" sz="1200"/>
-                    </a:p>
-                  </a:txBody>
-                  <a:tcPr marL="0" marR="0" marT="0" marB="0"/>
-                </a:tc>
-                <a:tc>
-                  <a:txBody>
-                    <a:bodyPr vert="horz" lIns="0" tIns="0" rIns="0" bIns="0" anchor="t" anchorCtr="0"/>
-                    <a:p>
-                      <a:pPr latinLnBrk="1">
-                        <a:defRPr/>
-                      </a:pPr>
-                      <a:endParaRPr lang="ko-KR" altLang="en-US" sz="1200"/>
-                    </a:p>
-                  </a:txBody>
-                  <a:tcPr marL="0" marR="0" marT="0" marB="0"/>
-                </a:tc>
-                <a:tc>
-                  <a:txBody>
-                    <a:bodyPr vert="horz" lIns="0" tIns="0" rIns="0" bIns="0" anchor="t" anchorCtr="0"/>
-                    <a:p>
-                      <a:pPr latinLnBrk="1">
-                        <a:defRPr/>
-                      </a:pPr>
-                      <a:endParaRPr lang="ko-KR" altLang="en-US" sz="1200"/>
-                    </a:p>
-                  </a:txBody>
-                  <a:tcPr marL="0" marR="0" marT="0" marB="0"/>
-                </a:tc>
-                <a:tc>
-                  <a:txBody>
-                    <a:bodyPr vert="horz" lIns="0" tIns="0" rIns="0" bIns="0" anchor="t" anchorCtr="0"/>
-                    <a:p>
-                      <a:pPr latinLnBrk="1">
-                        <a:defRPr/>
-                      </a:pPr>
-                      <a:endParaRPr lang="ko-KR" altLang="en-US" sz="1200"/>
-                    </a:p>
-                  </a:txBody>
-                  <a:tcPr marL="0" marR="0" marT="0" marB="0"/>
-                </a:tc>
-                <a:tc>
-                  <a:txBody>
-                    <a:bodyPr vert="horz" lIns="0" tIns="0" rIns="0" bIns="0" anchor="t" anchorCtr="0"/>
-                    <a:p>
-                      <a:pPr latinLnBrk="1">
-                        <a:defRPr/>
-                      </a:pPr>
-                      <a:endParaRPr lang="ko-KR" altLang="en-US" sz="1200"/>
-                    </a:p>
-                  </a:txBody>
-                  <a:tcPr marL="0" marR="0" marT="0" marB="0"/>
-                </a:tc>
-                <a:tc>
-                  <a:txBody>
-                    <a:bodyPr vert="horz" lIns="0" tIns="0" rIns="0" bIns="0" anchor="t" anchorCtr="0"/>
-                    <a:p>
-                      <a:pPr latinLnBrk="1">
-                        <a:defRPr/>
-                      </a:pPr>
-                      <a:endParaRPr lang="ko-KR" altLang="en-US" sz="1200"/>
-                    </a:p>
-                  </a:txBody>
-                  <a:tcPr marL="0" marR="0" marT="0" marB="0"/>
-                </a:tc>
-                <a:tc>
-                  <a:txBody>
-                    <a:bodyPr vert="horz" lIns="0" tIns="0" rIns="0" bIns="0" anchor="t" anchorCtr="0"/>
-                    <a:p>
-                      <a:pPr latinLnBrk="1">
-                        <a:defRPr/>
-                      </a:pPr>
-                      <a:endParaRPr lang="ko-KR" altLang="en-US" sz="1200"/>
-                    </a:p>
-                  </a:txBody>
-                  <a:tcPr marL="0" marR="0" marT="0" marB="0"/>
-                </a:tc>
-                <a:tc>
-                  <a:txBody>
-                    <a:bodyPr vert="horz" lIns="0" tIns="0" rIns="0" bIns="0" anchor="t" anchorCtr="0"/>
-                    <a:p>
-                      <a:pPr latinLnBrk="1">
-                        <a:defRPr/>
-                      </a:pPr>
-                      <a:endParaRPr lang="ko-KR" altLang="en-US" sz="1200"/>
-                    </a:p>
-                  </a:txBody>
-                  <a:tcPr marL="0" marR="0" marT="0" marB="0"/>
-                </a:tc>
-                <a:tc>
-                  <a:txBody>
-                    <a:bodyPr vert="horz" lIns="0" tIns="0" rIns="0" bIns="0" anchor="t" anchorCtr="0"/>
-                    <a:p>
-                      <a:pPr latinLnBrk="1">
-                        <a:defRPr/>
-                      </a:pPr>
-                      <a:endParaRPr lang="ko-KR" altLang="en-US" sz="1200"/>
-                    </a:p>
-                  </a:txBody>
-                  <a:tcPr marL="0" marR="0" marT="0" marB="0"/>
-                </a:tc>
-                <a:tc>
-                  <a:txBody>
-                    <a:bodyPr vert="horz" lIns="0" tIns="0" rIns="0" bIns="0" anchor="t" anchorCtr="0"/>
-                    <a:p>
-                      <a:pPr latinLnBrk="1">
-                        <a:defRPr/>
-                      </a:pPr>
-                      <a:endParaRPr lang="ko-KR" altLang="en-US" sz="1200"/>
-                    </a:p>
-                  </a:txBody>
-                  <a:tcPr marL="0" marR="0" marT="0" marB="0"/>
-                </a:tc>
-                <a:tc>
-                  <a:txBody>
-                    <a:bodyPr vert="horz" lIns="0" tIns="0" rIns="0" bIns="0" anchor="t" anchorCtr="0"/>
-                    <a:p>
-                      <a:pPr latinLnBrk="1">
-                        <a:defRPr/>
-                      </a:pPr>
-                      <a:endParaRPr lang="ko-KR" altLang="en-US" sz="1200"/>
-                    </a:p>
-                  </a:txBody>
-                  <a:tcPr marL="0" marR="0" marT="0" marB="0"/>
-                </a:tc>
-                <a:tc>
-                  <a:txBody>
-                    <a:bodyPr vert="horz" lIns="0" tIns="0" rIns="0" bIns="0" anchor="t" anchorCtr="0"/>
-                    <a:p>
-                      <a:pPr latinLnBrk="1">
-                        <a:defRPr/>
-                      </a:pPr>
-                      <a:endParaRPr lang="ko-KR" altLang="en-US" sz="1200"/>
-                    </a:p>
-                  </a:txBody>
-                  <a:tcPr marL="0" marR="0" marT="0" marB="0"/>
-                </a:tc>
-                <a:tc>
-                  <a:txBody>
-                    <a:bodyPr vert="horz" lIns="0" tIns="0" rIns="0" bIns="0" anchor="t" anchorCtr="0"/>
-                    <a:p>
-                      <a:pPr latinLnBrk="1">
-                        <a:defRPr/>
-                      </a:pPr>
-                      <a:endParaRPr lang="ko-KR" altLang="en-US" sz="1200"/>
-                    </a:p>
-                  </a:txBody>
-                  <a:tcPr marL="0" marR="0" marT="0" marB="0"/>
-                </a:tc>
-                <a:tc>
-                  <a:txBody>
-                    <a:bodyPr vert="horz" lIns="0" tIns="0" rIns="0" bIns="0" anchor="t" anchorCtr="0"/>
-                    <a:p>
-                      <a:pPr latinLnBrk="1">
-                        <a:defRPr/>
-                      </a:pPr>
-                      <a:endParaRPr lang="ko-KR" altLang="en-US" sz="1200"/>
-                    </a:p>
-                  </a:txBody>
-                  <a:tcPr marL="0" marR="0" marT="0" marB="0"/>
-                </a:tc>
-                <a:tc>
-                  <a:txBody>
-                    <a:bodyPr vert="horz" lIns="0" tIns="0" rIns="0" bIns="0" anchor="t" anchorCtr="0"/>
-                    <a:p>
-                      <a:pPr latinLnBrk="1">
-                        <a:defRPr/>
-                      </a:pPr>
-                      <a:endParaRPr lang="ko-KR" altLang="en-US" sz="1200"/>
-                    </a:p>
-                  </a:txBody>
-                  <a:tcPr marL="0" marR="0" marT="0" marB="0"/>
-                </a:tc>
-                <a:tc>
-                  <a:txBody>
-                    <a:bodyPr vert="horz" lIns="0" tIns="0" rIns="0" bIns="0" anchor="t" anchorCtr="0"/>
+                    </a:p>
+                  </a:txBody>
+                  <a:tcPr marL="0" marR="0" marT="0" marB="0"/>
+                </a:tc>
+                <a:tc>
+                  <a:txBody>
+                    <a:bodyPr/>
+                    <a:lstStyle/>
+                    <a:p>
+                      <a:pPr latinLnBrk="1">
+                        <a:defRPr/>
+                      </a:pPr>
+                      <a:endParaRPr lang="ko-KR" altLang="en-US" sz="1200"/>
+                    </a:p>
+                  </a:txBody>
+                  <a:tcPr marL="0" marR="0" marT="0" marB="0"/>
+                </a:tc>
+                <a:tc>
+                  <a:txBody>
+                    <a:bodyPr/>
+                    <a:lstStyle/>
+                    <a:p>
+                      <a:pPr latinLnBrk="1">
+                        <a:defRPr/>
+                      </a:pPr>
+                      <a:endParaRPr lang="ko-KR" altLang="en-US" sz="1200"/>
+                    </a:p>
+                  </a:txBody>
+                  <a:tcPr marL="0" marR="0" marT="0" marB="0"/>
+                </a:tc>
+                <a:tc>
+                  <a:txBody>
+                    <a:bodyPr/>
+                    <a:lstStyle/>
+                    <a:p>
+                      <a:pPr latinLnBrk="1">
+                        <a:defRPr/>
+                      </a:pPr>
+                      <a:endParaRPr lang="ko-KR" altLang="en-US" sz="1200"/>
+                    </a:p>
+                  </a:txBody>
+                  <a:tcPr marL="0" marR="0" marT="0" marB="0"/>
+                </a:tc>
+                <a:tc>
+                  <a:txBody>
+                    <a:bodyPr/>
+                    <a:lstStyle/>
+                    <a:p>
+                      <a:pPr latinLnBrk="1">
+                        <a:defRPr/>
+                      </a:pPr>
+                      <a:endParaRPr lang="ko-KR" altLang="en-US" sz="1200"/>
+                    </a:p>
+                  </a:txBody>
+                  <a:tcPr marL="0" marR="0" marT="0" marB="0"/>
+                </a:tc>
+                <a:tc>
+                  <a:txBody>
+                    <a:bodyPr/>
+                    <a:lstStyle/>
+                    <a:p>
+                      <a:pPr latinLnBrk="1">
+                        <a:defRPr/>
+                      </a:pPr>
+                      <a:endParaRPr lang="ko-KR" altLang="en-US" sz="1200"/>
+                    </a:p>
+                  </a:txBody>
+                  <a:tcPr marL="0" marR="0" marT="0" marB="0"/>
+                </a:tc>
+                <a:tc>
+                  <a:txBody>
+                    <a:bodyPr/>
+                    <a:lstStyle/>
+                    <a:p>
+                      <a:pPr latinLnBrk="1">
+                        <a:defRPr/>
+                      </a:pPr>
+                      <a:endParaRPr lang="ko-KR" altLang="en-US" sz="1200"/>
+                    </a:p>
+                  </a:txBody>
+                  <a:tcPr marL="0" marR="0" marT="0" marB="0"/>
+                </a:tc>
+                <a:tc>
+                  <a:txBody>
+                    <a:bodyPr/>
+                    <a:lstStyle/>
+                    <a:p>
+                      <a:pPr latinLnBrk="1">
+                        <a:defRPr/>
+                      </a:pPr>
+                      <a:endParaRPr lang="ko-KR" altLang="en-US" sz="1200"/>
+                    </a:p>
+                  </a:txBody>
+                  <a:tcPr marL="0" marR="0" marT="0" marB="0"/>
+                </a:tc>
+                <a:tc>
+                  <a:txBody>
+                    <a:bodyPr/>
+                    <a:lstStyle/>
+                    <a:p>
+                      <a:pPr latinLnBrk="1">
+                        <a:defRPr/>
+                      </a:pPr>
+                      <a:endParaRPr lang="ko-KR" altLang="en-US" sz="1200"/>
+                    </a:p>
+                  </a:txBody>
+                  <a:tcPr marL="0" marR="0" marT="0" marB="0"/>
+                </a:tc>
+                <a:tc>
+                  <a:txBody>
+                    <a:bodyPr/>
+                    <a:lstStyle/>
+                    <a:p>
+                      <a:pPr latinLnBrk="1">
+                        <a:defRPr/>
+                      </a:pPr>
+                      <a:endParaRPr lang="ko-KR" altLang="en-US" sz="1200"/>
+                    </a:p>
+                  </a:txBody>
+                  <a:tcPr marL="0" marR="0" marT="0" marB="0"/>
+                </a:tc>
+                <a:tc>
+                  <a:txBody>
+                    <a:bodyPr/>
+                    <a:lstStyle/>
+                    <a:p>
+                      <a:pPr latinLnBrk="1">
+                        <a:defRPr/>
+                      </a:pPr>
+                      <a:endParaRPr lang="ko-KR" altLang="en-US" sz="1200"/>
+                    </a:p>
+                  </a:txBody>
+                  <a:tcPr marL="0" marR="0" marT="0" marB="0"/>
+                </a:tc>
+                <a:tc>
+                  <a:txBody>
+                    <a:bodyPr/>
+                    <a:lstStyle/>
+                    <a:p>
+                      <a:pPr latinLnBrk="1">
+                        <a:defRPr/>
+                      </a:pPr>
+                      <a:endParaRPr lang="ko-KR" altLang="en-US" sz="1200"/>
+                    </a:p>
+                  </a:txBody>
+                  <a:tcPr marL="0" marR="0" marT="0" marB="0"/>
+                </a:tc>
+                <a:tc>
+                  <a:txBody>
+                    <a:bodyPr/>
+                    <a:lstStyle/>
+                    <a:p>
+                      <a:pPr latinLnBrk="1">
+                        <a:defRPr/>
+                      </a:pPr>
+                      <a:endParaRPr lang="ko-KR" altLang="en-US" sz="1200"/>
+                    </a:p>
+                  </a:txBody>
+                  <a:tcPr marL="0" marR="0" marT="0" marB="0"/>
+                </a:tc>
+                <a:tc>
+                  <a:txBody>
+                    <a:bodyPr/>
+                    <a:lstStyle/>
+                    <a:p>
+                      <a:pPr latinLnBrk="1">
+                        <a:defRPr/>
+                      </a:pPr>
+                      <a:endParaRPr lang="ko-KR" altLang="en-US" sz="1200"/>
+                    </a:p>
+                  </a:txBody>
+                  <a:tcPr marL="0" marR="0" marT="0" marB="0"/>
+                </a:tc>
+                <a:tc>
+                  <a:txBody>
+                    <a:bodyPr/>
+                    <a:lstStyle/>
+                    <a:p>
+                      <a:pPr latinLnBrk="1">
+                        <a:defRPr/>
+                      </a:pPr>
+                      <a:endParaRPr lang="ko-KR" altLang="en-US" sz="1200"/>
+                    </a:p>
+                  </a:txBody>
+                  <a:tcPr marL="0" marR="0" marT="0" marB="0"/>
+                </a:tc>
+                <a:tc>
+                  <a:txBody>
+                    <a:bodyPr/>
+                    <a:lstStyle/>
+                    <a:p>
+                      <a:pPr latinLnBrk="1">
+                        <a:defRPr/>
+                      </a:pPr>
+                      <a:endParaRPr lang="ko-KR" altLang="en-US" sz="1200"/>
+                    </a:p>
+                  </a:txBody>
+                  <a:tcPr marL="0" marR="0" marT="0" marB="0"/>
+                </a:tc>
+                <a:tc>
+                  <a:txBody>
+                    <a:bodyPr/>
+                    <a:lstStyle/>
+                    <a:p>
+                      <a:pPr latinLnBrk="1">
+                        <a:defRPr/>
+                      </a:pPr>
+                      <a:endParaRPr lang="ko-KR" altLang="en-US" sz="1200"/>
+                    </a:p>
+                  </a:txBody>
+                  <a:tcPr marL="0" marR="0" marT="0" marB="0"/>
+                </a:tc>
+                <a:tc>
+                  <a:txBody>
+                    <a:bodyPr/>
+                    <a:lstStyle/>
+                    <a:p>
+                      <a:pPr latinLnBrk="1">
+                        <a:defRPr/>
+                      </a:pPr>
+                      <a:endParaRPr lang="ko-KR" altLang="en-US" sz="1200"/>
+                    </a:p>
+                  </a:txBody>
+                  <a:tcPr marL="0" marR="0" marT="0" marB="0"/>
+                </a:tc>
+                <a:tc>
+                  <a:txBody>
+                    <a:bodyPr/>
+                    <a:lstStyle/>
+                    <a:p>
+                      <a:pPr latinLnBrk="1">
+                        <a:defRPr/>
+                      </a:pPr>
+                      <a:endParaRPr lang="ko-KR" altLang="en-US" sz="1200"/>
+                    </a:p>
+                  </a:txBody>
+                  <a:tcPr marL="0" marR="0" marT="0" marB="0"/>
+                </a:tc>
+                <a:tc>
+                  <a:txBody>
+                    <a:bodyPr/>
+                    <a:lstStyle/>
+                    <a:p>
+                      <a:pPr latinLnBrk="1">
+                        <a:defRPr/>
+                      </a:pPr>
+                      <a:endParaRPr lang="ko-KR" altLang="en-US" sz="1200"/>
+                    </a:p>
+                  </a:txBody>
+                  <a:tcPr marL="0" marR="0" marT="0" marB="0"/>
+                </a:tc>
+                <a:tc>
+                  <a:txBody>
+                    <a:bodyPr/>
+                    <a:lstStyle/>
+                    <a:p>
+                      <a:pPr latinLnBrk="1">
+                        <a:defRPr/>
+                      </a:pPr>
+                      <a:endParaRPr lang="ko-KR" altLang="en-US" sz="1200"/>
+                    </a:p>
+                  </a:txBody>
+                  <a:tcPr marL="0" marR="0" marT="0" marB="0"/>
+                </a:tc>
+                <a:tc>
+                  <a:txBody>
+                    <a:bodyPr/>
+                    <a:lstStyle/>
+                    <a:p>
+                      <a:pPr latinLnBrk="1">
+                        <a:defRPr/>
+                      </a:pPr>
+                      <a:endParaRPr lang="ko-KR" altLang="en-US" sz="1200"/>
+                    </a:p>
+                  </a:txBody>
+                  <a:tcPr marL="0" marR="0" marT="0" marB="0"/>
+                </a:tc>
+                <a:tc>
+                  <a:txBody>
+                    <a:bodyPr/>
+                    <a:lstStyle/>
+                    <a:p>
+                      <a:pPr latinLnBrk="1">
+                        <a:defRPr/>
+                      </a:pPr>
+                      <a:endParaRPr lang="ko-KR" altLang="en-US" sz="1200"/>
+                    </a:p>
+                  </a:txBody>
+                  <a:tcPr marL="0" marR="0" marT="0" marB="0"/>
+                </a:tc>
+                <a:tc>
+                  <a:txBody>
+                    <a:bodyPr/>
+                    <a:lstStyle/>
+                    <a:p>
+                      <a:pPr latinLnBrk="1">
+                        <a:defRPr/>
+                      </a:pPr>
+                      <a:endParaRPr lang="ko-KR" altLang="en-US" sz="1200"/>
+                    </a:p>
+                  </a:txBody>
+                  <a:tcPr marL="0" marR="0" marT="0" marB="0"/>
+                </a:tc>
+                <a:tc>
+                  <a:txBody>
+                    <a:bodyPr/>
+                    <a:lstStyle/>
+                    <a:p>
+                      <a:pPr latinLnBrk="1">
+                        <a:defRPr/>
+                      </a:pPr>
+                      <a:endParaRPr lang="ko-KR" altLang="en-US" sz="1200"/>
+                    </a:p>
+                  </a:txBody>
+                  <a:tcPr marL="0" marR="0" marT="0" marB="0"/>
+                </a:tc>
+                <a:tc>
+                  <a:txBody>
+                    <a:bodyPr/>
+                    <a:lstStyle/>
                     <a:p>
                       <a:pPr latinLnBrk="1">
                         <a:defRPr/>
@@ -25841,7 +26278,8 @@
                 </a:tc>
                 <a:tc>
                   <a:txBody>
-                    <a:bodyPr vert="horz" lIns="0" tIns="0" rIns="0" bIns="0" anchor="t" anchorCtr="0"/>
+                    <a:bodyPr/>
+                    <a:lstStyle/>
                     <a:p>
                       <a:pPr latinLnBrk="1">
                         <a:defRPr/>
@@ -25857,7 +26295,8 @@
                 </a:tc>
                 <a:tc>
                   <a:txBody>
-                    <a:bodyPr vert="horz" lIns="0" tIns="0" rIns="0" bIns="0" anchor="t" anchorCtr="0"/>
+                    <a:bodyPr/>
+                    <a:lstStyle/>
                     <a:p>
                       <a:pPr latinLnBrk="1">
                         <a:defRPr/>
@@ -25873,7 +26312,8 @@
                 </a:tc>
                 <a:tc>
                   <a:txBody>
-                    <a:bodyPr vert="horz" lIns="0" tIns="0" rIns="0" bIns="0" anchor="t" anchorCtr="0"/>
+                    <a:bodyPr/>
+                    <a:lstStyle/>
                     <a:p>
                       <a:pPr latinLnBrk="1">
                         <a:defRPr/>
@@ -25889,105 +26329,119 @@
                 </a:tc>
                 <a:tc>
                   <a:txBody>
-                    <a:bodyPr vert="horz" lIns="0" tIns="0" rIns="0" bIns="0" anchor="t" anchorCtr="0"/>
-                    <a:p>
-                      <a:pPr latinLnBrk="1">
-                        <a:defRPr/>
-                      </a:pPr>
-                      <a:endParaRPr lang="ko-KR" altLang="en-US" sz="1200"/>
-                    </a:p>
-                  </a:txBody>
-                  <a:tcPr marL="0" marR="0" marT="0" marB="0"/>
-                </a:tc>
-                <a:tc>
-                  <a:txBody>
-                    <a:bodyPr vert="horz" lIns="0" tIns="0" rIns="0" bIns="0" anchor="t" anchorCtr="0"/>
-                    <a:p>
-                      <a:pPr latinLnBrk="1">
-                        <a:defRPr/>
-                      </a:pPr>
-                      <a:endParaRPr lang="ko-KR" altLang="en-US" sz="1200"/>
-                    </a:p>
-                  </a:txBody>
-                  <a:tcPr marL="0" marR="0" marT="0" marB="0"/>
-                </a:tc>
-                <a:tc>
-                  <a:txBody>
-                    <a:bodyPr vert="horz" lIns="0" tIns="0" rIns="0" bIns="0" anchor="t" anchorCtr="0"/>
-                    <a:p>
-                      <a:pPr latinLnBrk="1">
-                        <a:defRPr/>
-                      </a:pPr>
-                      <a:endParaRPr lang="ko-KR" altLang="en-US" sz="1200"/>
-                    </a:p>
-                  </a:txBody>
-                  <a:tcPr marL="0" marR="0" marT="0" marB="0"/>
-                </a:tc>
-                <a:tc>
-                  <a:txBody>
-                    <a:bodyPr vert="horz" lIns="0" tIns="0" rIns="0" bIns="0" anchor="t" anchorCtr="0"/>
-                    <a:p>
-                      <a:pPr latinLnBrk="1">
-                        <a:defRPr/>
-                      </a:pPr>
-                      <a:endParaRPr lang="ko-KR" altLang="en-US" sz="1200"/>
-                    </a:p>
-                  </a:txBody>
-                  <a:tcPr marL="0" marR="0" marT="0" marB="0"/>
-                </a:tc>
-                <a:tc>
-                  <a:txBody>
-                    <a:bodyPr vert="horz" lIns="0" tIns="0" rIns="0" bIns="0" anchor="t" anchorCtr="0"/>
-                    <a:p>
-                      <a:pPr latinLnBrk="1">
-                        <a:defRPr/>
-                      </a:pPr>
-                      <a:endParaRPr lang="ko-KR" altLang="en-US" sz="1200"/>
-                    </a:p>
-                  </a:txBody>
-                  <a:tcPr marL="0" marR="0" marT="0" marB="0"/>
-                </a:tc>
-                <a:tc>
-                  <a:txBody>
-                    <a:bodyPr vert="horz" lIns="0" tIns="0" rIns="0" bIns="0" anchor="t" anchorCtr="0"/>
-                    <a:p>
-                      <a:pPr latinLnBrk="1">
-                        <a:defRPr/>
-                      </a:pPr>
-                      <a:endParaRPr lang="ko-KR" altLang="en-US" sz="1200"/>
-                    </a:p>
-                  </a:txBody>
-                  <a:tcPr marL="0" marR="0" marT="0" marB="0"/>
-                </a:tc>
-                <a:tc>
-                  <a:txBody>
-                    <a:bodyPr vert="horz" lIns="0" tIns="0" rIns="0" bIns="0" anchor="t" anchorCtr="0"/>
-                    <a:p>
-                      <a:pPr latinLnBrk="1">
-                        <a:defRPr/>
-                      </a:pPr>
-                      <a:endParaRPr lang="ko-KR" altLang="en-US" sz="1200"/>
-                    </a:p>
-                  </a:txBody>
-                  <a:tcPr marL="0" marR="0" marT="0" marB="0"/>
-                </a:tc>
-                <a:tc>
-                  <a:txBody>
-                    <a:bodyPr vert="horz" lIns="0" tIns="0" rIns="0" bIns="0" anchor="t" anchorCtr="0"/>
-                    <a:p>
-                      <a:pPr latinLnBrk="1">
-                        <a:defRPr/>
-                      </a:pPr>
-                      <a:endParaRPr lang="ko-KR" altLang="en-US" sz="1200"/>
-                    </a:p>
-                  </a:txBody>
-                  <a:tcPr marL="0" marR="0" marT="0" marB="0"/>
-                </a:tc>
+                    <a:bodyPr/>
+                    <a:lstStyle/>
+                    <a:p>
+                      <a:pPr latinLnBrk="1">
+                        <a:defRPr/>
+                      </a:pPr>
+                      <a:endParaRPr lang="ko-KR" altLang="en-US" sz="1200"/>
+                    </a:p>
+                  </a:txBody>
+                  <a:tcPr marL="0" marR="0" marT="0" marB="0"/>
+                </a:tc>
+                <a:tc>
+                  <a:txBody>
+                    <a:bodyPr/>
+                    <a:lstStyle/>
+                    <a:p>
+                      <a:pPr latinLnBrk="1">
+                        <a:defRPr/>
+                      </a:pPr>
+                      <a:endParaRPr lang="ko-KR" altLang="en-US" sz="1200"/>
+                    </a:p>
+                  </a:txBody>
+                  <a:tcPr marL="0" marR="0" marT="0" marB="0"/>
+                </a:tc>
+                <a:tc>
+                  <a:txBody>
+                    <a:bodyPr/>
+                    <a:lstStyle/>
+                    <a:p>
+                      <a:pPr latinLnBrk="1">
+                        <a:defRPr/>
+                      </a:pPr>
+                      <a:endParaRPr lang="ko-KR" altLang="en-US" sz="1200"/>
+                    </a:p>
+                  </a:txBody>
+                  <a:tcPr marL="0" marR="0" marT="0" marB="0"/>
+                </a:tc>
+                <a:tc>
+                  <a:txBody>
+                    <a:bodyPr/>
+                    <a:lstStyle/>
+                    <a:p>
+                      <a:pPr latinLnBrk="1">
+                        <a:defRPr/>
+                      </a:pPr>
+                      <a:endParaRPr lang="ko-KR" altLang="en-US" sz="1200"/>
+                    </a:p>
+                  </a:txBody>
+                  <a:tcPr marL="0" marR="0" marT="0" marB="0"/>
+                </a:tc>
+                <a:tc>
+                  <a:txBody>
+                    <a:bodyPr/>
+                    <a:lstStyle/>
+                    <a:p>
+                      <a:pPr latinLnBrk="1">
+                        <a:defRPr/>
+                      </a:pPr>
+                      <a:endParaRPr lang="ko-KR" altLang="en-US" sz="1200"/>
+                    </a:p>
+                  </a:txBody>
+                  <a:tcPr marL="0" marR="0" marT="0" marB="0"/>
+                </a:tc>
+                <a:tc>
+                  <a:txBody>
+                    <a:bodyPr/>
+                    <a:lstStyle/>
+                    <a:p>
+                      <a:pPr latinLnBrk="1">
+                        <a:defRPr/>
+                      </a:pPr>
+                      <a:endParaRPr lang="ko-KR" altLang="en-US" sz="1200"/>
+                    </a:p>
+                  </a:txBody>
+                  <a:tcPr marL="0" marR="0" marT="0" marB="0"/>
+                </a:tc>
+                <a:tc>
+                  <a:txBody>
+                    <a:bodyPr/>
+                    <a:lstStyle/>
+                    <a:p>
+                      <a:pPr latinLnBrk="1">
+                        <a:defRPr/>
+                      </a:pPr>
+                      <a:endParaRPr lang="ko-KR" altLang="en-US" sz="1200"/>
+                    </a:p>
+                  </a:txBody>
+                  <a:tcPr marL="0" marR="0" marT="0" marB="0"/>
+                </a:tc>
+                <a:tc>
+                  <a:txBody>
+                    <a:bodyPr/>
+                    <a:lstStyle/>
+                    <a:p>
+                      <a:pPr latinLnBrk="1">
+                        <a:defRPr/>
+                      </a:pPr>
+                      <a:endParaRPr lang="ko-KR" altLang="en-US" sz="1200"/>
+                    </a:p>
+                  </a:txBody>
+                  <a:tcPr marL="0" marR="0" marT="0" marB="0"/>
+                </a:tc>
+                <a:extLst>
+                  <a:ext uri="{0D108BD9-81ED-4DB2-BD59-A6C34878D82A}">
+                    <a16:rowId xmlns:a16="http://schemas.microsoft.com/office/drawing/2014/main" val="10006"/>
+                  </a:ext>
+                </a:extLst>
               </a:tr>
               <a:tr h="0">
                 <a:tc>
                   <a:txBody>
-                    <a:bodyPr vert="horz" lIns="0" tIns="0" rIns="0" bIns="0" anchor="t" anchorCtr="0"/>
+                    <a:bodyPr/>
+                    <a:lstStyle/>
                     <a:p>
                       <a:pPr algn="ctr" latinLnBrk="1">
                         <a:defRPr/>
@@ -25999,257 +26453,274 @@
                         </a:rPr>
                         <a:t>데드 레커닝 구현</a:t>
                       </a:r>
-                      <a:endParaRPr lang="ko-KR" altLang="en-US" sz="1000">
-                        <a:latin typeface="맑은 고딕"/>
-                        <a:ea typeface="맑은 고딕"/>
-                      </a:endParaRPr>
-                    </a:p>
-                  </a:txBody>
-                  <a:tcPr marL="0" marR="0" marT="0" marB="0"/>
-                </a:tc>
-                <a:tc>
-                  <a:txBody>
-                    <a:bodyPr vert="horz" lIns="0" tIns="0" rIns="0" bIns="0" anchor="t" anchorCtr="0"/>
-                    <a:p>
-                      <a:pPr latinLnBrk="1">
-                        <a:defRPr/>
-                      </a:pPr>
-                      <a:endParaRPr lang="ko-KR" altLang="en-US" sz="1200"/>
-                    </a:p>
-                  </a:txBody>
-                  <a:tcPr marL="0" marR="0" marT="0" marB="0"/>
-                </a:tc>
-                <a:tc>
-                  <a:txBody>
-                    <a:bodyPr vert="horz" lIns="0" tIns="0" rIns="0" bIns="0" anchor="t" anchorCtr="0"/>
-                    <a:p>
-                      <a:pPr latinLnBrk="1">
-                        <a:defRPr/>
-                      </a:pPr>
-                      <a:endParaRPr lang="ko-KR" altLang="en-US" sz="1200"/>
-                    </a:p>
-                  </a:txBody>
-                  <a:tcPr marL="0" marR="0" marT="0" marB="0"/>
-                </a:tc>
-                <a:tc>
-                  <a:txBody>
-                    <a:bodyPr vert="horz" lIns="0" tIns="0" rIns="0" bIns="0" anchor="t" anchorCtr="0"/>
-                    <a:p>
-                      <a:pPr latinLnBrk="1">
-                        <a:defRPr/>
-                      </a:pPr>
-                      <a:endParaRPr lang="ko-KR" altLang="en-US" sz="1200"/>
-                    </a:p>
-                  </a:txBody>
-                  <a:tcPr marL="0" marR="0" marT="0" marB="0"/>
-                </a:tc>
-                <a:tc>
-                  <a:txBody>
-                    <a:bodyPr vert="horz" lIns="0" tIns="0" rIns="0" bIns="0" anchor="t" anchorCtr="0"/>
-                    <a:p>
-                      <a:pPr latinLnBrk="1">
-                        <a:defRPr/>
-                      </a:pPr>
-                      <a:endParaRPr lang="ko-KR" altLang="en-US" sz="1200"/>
-                    </a:p>
-                  </a:txBody>
-                  <a:tcPr marL="0" marR="0" marT="0" marB="0"/>
-                </a:tc>
-                <a:tc>
-                  <a:txBody>
-                    <a:bodyPr vert="horz" lIns="0" tIns="0" rIns="0" bIns="0" anchor="t" anchorCtr="0"/>
-                    <a:p>
-                      <a:pPr latinLnBrk="1">
-                        <a:defRPr/>
-                      </a:pPr>
-                      <a:endParaRPr lang="ko-KR" altLang="en-US" sz="1200"/>
-                    </a:p>
-                  </a:txBody>
-                  <a:tcPr marL="0" marR="0" marT="0" marB="0"/>
-                </a:tc>
-                <a:tc>
-                  <a:txBody>
-                    <a:bodyPr vert="horz" lIns="0" tIns="0" rIns="0" bIns="0" anchor="t" anchorCtr="0"/>
-                    <a:p>
-                      <a:pPr latinLnBrk="1">
-                        <a:defRPr/>
-                      </a:pPr>
-                      <a:endParaRPr lang="ko-KR" altLang="en-US" sz="1200"/>
-                    </a:p>
-                  </a:txBody>
-                  <a:tcPr marL="0" marR="0" marT="0" marB="0"/>
-                </a:tc>
-                <a:tc>
-                  <a:txBody>
-                    <a:bodyPr vert="horz" lIns="0" tIns="0" rIns="0" bIns="0" anchor="t" anchorCtr="0"/>
-                    <a:p>
-                      <a:pPr latinLnBrk="1">
-                        <a:defRPr/>
-                      </a:pPr>
-                      <a:endParaRPr lang="ko-KR" altLang="en-US" sz="1200"/>
-                    </a:p>
-                  </a:txBody>
-                  <a:tcPr marL="0" marR="0" marT="0" marB="0"/>
-                </a:tc>
-                <a:tc>
-                  <a:txBody>
-                    <a:bodyPr vert="horz" lIns="0" tIns="0" rIns="0" bIns="0" anchor="t" anchorCtr="0"/>
-                    <a:p>
-                      <a:pPr latinLnBrk="1">
-                        <a:defRPr/>
-                      </a:pPr>
-                      <a:endParaRPr lang="ko-KR" altLang="en-US" sz="1200"/>
-                    </a:p>
-                  </a:txBody>
-                  <a:tcPr marL="0" marR="0" marT="0" marB="0"/>
-                </a:tc>
-                <a:tc>
-                  <a:txBody>
-                    <a:bodyPr vert="horz" lIns="0" tIns="0" rIns="0" bIns="0" anchor="t" anchorCtr="0"/>
-                    <a:p>
-                      <a:pPr latinLnBrk="1">
-                        <a:defRPr/>
-                      </a:pPr>
-                      <a:endParaRPr lang="ko-KR" altLang="en-US" sz="1200"/>
-                    </a:p>
-                  </a:txBody>
-                  <a:tcPr marL="0" marR="0" marT="0" marB="0"/>
-                </a:tc>
-                <a:tc>
-                  <a:txBody>
-                    <a:bodyPr vert="horz" lIns="0" tIns="0" rIns="0" bIns="0" anchor="t" anchorCtr="0"/>
-                    <a:p>
-                      <a:pPr latinLnBrk="1">
-                        <a:defRPr/>
-                      </a:pPr>
-                      <a:endParaRPr lang="ko-KR" altLang="en-US" sz="1200"/>
-                    </a:p>
-                  </a:txBody>
-                  <a:tcPr marL="0" marR="0" marT="0" marB="0"/>
-                </a:tc>
-                <a:tc>
-                  <a:txBody>
-                    <a:bodyPr vert="horz" lIns="0" tIns="0" rIns="0" bIns="0" anchor="t" anchorCtr="0"/>
-                    <a:p>
-                      <a:pPr latinLnBrk="1">
-                        <a:defRPr/>
-                      </a:pPr>
-                      <a:endParaRPr lang="ko-KR" altLang="en-US" sz="1200"/>
-                    </a:p>
-                  </a:txBody>
-                  <a:tcPr marL="0" marR="0" marT="0" marB="0"/>
-                </a:tc>
-                <a:tc>
-                  <a:txBody>
-                    <a:bodyPr vert="horz" lIns="0" tIns="0" rIns="0" bIns="0" anchor="t" anchorCtr="0"/>
-                    <a:p>
-                      <a:pPr latinLnBrk="1">
-                        <a:defRPr/>
-                      </a:pPr>
-                      <a:endParaRPr lang="ko-KR" altLang="en-US" sz="1200"/>
-                    </a:p>
-                  </a:txBody>
-                  <a:tcPr marL="0" marR="0" marT="0" marB="0"/>
-                </a:tc>
-                <a:tc>
-                  <a:txBody>
-                    <a:bodyPr vert="horz" lIns="0" tIns="0" rIns="0" bIns="0" anchor="t" anchorCtr="0"/>
-                    <a:p>
-                      <a:pPr latinLnBrk="1">
-                        <a:defRPr/>
-                      </a:pPr>
-                      <a:endParaRPr lang="ko-KR" altLang="en-US" sz="1200"/>
-                    </a:p>
-                  </a:txBody>
-                  <a:tcPr marL="0" marR="0" marT="0" marB="0"/>
-                </a:tc>
-                <a:tc>
-                  <a:txBody>
-                    <a:bodyPr vert="horz" lIns="0" tIns="0" rIns="0" bIns="0" anchor="t" anchorCtr="0"/>
-                    <a:p>
-                      <a:pPr latinLnBrk="1">
-                        <a:defRPr/>
-                      </a:pPr>
-                      <a:endParaRPr lang="ko-KR" altLang="en-US" sz="1200"/>
-                    </a:p>
-                  </a:txBody>
-                  <a:tcPr marL="0" marR="0" marT="0" marB="0"/>
-                </a:tc>
-                <a:tc>
-                  <a:txBody>
-                    <a:bodyPr vert="horz" lIns="0" tIns="0" rIns="0" bIns="0" anchor="t" anchorCtr="0"/>
-                    <a:p>
-                      <a:pPr latinLnBrk="1">
-                        <a:defRPr/>
-                      </a:pPr>
-                      <a:endParaRPr lang="ko-KR" altLang="en-US" sz="1200"/>
-                    </a:p>
-                  </a:txBody>
-                  <a:tcPr marL="0" marR="0" marT="0" marB="0"/>
-                </a:tc>
-                <a:tc>
-                  <a:txBody>
-                    <a:bodyPr vert="horz" lIns="0" tIns="0" rIns="0" bIns="0" anchor="t" anchorCtr="0"/>
-                    <a:p>
-                      <a:pPr latinLnBrk="1">
-                        <a:defRPr/>
-                      </a:pPr>
-                      <a:endParaRPr lang="ko-KR" altLang="en-US" sz="1200"/>
-                    </a:p>
-                  </a:txBody>
-                  <a:tcPr marL="0" marR="0" marT="0" marB="0"/>
-                </a:tc>
-                <a:tc>
-                  <a:txBody>
-                    <a:bodyPr vert="horz" lIns="0" tIns="0" rIns="0" bIns="0" anchor="t" anchorCtr="0"/>
-                    <a:p>
-                      <a:pPr latinLnBrk="1">
-                        <a:defRPr/>
-                      </a:pPr>
-                      <a:endParaRPr lang="ko-KR" altLang="en-US" sz="1200"/>
-                    </a:p>
-                  </a:txBody>
-                  <a:tcPr marL="0" marR="0" marT="0" marB="0"/>
-                </a:tc>
-                <a:tc>
-                  <a:txBody>
-                    <a:bodyPr vert="horz" lIns="0" tIns="0" rIns="0" bIns="0" anchor="t" anchorCtr="0"/>
-                    <a:p>
-                      <a:pPr latinLnBrk="1">
-                        <a:defRPr/>
-                      </a:pPr>
-                      <a:endParaRPr lang="ko-KR" altLang="en-US" sz="1200"/>
-                    </a:p>
-                  </a:txBody>
-                  <a:tcPr marL="0" marR="0" marT="0" marB="0"/>
-                </a:tc>
-                <a:tc>
-                  <a:txBody>
-                    <a:bodyPr vert="horz" lIns="0" tIns="0" rIns="0" bIns="0" anchor="t" anchorCtr="0"/>
-                    <a:p>
-                      <a:pPr latinLnBrk="1">
-                        <a:defRPr/>
-                      </a:pPr>
-                      <a:endParaRPr lang="ko-KR" altLang="en-US" sz="1200"/>
-                    </a:p>
-                  </a:txBody>
-                  <a:tcPr marL="0" marR="0" marT="0" marB="0"/>
-                </a:tc>
-                <a:tc>
-                  <a:txBody>
-                    <a:bodyPr vert="horz" lIns="0" tIns="0" rIns="0" bIns="0" anchor="t" anchorCtr="0"/>
-                    <a:p>
-                      <a:pPr latinLnBrk="1">
-                        <a:defRPr/>
-                      </a:pPr>
-                      <a:endParaRPr lang="ko-KR" altLang="en-US" sz="1200"/>
-                    </a:p>
-                  </a:txBody>
-                  <a:tcPr marL="0" marR="0" marT="0" marB="0"/>
-                </a:tc>
-                <a:tc>
-                  <a:txBody>
-                    <a:bodyPr vert="horz" lIns="0" tIns="0" rIns="0" bIns="0" anchor="t" anchorCtr="0"/>
+                    </a:p>
+                  </a:txBody>
+                  <a:tcPr marL="0" marR="0" marT="0" marB="0"/>
+                </a:tc>
+                <a:tc>
+                  <a:txBody>
+                    <a:bodyPr/>
+                    <a:lstStyle/>
+                    <a:p>
+                      <a:pPr latinLnBrk="1">
+                        <a:defRPr/>
+                      </a:pPr>
+                      <a:endParaRPr lang="ko-KR" altLang="en-US" sz="1200"/>
+                    </a:p>
+                  </a:txBody>
+                  <a:tcPr marL="0" marR="0" marT="0" marB="0"/>
+                </a:tc>
+                <a:tc>
+                  <a:txBody>
+                    <a:bodyPr/>
+                    <a:lstStyle/>
+                    <a:p>
+                      <a:pPr latinLnBrk="1">
+                        <a:defRPr/>
+                      </a:pPr>
+                      <a:endParaRPr lang="ko-KR" altLang="en-US" sz="1200"/>
+                    </a:p>
+                  </a:txBody>
+                  <a:tcPr marL="0" marR="0" marT="0" marB="0"/>
+                </a:tc>
+                <a:tc>
+                  <a:txBody>
+                    <a:bodyPr/>
+                    <a:lstStyle/>
+                    <a:p>
+                      <a:pPr latinLnBrk="1">
+                        <a:defRPr/>
+                      </a:pPr>
+                      <a:endParaRPr lang="ko-KR" altLang="en-US" sz="1200"/>
+                    </a:p>
+                  </a:txBody>
+                  <a:tcPr marL="0" marR="0" marT="0" marB="0"/>
+                </a:tc>
+                <a:tc>
+                  <a:txBody>
+                    <a:bodyPr/>
+                    <a:lstStyle/>
+                    <a:p>
+                      <a:pPr latinLnBrk="1">
+                        <a:defRPr/>
+                      </a:pPr>
+                      <a:endParaRPr lang="ko-KR" altLang="en-US" sz="1200"/>
+                    </a:p>
+                  </a:txBody>
+                  <a:tcPr marL="0" marR="0" marT="0" marB="0"/>
+                </a:tc>
+                <a:tc>
+                  <a:txBody>
+                    <a:bodyPr/>
+                    <a:lstStyle/>
+                    <a:p>
+                      <a:pPr latinLnBrk="1">
+                        <a:defRPr/>
+                      </a:pPr>
+                      <a:endParaRPr lang="ko-KR" altLang="en-US" sz="1200"/>
+                    </a:p>
+                  </a:txBody>
+                  <a:tcPr marL="0" marR="0" marT="0" marB="0"/>
+                </a:tc>
+                <a:tc>
+                  <a:txBody>
+                    <a:bodyPr/>
+                    <a:lstStyle/>
+                    <a:p>
+                      <a:pPr latinLnBrk="1">
+                        <a:defRPr/>
+                      </a:pPr>
+                      <a:endParaRPr lang="ko-KR" altLang="en-US" sz="1200"/>
+                    </a:p>
+                  </a:txBody>
+                  <a:tcPr marL="0" marR="0" marT="0" marB="0"/>
+                </a:tc>
+                <a:tc>
+                  <a:txBody>
+                    <a:bodyPr/>
+                    <a:lstStyle/>
+                    <a:p>
+                      <a:pPr latinLnBrk="1">
+                        <a:defRPr/>
+                      </a:pPr>
+                      <a:endParaRPr lang="ko-KR" altLang="en-US" sz="1200"/>
+                    </a:p>
+                  </a:txBody>
+                  <a:tcPr marL="0" marR="0" marT="0" marB="0"/>
+                </a:tc>
+                <a:tc>
+                  <a:txBody>
+                    <a:bodyPr/>
+                    <a:lstStyle/>
+                    <a:p>
+                      <a:pPr latinLnBrk="1">
+                        <a:defRPr/>
+                      </a:pPr>
+                      <a:endParaRPr lang="ko-KR" altLang="en-US" sz="1200"/>
+                    </a:p>
+                  </a:txBody>
+                  <a:tcPr marL="0" marR="0" marT="0" marB="0"/>
+                </a:tc>
+                <a:tc>
+                  <a:txBody>
+                    <a:bodyPr/>
+                    <a:lstStyle/>
+                    <a:p>
+                      <a:pPr latinLnBrk="1">
+                        <a:defRPr/>
+                      </a:pPr>
+                      <a:endParaRPr lang="ko-KR" altLang="en-US" sz="1200"/>
+                    </a:p>
+                  </a:txBody>
+                  <a:tcPr marL="0" marR="0" marT="0" marB="0"/>
+                </a:tc>
+                <a:tc>
+                  <a:txBody>
+                    <a:bodyPr/>
+                    <a:lstStyle/>
+                    <a:p>
+                      <a:pPr latinLnBrk="1">
+                        <a:defRPr/>
+                      </a:pPr>
+                      <a:endParaRPr lang="ko-KR" altLang="en-US" sz="1200"/>
+                    </a:p>
+                  </a:txBody>
+                  <a:tcPr marL="0" marR="0" marT="0" marB="0"/>
+                </a:tc>
+                <a:tc>
+                  <a:txBody>
+                    <a:bodyPr/>
+                    <a:lstStyle/>
+                    <a:p>
+                      <a:pPr latinLnBrk="1">
+                        <a:defRPr/>
+                      </a:pPr>
+                      <a:endParaRPr lang="ko-KR" altLang="en-US" sz="1200"/>
+                    </a:p>
+                  </a:txBody>
+                  <a:tcPr marL="0" marR="0" marT="0" marB="0"/>
+                </a:tc>
+                <a:tc>
+                  <a:txBody>
+                    <a:bodyPr/>
+                    <a:lstStyle/>
+                    <a:p>
+                      <a:pPr latinLnBrk="1">
+                        <a:defRPr/>
+                      </a:pPr>
+                      <a:endParaRPr lang="ko-KR" altLang="en-US" sz="1200"/>
+                    </a:p>
+                  </a:txBody>
+                  <a:tcPr marL="0" marR="0" marT="0" marB="0"/>
+                </a:tc>
+                <a:tc>
+                  <a:txBody>
+                    <a:bodyPr/>
+                    <a:lstStyle/>
+                    <a:p>
+                      <a:pPr latinLnBrk="1">
+                        <a:defRPr/>
+                      </a:pPr>
+                      <a:endParaRPr lang="ko-KR" altLang="en-US" sz="1200"/>
+                    </a:p>
+                  </a:txBody>
+                  <a:tcPr marL="0" marR="0" marT="0" marB="0"/>
+                </a:tc>
+                <a:tc>
+                  <a:txBody>
+                    <a:bodyPr/>
+                    <a:lstStyle/>
+                    <a:p>
+                      <a:pPr latinLnBrk="1">
+                        <a:defRPr/>
+                      </a:pPr>
+                      <a:endParaRPr lang="ko-KR" altLang="en-US" sz="1200"/>
+                    </a:p>
+                  </a:txBody>
+                  <a:tcPr marL="0" marR="0" marT="0" marB="0"/>
+                </a:tc>
+                <a:tc>
+                  <a:txBody>
+                    <a:bodyPr/>
+                    <a:lstStyle/>
+                    <a:p>
+                      <a:pPr latinLnBrk="1">
+                        <a:defRPr/>
+                      </a:pPr>
+                      <a:endParaRPr lang="ko-KR" altLang="en-US" sz="1200"/>
+                    </a:p>
+                  </a:txBody>
+                  <a:tcPr marL="0" marR="0" marT="0" marB="0"/>
+                </a:tc>
+                <a:tc>
+                  <a:txBody>
+                    <a:bodyPr/>
+                    <a:lstStyle/>
+                    <a:p>
+                      <a:pPr latinLnBrk="1">
+                        <a:defRPr/>
+                      </a:pPr>
+                      <a:endParaRPr lang="ko-KR" altLang="en-US" sz="1200"/>
+                    </a:p>
+                  </a:txBody>
+                  <a:tcPr marL="0" marR="0" marT="0" marB="0"/>
+                </a:tc>
+                <a:tc>
+                  <a:txBody>
+                    <a:bodyPr/>
+                    <a:lstStyle/>
+                    <a:p>
+                      <a:pPr latinLnBrk="1">
+                        <a:defRPr/>
+                      </a:pPr>
+                      <a:endParaRPr lang="ko-KR" altLang="en-US" sz="1200"/>
+                    </a:p>
+                  </a:txBody>
+                  <a:tcPr marL="0" marR="0" marT="0" marB="0"/>
+                </a:tc>
+                <a:tc>
+                  <a:txBody>
+                    <a:bodyPr/>
+                    <a:lstStyle/>
+                    <a:p>
+                      <a:pPr latinLnBrk="1">
+                        <a:defRPr/>
+                      </a:pPr>
+                      <a:endParaRPr lang="ko-KR" altLang="en-US" sz="1200"/>
+                    </a:p>
+                  </a:txBody>
+                  <a:tcPr marL="0" marR="0" marT="0" marB="0"/>
+                </a:tc>
+                <a:tc>
+                  <a:txBody>
+                    <a:bodyPr/>
+                    <a:lstStyle/>
+                    <a:p>
+                      <a:pPr latinLnBrk="1">
+                        <a:defRPr/>
+                      </a:pPr>
+                      <a:endParaRPr lang="ko-KR" altLang="en-US" sz="1200"/>
+                    </a:p>
+                  </a:txBody>
+                  <a:tcPr marL="0" marR="0" marT="0" marB="0"/>
+                </a:tc>
+                <a:tc>
+                  <a:txBody>
+                    <a:bodyPr/>
+                    <a:lstStyle/>
+                    <a:p>
+                      <a:pPr latinLnBrk="1">
+                        <a:defRPr/>
+                      </a:pPr>
+                      <a:endParaRPr lang="ko-KR" altLang="en-US" sz="1200"/>
+                    </a:p>
+                  </a:txBody>
+                  <a:tcPr marL="0" marR="0" marT="0" marB="0"/>
+                </a:tc>
+                <a:tc>
+                  <a:txBody>
+                    <a:bodyPr/>
+                    <a:lstStyle/>
                     <a:p>
                       <a:pPr latinLnBrk="1">
                         <a:defRPr/>
@@ -26265,7 +26736,8 @@
                 </a:tc>
                 <a:tc>
                   <a:txBody>
-                    <a:bodyPr vert="horz" lIns="0" tIns="0" rIns="0" bIns="0" anchor="t" anchorCtr="0"/>
+                    <a:bodyPr/>
+                    <a:lstStyle/>
                     <a:p>
                       <a:pPr latinLnBrk="1">
                         <a:defRPr/>
@@ -26281,7 +26753,8 @@
                 </a:tc>
                 <a:tc>
                   <a:txBody>
-                    <a:bodyPr vert="horz" lIns="0" tIns="0" rIns="0" bIns="0" anchor="t" anchorCtr="0"/>
+                    <a:bodyPr/>
+                    <a:lstStyle/>
                     <a:p>
                       <a:pPr latinLnBrk="1">
                         <a:defRPr/>
@@ -26297,7 +26770,8 @@
                 </a:tc>
                 <a:tc>
                   <a:txBody>
-                    <a:bodyPr vert="horz" lIns="0" tIns="0" rIns="0" bIns="0" anchor="t" anchorCtr="0"/>
+                    <a:bodyPr/>
+                    <a:lstStyle/>
                     <a:p>
                       <a:pPr latinLnBrk="1">
                         <a:defRPr/>
@@ -26313,153 +26787,171 @@
                 </a:tc>
                 <a:tc>
                   <a:txBody>
-                    <a:bodyPr vert="horz" lIns="0" tIns="0" rIns="0" bIns="0" anchor="t" anchorCtr="0"/>
-                    <a:p>
-                      <a:pPr latinLnBrk="1">
-                        <a:defRPr/>
-                      </a:pPr>
-                      <a:endParaRPr lang="ko-KR" altLang="en-US" sz="1200"/>
-                    </a:p>
-                  </a:txBody>
-                  <a:tcPr marL="0" marR="0" marT="0" marB="0"/>
-                </a:tc>
-                <a:tc>
-                  <a:txBody>
-                    <a:bodyPr vert="horz" lIns="0" tIns="0" rIns="0" bIns="0" anchor="t" anchorCtr="0"/>
-                    <a:p>
-                      <a:pPr latinLnBrk="1">
-                        <a:defRPr/>
-                      </a:pPr>
-                      <a:endParaRPr lang="ko-KR" altLang="en-US" sz="1200"/>
-                    </a:p>
-                  </a:txBody>
-                  <a:tcPr marL="0" marR="0" marT="0" marB="0"/>
-                </a:tc>
-                <a:tc>
-                  <a:txBody>
-                    <a:bodyPr vert="horz" lIns="0" tIns="0" rIns="0" bIns="0" anchor="t" anchorCtr="0"/>
-                    <a:p>
-                      <a:pPr latinLnBrk="1">
-                        <a:defRPr/>
-                      </a:pPr>
-                      <a:endParaRPr lang="ko-KR" altLang="en-US" sz="1200"/>
-                    </a:p>
-                  </a:txBody>
-                  <a:tcPr marL="0" marR="0" marT="0" marB="0"/>
-                </a:tc>
-                <a:tc>
-                  <a:txBody>
-                    <a:bodyPr vert="horz" lIns="0" tIns="0" rIns="0" bIns="0" anchor="t" anchorCtr="0"/>
-                    <a:p>
-                      <a:pPr latinLnBrk="1">
-                        <a:defRPr/>
-                      </a:pPr>
-                      <a:endParaRPr lang="ko-KR" altLang="en-US" sz="1200"/>
-                    </a:p>
-                  </a:txBody>
-                  <a:tcPr marL="0" marR="0" marT="0" marB="0"/>
-                </a:tc>
-                <a:tc>
-                  <a:txBody>
-                    <a:bodyPr vert="horz" lIns="0" tIns="0" rIns="0" bIns="0" anchor="t" anchorCtr="0"/>
-                    <a:p>
-                      <a:pPr latinLnBrk="1">
-                        <a:defRPr/>
-                      </a:pPr>
-                      <a:endParaRPr lang="ko-KR" altLang="en-US" sz="1200"/>
-                    </a:p>
-                  </a:txBody>
-                  <a:tcPr marL="0" marR="0" marT="0" marB="0"/>
-                </a:tc>
-                <a:tc>
-                  <a:txBody>
-                    <a:bodyPr vert="horz" lIns="0" tIns="0" rIns="0" bIns="0" anchor="t" anchorCtr="0"/>
-                    <a:p>
-                      <a:pPr latinLnBrk="1">
-                        <a:defRPr/>
-                      </a:pPr>
-                      <a:endParaRPr lang="ko-KR" altLang="en-US" sz="1200"/>
-                    </a:p>
-                  </a:txBody>
-                  <a:tcPr marL="0" marR="0" marT="0" marB="0"/>
-                </a:tc>
-                <a:tc>
-                  <a:txBody>
-                    <a:bodyPr vert="horz" lIns="0" tIns="0" rIns="0" bIns="0" anchor="t" anchorCtr="0"/>
-                    <a:p>
-                      <a:pPr latinLnBrk="1">
-                        <a:defRPr/>
-                      </a:pPr>
-                      <a:endParaRPr lang="ko-KR" altLang="en-US" sz="1200"/>
-                    </a:p>
-                  </a:txBody>
-                  <a:tcPr marL="0" marR="0" marT="0" marB="0"/>
-                </a:tc>
-                <a:tc>
-                  <a:txBody>
-                    <a:bodyPr vert="horz" lIns="0" tIns="0" rIns="0" bIns="0" anchor="t" anchorCtr="0"/>
-                    <a:p>
-                      <a:pPr latinLnBrk="1">
-                        <a:defRPr/>
-                      </a:pPr>
-                      <a:endParaRPr lang="ko-KR" altLang="en-US" sz="1200"/>
-                    </a:p>
-                  </a:txBody>
-                  <a:tcPr marL="0" marR="0" marT="0" marB="0"/>
-                </a:tc>
-                <a:tc>
-                  <a:txBody>
-                    <a:bodyPr vert="horz" lIns="0" tIns="0" rIns="0" bIns="0" anchor="t" anchorCtr="0"/>
-                    <a:p>
-                      <a:pPr latinLnBrk="1">
-                        <a:defRPr/>
-                      </a:pPr>
-                      <a:endParaRPr lang="ko-KR" altLang="en-US" sz="1200"/>
-                    </a:p>
-                  </a:txBody>
-                  <a:tcPr marL="0" marR="0" marT="0" marB="0"/>
-                </a:tc>
-                <a:tc>
-                  <a:txBody>
-                    <a:bodyPr vert="horz" lIns="0" tIns="0" rIns="0" bIns="0" anchor="t" anchorCtr="0"/>
-                    <a:p>
-                      <a:pPr latinLnBrk="1">
-                        <a:defRPr/>
-                      </a:pPr>
-                      <a:endParaRPr lang="ko-KR" altLang="en-US" sz="1200"/>
-                    </a:p>
-                  </a:txBody>
-                  <a:tcPr marL="0" marR="0" marT="0" marB="0"/>
-                </a:tc>
-                <a:tc>
-                  <a:txBody>
-                    <a:bodyPr vert="horz" lIns="0" tIns="0" rIns="0" bIns="0" anchor="t" anchorCtr="0"/>
-                    <a:p>
-                      <a:pPr latinLnBrk="1">
-                        <a:defRPr/>
-                      </a:pPr>
-                      <a:endParaRPr lang="ko-KR" altLang="en-US" sz="1200"/>
-                    </a:p>
-                  </a:txBody>
-                  <a:tcPr marL="0" marR="0" marT="0" marB="0"/>
-                </a:tc>
-                <a:tc>
-                  <a:txBody>
-                    <a:bodyPr vert="horz" lIns="0" tIns="0" rIns="0" bIns="0" anchor="t" anchorCtr="0"/>
-                    <a:p>
-                      <a:pPr latinLnBrk="1">
-                        <a:defRPr/>
-                      </a:pPr>
-                      <a:endParaRPr lang="ko-KR" altLang="en-US" sz="1200"/>
-                    </a:p>
-                  </a:txBody>
-                  <a:tcPr marL="0" marR="0" marT="0" marB="0"/>
-                </a:tc>
+                    <a:bodyPr/>
+                    <a:lstStyle/>
+                    <a:p>
+                      <a:pPr latinLnBrk="1">
+                        <a:defRPr/>
+                      </a:pPr>
+                      <a:endParaRPr lang="ko-KR" altLang="en-US" sz="1200"/>
+                    </a:p>
+                  </a:txBody>
+                  <a:tcPr marL="0" marR="0" marT="0" marB="0"/>
+                </a:tc>
+                <a:tc>
+                  <a:txBody>
+                    <a:bodyPr/>
+                    <a:lstStyle/>
+                    <a:p>
+                      <a:pPr latinLnBrk="1">
+                        <a:defRPr/>
+                      </a:pPr>
+                      <a:endParaRPr lang="ko-KR" altLang="en-US" sz="1200"/>
+                    </a:p>
+                  </a:txBody>
+                  <a:tcPr marL="0" marR="0" marT="0" marB="0"/>
+                </a:tc>
+                <a:tc>
+                  <a:txBody>
+                    <a:bodyPr/>
+                    <a:lstStyle/>
+                    <a:p>
+                      <a:pPr latinLnBrk="1">
+                        <a:defRPr/>
+                      </a:pPr>
+                      <a:endParaRPr lang="ko-KR" altLang="en-US" sz="1200"/>
+                    </a:p>
+                  </a:txBody>
+                  <a:tcPr marL="0" marR="0" marT="0" marB="0"/>
+                </a:tc>
+                <a:tc>
+                  <a:txBody>
+                    <a:bodyPr/>
+                    <a:lstStyle/>
+                    <a:p>
+                      <a:pPr latinLnBrk="1">
+                        <a:defRPr/>
+                      </a:pPr>
+                      <a:endParaRPr lang="ko-KR" altLang="en-US" sz="1200"/>
+                    </a:p>
+                  </a:txBody>
+                  <a:tcPr marL="0" marR="0" marT="0" marB="0"/>
+                </a:tc>
+                <a:tc>
+                  <a:txBody>
+                    <a:bodyPr/>
+                    <a:lstStyle/>
+                    <a:p>
+                      <a:pPr latinLnBrk="1">
+                        <a:defRPr/>
+                      </a:pPr>
+                      <a:endParaRPr lang="ko-KR" altLang="en-US" sz="1200"/>
+                    </a:p>
+                  </a:txBody>
+                  <a:tcPr marL="0" marR="0" marT="0" marB="0"/>
+                </a:tc>
+                <a:tc>
+                  <a:txBody>
+                    <a:bodyPr/>
+                    <a:lstStyle/>
+                    <a:p>
+                      <a:pPr latinLnBrk="1">
+                        <a:defRPr/>
+                      </a:pPr>
+                      <a:endParaRPr lang="ko-KR" altLang="en-US" sz="1200"/>
+                    </a:p>
+                  </a:txBody>
+                  <a:tcPr marL="0" marR="0" marT="0" marB="0"/>
+                </a:tc>
+                <a:tc>
+                  <a:txBody>
+                    <a:bodyPr/>
+                    <a:lstStyle/>
+                    <a:p>
+                      <a:pPr latinLnBrk="1">
+                        <a:defRPr/>
+                      </a:pPr>
+                      <a:endParaRPr lang="ko-KR" altLang="en-US" sz="1200"/>
+                    </a:p>
+                  </a:txBody>
+                  <a:tcPr marL="0" marR="0" marT="0" marB="0"/>
+                </a:tc>
+                <a:tc>
+                  <a:txBody>
+                    <a:bodyPr/>
+                    <a:lstStyle/>
+                    <a:p>
+                      <a:pPr latinLnBrk="1">
+                        <a:defRPr/>
+                      </a:pPr>
+                      <a:endParaRPr lang="ko-KR" altLang="en-US" sz="1200"/>
+                    </a:p>
+                  </a:txBody>
+                  <a:tcPr marL="0" marR="0" marT="0" marB="0"/>
+                </a:tc>
+                <a:tc>
+                  <a:txBody>
+                    <a:bodyPr/>
+                    <a:lstStyle/>
+                    <a:p>
+                      <a:pPr latinLnBrk="1">
+                        <a:defRPr/>
+                      </a:pPr>
+                      <a:endParaRPr lang="ko-KR" altLang="en-US" sz="1200"/>
+                    </a:p>
+                  </a:txBody>
+                  <a:tcPr marL="0" marR="0" marT="0" marB="0"/>
+                </a:tc>
+                <a:tc>
+                  <a:txBody>
+                    <a:bodyPr/>
+                    <a:lstStyle/>
+                    <a:p>
+                      <a:pPr latinLnBrk="1">
+                        <a:defRPr/>
+                      </a:pPr>
+                      <a:endParaRPr lang="ko-KR" altLang="en-US" sz="1200"/>
+                    </a:p>
+                  </a:txBody>
+                  <a:tcPr marL="0" marR="0" marT="0" marB="0"/>
+                </a:tc>
+                <a:tc>
+                  <a:txBody>
+                    <a:bodyPr/>
+                    <a:lstStyle/>
+                    <a:p>
+                      <a:pPr latinLnBrk="1">
+                        <a:defRPr/>
+                      </a:pPr>
+                      <a:endParaRPr lang="ko-KR" altLang="en-US" sz="1200"/>
+                    </a:p>
+                  </a:txBody>
+                  <a:tcPr marL="0" marR="0" marT="0" marB="0"/>
+                </a:tc>
+                <a:tc>
+                  <a:txBody>
+                    <a:bodyPr/>
+                    <a:lstStyle/>
+                    <a:p>
+                      <a:pPr latinLnBrk="1">
+                        <a:defRPr/>
+                      </a:pPr>
+                      <a:endParaRPr lang="ko-KR" altLang="en-US" sz="1200"/>
+                    </a:p>
+                  </a:txBody>
+                  <a:tcPr marL="0" marR="0" marT="0" marB="0"/>
+                </a:tc>
+                <a:extLst>
+                  <a:ext uri="{0D108BD9-81ED-4DB2-BD59-A6C34878D82A}">
+                    <a16:rowId xmlns:a16="http://schemas.microsoft.com/office/drawing/2014/main" val="10007"/>
+                  </a:ext>
+                </a:extLst>
               </a:tr>
               <a:tr h="0">
                 <a:tc>
                   <a:txBody>
-                    <a:bodyPr vert="horz" lIns="0" tIns="0" rIns="0" bIns="0" anchor="t" anchorCtr="0"/>
+                    <a:bodyPr/>
+                    <a:lstStyle/>
                     <a:p>
                       <a:pPr algn="ctr" latinLnBrk="1">
                         <a:defRPr/>
@@ -26471,305 +26963,326 @@
                         </a:rPr>
                         <a:t>서버 최적화</a:t>
                       </a:r>
-                      <a:endParaRPr lang="ko-KR" altLang="en-US" sz="1000">
-                        <a:latin typeface="맑은 고딕"/>
-                        <a:ea typeface="맑은 고딕"/>
-                      </a:endParaRPr>
-                    </a:p>
-                  </a:txBody>
-                  <a:tcPr marL="0" marR="0" marT="0" marB="0"/>
-                </a:tc>
-                <a:tc>
-                  <a:txBody>
-                    <a:bodyPr vert="horz" lIns="0" tIns="0" rIns="0" bIns="0" anchor="t" anchorCtr="0"/>
-                    <a:p>
-                      <a:pPr latinLnBrk="1">
-                        <a:defRPr/>
-                      </a:pPr>
-                      <a:endParaRPr lang="ko-KR" altLang="en-US" sz="1200"/>
-                    </a:p>
-                  </a:txBody>
-                  <a:tcPr marL="0" marR="0" marT="0" marB="0"/>
-                </a:tc>
-                <a:tc>
-                  <a:txBody>
-                    <a:bodyPr vert="horz" lIns="0" tIns="0" rIns="0" bIns="0" anchor="t" anchorCtr="0"/>
-                    <a:p>
-                      <a:pPr latinLnBrk="1">
-                        <a:defRPr/>
-                      </a:pPr>
-                      <a:endParaRPr lang="ko-KR" altLang="en-US" sz="1200"/>
-                    </a:p>
-                  </a:txBody>
-                  <a:tcPr marL="0" marR="0" marT="0" marB="0"/>
-                </a:tc>
-                <a:tc>
-                  <a:txBody>
-                    <a:bodyPr vert="horz" lIns="0" tIns="0" rIns="0" bIns="0" anchor="t" anchorCtr="0"/>
-                    <a:p>
-                      <a:pPr latinLnBrk="1">
-                        <a:defRPr/>
-                      </a:pPr>
-                      <a:endParaRPr lang="ko-KR" altLang="en-US" sz="1200"/>
-                    </a:p>
-                  </a:txBody>
-                  <a:tcPr marL="0" marR="0" marT="0" marB="0"/>
-                </a:tc>
-                <a:tc>
-                  <a:txBody>
-                    <a:bodyPr vert="horz" lIns="0" tIns="0" rIns="0" bIns="0" anchor="t" anchorCtr="0"/>
-                    <a:p>
-                      <a:pPr latinLnBrk="1">
-                        <a:defRPr/>
-                      </a:pPr>
-                      <a:endParaRPr lang="ko-KR" altLang="en-US" sz="1200"/>
-                    </a:p>
-                  </a:txBody>
-                  <a:tcPr marL="0" marR="0" marT="0" marB="0"/>
-                </a:tc>
-                <a:tc>
-                  <a:txBody>
-                    <a:bodyPr vert="horz" lIns="0" tIns="0" rIns="0" bIns="0" anchor="t" anchorCtr="0"/>
-                    <a:p>
-                      <a:pPr latinLnBrk="1">
-                        <a:defRPr/>
-                      </a:pPr>
-                      <a:endParaRPr lang="ko-KR" altLang="en-US" sz="1200"/>
-                    </a:p>
-                  </a:txBody>
-                  <a:tcPr marL="0" marR="0" marT="0" marB="0"/>
-                </a:tc>
-                <a:tc>
-                  <a:txBody>
-                    <a:bodyPr vert="horz" lIns="0" tIns="0" rIns="0" bIns="0" anchor="t" anchorCtr="0"/>
-                    <a:p>
-                      <a:pPr latinLnBrk="1">
-                        <a:defRPr/>
-                      </a:pPr>
-                      <a:endParaRPr lang="ko-KR" altLang="en-US" sz="1200"/>
-                    </a:p>
-                  </a:txBody>
-                  <a:tcPr marL="0" marR="0" marT="0" marB="0"/>
-                </a:tc>
-                <a:tc>
-                  <a:txBody>
-                    <a:bodyPr vert="horz" lIns="0" tIns="0" rIns="0" bIns="0" anchor="t" anchorCtr="0"/>
-                    <a:p>
-                      <a:pPr latinLnBrk="1">
-                        <a:defRPr/>
-                      </a:pPr>
-                      <a:endParaRPr lang="ko-KR" altLang="en-US" sz="1200"/>
-                    </a:p>
-                  </a:txBody>
-                  <a:tcPr marL="0" marR="0" marT="0" marB="0"/>
-                </a:tc>
-                <a:tc>
-                  <a:txBody>
-                    <a:bodyPr vert="horz" lIns="0" tIns="0" rIns="0" bIns="0" anchor="t" anchorCtr="0"/>
-                    <a:p>
-                      <a:pPr latinLnBrk="1">
-                        <a:defRPr/>
-                      </a:pPr>
-                      <a:endParaRPr lang="ko-KR" altLang="en-US" sz="1200"/>
-                    </a:p>
-                  </a:txBody>
-                  <a:tcPr marL="0" marR="0" marT="0" marB="0"/>
-                </a:tc>
-                <a:tc>
-                  <a:txBody>
-                    <a:bodyPr vert="horz" lIns="0" tIns="0" rIns="0" bIns="0" anchor="t" anchorCtr="0"/>
-                    <a:p>
-                      <a:pPr latinLnBrk="1">
-                        <a:defRPr/>
-                      </a:pPr>
-                      <a:endParaRPr lang="ko-KR" altLang="en-US" sz="1200"/>
-                    </a:p>
-                  </a:txBody>
-                  <a:tcPr marL="0" marR="0" marT="0" marB="0"/>
-                </a:tc>
-                <a:tc>
-                  <a:txBody>
-                    <a:bodyPr vert="horz" lIns="0" tIns="0" rIns="0" bIns="0" anchor="t" anchorCtr="0"/>
-                    <a:p>
-                      <a:pPr latinLnBrk="1">
-                        <a:defRPr/>
-                      </a:pPr>
-                      <a:endParaRPr lang="ko-KR" altLang="en-US" sz="1200"/>
-                    </a:p>
-                  </a:txBody>
-                  <a:tcPr marL="0" marR="0" marT="0" marB="0"/>
-                </a:tc>
-                <a:tc>
-                  <a:txBody>
-                    <a:bodyPr vert="horz" lIns="0" tIns="0" rIns="0" bIns="0" anchor="t" anchorCtr="0"/>
-                    <a:p>
-                      <a:pPr latinLnBrk="1">
-                        <a:defRPr/>
-                      </a:pPr>
-                      <a:endParaRPr lang="ko-KR" altLang="en-US" sz="1200"/>
-                    </a:p>
-                  </a:txBody>
-                  <a:tcPr marL="0" marR="0" marT="0" marB="0"/>
-                </a:tc>
-                <a:tc>
-                  <a:txBody>
-                    <a:bodyPr vert="horz" lIns="0" tIns="0" rIns="0" bIns="0" anchor="t" anchorCtr="0"/>
-                    <a:p>
-                      <a:pPr latinLnBrk="1">
-                        <a:defRPr/>
-                      </a:pPr>
-                      <a:endParaRPr lang="ko-KR" altLang="en-US" sz="1200"/>
-                    </a:p>
-                  </a:txBody>
-                  <a:tcPr marL="0" marR="0" marT="0" marB="0"/>
-                </a:tc>
-                <a:tc>
-                  <a:txBody>
-                    <a:bodyPr vert="horz" lIns="0" tIns="0" rIns="0" bIns="0" anchor="t" anchorCtr="0"/>
-                    <a:p>
-                      <a:pPr latinLnBrk="1">
-                        <a:defRPr/>
-                      </a:pPr>
-                      <a:endParaRPr lang="ko-KR" altLang="en-US" sz="1200"/>
-                    </a:p>
-                  </a:txBody>
-                  <a:tcPr marL="0" marR="0" marT="0" marB="0"/>
-                </a:tc>
-                <a:tc>
-                  <a:txBody>
-                    <a:bodyPr vert="horz" lIns="0" tIns="0" rIns="0" bIns="0" anchor="t" anchorCtr="0"/>
-                    <a:p>
-                      <a:pPr latinLnBrk="1">
-                        <a:defRPr/>
-                      </a:pPr>
-                      <a:endParaRPr lang="ko-KR" altLang="en-US" sz="1200"/>
-                    </a:p>
-                  </a:txBody>
-                  <a:tcPr marL="0" marR="0" marT="0" marB="0"/>
-                </a:tc>
-                <a:tc>
-                  <a:txBody>
-                    <a:bodyPr vert="horz" lIns="0" tIns="0" rIns="0" bIns="0" anchor="t" anchorCtr="0"/>
-                    <a:p>
-                      <a:pPr latinLnBrk="1">
-                        <a:defRPr/>
-                      </a:pPr>
-                      <a:endParaRPr lang="ko-KR" altLang="en-US" sz="1200"/>
-                    </a:p>
-                  </a:txBody>
-                  <a:tcPr marL="0" marR="0" marT="0" marB="0"/>
-                </a:tc>
-                <a:tc>
-                  <a:txBody>
-                    <a:bodyPr vert="horz" lIns="0" tIns="0" rIns="0" bIns="0" anchor="t" anchorCtr="0"/>
-                    <a:p>
-                      <a:pPr latinLnBrk="1">
-                        <a:defRPr/>
-                      </a:pPr>
-                      <a:endParaRPr lang="ko-KR" altLang="en-US" sz="1200"/>
-                    </a:p>
-                  </a:txBody>
-                  <a:tcPr marL="0" marR="0" marT="0" marB="0"/>
-                </a:tc>
-                <a:tc>
-                  <a:txBody>
-                    <a:bodyPr vert="horz" lIns="0" tIns="0" rIns="0" bIns="0" anchor="t" anchorCtr="0"/>
-                    <a:p>
-                      <a:pPr latinLnBrk="1">
-                        <a:defRPr/>
-                      </a:pPr>
-                      <a:endParaRPr lang="ko-KR" altLang="en-US" sz="1200"/>
-                    </a:p>
-                  </a:txBody>
-                  <a:tcPr marL="0" marR="0" marT="0" marB="0"/>
-                </a:tc>
-                <a:tc>
-                  <a:txBody>
-                    <a:bodyPr vert="horz" lIns="0" tIns="0" rIns="0" bIns="0" anchor="t" anchorCtr="0"/>
-                    <a:p>
-                      <a:pPr latinLnBrk="1">
-                        <a:defRPr/>
-                      </a:pPr>
-                      <a:endParaRPr lang="ko-KR" altLang="en-US" sz="1200"/>
-                    </a:p>
-                  </a:txBody>
-                  <a:tcPr marL="0" marR="0" marT="0" marB="0"/>
-                </a:tc>
-                <a:tc>
-                  <a:txBody>
-                    <a:bodyPr vert="horz" lIns="0" tIns="0" rIns="0" bIns="0" anchor="t" anchorCtr="0"/>
-                    <a:p>
-                      <a:pPr latinLnBrk="1">
-                        <a:defRPr/>
-                      </a:pPr>
-                      <a:endParaRPr lang="ko-KR" altLang="en-US" sz="1200"/>
-                    </a:p>
-                  </a:txBody>
-                  <a:tcPr marL="0" marR="0" marT="0" marB="0"/>
-                </a:tc>
-                <a:tc>
-                  <a:txBody>
-                    <a:bodyPr vert="horz" lIns="0" tIns="0" rIns="0" bIns="0" anchor="t" anchorCtr="0"/>
-                    <a:p>
-                      <a:pPr latinLnBrk="1">
-                        <a:defRPr/>
-                      </a:pPr>
-                      <a:endParaRPr lang="ko-KR" altLang="en-US" sz="1200"/>
-                    </a:p>
-                  </a:txBody>
-                  <a:tcPr marL="0" marR="0" marT="0" marB="0"/>
-                </a:tc>
-                <a:tc>
-                  <a:txBody>
-                    <a:bodyPr vert="horz" lIns="0" tIns="0" rIns="0" bIns="0" anchor="t" anchorCtr="0"/>
-                    <a:p>
-                      <a:pPr latinLnBrk="1">
-                        <a:defRPr/>
-                      </a:pPr>
-                      <a:endParaRPr lang="ko-KR" altLang="en-US" sz="1200"/>
-                    </a:p>
-                  </a:txBody>
-                  <a:tcPr marL="0" marR="0" marT="0" marB="0"/>
-                </a:tc>
-                <a:tc>
-                  <a:txBody>
-                    <a:bodyPr vert="horz" lIns="0" tIns="0" rIns="0" bIns="0" anchor="t" anchorCtr="0"/>
-                    <a:p>
-                      <a:pPr latinLnBrk="1">
-                        <a:defRPr/>
-                      </a:pPr>
-                      <a:endParaRPr lang="ko-KR" altLang="en-US" sz="1200"/>
-                    </a:p>
-                  </a:txBody>
-                  <a:tcPr marL="0" marR="0" marT="0" marB="0"/>
-                </a:tc>
-                <a:tc>
-                  <a:txBody>
-                    <a:bodyPr vert="horz" lIns="0" tIns="0" rIns="0" bIns="0" anchor="t" anchorCtr="0"/>
-                    <a:p>
-                      <a:pPr latinLnBrk="1">
-                        <a:defRPr/>
-                      </a:pPr>
-                      <a:endParaRPr lang="ko-KR" altLang="en-US" sz="1200"/>
-                    </a:p>
-                  </a:txBody>
-                  <a:tcPr marL="0" marR="0" marT="0" marB="0"/>
-                </a:tc>
-                <a:tc>
-                  <a:txBody>
-                    <a:bodyPr vert="horz" lIns="0" tIns="0" rIns="0" bIns="0" anchor="t" anchorCtr="0"/>
-                    <a:p>
-                      <a:pPr latinLnBrk="1">
-                        <a:defRPr/>
-                      </a:pPr>
-                      <a:endParaRPr lang="ko-KR" altLang="en-US" sz="1200"/>
-                    </a:p>
-                  </a:txBody>
-                  <a:tcPr marL="0" marR="0" marT="0" marB="0"/>
-                </a:tc>
-                <a:tc>
-                  <a:txBody>
-                    <a:bodyPr vert="horz" lIns="0" tIns="0" rIns="0" bIns="0" anchor="t" anchorCtr="0"/>
+                    </a:p>
+                  </a:txBody>
+                  <a:tcPr marL="0" marR="0" marT="0" marB="0"/>
+                </a:tc>
+                <a:tc>
+                  <a:txBody>
+                    <a:bodyPr/>
+                    <a:lstStyle/>
+                    <a:p>
+                      <a:pPr latinLnBrk="1">
+                        <a:defRPr/>
+                      </a:pPr>
+                      <a:endParaRPr lang="ko-KR" altLang="en-US" sz="1200"/>
+                    </a:p>
+                  </a:txBody>
+                  <a:tcPr marL="0" marR="0" marT="0" marB="0"/>
+                </a:tc>
+                <a:tc>
+                  <a:txBody>
+                    <a:bodyPr/>
+                    <a:lstStyle/>
+                    <a:p>
+                      <a:pPr latinLnBrk="1">
+                        <a:defRPr/>
+                      </a:pPr>
+                      <a:endParaRPr lang="ko-KR" altLang="en-US" sz="1200"/>
+                    </a:p>
+                  </a:txBody>
+                  <a:tcPr marL="0" marR="0" marT="0" marB="0"/>
+                </a:tc>
+                <a:tc>
+                  <a:txBody>
+                    <a:bodyPr/>
+                    <a:lstStyle/>
+                    <a:p>
+                      <a:pPr latinLnBrk="1">
+                        <a:defRPr/>
+                      </a:pPr>
+                      <a:endParaRPr lang="ko-KR" altLang="en-US" sz="1200"/>
+                    </a:p>
+                  </a:txBody>
+                  <a:tcPr marL="0" marR="0" marT="0" marB="0"/>
+                </a:tc>
+                <a:tc>
+                  <a:txBody>
+                    <a:bodyPr/>
+                    <a:lstStyle/>
+                    <a:p>
+                      <a:pPr latinLnBrk="1">
+                        <a:defRPr/>
+                      </a:pPr>
+                      <a:endParaRPr lang="ko-KR" altLang="en-US" sz="1200"/>
+                    </a:p>
+                  </a:txBody>
+                  <a:tcPr marL="0" marR="0" marT="0" marB="0"/>
+                </a:tc>
+                <a:tc>
+                  <a:txBody>
+                    <a:bodyPr/>
+                    <a:lstStyle/>
+                    <a:p>
+                      <a:pPr latinLnBrk="1">
+                        <a:defRPr/>
+                      </a:pPr>
+                      <a:endParaRPr lang="ko-KR" altLang="en-US" sz="1200"/>
+                    </a:p>
+                  </a:txBody>
+                  <a:tcPr marL="0" marR="0" marT="0" marB="0"/>
+                </a:tc>
+                <a:tc>
+                  <a:txBody>
+                    <a:bodyPr/>
+                    <a:lstStyle/>
+                    <a:p>
+                      <a:pPr latinLnBrk="1">
+                        <a:defRPr/>
+                      </a:pPr>
+                      <a:endParaRPr lang="ko-KR" altLang="en-US" sz="1200"/>
+                    </a:p>
+                  </a:txBody>
+                  <a:tcPr marL="0" marR="0" marT="0" marB="0"/>
+                </a:tc>
+                <a:tc>
+                  <a:txBody>
+                    <a:bodyPr/>
+                    <a:lstStyle/>
+                    <a:p>
+                      <a:pPr latinLnBrk="1">
+                        <a:defRPr/>
+                      </a:pPr>
+                      <a:endParaRPr lang="ko-KR" altLang="en-US" sz="1200"/>
+                    </a:p>
+                  </a:txBody>
+                  <a:tcPr marL="0" marR="0" marT="0" marB="0"/>
+                </a:tc>
+                <a:tc>
+                  <a:txBody>
+                    <a:bodyPr/>
+                    <a:lstStyle/>
+                    <a:p>
+                      <a:pPr latinLnBrk="1">
+                        <a:defRPr/>
+                      </a:pPr>
+                      <a:endParaRPr lang="ko-KR" altLang="en-US" sz="1200"/>
+                    </a:p>
+                  </a:txBody>
+                  <a:tcPr marL="0" marR="0" marT="0" marB="0"/>
+                </a:tc>
+                <a:tc>
+                  <a:txBody>
+                    <a:bodyPr/>
+                    <a:lstStyle/>
+                    <a:p>
+                      <a:pPr latinLnBrk="1">
+                        <a:defRPr/>
+                      </a:pPr>
+                      <a:endParaRPr lang="ko-KR" altLang="en-US" sz="1200"/>
+                    </a:p>
+                  </a:txBody>
+                  <a:tcPr marL="0" marR="0" marT="0" marB="0"/>
+                </a:tc>
+                <a:tc>
+                  <a:txBody>
+                    <a:bodyPr/>
+                    <a:lstStyle/>
+                    <a:p>
+                      <a:pPr latinLnBrk="1">
+                        <a:defRPr/>
+                      </a:pPr>
+                      <a:endParaRPr lang="ko-KR" altLang="en-US" sz="1200"/>
+                    </a:p>
+                  </a:txBody>
+                  <a:tcPr marL="0" marR="0" marT="0" marB="0"/>
+                </a:tc>
+                <a:tc>
+                  <a:txBody>
+                    <a:bodyPr/>
+                    <a:lstStyle/>
+                    <a:p>
+                      <a:pPr latinLnBrk="1">
+                        <a:defRPr/>
+                      </a:pPr>
+                      <a:endParaRPr lang="ko-KR" altLang="en-US" sz="1200"/>
+                    </a:p>
+                  </a:txBody>
+                  <a:tcPr marL="0" marR="0" marT="0" marB="0"/>
+                </a:tc>
+                <a:tc>
+                  <a:txBody>
+                    <a:bodyPr/>
+                    <a:lstStyle/>
+                    <a:p>
+                      <a:pPr latinLnBrk="1">
+                        <a:defRPr/>
+                      </a:pPr>
+                      <a:endParaRPr lang="ko-KR" altLang="en-US" sz="1200"/>
+                    </a:p>
+                  </a:txBody>
+                  <a:tcPr marL="0" marR="0" marT="0" marB="0"/>
+                </a:tc>
+                <a:tc>
+                  <a:txBody>
+                    <a:bodyPr/>
+                    <a:lstStyle/>
+                    <a:p>
+                      <a:pPr latinLnBrk="1">
+                        <a:defRPr/>
+                      </a:pPr>
+                      <a:endParaRPr lang="ko-KR" altLang="en-US" sz="1200"/>
+                    </a:p>
+                  </a:txBody>
+                  <a:tcPr marL="0" marR="0" marT="0" marB="0"/>
+                </a:tc>
+                <a:tc>
+                  <a:txBody>
+                    <a:bodyPr/>
+                    <a:lstStyle/>
+                    <a:p>
+                      <a:pPr latinLnBrk="1">
+                        <a:defRPr/>
+                      </a:pPr>
+                      <a:endParaRPr lang="ko-KR" altLang="en-US" sz="1200"/>
+                    </a:p>
+                  </a:txBody>
+                  <a:tcPr marL="0" marR="0" marT="0" marB="0"/>
+                </a:tc>
+                <a:tc>
+                  <a:txBody>
+                    <a:bodyPr/>
+                    <a:lstStyle/>
+                    <a:p>
+                      <a:pPr latinLnBrk="1">
+                        <a:defRPr/>
+                      </a:pPr>
+                      <a:endParaRPr lang="ko-KR" altLang="en-US" sz="1200"/>
+                    </a:p>
+                  </a:txBody>
+                  <a:tcPr marL="0" marR="0" marT="0" marB="0"/>
+                </a:tc>
+                <a:tc>
+                  <a:txBody>
+                    <a:bodyPr/>
+                    <a:lstStyle/>
+                    <a:p>
+                      <a:pPr latinLnBrk="1">
+                        <a:defRPr/>
+                      </a:pPr>
+                      <a:endParaRPr lang="ko-KR" altLang="en-US" sz="1200"/>
+                    </a:p>
+                  </a:txBody>
+                  <a:tcPr marL="0" marR="0" marT="0" marB="0"/>
+                </a:tc>
+                <a:tc>
+                  <a:txBody>
+                    <a:bodyPr/>
+                    <a:lstStyle/>
+                    <a:p>
+                      <a:pPr latinLnBrk="1">
+                        <a:defRPr/>
+                      </a:pPr>
+                      <a:endParaRPr lang="ko-KR" altLang="en-US" sz="1200"/>
+                    </a:p>
+                  </a:txBody>
+                  <a:tcPr marL="0" marR="0" marT="0" marB="0"/>
+                </a:tc>
+                <a:tc>
+                  <a:txBody>
+                    <a:bodyPr/>
+                    <a:lstStyle/>
+                    <a:p>
+                      <a:pPr latinLnBrk="1">
+                        <a:defRPr/>
+                      </a:pPr>
+                      <a:endParaRPr lang="ko-KR" altLang="en-US" sz="1200"/>
+                    </a:p>
+                  </a:txBody>
+                  <a:tcPr marL="0" marR="0" marT="0" marB="0"/>
+                </a:tc>
+                <a:tc>
+                  <a:txBody>
+                    <a:bodyPr/>
+                    <a:lstStyle/>
+                    <a:p>
+                      <a:pPr latinLnBrk="1">
+                        <a:defRPr/>
+                      </a:pPr>
+                      <a:endParaRPr lang="ko-KR" altLang="en-US" sz="1200"/>
+                    </a:p>
+                  </a:txBody>
+                  <a:tcPr marL="0" marR="0" marT="0" marB="0"/>
+                </a:tc>
+                <a:tc>
+                  <a:txBody>
+                    <a:bodyPr/>
+                    <a:lstStyle/>
+                    <a:p>
+                      <a:pPr latinLnBrk="1">
+                        <a:defRPr/>
+                      </a:pPr>
+                      <a:endParaRPr lang="ko-KR" altLang="en-US" sz="1200"/>
+                    </a:p>
+                  </a:txBody>
+                  <a:tcPr marL="0" marR="0" marT="0" marB="0"/>
+                </a:tc>
+                <a:tc>
+                  <a:txBody>
+                    <a:bodyPr/>
+                    <a:lstStyle/>
+                    <a:p>
+                      <a:pPr latinLnBrk="1">
+                        <a:defRPr/>
+                      </a:pPr>
+                      <a:endParaRPr lang="ko-KR" altLang="en-US" sz="1200"/>
+                    </a:p>
+                  </a:txBody>
+                  <a:tcPr marL="0" marR="0" marT="0" marB="0"/>
+                </a:tc>
+                <a:tc>
+                  <a:txBody>
+                    <a:bodyPr/>
+                    <a:lstStyle/>
+                    <a:p>
+                      <a:pPr latinLnBrk="1">
+                        <a:defRPr/>
+                      </a:pPr>
+                      <a:endParaRPr lang="ko-KR" altLang="en-US" sz="1200"/>
+                    </a:p>
+                  </a:txBody>
+                  <a:tcPr marL="0" marR="0" marT="0" marB="0"/>
+                </a:tc>
+                <a:tc>
+                  <a:txBody>
+                    <a:bodyPr/>
+                    <a:lstStyle/>
+                    <a:p>
+                      <a:pPr latinLnBrk="1">
+                        <a:defRPr/>
+                      </a:pPr>
+                      <a:endParaRPr lang="ko-KR" altLang="en-US" sz="1200"/>
+                    </a:p>
+                  </a:txBody>
+                  <a:tcPr marL="0" marR="0" marT="0" marB="0"/>
+                </a:tc>
+                <a:tc>
+                  <a:txBody>
+                    <a:bodyPr/>
+                    <a:lstStyle/>
+                    <a:p>
+                      <a:pPr latinLnBrk="1">
+                        <a:defRPr/>
+                      </a:pPr>
+                      <a:endParaRPr lang="ko-KR" altLang="en-US" sz="1200"/>
+                    </a:p>
+                  </a:txBody>
+                  <a:tcPr marL="0" marR="0" marT="0" marB="0"/>
+                </a:tc>
+                <a:tc>
+                  <a:txBody>
+                    <a:bodyPr/>
+                    <a:lstStyle/>
                     <a:p>
                       <a:pPr latinLnBrk="1">
                         <a:defRPr/>
@@ -26785,7 +27298,8 @@
                 </a:tc>
                 <a:tc>
                   <a:txBody>
-                    <a:bodyPr vert="horz" lIns="0" tIns="0" rIns="0" bIns="0" anchor="t" anchorCtr="0"/>
+                    <a:bodyPr/>
+                    <a:lstStyle/>
                     <a:p>
                       <a:pPr latinLnBrk="1">
                         <a:defRPr/>
@@ -26801,7 +27315,8 @@
                 </a:tc>
                 <a:tc>
                   <a:txBody>
-                    <a:bodyPr vert="horz" lIns="0" tIns="0" rIns="0" bIns="0" anchor="t" anchorCtr="0"/>
+                    <a:bodyPr/>
+                    <a:lstStyle/>
                     <a:p>
                       <a:pPr latinLnBrk="1">
                         <a:defRPr/>
@@ -26817,7 +27332,8 @@
                 </a:tc>
                 <a:tc>
                   <a:txBody>
-                    <a:bodyPr vert="horz" lIns="0" tIns="0" rIns="0" bIns="0" anchor="t" anchorCtr="0"/>
+                    <a:bodyPr/>
+                    <a:lstStyle/>
                     <a:p>
                       <a:pPr latinLnBrk="1">
                         <a:defRPr/>
@@ -26833,7 +27349,8 @@
                 </a:tc>
                 <a:tc>
                   <a:txBody>
-                    <a:bodyPr vert="horz" lIns="0" tIns="0" rIns="0" bIns="0" anchor="t" anchorCtr="0"/>
+                    <a:bodyPr/>
+                    <a:lstStyle/>
                     <a:p>
                       <a:pPr latinLnBrk="1">
                         <a:defRPr/>
@@ -26849,7 +27366,8 @@
                 </a:tc>
                 <a:tc>
                   <a:txBody>
-                    <a:bodyPr vert="horz" lIns="0" tIns="0" rIns="0" bIns="0" anchor="t" anchorCtr="0"/>
+                    <a:bodyPr/>
+                    <a:lstStyle/>
                     <a:p>
                       <a:pPr latinLnBrk="1">
                         <a:defRPr/>
@@ -26865,7 +27383,8 @@
                 </a:tc>
                 <a:tc>
                   <a:txBody>
-                    <a:bodyPr vert="horz" lIns="0" tIns="0" rIns="0" bIns="0" anchor="t" anchorCtr="0"/>
+                    <a:bodyPr/>
+                    <a:lstStyle/>
                     <a:p>
                       <a:pPr latinLnBrk="1">
                         <a:defRPr/>
@@ -26881,7 +27400,8 @@
                 </a:tc>
                 <a:tc>
                   <a:txBody>
-                    <a:bodyPr vert="horz" lIns="0" tIns="0" rIns="0" bIns="0" anchor="t" anchorCtr="0"/>
+                    <a:bodyPr/>
+                    <a:lstStyle/>
                     <a:p>
                       <a:pPr latinLnBrk="1">
                         <a:defRPr/>
@@ -26897,57 +27417,67 @@
                 </a:tc>
                 <a:tc>
                   <a:txBody>
-                    <a:bodyPr vert="horz" lIns="0" tIns="0" rIns="0" bIns="0" anchor="t" anchorCtr="0"/>
-                    <a:p>
-                      <a:pPr latinLnBrk="1">
-                        <a:defRPr/>
-                      </a:pPr>
-                      <a:endParaRPr lang="ko-KR" altLang="en-US" sz="1200"/>
-                    </a:p>
-                  </a:txBody>
-                  <a:tcPr marL="0" marR="0" marT="0" marB="0"/>
-                </a:tc>
-                <a:tc>
-                  <a:txBody>
-                    <a:bodyPr vert="horz" lIns="0" tIns="0" rIns="0" bIns="0" anchor="t" anchorCtr="0"/>
-                    <a:p>
-                      <a:pPr latinLnBrk="1">
-                        <a:defRPr/>
-                      </a:pPr>
-                      <a:endParaRPr lang="ko-KR" altLang="en-US" sz="1200"/>
-                    </a:p>
-                  </a:txBody>
-                  <a:tcPr marL="0" marR="0" marT="0" marB="0"/>
-                </a:tc>
-                <a:tc>
-                  <a:txBody>
-                    <a:bodyPr vert="horz" lIns="0" tIns="0" rIns="0" bIns="0" anchor="t" anchorCtr="0"/>
-                    <a:p>
-                      <a:pPr latinLnBrk="1">
-                        <a:defRPr/>
-                      </a:pPr>
-                      <a:endParaRPr lang="ko-KR" altLang="en-US" sz="1200"/>
-                    </a:p>
-                  </a:txBody>
-                  <a:tcPr marL="0" marR="0" marT="0" marB="0"/>
-                </a:tc>
-                <a:tc>
-                  <a:txBody>
-                    <a:bodyPr vert="horz" lIns="0" tIns="0" rIns="0" bIns="0" anchor="t" anchorCtr="0"/>
-                    <a:p>
-                      <a:pPr latinLnBrk="1">
-                        <a:defRPr/>
-                      </a:pPr>
-                      <a:endParaRPr lang="ko-KR" altLang="en-US" sz="1200"/>
-                    </a:p>
-                  </a:txBody>
-                  <a:tcPr marL="0" marR="0" marT="0" marB="0"/>
-                </a:tc>
+                    <a:bodyPr/>
+                    <a:lstStyle/>
+                    <a:p>
+                      <a:pPr latinLnBrk="1">
+                        <a:defRPr/>
+                      </a:pPr>
+                      <a:endParaRPr lang="ko-KR" altLang="en-US" sz="1200"/>
+                    </a:p>
+                  </a:txBody>
+                  <a:tcPr marL="0" marR="0" marT="0" marB="0"/>
+                </a:tc>
+                <a:tc>
+                  <a:txBody>
+                    <a:bodyPr/>
+                    <a:lstStyle/>
+                    <a:p>
+                      <a:pPr latinLnBrk="1">
+                        <a:defRPr/>
+                      </a:pPr>
+                      <a:endParaRPr lang="ko-KR" altLang="en-US" sz="1200"/>
+                    </a:p>
+                  </a:txBody>
+                  <a:tcPr marL="0" marR="0" marT="0" marB="0"/>
+                </a:tc>
+                <a:tc>
+                  <a:txBody>
+                    <a:bodyPr/>
+                    <a:lstStyle/>
+                    <a:p>
+                      <a:pPr latinLnBrk="1">
+                        <a:defRPr/>
+                      </a:pPr>
+                      <a:endParaRPr lang="ko-KR" altLang="en-US" sz="1200"/>
+                    </a:p>
+                  </a:txBody>
+                  <a:tcPr marL="0" marR="0" marT="0" marB="0"/>
+                </a:tc>
+                <a:tc>
+                  <a:txBody>
+                    <a:bodyPr/>
+                    <a:lstStyle/>
+                    <a:p>
+                      <a:pPr latinLnBrk="1">
+                        <a:defRPr/>
+                      </a:pPr>
+                      <a:endParaRPr lang="ko-KR" altLang="en-US" sz="1200"/>
+                    </a:p>
+                  </a:txBody>
+                  <a:tcPr marL="0" marR="0" marT="0" marB="0"/>
+                </a:tc>
+                <a:extLst>
+                  <a:ext uri="{0D108BD9-81ED-4DB2-BD59-A6C34878D82A}">
+                    <a16:rowId xmlns:a16="http://schemas.microsoft.com/office/drawing/2014/main" val="10008"/>
+                  </a:ext>
+                </a:extLst>
               </a:tr>
               <a:tr h="0">
                 <a:tc>
                   <a:txBody>
-                    <a:bodyPr vert="horz" lIns="0" tIns="0" rIns="0" bIns="0" anchor="t" anchorCtr="0"/>
+                    <a:bodyPr/>
+                    <a:lstStyle/>
                     <a:p>
                       <a:pPr algn="ctr" latinLnBrk="1">
                         <a:defRPr/>
@@ -26987,353 +27517,378 @@
                         </a:rPr>
                         <a:t>테스트</a:t>
                       </a:r>
-                      <a:endParaRPr lang="ko-KR" altLang="en-US" sz="1000">
-                        <a:latin typeface="맑은 고딕"/>
-                        <a:ea typeface="맑은 고딕"/>
-                      </a:endParaRPr>
-                    </a:p>
-                  </a:txBody>
-                  <a:tcPr marL="0" marR="0" marT="0" marB="0"/>
-                </a:tc>
-                <a:tc>
-                  <a:txBody>
-                    <a:bodyPr vert="horz" lIns="0" tIns="0" rIns="0" bIns="0" anchor="t" anchorCtr="0"/>
-                    <a:p>
-                      <a:pPr latinLnBrk="1">
-                        <a:defRPr/>
-                      </a:pPr>
-                      <a:endParaRPr lang="ko-KR" altLang="en-US" sz="1200"/>
-                    </a:p>
-                  </a:txBody>
-                  <a:tcPr marL="0" marR="0" marT="0" marB="0"/>
-                </a:tc>
-                <a:tc>
-                  <a:txBody>
-                    <a:bodyPr vert="horz" lIns="0" tIns="0" rIns="0" bIns="0" anchor="t" anchorCtr="0"/>
-                    <a:p>
-                      <a:pPr latinLnBrk="1">
-                        <a:defRPr/>
-                      </a:pPr>
-                      <a:endParaRPr lang="ko-KR" altLang="en-US" sz="1200"/>
-                    </a:p>
-                  </a:txBody>
-                  <a:tcPr marL="0" marR="0" marT="0" marB="0"/>
-                </a:tc>
-                <a:tc>
-                  <a:txBody>
-                    <a:bodyPr vert="horz" lIns="0" tIns="0" rIns="0" bIns="0" anchor="t" anchorCtr="0"/>
-                    <a:p>
-                      <a:pPr latinLnBrk="1">
-                        <a:defRPr/>
-                      </a:pPr>
-                      <a:endParaRPr lang="ko-KR" altLang="en-US" sz="1200"/>
-                    </a:p>
-                  </a:txBody>
-                  <a:tcPr marL="0" marR="0" marT="0" marB="0"/>
-                </a:tc>
-                <a:tc>
-                  <a:txBody>
-                    <a:bodyPr vert="horz" lIns="0" tIns="0" rIns="0" bIns="0" anchor="t" anchorCtr="0"/>
-                    <a:p>
-                      <a:pPr latinLnBrk="1">
-                        <a:defRPr/>
-                      </a:pPr>
-                      <a:endParaRPr lang="ko-KR" altLang="en-US" sz="1200"/>
-                    </a:p>
-                  </a:txBody>
-                  <a:tcPr marL="0" marR="0" marT="0" marB="0"/>
-                </a:tc>
-                <a:tc>
-                  <a:txBody>
-                    <a:bodyPr vert="horz" lIns="0" tIns="0" rIns="0" bIns="0" anchor="t" anchorCtr="0"/>
-                    <a:p>
-                      <a:pPr latinLnBrk="1">
-                        <a:defRPr/>
-                      </a:pPr>
-                      <a:endParaRPr lang="ko-KR" altLang="en-US" sz="1200"/>
-                    </a:p>
-                  </a:txBody>
-                  <a:tcPr marL="0" marR="0" marT="0" marB="0"/>
-                </a:tc>
-                <a:tc>
-                  <a:txBody>
-                    <a:bodyPr vert="horz" lIns="0" tIns="0" rIns="0" bIns="0" anchor="t" anchorCtr="0"/>
-                    <a:p>
-                      <a:pPr latinLnBrk="1">
-                        <a:defRPr/>
-                      </a:pPr>
-                      <a:endParaRPr lang="ko-KR" altLang="en-US" sz="1200"/>
-                    </a:p>
-                  </a:txBody>
-                  <a:tcPr marL="0" marR="0" marT="0" marB="0"/>
-                </a:tc>
-                <a:tc>
-                  <a:txBody>
-                    <a:bodyPr vert="horz" lIns="0" tIns="0" rIns="0" bIns="0" anchor="t" anchorCtr="0"/>
-                    <a:p>
-                      <a:pPr latinLnBrk="1">
-                        <a:defRPr/>
-                      </a:pPr>
-                      <a:endParaRPr lang="ko-KR" altLang="en-US" sz="1200"/>
-                    </a:p>
-                  </a:txBody>
-                  <a:tcPr marL="0" marR="0" marT="0" marB="0"/>
-                </a:tc>
-                <a:tc>
-                  <a:txBody>
-                    <a:bodyPr vert="horz" lIns="0" tIns="0" rIns="0" bIns="0" anchor="t" anchorCtr="0"/>
-                    <a:p>
-                      <a:pPr latinLnBrk="1">
-                        <a:defRPr/>
-                      </a:pPr>
-                      <a:endParaRPr lang="ko-KR" altLang="en-US" sz="1200"/>
-                    </a:p>
-                  </a:txBody>
-                  <a:tcPr marL="0" marR="0" marT="0" marB="0"/>
-                </a:tc>
-                <a:tc>
-                  <a:txBody>
-                    <a:bodyPr vert="horz" lIns="0" tIns="0" rIns="0" bIns="0" anchor="t" anchorCtr="0"/>
-                    <a:p>
-                      <a:pPr latinLnBrk="1">
-                        <a:defRPr/>
-                      </a:pPr>
-                      <a:endParaRPr lang="ko-KR" altLang="en-US" sz="1200"/>
-                    </a:p>
-                  </a:txBody>
-                  <a:tcPr marL="0" marR="0" marT="0" marB="0"/>
-                </a:tc>
-                <a:tc>
-                  <a:txBody>
-                    <a:bodyPr vert="horz" lIns="0" tIns="0" rIns="0" bIns="0" anchor="t" anchorCtr="0"/>
-                    <a:p>
-                      <a:pPr latinLnBrk="1">
-                        <a:defRPr/>
-                      </a:pPr>
-                      <a:endParaRPr lang="ko-KR" altLang="en-US" sz="1200"/>
-                    </a:p>
-                  </a:txBody>
-                  <a:tcPr marL="0" marR="0" marT="0" marB="0"/>
-                </a:tc>
-                <a:tc>
-                  <a:txBody>
-                    <a:bodyPr vert="horz" lIns="0" tIns="0" rIns="0" bIns="0" anchor="t" anchorCtr="0"/>
-                    <a:p>
-                      <a:pPr latinLnBrk="1">
-                        <a:defRPr/>
-                      </a:pPr>
-                      <a:endParaRPr lang="ko-KR" altLang="en-US" sz="1200"/>
-                    </a:p>
-                  </a:txBody>
-                  <a:tcPr marL="0" marR="0" marT="0" marB="0"/>
-                </a:tc>
-                <a:tc>
-                  <a:txBody>
-                    <a:bodyPr vert="horz" lIns="0" tIns="0" rIns="0" bIns="0" anchor="t" anchorCtr="0"/>
-                    <a:p>
-                      <a:pPr latinLnBrk="1">
-                        <a:defRPr/>
-                      </a:pPr>
-                      <a:endParaRPr lang="ko-KR" altLang="en-US" sz="1200"/>
-                    </a:p>
-                  </a:txBody>
-                  <a:tcPr marL="0" marR="0" marT="0" marB="0"/>
-                </a:tc>
-                <a:tc>
-                  <a:txBody>
-                    <a:bodyPr vert="horz" lIns="0" tIns="0" rIns="0" bIns="0" anchor="t" anchorCtr="0"/>
-                    <a:p>
-                      <a:pPr latinLnBrk="1">
-                        <a:defRPr/>
-                      </a:pPr>
-                      <a:endParaRPr lang="ko-KR" altLang="en-US" sz="1200"/>
-                    </a:p>
-                  </a:txBody>
-                  <a:tcPr marL="0" marR="0" marT="0" marB="0"/>
-                </a:tc>
-                <a:tc>
-                  <a:txBody>
-                    <a:bodyPr vert="horz" lIns="0" tIns="0" rIns="0" bIns="0" anchor="t" anchorCtr="0"/>
-                    <a:p>
-                      <a:pPr latinLnBrk="1">
-                        <a:defRPr/>
-                      </a:pPr>
-                      <a:endParaRPr lang="ko-KR" altLang="en-US" sz="1200"/>
-                    </a:p>
-                  </a:txBody>
-                  <a:tcPr marL="0" marR="0" marT="0" marB="0"/>
-                </a:tc>
-                <a:tc>
-                  <a:txBody>
-                    <a:bodyPr vert="horz" lIns="0" tIns="0" rIns="0" bIns="0" anchor="t" anchorCtr="0"/>
-                    <a:p>
-                      <a:pPr latinLnBrk="1">
-                        <a:defRPr/>
-                      </a:pPr>
-                      <a:endParaRPr lang="ko-KR" altLang="en-US" sz="1200"/>
-                    </a:p>
-                  </a:txBody>
-                  <a:tcPr marL="0" marR="0" marT="0" marB="0"/>
-                </a:tc>
-                <a:tc>
-                  <a:txBody>
-                    <a:bodyPr vert="horz" lIns="0" tIns="0" rIns="0" bIns="0" anchor="t" anchorCtr="0"/>
-                    <a:p>
-                      <a:pPr latinLnBrk="1">
-                        <a:defRPr/>
-                      </a:pPr>
-                      <a:endParaRPr lang="ko-KR" altLang="en-US" sz="1200"/>
-                    </a:p>
-                  </a:txBody>
-                  <a:tcPr marL="0" marR="0" marT="0" marB="0"/>
-                </a:tc>
-                <a:tc>
-                  <a:txBody>
-                    <a:bodyPr vert="horz" lIns="0" tIns="0" rIns="0" bIns="0" anchor="t" anchorCtr="0"/>
-                    <a:p>
-                      <a:pPr latinLnBrk="1">
-                        <a:defRPr/>
-                      </a:pPr>
-                      <a:endParaRPr lang="ko-KR" altLang="en-US" sz="1200"/>
-                    </a:p>
-                  </a:txBody>
-                  <a:tcPr marL="0" marR="0" marT="0" marB="0"/>
-                </a:tc>
-                <a:tc>
-                  <a:txBody>
-                    <a:bodyPr vert="horz" lIns="0" tIns="0" rIns="0" bIns="0" anchor="t" anchorCtr="0"/>
-                    <a:p>
-                      <a:pPr latinLnBrk="1">
-                        <a:defRPr/>
-                      </a:pPr>
-                      <a:endParaRPr lang="ko-KR" altLang="en-US" sz="1200"/>
-                    </a:p>
-                  </a:txBody>
-                  <a:tcPr marL="0" marR="0" marT="0" marB="0"/>
-                </a:tc>
-                <a:tc>
-                  <a:txBody>
-                    <a:bodyPr vert="horz" lIns="0" tIns="0" rIns="0" bIns="0" anchor="t" anchorCtr="0"/>
-                    <a:p>
-                      <a:pPr latinLnBrk="1">
-                        <a:defRPr/>
-                      </a:pPr>
-                      <a:endParaRPr lang="ko-KR" altLang="en-US" sz="1200"/>
-                    </a:p>
-                  </a:txBody>
-                  <a:tcPr marL="0" marR="0" marT="0" marB="0"/>
-                </a:tc>
-                <a:tc>
-                  <a:txBody>
-                    <a:bodyPr vert="horz" lIns="0" tIns="0" rIns="0" bIns="0" anchor="t" anchorCtr="0"/>
-                    <a:p>
-                      <a:pPr latinLnBrk="1">
-                        <a:defRPr/>
-                      </a:pPr>
-                      <a:endParaRPr lang="ko-KR" altLang="en-US" sz="1200"/>
-                    </a:p>
-                  </a:txBody>
-                  <a:tcPr marL="0" marR="0" marT="0" marB="0"/>
-                </a:tc>
-                <a:tc>
-                  <a:txBody>
-                    <a:bodyPr vert="horz" lIns="0" tIns="0" rIns="0" bIns="0" anchor="t" anchorCtr="0"/>
-                    <a:p>
-                      <a:pPr latinLnBrk="1">
-                        <a:defRPr/>
-                      </a:pPr>
-                      <a:endParaRPr lang="ko-KR" altLang="en-US" sz="1200"/>
-                    </a:p>
-                  </a:txBody>
-                  <a:tcPr marL="0" marR="0" marT="0" marB="0"/>
-                </a:tc>
-                <a:tc>
-                  <a:txBody>
-                    <a:bodyPr vert="horz" lIns="0" tIns="0" rIns="0" bIns="0" anchor="t" anchorCtr="0"/>
-                    <a:p>
-                      <a:pPr latinLnBrk="1">
-                        <a:defRPr/>
-                      </a:pPr>
-                      <a:endParaRPr lang="ko-KR" altLang="en-US" sz="1200"/>
-                    </a:p>
-                  </a:txBody>
-                  <a:tcPr marL="0" marR="0" marT="0" marB="0"/>
-                </a:tc>
-                <a:tc>
-                  <a:txBody>
-                    <a:bodyPr vert="horz" lIns="0" tIns="0" rIns="0" bIns="0" anchor="t" anchorCtr="0"/>
-                    <a:p>
-                      <a:pPr latinLnBrk="1">
-                        <a:defRPr/>
-                      </a:pPr>
-                      <a:endParaRPr lang="ko-KR" altLang="en-US" sz="1200"/>
-                    </a:p>
-                  </a:txBody>
-                  <a:tcPr marL="0" marR="0" marT="0" marB="0"/>
-                </a:tc>
-                <a:tc>
-                  <a:txBody>
-                    <a:bodyPr vert="horz" lIns="0" tIns="0" rIns="0" bIns="0" anchor="t" anchorCtr="0"/>
-                    <a:p>
-                      <a:pPr latinLnBrk="1">
-                        <a:defRPr/>
-                      </a:pPr>
-                      <a:endParaRPr lang="ko-KR" altLang="en-US" sz="1200"/>
-                    </a:p>
-                  </a:txBody>
-                  <a:tcPr marL="0" marR="0" marT="0" marB="0"/>
-                </a:tc>
-                <a:tc>
-                  <a:txBody>
-                    <a:bodyPr vert="horz" lIns="0" tIns="0" rIns="0" bIns="0" anchor="t" anchorCtr="0"/>
-                    <a:p>
-                      <a:pPr latinLnBrk="1">
-                        <a:defRPr/>
-                      </a:pPr>
-                      <a:endParaRPr lang="ko-KR" altLang="en-US" sz="1200"/>
-                    </a:p>
-                  </a:txBody>
-                  <a:tcPr marL="0" marR="0" marT="0" marB="0"/>
-                </a:tc>
-                <a:tc>
-                  <a:txBody>
-                    <a:bodyPr vert="horz" lIns="0" tIns="0" rIns="0" bIns="0" anchor="t" anchorCtr="0"/>
-                    <a:p>
-                      <a:pPr latinLnBrk="1">
-                        <a:defRPr/>
-                      </a:pPr>
-                      <a:endParaRPr lang="ko-KR" altLang="en-US" sz="1200"/>
-                    </a:p>
-                  </a:txBody>
-                  <a:tcPr marL="0" marR="0" marT="0" marB="0"/>
-                </a:tc>
-                <a:tc>
-                  <a:txBody>
-                    <a:bodyPr vert="horz" lIns="0" tIns="0" rIns="0" bIns="0" anchor="t" anchorCtr="0"/>
-                    <a:p>
-                      <a:pPr latinLnBrk="1">
-                        <a:defRPr/>
-                      </a:pPr>
-                      <a:endParaRPr lang="ko-KR" altLang="en-US" sz="1200"/>
-                    </a:p>
-                  </a:txBody>
-                  <a:tcPr marL="0" marR="0" marT="0" marB="0"/>
-                </a:tc>
-                <a:tc>
-                  <a:txBody>
-                    <a:bodyPr vert="horz" lIns="0" tIns="0" rIns="0" bIns="0" anchor="t" anchorCtr="0"/>
-                    <a:p>
-                      <a:pPr latinLnBrk="1">
-                        <a:defRPr/>
-                      </a:pPr>
-                      <a:endParaRPr lang="ko-KR" altLang="en-US" sz="1200"/>
-                    </a:p>
-                  </a:txBody>
-                  <a:tcPr marL="0" marR="0" marT="0" marB="0"/>
-                </a:tc>
-                <a:tc>
-                  <a:txBody>
-                    <a:bodyPr vert="horz" lIns="0" tIns="0" rIns="0" bIns="0" anchor="t" anchorCtr="0"/>
+                    </a:p>
+                  </a:txBody>
+                  <a:tcPr marL="0" marR="0" marT="0" marB="0"/>
+                </a:tc>
+                <a:tc>
+                  <a:txBody>
+                    <a:bodyPr/>
+                    <a:lstStyle/>
+                    <a:p>
+                      <a:pPr latinLnBrk="1">
+                        <a:defRPr/>
+                      </a:pPr>
+                      <a:endParaRPr lang="ko-KR" altLang="en-US" sz="1200"/>
+                    </a:p>
+                  </a:txBody>
+                  <a:tcPr marL="0" marR="0" marT="0" marB="0"/>
+                </a:tc>
+                <a:tc>
+                  <a:txBody>
+                    <a:bodyPr/>
+                    <a:lstStyle/>
+                    <a:p>
+                      <a:pPr latinLnBrk="1">
+                        <a:defRPr/>
+                      </a:pPr>
+                      <a:endParaRPr lang="ko-KR" altLang="en-US" sz="1200"/>
+                    </a:p>
+                  </a:txBody>
+                  <a:tcPr marL="0" marR="0" marT="0" marB="0"/>
+                </a:tc>
+                <a:tc>
+                  <a:txBody>
+                    <a:bodyPr/>
+                    <a:lstStyle/>
+                    <a:p>
+                      <a:pPr latinLnBrk="1">
+                        <a:defRPr/>
+                      </a:pPr>
+                      <a:endParaRPr lang="ko-KR" altLang="en-US" sz="1200"/>
+                    </a:p>
+                  </a:txBody>
+                  <a:tcPr marL="0" marR="0" marT="0" marB="0"/>
+                </a:tc>
+                <a:tc>
+                  <a:txBody>
+                    <a:bodyPr/>
+                    <a:lstStyle/>
+                    <a:p>
+                      <a:pPr latinLnBrk="1">
+                        <a:defRPr/>
+                      </a:pPr>
+                      <a:endParaRPr lang="ko-KR" altLang="en-US" sz="1200"/>
+                    </a:p>
+                  </a:txBody>
+                  <a:tcPr marL="0" marR="0" marT="0" marB="0"/>
+                </a:tc>
+                <a:tc>
+                  <a:txBody>
+                    <a:bodyPr/>
+                    <a:lstStyle/>
+                    <a:p>
+                      <a:pPr latinLnBrk="1">
+                        <a:defRPr/>
+                      </a:pPr>
+                      <a:endParaRPr lang="ko-KR" altLang="en-US" sz="1200"/>
+                    </a:p>
+                  </a:txBody>
+                  <a:tcPr marL="0" marR="0" marT="0" marB="0"/>
+                </a:tc>
+                <a:tc>
+                  <a:txBody>
+                    <a:bodyPr/>
+                    <a:lstStyle/>
+                    <a:p>
+                      <a:pPr latinLnBrk="1">
+                        <a:defRPr/>
+                      </a:pPr>
+                      <a:endParaRPr lang="ko-KR" altLang="en-US" sz="1200"/>
+                    </a:p>
+                  </a:txBody>
+                  <a:tcPr marL="0" marR="0" marT="0" marB="0"/>
+                </a:tc>
+                <a:tc>
+                  <a:txBody>
+                    <a:bodyPr/>
+                    <a:lstStyle/>
+                    <a:p>
+                      <a:pPr latinLnBrk="1">
+                        <a:defRPr/>
+                      </a:pPr>
+                      <a:endParaRPr lang="ko-KR" altLang="en-US" sz="1200"/>
+                    </a:p>
+                  </a:txBody>
+                  <a:tcPr marL="0" marR="0" marT="0" marB="0"/>
+                </a:tc>
+                <a:tc>
+                  <a:txBody>
+                    <a:bodyPr/>
+                    <a:lstStyle/>
+                    <a:p>
+                      <a:pPr latinLnBrk="1">
+                        <a:defRPr/>
+                      </a:pPr>
+                      <a:endParaRPr lang="ko-KR" altLang="en-US" sz="1200"/>
+                    </a:p>
+                  </a:txBody>
+                  <a:tcPr marL="0" marR="0" marT="0" marB="0"/>
+                </a:tc>
+                <a:tc>
+                  <a:txBody>
+                    <a:bodyPr/>
+                    <a:lstStyle/>
+                    <a:p>
+                      <a:pPr latinLnBrk="1">
+                        <a:defRPr/>
+                      </a:pPr>
+                      <a:endParaRPr lang="ko-KR" altLang="en-US" sz="1200"/>
+                    </a:p>
+                  </a:txBody>
+                  <a:tcPr marL="0" marR="0" marT="0" marB="0"/>
+                </a:tc>
+                <a:tc>
+                  <a:txBody>
+                    <a:bodyPr/>
+                    <a:lstStyle/>
+                    <a:p>
+                      <a:pPr latinLnBrk="1">
+                        <a:defRPr/>
+                      </a:pPr>
+                      <a:endParaRPr lang="ko-KR" altLang="en-US" sz="1200"/>
+                    </a:p>
+                  </a:txBody>
+                  <a:tcPr marL="0" marR="0" marT="0" marB="0"/>
+                </a:tc>
+                <a:tc>
+                  <a:txBody>
+                    <a:bodyPr/>
+                    <a:lstStyle/>
+                    <a:p>
+                      <a:pPr latinLnBrk="1">
+                        <a:defRPr/>
+                      </a:pPr>
+                      <a:endParaRPr lang="ko-KR" altLang="en-US" sz="1200"/>
+                    </a:p>
+                  </a:txBody>
+                  <a:tcPr marL="0" marR="0" marT="0" marB="0"/>
+                </a:tc>
+                <a:tc>
+                  <a:txBody>
+                    <a:bodyPr/>
+                    <a:lstStyle/>
+                    <a:p>
+                      <a:pPr latinLnBrk="1">
+                        <a:defRPr/>
+                      </a:pPr>
+                      <a:endParaRPr lang="ko-KR" altLang="en-US" sz="1200"/>
+                    </a:p>
+                  </a:txBody>
+                  <a:tcPr marL="0" marR="0" marT="0" marB="0"/>
+                </a:tc>
+                <a:tc>
+                  <a:txBody>
+                    <a:bodyPr/>
+                    <a:lstStyle/>
+                    <a:p>
+                      <a:pPr latinLnBrk="1">
+                        <a:defRPr/>
+                      </a:pPr>
+                      <a:endParaRPr lang="ko-KR" altLang="en-US" sz="1200"/>
+                    </a:p>
+                  </a:txBody>
+                  <a:tcPr marL="0" marR="0" marT="0" marB="0"/>
+                </a:tc>
+                <a:tc>
+                  <a:txBody>
+                    <a:bodyPr/>
+                    <a:lstStyle/>
+                    <a:p>
+                      <a:pPr latinLnBrk="1">
+                        <a:defRPr/>
+                      </a:pPr>
+                      <a:endParaRPr lang="ko-KR" altLang="en-US" sz="1200"/>
+                    </a:p>
+                  </a:txBody>
+                  <a:tcPr marL="0" marR="0" marT="0" marB="0"/>
+                </a:tc>
+                <a:tc>
+                  <a:txBody>
+                    <a:bodyPr/>
+                    <a:lstStyle/>
+                    <a:p>
+                      <a:pPr latinLnBrk="1">
+                        <a:defRPr/>
+                      </a:pPr>
+                      <a:endParaRPr lang="ko-KR" altLang="en-US" sz="1200"/>
+                    </a:p>
+                  </a:txBody>
+                  <a:tcPr marL="0" marR="0" marT="0" marB="0"/>
+                </a:tc>
+                <a:tc>
+                  <a:txBody>
+                    <a:bodyPr/>
+                    <a:lstStyle/>
+                    <a:p>
+                      <a:pPr latinLnBrk="1">
+                        <a:defRPr/>
+                      </a:pPr>
+                      <a:endParaRPr lang="ko-KR" altLang="en-US" sz="1200"/>
+                    </a:p>
+                  </a:txBody>
+                  <a:tcPr marL="0" marR="0" marT="0" marB="0"/>
+                </a:tc>
+                <a:tc>
+                  <a:txBody>
+                    <a:bodyPr/>
+                    <a:lstStyle/>
+                    <a:p>
+                      <a:pPr latinLnBrk="1">
+                        <a:defRPr/>
+                      </a:pPr>
+                      <a:endParaRPr lang="ko-KR" altLang="en-US" sz="1200"/>
+                    </a:p>
+                  </a:txBody>
+                  <a:tcPr marL="0" marR="0" marT="0" marB="0"/>
+                </a:tc>
+                <a:tc>
+                  <a:txBody>
+                    <a:bodyPr/>
+                    <a:lstStyle/>
+                    <a:p>
+                      <a:pPr latinLnBrk="1">
+                        <a:defRPr/>
+                      </a:pPr>
+                      <a:endParaRPr lang="ko-KR" altLang="en-US" sz="1200"/>
+                    </a:p>
+                  </a:txBody>
+                  <a:tcPr marL="0" marR="0" marT="0" marB="0"/>
+                </a:tc>
+                <a:tc>
+                  <a:txBody>
+                    <a:bodyPr/>
+                    <a:lstStyle/>
+                    <a:p>
+                      <a:pPr latinLnBrk="1">
+                        <a:defRPr/>
+                      </a:pPr>
+                      <a:endParaRPr lang="ko-KR" altLang="en-US" sz="1200"/>
+                    </a:p>
+                  </a:txBody>
+                  <a:tcPr marL="0" marR="0" marT="0" marB="0"/>
+                </a:tc>
+                <a:tc>
+                  <a:txBody>
+                    <a:bodyPr/>
+                    <a:lstStyle/>
+                    <a:p>
+                      <a:pPr latinLnBrk="1">
+                        <a:defRPr/>
+                      </a:pPr>
+                      <a:endParaRPr lang="ko-KR" altLang="en-US" sz="1200"/>
+                    </a:p>
+                  </a:txBody>
+                  <a:tcPr marL="0" marR="0" marT="0" marB="0"/>
+                </a:tc>
+                <a:tc>
+                  <a:txBody>
+                    <a:bodyPr/>
+                    <a:lstStyle/>
+                    <a:p>
+                      <a:pPr latinLnBrk="1">
+                        <a:defRPr/>
+                      </a:pPr>
+                      <a:endParaRPr lang="ko-KR" altLang="en-US" sz="1200"/>
+                    </a:p>
+                  </a:txBody>
+                  <a:tcPr marL="0" marR="0" marT="0" marB="0"/>
+                </a:tc>
+                <a:tc>
+                  <a:txBody>
+                    <a:bodyPr/>
+                    <a:lstStyle/>
+                    <a:p>
+                      <a:pPr latinLnBrk="1">
+                        <a:defRPr/>
+                      </a:pPr>
+                      <a:endParaRPr lang="ko-KR" altLang="en-US" sz="1200"/>
+                    </a:p>
+                  </a:txBody>
+                  <a:tcPr marL="0" marR="0" marT="0" marB="0"/>
+                </a:tc>
+                <a:tc>
+                  <a:txBody>
+                    <a:bodyPr/>
+                    <a:lstStyle/>
+                    <a:p>
+                      <a:pPr latinLnBrk="1">
+                        <a:defRPr/>
+                      </a:pPr>
+                      <a:endParaRPr lang="ko-KR" altLang="en-US" sz="1200"/>
+                    </a:p>
+                  </a:txBody>
+                  <a:tcPr marL="0" marR="0" marT="0" marB="0"/>
+                </a:tc>
+                <a:tc>
+                  <a:txBody>
+                    <a:bodyPr/>
+                    <a:lstStyle/>
+                    <a:p>
+                      <a:pPr latinLnBrk="1">
+                        <a:defRPr/>
+                      </a:pPr>
+                      <a:endParaRPr lang="ko-KR" altLang="en-US" sz="1200"/>
+                    </a:p>
+                  </a:txBody>
+                  <a:tcPr marL="0" marR="0" marT="0" marB="0"/>
+                </a:tc>
+                <a:tc>
+                  <a:txBody>
+                    <a:bodyPr/>
+                    <a:lstStyle/>
+                    <a:p>
+                      <a:pPr latinLnBrk="1">
+                        <a:defRPr/>
+                      </a:pPr>
+                      <a:endParaRPr lang="ko-KR" altLang="en-US" sz="1200"/>
+                    </a:p>
+                  </a:txBody>
+                  <a:tcPr marL="0" marR="0" marT="0" marB="0"/>
+                </a:tc>
+                <a:tc>
+                  <a:txBody>
+                    <a:bodyPr/>
+                    <a:lstStyle/>
+                    <a:p>
+                      <a:pPr latinLnBrk="1">
+                        <a:defRPr/>
+                      </a:pPr>
+                      <a:endParaRPr lang="ko-KR" altLang="en-US" sz="1200"/>
+                    </a:p>
+                  </a:txBody>
+                  <a:tcPr marL="0" marR="0" marT="0" marB="0"/>
+                </a:tc>
+                <a:tc>
+                  <a:txBody>
+                    <a:bodyPr/>
+                    <a:lstStyle/>
+                    <a:p>
+                      <a:pPr latinLnBrk="1">
+                        <a:defRPr/>
+                      </a:pPr>
+                      <a:endParaRPr lang="ko-KR" altLang="en-US" sz="1200"/>
+                    </a:p>
+                  </a:txBody>
+                  <a:tcPr marL="0" marR="0" marT="0" marB="0"/>
+                </a:tc>
+                <a:tc>
+                  <a:txBody>
+                    <a:bodyPr/>
+                    <a:lstStyle/>
+                    <a:p>
+                      <a:pPr latinLnBrk="1">
+                        <a:defRPr/>
+                      </a:pPr>
+                      <a:endParaRPr lang="ko-KR" altLang="en-US" sz="1200"/>
+                    </a:p>
+                  </a:txBody>
+                  <a:tcPr marL="0" marR="0" marT="0" marB="0"/>
+                </a:tc>
+                <a:tc>
+                  <a:txBody>
+                    <a:bodyPr/>
+                    <a:lstStyle/>
                     <a:p>
                       <a:pPr latinLnBrk="1">
                         <a:defRPr/>
@@ -27349,7 +27904,8 @@
                 </a:tc>
                 <a:tc>
                   <a:txBody>
-                    <a:bodyPr vert="horz" lIns="0" tIns="0" rIns="0" bIns="0" anchor="t" anchorCtr="0"/>
+                    <a:bodyPr/>
+                    <a:lstStyle/>
                     <a:p>
                       <a:pPr latinLnBrk="1">
                         <a:defRPr/>
@@ -27365,7 +27921,8 @@
                 </a:tc>
                 <a:tc>
                   <a:txBody>
-                    <a:bodyPr vert="horz" lIns="0" tIns="0" rIns="0" bIns="0" anchor="t" anchorCtr="0"/>
+                    <a:bodyPr/>
+                    <a:lstStyle/>
                     <a:p>
                       <a:pPr latinLnBrk="1">
                         <a:defRPr/>
@@ -27381,7 +27938,8 @@
                 </a:tc>
                 <a:tc>
                   <a:txBody>
-                    <a:bodyPr vert="horz" lIns="0" tIns="0" rIns="0" bIns="0" anchor="t" anchorCtr="0"/>
+                    <a:bodyPr/>
+                    <a:lstStyle/>
                     <a:p>
                       <a:pPr latinLnBrk="1">
                         <a:defRPr/>
@@ -27397,7 +27955,8 @@
                 </a:tc>
                 <a:tc>
                   <a:txBody>
-                    <a:bodyPr vert="horz" lIns="0" tIns="0" rIns="0" bIns="0" anchor="t" anchorCtr="0"/>
+                    <a:bodyPr/>
+                    <a:lstStyle/>
                     <a:p>
                       <a:pPr latinLnBrk="1">
                         <a:defRPr/>
@@ -27413,7 +27972,8 @@
                 </a:tc>
                 <a:tc>
                   <a:txBody>
-                    <a:bodyPr vert="horz" lIns="0" tIns="0" rIns="0" bIns="0" anchor="t" anchorCtr="0"/>
+                    <a:bodyPr/>
+                    <a:lstStyle/>
                     <a:p>
                       <a:pPr latinLnBrk="1">
                         <a:defRPr/>
@@ -27429,7 +27989,8 @@
                 </a:tc>
                 <a:tc>
                   <a:txBody>
-                    <a:bodyPr vert="horz" lIns="0" tIns="0" rIns="0" bIns="0" anchor="t" anchorCtr="0"/>
+                    <a:bodyPr/>
+                    <a:lstStyle/>
                     <a:p>
                       <a:pPr latinLnBrk="1">
                         <a:defRPr/>
@@ -27445,7 +28006,8 @@
                 </a:tc>
                 <a:tc>
                   <a:txBody>
-                    <a:bodyPr vert="horz" lIns="0" tIns="0" rIns="0" bIns="0" anchor="t" anchorCtr="0"/>
+                    <a:bodyPr/>
+                    <a:lstStyle/>
                     <a:p>
                       <a:pPr latinLnBrk="1">
                         <a:defRPr/>
@@ -27459,6 +28021,11 @@
                     </a:solidFill>
                   </a:tcPr>
                 </a:tc>
+                <a:extLst>
+                  <a:ext uri="{0D108BD9-81ED-4DB2-BD59-A6C34878D82A}">
+                    <a16:rowId xmlns:a16="http://schemas.microsoft.com/office/drawing/2014/main" val="10009"/>
+                  </a:ext>
+                </a:extLst>
               </a:tr>
             </a:tbl>
           </a:graphicData>
@@ -27509,7 +28076,6 @@
               <a:rPr lang="ko-KR" altLang="en-US" sz="1000"/>
               <a:t>이득유</a:t>
             </a:r>
-            <a:endParaRPr lang="ko-KR" altLang="en-US" sz="1000"/>
           </a:p>
         </p:txBody>
       </p:sp>
@@ -27518,11 +28084,11 @@
   <p:clrMapOvr>
     <a:masterClrMapping/>
   </p:clrMapOvr>
-  <mc:AlternateContent xmlns:mc="http://schemas.openxmlformats.org/markup-compatibility/2006">
-    <mc:Choice xmlns:p14="http://schemas.microsoft.com/office/powerpoint/2010/main" Requires="p14">
-      <p:transition xmlns:mc="http://schemas.openxmlformats.org/markup-compatibility/2006" xmlns:p14="http://schemas.microsoft.com/office/powerpoint/2010/main" mc:Ignorable="p14" p14:dur="500"/>
+  <mc:AlternateContent xmlns:mc="http://schemas.openxmlformats.org/markup-compatibility/2006" xmlns:p14="http://schemas.microsoft.com/office/powerpoint/2010/main">
+    <mc:Choice Requires="p14">
+      <p:transition/>
     </mc:Choice>
-    <mc:Fallback>
+    <mc:Fallback xmlns:dsp="http://schemas.microsoft.com/office/drawing/2008/diagram" xmlns:dgm="http://schemas.openxmlformats.org/drawingml/2006/diagram" xmlns:c="http://schemas.openxmlformats.org/drawingml/2006/chart" xmlns="">
       <p:transition/>
     </mc:Fallback>
   </mc:AlternateContent>
@@ -27751,11 +28317,11 @@
           <a:lstStyle/>
           <a:p>
             <a:r>
-              <a:rPr lang="en-US" altLang="ko-KR" dirty="0">
+              <a:rPr lang="en-US" altLang="ko-KR" dirty="0" smtClean="0">
                 <a:latin typeface="HY헤드라인M" panose="02030600000101010101" pitchFamily="18" charset="-127"/>
                 <a:ea typeface="HY헤드라인M" panose="02030600000101010101" pitchFamily="18" charset="-127"/>
               </a:rPr>
-              <a:t>19/19</a:t>
+              <a:t>21/21</a:t>
             </a:r>
             <a:endParaRPr lang="ko-KR" altLang="en-US" dirty="0">
               <a:latin typeface="HY헤드라인M" panose="02030600000101010101" pitchFamily="18" charset="-127"/>
@@ -28451,11 +29017,11 @@
           <a:lstStyle/>
           <a:p>
             <a:r>
-              <a:rPr lang="en-US" altLang="ko-KR" dirty="0">
+              <a:rPr lang="en-US" altLang="ko-KR" dirty="0" smtClean="0">
                 <a:latin typeface="HY헤드라인M" panose="02030600000101010101" pitchFamily="18" charset="-127"/>
                 <a:ea typeface="HY헤드라인M" panose="02030600000101010101" pitchFamily="18" charset="-127"/>
               </a:rPr>
-              <a:t>03/19</a:t>
+              <a:t>03/21</a:t>
             </a:r>
             <a:endParaRPr lang="ko-KR" altLang="en-US" dirty="0">
               <a:latin typeface="HY헤드라인M" panose="02030600000101010101" pitchFamily="18" charset="-127"/>
@@ -28694,11 +29260,11 @@
           <a:lstStyle/>
           <a:p>
             <a:r>
-              <a:rPr lang="en-US" altLang="ko-KR" dirty="0">
+              <a:rPr lang="en-US" altLang="ko-KR" dirty="0" smtClean="0">
                 <a:latin typeface="HY헤드라인M" panose="02030600000101010101" pitchFamily="18" charset="-127"/>
                 <a:ea typeface="HY헤드라인M" panose="02030600000101010101" pitchFamily="18" charset="-127"/>
               </a:rPr>
-              <a:t>04/19</a:t>
+              <a:t>04/21</a:t>
             </a:r>
             <a:endParaRPr lang="ko-KR" altLang="en-US" dirty="0">
               <a:latin typeface="HY헤드라인M" panose="02030600000101010101" pitchFamily="18" charset="-127"/>
@@ -29179,11 +29745,11 @@
           <a:lstStyle/>
           <a:p>
             <a:r>
-              <a:rPr lang="en-US" altLang="ko-KR" dirty="0">
+              <a:rPr lang="en-US" altLang="ko-KR" dirty="0" smtClean="0">
                 <a:latin typeface="HY헤드라인M" panose="02030600000101010101" pitchFamily="18" charset="-127"/>
                 <a:ea typeface="HY헤드라인M" panose="02030600000101010101" pitchFamily="18" charset="-127"/>
               </a:rPr>
-              <a:t>05/19</a:t>
+              <a:t>05/21</a:t>
             </a:r>
             <a:endParaRPr lang="ko-KR" altLang="en-US" dirty="0">
               <a:latin typeface="HY헤드라인M" panose="02030600000101010101" pitchFamily="18" charset="-127"/>
@@ -29992,11 +30558,11 @@
           <a:lstStyle/>
           <a:p>
             <a:r>
-              <a:rPr lang="en-US" altLang="ko-KR" dirty="0">
+              <a:rPr lang="en-US" altLang="ko-KR" dirty="0" smtClean="0">
                 <a:latin typeface="HY헤드라인M" panose="02030600000101010101" pitchFamily="18" charset="-127"/>
                 <a:ea typeface="HY헤드라인M" panose="02030600000101010101" pitchFamily="18" charset="-127"/>
               </a:rPr>
-              <a:t>05/19</a:t>
+              <a:t>06/21</a:t>
             </a:r>
             <a:endParaRPr lang="ko-KR" altLang="en-US" dirty="0">
               <a:latin typeface="HY헤드라인M" panose="02030600000101010101" pitchFamily="18" charset="-127"/>
@@ -30664,11 +31230,11 @@
           <a:lstStyle/>
           <a:p>
             <a:r>
-              <a:rPr lang="en-US" altLang="ko-KR" dirty="0">
+              <a:rPr lang="en-US" altLang="ko-KR" dirty="0" smtClean="0">
                 <a:latin typeface="HY헤드라인M" panose="02030600000101010101" pitchFamily="18" charset="-127"/>
                 <a:ea typeface="HY헤드라인M" panose="02030600000101010101" pitchFamily="18" charset="-127"/>
               </a:rPr>
-              <a:t>06/19</a:t>
+              <a:t>07/21</a:t>
             </a:r>
             <a:endParaRPr lang="ko-KR" altLang="en-US" dirty="0">
               <a:latin typeface="HY헤드라인M" panose="02030600000101010101" pitchFamily="18" charset="-127"/>
@@ -30908,7 +31474,7 @@
                 <a14:useLocalDpi xmlns:a14="http://schemas.microsoft.com/office/drawing/2010/main" val="0"/>
               </a:ext>
               <a:ext uri="{96DAC541-7B7A-43D3-8B79-37D633B846F1}">
-                <asvg:svgBlip xmlns:asvg="http://schemas.microsoft.com/office/drawing/2016/SVG/main" r:embed="rId3"/>
+                <asvg:svgBlip xmlns:asvg="http://schemas.microsoft.com/office/drawing/2016/SVG/main" xmlns="" r:embed="rId3"/>
               </a:ext>
             </a:extLst>
           </a:blip>
@@ -31126,11 +31692,11 @@
           <a:lstStyle/>
           <a:p>
             <a:r>
-              <a:rPr lang="en-US" altLang="ko-KR" dirty="0">
+              <a:rPr lang="en-US" altLang="ko-KR" dirty="0" smtClean="0">
                 <a:latin typeface="HY헤드라인M" panose="02030600000101010101" pitchFamily="18" charset="-127"/>
                 <a:ea typeface="HY헤드라인M" panose="02030600000101010101" pitchFamily="18" charset="-127"/>
               </a:rPr>
-              <a:t>07/19</a:t>
+              <a:t>08/21</a:t>
             </a:r>
             <a:endParaRPr lang="ko-KR" altLang="en-US" dirty="0">
               <a:latin typeface="HY헤드라인M" panose="02030600000101010101" pitchFamily="18" charset="-127"/>
@@ -31798,11 +32364,11 @@
           <a:lstStyle/>
           <a:p>
             <a:r>
-              <a:rPr lang="en-US" altLang="ko-KR" dirty="0">
+              <a:rPr lang="en-US" altLang="ko-KR" dirty="0" smtClean="0">
                 <a:latin typeface="HY헤드라인M" panose="02030600000101010101" pitchFamily="18" charset="-127"/>
                 <a:ea typeface="HY헤드라인M" panose="02030600000101010101" pitchFamily="18" charset="-127"/>
               </a:rPr>
-              <a:t>08/19</a:t>
+              <a:t>09/21</a:t>
             </a:r>
             <a:endParaRPr lang="ko-KR" altLang="en-US" dirty="0">
               <a:latin typeface="HY헤드라인M" panose="02030600000101010101" pitchFamily="18" charset="-127"/>
@@ -32922,44 +33488,44 @@
 </file>
 
 <file path=ppt/theme/theme1.xml><?xml version="1.0" encoding="utf-8"?>
-<a:theme xmlns:r="http://schemas.openxmlformats.org/officeDocument/2006/relationships" xmlns:c="http://schemas.openxmlformats.org/drawingml/2006/chart" xmlns:dgm="http://schemas.openxmlformats.org/drawingml/2006/diagram" xmlns:dsp="http://schemas.microsoft.com/office/drawing/2008/diagram" xmlns:a="http://schemas.openxmlformats.org/drawingml/2006/main" xmlns:pic="http://schemas.openxmlformats.org/drawingml/2006/picture" xmlns:wp="http://schemas.openxmlformats.org/drawingml/2006/wordprocessingDrawing" xmlns:xdr="http://schemas.openxmlformats.org/drawingml/2006/spreadsheetDrawing" xmlns:lc="http://schemas.openxmlformats.org/drawingml/2006/lockedCanvas" xmlns:p="http://schemas.openxmlformats.org/presentationml/2006/main" name="Office 테마">
+<a:theme xmlns:a="http://schemas.openxmlformats.org/drawingml/2006/main" name="Office 테마">
   <a:themeElements>
     <a:clrScheme name="Office">
       <a:dk1>
         <a:sysClr val="windowText" lastClr="000000"/>
       </a:dk1>
       <a:lt1>
-        <a:sysClr val="window" lastClr="ffffff"/>
+        <a:sysClr val="window" lastClr="FFFFFF"/>
       </a:lt1>
       <a:dk2>
-        <a:srgbClr val="44546a"/>
+        <a:srgbClr val="44546A"/>
       </a:dk2>
       <a:lt2>
-        <a:srgbClr val="e7e6e6"/>
+        <a:srgbClr val="E7E6E6"/>
       </a:lt2>
       <a:accent1>
-        <a:srgbClr val="4472c4"/>
+        <a:srgbClr val="4472C4"/>
       </a:accent1>
       <a:accent2>
-        <a:srgbClr val="ed7d31"/>
+        <a:srgbClr val="ED7D31"/>
       </a:accent2>
       <a:accent3>
-        <a:srgbClr val="a5a5a5"/>
+        <a:srgbClr val="A5A5A5"/>
       </a:accent3>
       <a:accent4>
-        <a:srgbClr val="ffc000"/>
+        <a:srgbClr val="FFC000"/>
       </a:accent4>
       <a:accent5>
-        <a:srgbClr val="5b9bd5"/>
+        <a:srgbClr val="5B9BD5"/>
       </a:accent5>
       <a:accent6>
-        <a:srgbClr val="70ad47"/>
+        <a:srgbClr val="70AD47"/>
       </a:accent6>
       <a:hlink>
-        <a:srgbClr val="0563c1"/>
+        <a:srgbClr val="0563C1"/>
       </a:hlink>
       <a:folHlink>
-        <a:srgbClr val="954f72"/>
+        <a:srgbClr val="954F72"/>
       </a:folHlink>
     </a:clrScheme>
     <a:fontScheme name="Office">
@@ -33206,48 +33772,50 @@
       </a:bgFillStyleLst>
     </a:fmtScheme>
   </a:themeElements>
+  <a:objectDefaults/>
+  <a:extraClrSchemeLst/>
 </a:theme>
 </file>
 
 <file path=ppt/theme/theme2.xml><?xml version="1.0" encoding="utf-8"?>
-<a:theme xmlns:r="http://schemas.openxmlformats.org/officeDocument/2006/relationships" xmlns:c="http://schemas.openxmlformats.org/drawingml/2006/chart" xmlns:dgm="http://schemas.openxmlformats.org/drawingml/2006/diagram" xmlns:dsp="http://schemas.microsoft.com/office/drawing/2008/diagram" xmlns:a="http://schemas.openxmlformats.org/drawingml/2006/main" xmlns:pic="http://schemas.openxmlformats.org/drawingml/2006/picture" xmlns:wp="http://schemas.openxmlformats.org/drawingml/2006/wordprocessingDrawing" xmlns:xdr="http://schemas.openxmlformats.org/drawingml/2006/spreadsheetDrawing" xmlns:lc="http://schemas.openxmlformats.org/drawingml/2006/lockedCanvas" xmlns:p="http://schemas.openxmlformats.org/presentationml/2006/main" name="Office 테마">
+<a:theme xmlns:a="http://schemas.openxmlformats.org/drawingml/2006/main" name="Office 테마">
   <a:themeElements>
     <a:clrScheme name="Office">
       <a:dk1>
         <a:sysClr val="windowText" lastClr="000000"/>
       </a:dk1>
       <a:lt1>
-        <a:sysClr val="window" lastClr="ffffff"/>
+        <a:sysClr val="window" lastClr="FFFFFF"/>
       </a:lt1>
       <a:dk2>
-        <a:srgbClr val="44546a"/>
+        <a:srgbClr val="44546A"/>
       </a:dk2>
       <a:lt2>
-        <a:srgbClr val="e7e6e6"/>
+        <a:srgbClr val="E7E6E6"/>
       </a:lt2>
       <a:accent1>
-        <a:srgbClr val="4472c4"/>
+        <a:srgbClr val="4472C4"/>
       </a:accent1>
       <a:accent2>
-        <a:srgbClr val="ed7d31"/>
+        <a:srgbClr val="ED7D31"/>
       </a:accent2>
       <a:accent3>
-        <a:srgbClr val="a5a5a5"/>
+        <a:srgbClr val="A5A5A5"/>
       </a:accent3>
       <a:accent4>
-        <a:srgbClr val="ffc000"/>
+        <a:srgbClr val="FFC000"/>
       </a:accent4>
       <a:accent5>
-        <a:srgbClr val="5b9bd5"/>
+        <a:srgbClr val="5B9BD5"/>
       </a:accent5>
       <a:accent6>
-        <a:srgbClr val="70ad47"/>
+        <a:srgbClr val="70AD47"/>
       </a:accent6>
       <a:hlink>
-        <a:srgbClr val="0563c1"/>
+        <a:srgbClr val="0563C1"/>
       </a:hlink>
       <a:folHlink>
-        <a:srgbClr val="954f72"/>
+        <a:srgbClr val="954F72"/>
       </a:folHlink>
     </a:clrScheme>
     <a:fontScheme name="Office">
@@ -33494,5 +34062,7 @@
       </a:bgFillStyleLst>
     </a:fmtScheme>
   </a:themeElements>
+  <a:objectDefaults/>
+  <a:extraClrSchemeLst/>
 </a:theme>
 </file>
--- a/문서/TheIsland_김하윤_이동규_이득유.pptx
+++ b/문서/TheIsland_김하윤_이동규_이득유.pptx
@@ -238,7 +238,7 @@
               <a:pPr lvl="0">
                 <a:defRPr/>
               </a:pPr>
-              <a:t>2019-12-12</a:t>
+              <a:t>2019-12-29</a:t>
             </a:fld>
             <a:endParaRPr lang="ko-KR" altLang="en-US"/>
           </a:p>
@@ -670,7 +670,7 @@
           <a:p>
             <a:fld id="{733DF88E-EEC7-4590-8394-8F97695D91F0}" type="datetimeFigureOut">
               <a:rPr lang="ko-KR" altLang="en-US" smtClean="0"/>
-              <a:t>2019-12-12</a:t>
+              <a:t>2019-12-29</a:t>
             </a:fld>
             <a:endParaRPr lang="ko-KR" altLang="en-US"/>
           </a:p>
@@ -868,7 +868,7 @@
           <a:p>
             <a:fld id="{733DF88E-EEC7-4590-8394-8F97695D91F0}" type="datetimeFigureOut">
               <a:rPr lang="ko-KR" altLang="en-US" smtClean="0"/>
-              <a:t>2019-12-12</a:t>
+              <a:t>2019-12-29</a:t>
             </a:fld>
             <a:endParaRPr lang="ko-KR" altLang="en-US"/>
           </a:p>
@@ -1076,7 +1076,7 @@
           <a:p>
             <a:fld id="{733DF88E-EEC7-4590-8394-8F97695D91F0}" type="datetimeFigureOut">
               <a:rPr lang="ko-KR" altLang="en-US" smtClean="0"/>
-              <a:t>2019-12-12</a:t>
+              <a:t>2019-12-29</a:t>
             </a:fld>
             <a:endParaRPr lang="ko-KR" altLang="en-US"/>
           </a:p>
@@ -1274,7 +1274,7 @@
           <a:p>
             <a:fld id="{733DF88E-EEC7-4590-8394-8F97695D91F0}" type="datetimeFigureOut">
               <a:rPr lang="ko-KR" altLang="en-US" smtClean="0"/>
-              <a:t>2019-12-12</a:t>
+              <a:t>2019-12-29</a:t>
             </a:fld>
             <a:endParaRPr lang="ko-KR" altLang="en-US"/>
           </a:p>
@@ -1549,7 +1549,7 @@
           <a:p>
             <a:fld id="{733DF88E-EEC7-4590-8394-8F97695D91F0}" type="datetimeFigureOut">
               <a:rPr lang="ko-KR" altLang="en-US" smtClean="0"/>
-              <a:t>2019-12-12</a:t>
+              <a:t>2019-12-29</a:t>
             </a:fld>
             <a:endParaRPr lang="ko-KR" altLang="en-US"/>
           </a:p>
@@ -1814,7 +1814,7 @@
           <a:p>
             <a:fld id="{733DF88E-EEC7-4590-8394-8F97695D91F0}" type="datetimeFigureOut">
               <a:rPr lang="ko-KR" altLang="en-US" smtClean="0"/>
-              <a:t>2019-12-12</a:t>
+              <a:t>2019-12-29</a:t>
             </a:fld>
             <a:endParaRPr lang="ko-KR" altLang="en-US"/>
           </a:p>
@@ -2226,7 +2226,7 @@
           <a:p>
             <a:fld id="{733DF88E-EEC7-4590-8394-8F97695D91F0}" type="datetimeFigureOut">
               <a:rPr lang="ko-KR" altLang="en-US" smtClean="0"/>
-              <a:t>2019-12-12</a:t>
+              <a:t>2019-12-29</a:t>
             </a:fld>
             <a:endParaRPr lang="ko-KR" altLang="en-US"/>
           </a:p>
@@ -2367,7 +2367,7 @@
           <a:p>
             <a:fld id="{733DF88E-EEC7-4590-8394-8F97695D91F0}" type="datetimeFigureOut">
               <a:rPr lang="ko-KR" altLang="en-US" smtClean="0"/>
-              <a:t>2019-12-12</a:t>
+              <a:t>2019-12-29</a:t>
             </a:fld>
             <a:endParaRPr lang="ko-KR" altLang="en-US"/>
           </a:p>
@@ -2480,7 +2480,7 @@
           <a:p>
             <a:fld id="{733DF88E-EEC7-4590-8394-8F97695D91F0}" type="datetimeFigureOut">
               <a:rPr lang="ko-KR" altLang="en-US" smtClean="0"/>
-              <a:t>2019-12-12</a:t>
+              <a:t>2019-12-29</a:t>
             </a:fld>
             <a:endParaRPr lang="ko-KR" altLang="en-US"/>
           </a:p>
@@ -2791,7 +2791,7 @@
           <a:p>
             <a:fld id="{733DF88E-EEC7-4590-8394-8F97695D91F0}" type="datetimeFigureOut">
               <a:rPr lang="ko-KR" altLang="en-US" smtClean="0"/>
-              <a:t>2019-12-12</a:t>
+              <a:t>2019-12-29</a:t>
             </a:fld>
             <a:endParaRPr lang="ko-KR" altLang="en-US"/>
           </a:p>
@@ -3079,7 +3079,7 @@
           <a:p>
             <a:fld id="{733DF88E-EEC7-4590-8394-8F97695D91F0}" type="datetimeFigureOut">
               <a:rPr lang="ko-KR" altLang="en-US" smtClean="0"/>
-              <a:t>2019-12-12</a:t>
+              <a:t>2019-12-29</a:t>
             </a:fld>
             <a:endParaRPr lang="ko-KR" altLang="en-US"/>
           </a:p>
@@ -3320,7 +3320,7 @@
           <a:p>
             <a:fld id="{733DF88E-EEC7-4590-8394-8F97695D91F0}" type="datetimeFigureOut">
               <a:rPr lang="ko-KR" altLang="en-US" smtClean="0"/>
-              <a:t>2019-12-12</a:t>
+              <a:t>2019-12-29</a:t>
             </a:fld>
             <a:endParaRPr lang="ko-KR" altLang="en-US"/>
           </a:p>
@@ -4197,7 +4197,7 @@
           <a:lstStyle/>
           <a:p>
             <a:r>
-              <a:rPr lang="en-US" altLang="ko-KR" dirty="0" smtClean="0">
+              <a:rPr lang="en-US" altLang="ko-KR" dirty="0">
                 <a:latin typeface="HY헤드라인M" panose="02030600000101010101" pitchFamily="18" charset="-127"/>
                 <a:ea typeface="HY헤드라인M" panose="02030600000101010101" pitchFamily="18" charset="-127"/>
               </a:rPr>
@@ -4733,7 +4733,7 @@
           <a:lstStyle/>
           <a:p>
             <a:r>
-              <a:rPr lang="en-US" altLang="ko-KR" dirty="0" smtClean="0">
+              <a:rPr lang="en-US" altLang="ko-KR" dirty="0">
                 <a:latin typeface="HY헤드라인M" panose="02030600000101010101" pitchFamily="18" charset="-127"/>
                 <a:ea typeface="HY헤드라인M" panose="02030600000101010101" pitchFamily="18" charset="-127"/>
               </a:rPr>
@@ -5202,7 +5202,7 @@
           <a:lstStyle/>
           <a:p>
             <a:r>
-              <a:rPr lang="en-US" altLang="ko-KR" dirty="0" smtClean="0">
+              <a:rPr lang="en-US" altLang="ko-KR" dirty="0">
                 <a:latin typeface="HY헤드라인M" panose="02030600000101010101" pitchFamily="18" charset="-127"/>
                 <a:ea typeface="HY헤드라인M" panose="02030600000101010101" pitchFamily="18" charset="-127"/>
               </a:rPr>
@@ -5737,7 +5737,7 @@
           <a:lstStyle/>
           <a:p>
             <a:r>
-              <a:rPr lang="en-US" altLang="ko-KR" dirty="0" smtClean="0">
+              <a:rPr lang="en-US" altLang="ko-KR" dirty="0">
                 <a:latin typeface="HY헤드라인M" panose="02030600000101010101" pitchFamily="18" charset="-127"/>
                 <a:ea typeface="HY헤드라인M" panose="02030600000101010101" pitchFamily="18" charset="-127"/>
               </a:rPr>
@@ -6354,7 +6354,7 @@
               <a:defRPr/>
             </a:pPr>
             <a:r>
-              <a:rPr lang="en-US" altLang="ko-KR" dirty="0" smtClean="0">
+              <a:rPr lang="en-US" altLang="ko-KR" dirty="0">
                 <a:latin typeface="HY헤드라인M"/>
                 <a:ea typeface="HY헤드라인M"/>
               </a:rPr>
@@ -6616,7 +6616,7 @@
               <a:defRPr/>
             </a:pPr>
             <a:r>
-              <a:rPr kumimoji="0" lang="ko-KR" altLang="en-US" sz="2800" i="0" u="none" strike="noStrike" kern="1200" cap="none" spc="0" normalizeH="0" baseline="0">
+              <a:rPr kumimoji="0" lang="ko-KR" altLang="en-US" sz="2800" i="0" u="none" strike="noStrike" kern="1200" cap="none" spc="0" normalizeH="0" baseline="0" dirty="0">
                 <a:solidFill>
                   <a:srgbClr val="000000"/>
                 </a:solidFill>
@@ -6624,7 +6624,7 @@
                 <a:ea typeface="HY견고딕" panose="02030600000101010101" pitchFamily="18" charset="-127"/>
                 <a:cs typeface="맑은 고딕"/>
               </a:rPr>
-              <a:t>· 플레이어 간의 시야 처리 및 충돌 처리</a:t>
+              <a:t>· 몬스터 간의 시야 처리 및 충돌 처리</a:t>
             </a:r>
           </a:p>
         </p:txBody>
@@ -6934,7 +6934,7 @@
               <a:defRPr/>
             </a:pPr>
             <a:r>
-              <a:rPr lang="en-US" altLang="ko-KR" dirty="0" smtClean="0">
+              <a:rPr lang="en-US" altLang="ko-KR" dirty="0">
                 <a:latin typeface="HY헤드라인M"/>
                 <a:ea typeface="HY헤드라인M"/>
               </a:rPr>
@@ -7440,7 +7440,7 @@
               <a:defRPr/>
             </a:pPr>
             <a:r>
-              <a:rPr lang="en-US" altLang="ko-KR" dirty="0" smtClean="0">
+              <a:rPr lang="en-US" altLang="ko-KR" dirty="0">
                 <a:latin typeface="HY헤드라인M"/>
                 <a:ea typeface="HY헤드라인M"/>
               </a:rPr>
@@ -7752,7 +7752,7 @@
         <p:spPr>
           <a:xfrm>
             <a:off x="5193669" y="2803526"/>
-            <a:ext cx="1917512" cy="2677656"/>
+            <a:ext cx="1917512" cy="2246769"/>
           </a:xfrm>
           <a:prstGeom prst="rect">
             <a:avLst/>
@@ -7926,30 +7926,6 @@
               </a:rPr>
               <a:t> 구현</a:t>
             </a:r>
-          </a:p>
-          <a:p>
-            <a:pPr algn="ctr">
-              <a:defRPr/>
-            </a:pPr>
-            <a:r>
-              <a:rPr lang="en-US" altLang="ko-KR" sz="1400" dirty="0">
-                <a:latin typeface="HY헤드라인M"/>
-                <a:ea typeface="HY헤드라인M"/>
-              </a:rPr>
-              <a:t>UNITY</a:t>
-            </a:r>
-            <a:r>
-              <a:rPr lang="ko-KR" altLang="en-US" sz="1400" dirty="0">
-                <a:latin typeface="HY헤드라인M"/>
-                <a:ea typeface="HY헤드라인M"/>
-              </a:rPr>
-              <a:t> 제작 경험</a:t>
-            </a:r>
-          </a:p>
-          <a:p>
-            <a:pPr algn="ctr">
-              <a:defRPr/>
-            </a:pPr>
             <a:endParaRPr lang="en-US" altLang="ko-KR" sz="1400" dirty="0">
               <a:latin typeface="HY헤드라인M"/>
               <a:ea typeface="HY헤드라인M"/>
@@ -8065,8 +8041,8 @@
         </p:nvSpPr>
         <p:spPr>
           <a:xfrm>
-            <a:off x="7880983" y="2841217"/>
-            <a:ext cx="2278382" cy="2224178"/>
+            <a:off x="7877874" y="2841217"/>
+            <a:ext cx="2284600" cy="2031325"/>
           </a:xfrm>
           <a:prstGeom prst="rect">
             <a:avLst/>
@@ -8083,7 +8059,7 @@
               <a:defRPr/>
             </a:pPr>
             <a:r>
-              <a:rPr lang="en-US" altLang="ko-KR" sz="1400">
+              <a:rPr lang="en-US" altLang="ko-KR" sz="1400" dirty="0">
                 <a:latin typeface="HY헤드라인M"/>
                 <a:ea typeface="HY헤드라인M"/>
               </a:rPr>
@@ -8095,7 +8071,7 @@
               <a:defRPr/>
             </a:pPr>
             <a:r>
-              <a:rPr lang="en-US" altLang="ko-KR" sz="1400">
+              <a:rPr lang="en-US" altLang="ko-KR" sz="1400" dirty="0">
                 <a:latin typeface="HY헤드라인M"/>
                 <a:ea typeface="HY헤드라인M"/>
               </a:rPr>
@@ -8107,21 +8083,21 @@
               <a:defRPr/>
             </a:pPr>
             <a:r>
-              <a:rPr lang="ko-KR" altLang="en-US" sz="1400">
+              <a:rPr lang="ko-KR" altLang="en-US" sz="1400" dirty="0">
                 <a:latin typeface="HY헤드라인M"/>
                 <a:ea typeface="HY헤드라인M"/>
               </a:rPr>
               <a:t>자료구조</a:t>
             </a:r>
             <a:r>
-              <a:rPr lang="en-US" altLang="ko-KR" sz="1400">
+              <a:rPr lang="en-US" altLang="ko-KR" sz="1400" dirty="0">
                 <a:latin typeface="HY헤드라인M"/>
                 <a:ea typeface="HY헤드라인M"/>
               </a:rPr>
               <a:t>/</a:t>
             </a:r>
             <a:r>
-              <a:rPr lang="ko-KR" altLang="en-US" sz="1400">
+              <a:rPr lang="ko-KR" altLang="en-US" sz="1400" dirty="0">
                 <a:latin typeface="HY헤드라인M"/>
                 <a:ea typeface="HY헤드라인M"/>
               </a:rPr>
@@ -8133,7 +8109,7 @@
               <a:defRPr/>
             </a:pPr>
             <a:r>
-              <a:rPr lang="en-US" altLang="ko-KR" sz="1400">
+              <a:rPr lang="en-US" altLang="ko-KR" sz="1400" dirty="0">
                 <a:latin typeface="HY헤드라인M"/>
                 <a:ea typeface="HY헤드라인M"/>
               </a:rPr>
@@ -8145,7 +8121,7 @@
               <a:defRPr/>
             </a:pPr>
             <a:r>
-              <a:rPr lang="en-US" altLang="ko-KR" sz="1400">
+              <a:rPr lang="en-US" altLang="ko-KR" sz="1400" dirty="0">
                 <a:latin typeface="HY헤드라인M"/>
                 <a:ea typeface="HY헤드라인M"/>
               </a:rPr>
@@ -8157,7 +8133,7 @@
               <a:defRPr/>
             </a:pPr>
             <a:r>
-              <a:rPr lang="en-US" altLang="ko-KR" sz="1400">
+              <a:rPr lang="en-US" altLang="ko-KR" sz="1400" dirty="0">
                 <a:latin typeface="HY헤드라인M"/>
                 <a:ea typeface="HY헤드라인M"/>
               </a:rPr>
@@ -8169,7 +8145,7 @@
               <a:defRPr/>
             </a:pPr>
             <a:r>
-              <a:rPr lang="en-US" altLang="ko-KR" sz="1400">
+              <a:rPr lang="en-US" altLang="ko-KR" sz="1400" dirty="0">
                 <a:latin typeface="HY헤드라인M"/>
                 <a:ea typeface="HY헤드라인M"/>
               </a:rPr>
@@ -8180,7 +8156,7 @@
             <a:pPr algn="ctr">
               <a:defRPr/>
             </a:pPr>
-            <a:endParaRPr lang="en-US" altLang="ko-KR" sz="1400">
+            <a:endParaRPr lang="en-US" altLang="ko-KR" sz="1400" dirty="0">
               <a:latin typeface="HY헤드라인M"/>
               <a:ea typeface="HY헤드라인M"/>
             </a:endParaRPr>
@@ -8190,33 +8166,14 @@
               <a:defRPr/>
             </a:pPr>
             <a:r>
-              <a:rPr lang="en-US" altLang="ko-KR" sz="1400">
+              <a:rPr lang="en-US" altLang="ko-KR" sz="1400" dirty="0">
                 <a:latin typeface="HY헤드라인M"/>
                 <a:ea typeface="HY헤드라인M"/>
               </a:rPr>
               <a:t>IOCP Server</a:t>
             </a:r>
             <a:r>
-              <a:rPr lang="ko-KR" altLang="en-US" sz="1400">
-                <a:latin typeface="HY헤드라인M"/>
-                <a:ea typeface="HY헤드라인M"/>
-              </a:rPr>
-              <a:t> 제작 경험</a:t>
-            </a:r>
-          </a:p>
-          <a:p>
-            <a:pPr algn="ctr">
-              <a:defRPr/>
-            </a:pPr>
-            <a:r>
-              <a:rPr lang="en-US" altLang="ko-KR" sz="1400">
-                <a:latin typeface="HY헤드라인M"/>
-                <a:ea typeface="HY헤드라인M"/>
-              </a:rPr>
-              <a:t>UNITY</a:t>
-            </a:r>
-            <a:r>
-              <a:rPr lang="ko-KR" altLang="en-US" sz="1400">
+              <a:rPr lang="ko-KR" altLang="en-US" sz="1400" dirty="0">
                 <a:latin typeface="HY헤드라인M"/>
                 <a:ea typeface="HY헤드라인M"/>
               </a:rPr>
@@ -8240,7 +8197,7 @@
         <p:spPr>
           <a:xfrm>
             <a:off x="2218782" y="2803526"/>
-            <a:ext cx="1986441" cy="2246769"/>
+            <a:ext cx="1986441" cy="2031325"/>
           </a:xfrm>
           <a:prstGeom prst="rect">
             <a:avLst/>
@@ -8364,25 +8321,6 @@
                 <a:ea typeface="HY헤드라인M"/>
               </a:rPr>
               <a:t>제작 경험</a:t>
-            </a:r>
-          </a:p>
-          <a:p>
-            <a:pPr algn="ctr">
-              <a:defRPr/>
-            </a:pPr>
-            <a:r>
-              <a:rPr lang="en-US" altLang="ko-KR" sz="1400" dirty="0">
-                <a:latin typeface="HY헤드라인M"/>
-                <a:ea typeface="HY헤드라인M"/>
-              </a:rPr>
-              <a:t>UNITY</a:t>
-            </a:r>
-            <a:r>
-              <a:rPr lang="ko-KR" altLang="en-US" sz="1400" dirty="0">
-                <a:latin typeface="HY헤드라인M"/>
-                <a:ea typeface="HY헤드라인M"/>
-              </a:rPr>
-              <a:t> 제작 경험</a:t>
             </a:r>
             <a:endParaRPr lang="en-US" altLang="ko-KR" sz="1400" dirty="0">
               <a:latin typeface="HY헤드라인M"/>
@@ -8623,7 +8561,7 @@
               <a:defRPr/>
             </a:pPr>
             <a:r>
-              <a:rPr lang="en-US" altLang="ko-KR" dirty="0" smtClean="0">
+              <a:rPr lang="en-US" altLang="ko-KR" dirty="0">
                 <a:latin typeface="HY헤드라인M"/>
                 <a:ea typeface="HY헤드라인M"/>
               </a:rPr>
@@ -9182,7 +9120,7 @@
               <a:defRPr/>
             </a:pPr>
             <a:r>
-              <a:rPr lang="ko-KR" altLang="en-US">
+              <a:rPr lang="ko-KR" altLang="en-US" dirty="0">
                 <a:latin typeface="HY견고딕"/>
                 <a:ea typeface="HY견고딕"/>
               </a:rPr>
@@ -9193,7 +9131,7 @@
             <a:pPr algn="ctr">
               <a:defRPr/>
             </a:pPr>
-            <a:endParaRPr lang="en-US" altLang="ko-KR">
+            <a:endParaRPr lang="en-US" altLang="ko-KR" dirty="0">
               <a:latin typeface="HY견고딕"/>
               <a:ea typeface="HY견고딕"/>
             </a:endParaRPr>
@@ -9203,7 +9141,7 @@
               <a:defRPr/>
             </a:pPr>
             <a:r>
-              <a:rPr lang="ko-KR" altLang="en-US">
+              <a:rPr lang="ko-KR" altLang="en-US" dirty="0">
                 <a:latin typeface="HY견고딕"/>
                 <a:ea typeface="HY견고딕"/>
               </a:rPr>
@@ -9214,7 +9152,7 @@
             <a:pPr algn="ctr">
               <a:defRPr/>
             </a:pPr>
-            <a:endParaRPr lang="en-US" altLang="ko-KR">
+            <a:endParaRPr lang="en-US" altLang="ko-KR" dirty="0">
               <a:latin typeface="HY견고딕"/>
               <a:ea typeface="HY견고딕"/>
             </a:endParaRPr>
@@ -9224,21 +9162,21 @@
               <a:defRPr/>
             </a:pPr>
             <a:r>
-              <a:rPr lang="ko-KR" altLang="en-US">
+              <a:rPr lang="ko-KR" altLang="en-US" dirty="0">
                 <a:latin typeface="HY견고딕"/>
                 <a:ea typeface="HY견고딕"/>
               </a:rPr>
               <a:t>그림자 </a:t>
             </a:r>
             <a:r>
-              <a:rPr lang="en-US" altLang="ko-KR">
+              <a:rPr lang="en-US" altLang="ko-KR" dirty="0">
                 <a:latin typeface="HY견고딕"/>
                 <a:ea typeface="HY견고딕"/>
               </a:rPr>
               <a:t>&amp; </a:t>
             </a:r>
             <a:r>
-              <a:rPr lang="ko-KR" altLang="en-US">
+              <a:rPr lang="ko-KR" altLang="en-US" dirty="0">
                 <a:latin typeface="HY견고딕"/>
                 <a:ea typeface="HY견고딕"/>
               </a:rPr>
@@ -9250,56 +9188,56 @@
               <a:defRPr/>
             </a:pPr>
             <a:r>
-              <a:rPr lang="ko-KR" altLang="en-US">
+              <a:rPr lang="ko-KR" altLang="en-US" dirty="0" err="1">
                 <a:latin typeface="HY견고딕"/>
                 <a:ea typeface="HY견고딕"/>
               </a:rPr>
               <a:t>환경매핑</a:t>
             </a:r>
             <a:r>
-              <a:rPr lang="en-US" altLang="ko-KR">
+              <a:rPr lang="en-US" altLang="ko-KR" dirty="0">
                 <a:latin typeface="HY견고딕"/>
                 <a:ea typeface="HY견고딕"/>
               </a:rPr>
               <a:t>(</a:t>
             </a:r>
             <a:r>
-              <a:rPr lang="ko-KR" altLang="en-US">
+              <a:rPr lang="ko-KR" altLang="en-US" dirty="0">
                 <a:latin typeface="HY견고딕"/>
                 <a:ea typeface="HY견고딕"/>
               </a:rPr>
               <a:t>물</a:t>
             </a:r>
             <a:r>
-              <a:rPr lang="en-US" altLang="ko-KR">
+              <a:rPr lang="en-US" altLang="ko-KR" dirty="0">
                 <a:latin typeface="HY견고딕"/>
                 <a:ea typeface="HY견고딕"/>
               </a:rPr>
               <a:t>) / </a:t>
             </a:r>
             <a:r>
-              <a:rPr lang="ko-KR" altLang="en-US">
+              <a:rPr lang="ko-KR" altLang="en-US" dirty="0" err="1">
                 <a:latin typeface="HY견고딕"/>
                 <a:ea typeface="HY견고딕"/>
               </a:rPr>
               <a:t>범프매핑</a:t>
             </a:r>
             <a:r>
-              <a:rPr lang="en-US" altLang="ko-KR">
+              <a:rPr lang="en-US" altLang="ko-KR" dirty="0">
                 <a:latin typeface="HY견고딕"/>
                 <a:ea typeface="HY견고딕"/>
               </a:rPr>
               <a:t>(</a:t>
             </a:r>
             <a:r>
-              <a:rPr lang="ko-KR" altLang="en-US">
+              <a:rPr lang="ko-KR" altLang="en-US" dirty="0" err="1">
                 <a:latin typeface="HY견고딕"/>
                 <a:ea typeface="HY견고딕"/>
               </a:rPr>
               <a:t>노멀매핑</a:t>
             </a:r>
             <a:r>
-              <a:rPr lang="en-US" altLang="ko-KR">
+              <a:rPr lang="en-US" altLang="ko-KR" dirty="0">
                 <a:latin typeface="HY견고딕"/>
                 <a:ea typeface="HY견고딕"/>
               </a:rPr>
@@ -9311,28 +9249,35 @@
               <a:defRPr/>
             </a:pPr>
             <a:r>
-              <a:rPr lang="ko-KR" altLang="en-US">
+              <a:rPr lang="ko-KR" altLang="en-US" dirty="0" err="1">
                 <a:latin typeface="HY견고딕"/>
                 <a:ea typeface="HY견고딕"/>
               </a:rPr>
-              <a:t>쉐이더 프로그래밍 </a:t>
-            </a:r>
-            <a:r>
-              <a:rPr lang="en-US" altLang="ko-KR">
+              <a:t>쉐이더</a:t>
+            </a:r>
+            <a:r>
+              <a:rPr lang="ko-KR" altLang="en-US" dirty="0">
                 <a:latin typeface="HY견고딕"/>
                 <a:ea typeface="HY견고딕"/>
               </a:rPr>
-              <a:t>( </a:t>
-            </a:r>
-            <a:r>
-              <a:rPr lang="ko-KR" altLang="en-US">
+              <a:t> 프로그래밍 </a:t>
+            </a:r>
+            <a:r>
+              <a:rPr lang="en-US" altLang="ko-KR" dirty="0">
                 <a:latin typeface="HY견고딕"/>
                 <a:ea typeface="HY견고딕"/>
               </a:rPr>
+              <a:t>( </a:t>
+            </a:r>
+            <a:r>
+              <a:rPr lang="ko-KR" altLang="en-US" dirty="0">
+                <a:latin typeface="HY견고딕"/>
+                <a:ea typeface="HY견고딕"/>
+              </a:rPr>
               <a:t>날씨 </a:t>
             </a:r>
             <a:r>
-              <a:rPr lang="en-US" altLang="ko-KR">
+              <a:rPr lang="en-US" altLang="ko-KR" dirty="0">
                 <a:latin typeface="HY견고딕"/>
                 <a:ea typeface="HY견고딕"/>
               </a:rPr>
@@ -9343,7 +9288,7 @@
             <a:pPr algn="ctr">
               <a:defRPr/>
             </a:pPr>
-            <a:endParaRPr lang="en-US" altLang="ko-KR">
+            <a:endParaRPr lang="en-US" altLang="ko-KR" dirty="0">
               <a:latin typeface="HY견고딕"/>
               <a:ea typeface="HY견고딕"/>
             </a:endParaRPr>
@@ -9353,7 +9298,7 @@
               <a:defRPr/>
             </a:pPr>
             <a:r>
-              <a:rPr lang="ko-KR" altLang="en-US">
+              <a:rPr lang="ko-KR" altLang="en-US" dirty="0">
                 <a:latin typeface="HY견고딕"/>
                 <a:ea typeface="HY견고딕"/>
               </a:rPr>
@@ -9575,7 +9520,7 @@
               <a:defRPr/>
             </a:pPr>
             <a:r>
-              <a:rPr lang="en-US" altLang="ko-KR" dirty="0" smtClean="0">
+              <a:rPr lang="en-US" altLang="ko-KR" dirty="0">
                 <a:latin typeface="HY헤드라인M"/>
                 <a:ea typeface="HY헤드라인M"/>
               </a:rPr>
@@ -9872,22 +9817,12 @@
                 <a:latin typeface="HY견고딕"/>
                 <a:ea typeface="HY견고딕"/>
               </a:rPr>
-              <a:t>클라이언트 </a:t>
-            </a:r>
-            <a:r>
-              <a:rPr lang="en-US" altLang="ko-KR" dirty="0">
-                <a:latin typeface="HY견고딕"/>
-                <a:ea typeface="HY견고딕"/>
-              </a:rPr>
-              <a:t>&amp; </a:t>
-            </a:r>
-            <a:r>
-              <a:rPr lang="ko-KR" altLang="en-US" dirty="0">
-                <a:latin typeface="HY견고딕"/>
-                <a:ea typeface="HY견고딕"/>
-              </a:rPr>
-              <a:t>서버</a:t>
-            </a:r>
+              <a:t>클라이언트</a:t>
+            </a:r>
+            <a:endParaRPr lang="en-US" altLang="ko-KR" dirty="0">
+              <a:latin typeface="HY견고딕"/>
+              <a:ea typeface="HY견고딕"/>
+            </a:endParaRPr>
           </a:p>
           <a:p>
             <a:pPr algn="ctr">
@@ -10050,8 +9985,8 @@
         </p:nvSpPr>
         <p:spPr>
           <a:xfrm>
-            <a:off x="6148509" y="4660747"/>
-            <a:ext cx="3108960" cy="909472"/>
+            <a:off x="6148509" y="4381660"/>
+            <a:ext cx="3108960" cy="1200329"/>
           </a:xfrm>
           <a:prstGeom prst="rect">
             <a:avLst/>
@@ -10063,6 +9998,22 @@
             <a:spAutoFit/>
           </a:bodyPr>
           <a:lstStyle/>
+          <a:p>
+            <a:pPr algn="ctr">
+              <a:defRPr/>
+            </a:pPr>
+            <a:r>
+              <a:rPr lang="ko-KR" altLang="en-US" dirty="0">
+                <a:latin typeface="HY견고딕"/>
+                <a:ea typeface="HY견고딕"/>
+              </a:rPr>
+              <a:t>  서버</a:t>
+            </a:r>
+            <a:endParaRPr lang="en-US" altLang="ko-KR" dirty="0">
+              <a:latin typeface="HY견고딕"/>
+              <a:ea typeface="HY견고딕"/>
+            </a:endParaRPr>
+          </a:p>
           <a:p>
             <a:pPr algn="ctr">
               <a:defRPr/>
@@ -10476,7 +10427,7 @@
           <a:lstStyle/>
           <a:p>
             <a:r>
-              <a:rPr lang="en-US" altLang="ko-KR" dirty="0" smtClean="0">
+              <a:rPr lang="en-US" altLang="ko-KR" dirty="0">
                 <a:latin typeface="HY헤드라인M" panose="02030600000101010101" pitchFamily="18" charset="-127"/>
                 <a:ea typeface="HY헤드라인M" panose="02030600000101010101" pitchFamily="18" charset="-127"/>
               </a:rPr>
@@ -22373,7 +22324,7 @@
               <a:defRPr/>
             </a:pPr>
             <a:r>
-              <a:rPr lang="en-US" altLang="ko-KR" dirty="0" smtClean="0">
+              <a:rPr lang="en-US" altLang="ko-KR" dirty="0">
                 <a:latin typeface="HY헤드라인M"/>
                 <a:ea typeface="HY헤드라인M"/>
               </a:rPr>
@@ -28317,7 +28268,7 @@
           <a:lstStyle/>
           <a:p>
             <a:r>
-              <a:rPr lang="en-US" altLang="ko-KR" dirty="0" smtClean="0">
+              <a:rPr lang="en-US" altLang="ko-KR" dirty="0">
                 <a:latin typeface="HY헤드라인M" panose="02030600000101010101" pitchFamily="18" charset="-127"/>
                 <a:ea typeface="HY헤드라인M" panose="02030600000101010101" pitchFamily="18" charset="-127"/>
               </a:rPr>
@@ -29017,7 +28968,7 @@
           <a:lstStyle/>
           <a:p>
             <a:r>
-              <a:rPr lang="en-US" altLang="ko-KR" dirty="0" smtClean="0">
+              <a:rPr lang="en-US" altLang="ko-KR" dirty="0">
                 <a:latin typeface="HY헤드라인M" panose="02030600000101010101" pitchFamily="18" charset="-127"/>
                 <a:ea typeface="HY헤드라인M" panose="02030600000101010101" pitchFamily="18" charset="-127"/>
               </a:rPr>
@@ -29260,7 +29211,7 @@
           <a:lstStyle/>
           <a:p>
             <a:r>
-              <a:rPr lang="en-US" altLang="ko-KR" dirty="0" smtClean="0">
+              <a:rPr lang="en-US" altLang="ko-KR" dirty="0">
                 <a:latin typeface="HY헤드라인M" panose="02030600000101010101" pitchFamily="18" charset="-127"/>
                 <a:ea typeface="HY헤드라인M" panose="02030600000101010101" pitchFamily="18" charset="-127"/>
               </a:rPr>
@@ -29745,7 +29696,7 @@
           <a:lstStyle/>
           <a:p>
             <a:r>
-              <a:rPr lang="en-US" altLang="ko-KR" dirty="0" smtClean="0">
+              <a:rPr lang="en-US" altLang="ko-KR" dirty="0">
                 <a:latin typeface="HY헤드라인M" panose="02030600000101010101" pitchFamily="18" charset="-127"/>
                 <a:ea typeface="HY헤드라인M" panose="02030600000101010101" pitchFamily="18" charset="-127"/>
               </a:rPr>
@@ -30558,7 +30509,7 @@
           <a:lstStyle/>
           <a:p>
             <a:r>
-              <a:rPr lang="en-US" altLang="ko-KR" dirty="0" smtClean="0">
+              <a:rPr lang="en-US" altLang="ko-KR" dirty="0">
                 <a:latin typeface="HY헤드라인M" panose="02030600000101010101" pitchFamily="18" charset="-127"/>
                 <a:ea typeface="HY헤드라인M" panose="02030600000101010101" pitchFamily="18" charset="-127"/>
               </a:rPr>
@@ -31230,7 +31181,7 @@
           <a:lstStyle/>
           <a:p>
             <a:r>
-              <a:rPr lang="en-US" altLang="ko-KR" dirty="0" smtClean="0">
+              <a:rPr lang="en-US" altLang="ko-KR" dirty="0">
                 <a:latin typeface="HY헤드라인M" panose="02030600000101010101" pitchFamily="18" charset="-127"/>
                 <a:ea typeface="HY헤드라인M" panose="02030600000101010101" pitchFamily="18" charset="-127"/>
               </a:rPr>
@@ -31397,7 +31348,7 @@
                 <a:latin typeface="HY견고딕" panose="02030600000101010101" pitchFamily="18" charset="-127"/>
                 <a:ea typeface="HY견고딕" panose="02030600000101010101" pitchFamily="18" charset="-127"/>
               </a:rPr>
-              <a:t>300x300m</a:t>
+              <a:t>512x512m</a:t>
             </a:r>
           </a:p>
           <a:p>
@@ -31474,7 +31425,7 @@
                 <a14:useLocalDpi xmlns:a14="http://schemas.microsoft.com/office/drawing/2010/main" val="0"/>
               </a:ext>
               <a:ext uri="{96DAC541-7B7A-43D3-8B79-37D633B846F1}">
-                <asvg:svgBlip xmlns:asvg="http://schemas.microsoft.com/office/drawing/2016/SVG/main" xmlns="" r:embed="rId3"/>
+                <asvg:svgBlip xmlns:asvg="http://schemas.microsoft.com/office/drawing/2016/SVG/main" r:embed="rId3"/>
               </a:ext>
             </a:extLst>
           </a:blip>
@@ -31692,7 +31643,7 @@
           <a:lstStyle/>
           <a:p>
             <a:r>
-              <a:rPr lang="en-US" altLang="ko-KR" dirty="0" smtClean="0">
+              <a:rPr lang="en-US" altLang="ko-KR" dirty="0">
                 <a:latin typeface="HY헤드라인M" panose="02030600000101010101" pitchFamily="18" charset="-127"/>
                 <a:ea typeface="HY헤드라인M" panose="02030600000101010101" pitchFamily="18" charset="-127"/>
               </a:rPr>
@@ -32364,7 +32315,7 @@
           <a:lstStyle/>
           <a:p>
             <a:r>
-              <a:rPr lang="en-US" altLang="ko-KR" dirty="0" smtClean="0">
+              <a:rPr lang="en-US" altLang="ko-KR" dirty="0">
                 <a:latin typeface="HY헤드라인M" panose="02030600000101010101" pitchFamily="18" charset="-127"/>
                 <a:ea typeface="HY헤드라인M" panose="02030600000101010101" pitchFamily="18" charset="-127"/>
               </a:rPr>

--- a/문서/TheIsland_김하윤_이동규_이득유.pptx
+++ b/문서/TheIsland_김하윤_이동규_이득유.pptx
@@ -238,7 +238,7 @@
               <a:pPr lvl="0">
                 <a:defRPr/>
               </a:pPr>
-              <a:t>2019-12-29</a:t>
+              <a:t>2019-12-30</a:t>
             </a:fld>
             <a:endParaRPr lang="ko-KR" altLang="en-US"/>
           </a:p>
@@ -670,7 +670,7 @@
           <a:p>
             <a:fld id="{733DF88E-EEC7-4590-8394-8F97695D91F0}" type="datetimeFigureOut">
               <a:rPr lang="ko-KR" altLang="en-US" smtClean="0"/>
-              <a:t>2019-12-29</a:t>
+              <a:t>2019-12-30</a:t>
             </a:fld>
             <a:endParaRPr lang="ko-KR" altLang="en-US"/>
           </a:p>
@@ -868,7 +868,7 @@
           <a:p>
             <a:fld id="{733DF88E-EEC7-4590-8394-8F97695D91F0}" type="datetimeFigureOut">
               <a:rPr lang="ko-KR" altLang="en-US" smtClean="0"/>
-              <a:t>2019-12-29</a:t>
+              <a:t>2019-12-30</a:t>
             </a:fld>
             <a:endParaRPr lang="ko-KR" altLang="en-US"/>
           </a:p>
@@ -1076,7 +1076,7 @@
           <a:p>
             <a:fld id="{733DF88E-EEC7-4590-8394-8F97695D91F0}" type="datetimeFigureOut">
               <a:rPr lang="ko-KR" altLang="en-US" smtClean="0"/>
-              <a:t>2019-12-29</a:t>
+              <a:t>2019-12-30</a:t>
             </a:fld>
             <a:endParaRPr lang="ko-KR" altLang="en-US"/>
           </a:p>
@@ -1274,7 +1274,7 @@
           <a:p>
             <a:fld id="{733DF88E-EEC7-4590-8394-8F97695D91F0}" type="datetimeFigureOut">
               <a:rPr lang="ko-KR" altLang="en-US" smtClean="0"/>
-              <a:t>2019-12-29</a:t>
+              <a:t>2019-12-30</a:t>
             </a:fld>
             <a:endParaRPr lang="ko-KR" altLang="en-US"/>
           </a:p>
@@ -1549,7 +1549,7 @@
           <a:p>
             <a:fld id="{733DF88E-EEC7-4590-8394-8F97695D91F0}" type="datetimeFigureOut">
               <a:rPr lang="ko-KR" altLang="en-US" smtClean="0"/>
-              <a:t>2019-12-29</a:t>
+              <a:t>2019-12-30</a:t>
             </a:fld>
             <a:endParaRPr lang="ko-KR" altLang="en-US"/>
           </a:p>
@@ -1814,7 +1814,7 @@
           <a:p>
             <a:fld id="{733DF88E-EEC7-4590-8394-8F97695D91F0}" type="datetimeFigureOut">
               <a:rPr lang="ko-KR" altLang="en-US" smtClean="0"/>
-              <a:t>2019-12-29</a:t>
+              <a:t>2019-12-30</a:t>
             </a:fld>
             <a:endParaRPr lang="ko-KR" altLang="en-US"/>
           </a:p>
@@ -2226,7 +2226,7 @@
           <a:p>
             <a:fld id="{733DF88E-EEC7-4590-8394-8F97695D91F0}" type="datetimeFigureOut">
               <a:rPr lang="ko-KR" altLang="en-US" smtClean="0"/>
-              <a:t>2019-12-29</a:t>
+              <a:t>2019-12-30</a:t>
             </a:fld>
             <a:endParaRPr lang="ko-KR" altLang="en-US"/>
           </a:p>
@@ -2367,7 +2367,7 @@
           <a:p>
             <a:fld id="{733DF88E-EEC7-4590-8394-8F97695D91F0}" type="datetimeFigureOut">
               <a:rPr lang="ko-KR" altLang="en-US" smtClean="0"/>
-              <a:t>2019-12-29</a:t>
+              <a:t>2019-12-30</a:t>
             </a:fld>
             <a:endParaRPr lang="ko-KR" altLang="en-US"/>
           </a:p>
@@ -2480,7 +2480,7 @@
           <a:p>
             <a:fld id="{733DF88E-EEC7-4590-8394-8F97695D91F0}" type="datetimeFigureOut">
               <a:rPr lang="ko-KR" altLang="en-US" smtClean="0"/>
-              <a:t>2019-12-29</a:t>
+              <a:t>2019-12-30</a:t>
             </a:fld>
             <a:endParaRPr lang="ko-KR" altLang="en-US"/>
           </a:p>
@@ -2791,7 +2791,7 @@
           <a:p>
             <a:fld id="{733DF88E-EEC7-4590-8394-8F97695D91F0}" type="datetimeFigureOut">
               <a:rPr lang="ko-KR" altLang="en-US" smtClean="0"/>
-              <a:t>2019-12-29</a:t>
+              <a:t>2019-12-30</a:t>
             </a:fld>
             <a:endParaRPr lang="ko-KR" altLang="en-US"/>
           </a:p>
@@ -3079,7 +3079,7 @@
           <a:p>
             <a:fld id="{733DF88E-EEC7-4590-8394-8F97695D91F0}" type="datetimeFigureOut">
               <a:rPr lang="ko-KR" altLang="en-US" smtClean="0"/>
-              <a:t>2019-12-29</a:t>
+              <a:t>2019-12-30</a:t>
             </a:fld>
             <a:endParaRPr lang="ko-KR" altLang="en-US"/>
           </a:p>
@@ -3320,7 +3320,7 @@
           <a:p>
             <a:fld id="{733DF88E-EEC7-4590-8394-8F97695D91F0}" type="datetimeFigureOut">
               <a:rPr lang="ko-KR" altLang="en-US" smtClean="0"/>
-              <a:t>2019-12-29</a:t>
+              <a:t>2019-12-30</a:t>
             </a:fld>
             <a:endParaRPr lang="ko-KR" altLang="en-US"/>
           </a:p>
@@ -6730,7 +6730,7 @@
     <mc:Choice Requires="p14">
       <p:transition/>
     </mc:Choice>
-    <mc:Fallback xmlns="" xmlns:c="http://schemas.openxmlformats.org/drawingml/2006/chart" xmlns:dgm="http://schemas.openxmlformats.org/drawingml/2006/diagram" xmlns:dsp="http://schemas.microsoft.com/office/drawing/2008/diagram">
+    <mc:Fallback xmlns:dsp="http://schemas.microsoft.com/office/drawing/2008/diagram" xmlns:dgm="http://schemas.openxmlformats.org/drawingml/2006/diagram" xmlns:c="http://schemas.openxmlformats.org/drawingml/2006/chart" xmlns="">
       <p:transition/>
     </mc:Fallback>
   </mc:AlternateContent>
@@ -7236,7 +7236,7 @@
     <mc:Choice Requires="p14">
       <p:transition/>
     </mc:Choice>
-    <mc:Fallback xmlns="" xmlns:c="http://schemas.openxmlformats.org/drawingml/2006/chart" xmlns:dgm="http://schemas.openxmlformats.org/drawingml/2006/diagram" xmlns:dsp="http://schemas.microsoft.com/office/drawing/2008/diagram">
+    <mc:Fallback xmlns:dsp="http://schemas.microsoft.com/office/drawing/2008/diagram" xmlns:dgm="http://schemas.openxmlformats.org/drawingml/2006/diagram" xmlns:c="http://schemas.openxmlformats.org/drawingml/2006/chart" xmlns="">
       <p:transition/>
     </mc:Fallback>
   </mc:AlternateContent>
@@ -8357,7 +8357,7 @@
     <mc:Choice Requires="p14">
       <p:transition/>
     </mc:Choice>
-    <mc:Fallback xmlns:dsp="http://schemas.microsoft.com/office/drawing/2008/diagram" xmlns:dgm="http://schemas.openxmlformats.org/drawingml/2006/diagram" xmlns:c="http://schemas.openxmlformats.org/drawingml/2006/chart" xmlns="">
+    <mc:Fallback xmlns="" xmlns:c="http://schemas.openxmlformats.org/drawingml/2006/chart" xmlns:dgm="http://schemas.openxmlformats.org/drawingml/2006/diagram" xmlns:dsp="http://schemas.microsoft.com/office/drawing/2008/diagram">
       <p:transition/>
     </mc:Fallback>
   </mc:AlternateContent>
@@ -9316,7 +9316,7 @@
     <mc:Choice Requires="p14">
       <p:transition/>
     </mc:Choice>
-    <mc:Fallback xmlns:dsp="http://schemas.microsoft.com/office/drawing/2008/diagram" xmlns:dgm="http://schemas.openxmlformats.org/drawingml/2006/diagram" xmlns:c="http://schemas.openxmlformats.org/drawingml/2006/chart" xmlns="">
+    <mc:Fallback xmlns="" xmlns:c="http://schemas.openxmlformats.org/drawingml/2006/chart" xmlns:dgm="http://schemas.openxmlformats.org/drawingml/2006/diagram" xmlns:dsp="http://schemas.microsoft.com/office/drawing/2008/diagram">
       <p:transition/>
     </mc:Fallback>
   </mc:AlternateContent>
@@ -10178,7 +10178,7 @@
     <mc:Choice Requires="p14">
       <p:transition/>
     </mc:Choice>
-    <mc:Fallback xmlns:dsp="http://schemas.microsoft.com/office/drawing/2008/diagram" xmlns:dgm="http://schemas.openxmlformats.org/drawingml/2006/diagram" xmlns:c="http://schemas.openxmlformats.org/drawingml/2006/chart" xmlns="">
+    <mc:Fallback xmlns="" xmlns:c="http://schemas.openxmlformats.org/drawingml/2006/chart" xmlns:dgm="http://schemas.openxmlformats.org/drawingml/2006/diagram" xmlns:dsp="http://schemas.microsoft.com/office/drawing/2008/diagram">
       <p:transition/>
     </mc:Fallback>
   </mc:AlternateContent>
@@ -28039,7 +28039,7 @@
     <mc:Choice Requires="p14">
       <p:transition/>
     </mc:Choice>
-    <mc:Fallback xmlns:dsp="http://schemas.microsoft.com/office/drawing/2008/diagram" xmlns:dgm="http://schemas.openxmlformats.org/drawingml/2006/diagram" xmlns:c="http://schemas.openxmlformats.org/drawingml/2006/chart" xmlns="">
+    <mc:Fallback xmlns="" xmlns:c="http://schemas.openxmlformats.org/drawingml/2006/chart" xmlns:dgm="http://schemas.openxmlformats.org/drawingml/2006/diagram" xmlns:dsp="http://schemas.microsoft.com/office/drawing/2008/diagram">
       <p:transition/>
     </mc:Fallback>
   </mc:AlternateContent>
@@ -31288,7 +31288,7 @@
         <p:spPr>
           <a:xfrm>
             <a:off x="2002569" y="5380799"/>
-            <a:ext cx="8186857" cy="646331"/>
+            <a:ext cx="8186857" cy="369332"/>
           </a:xfrm>
           <a:prstGeom prst="rect">
             <a:avLst/>
@@ -31344,28 +31344,11 @@
               <a:t>약 </a:t>
             </a:r>
             <a:r>
-              <a:rPr lang="en-US" altLang="ko-KR" dirty="0">
+              <a:rPr lang="en-US" altLang="ko-KR">
                 <a:latin typeface="HY견고딕" panose="02030600000101010101" pitchFamily="18" charset="-127"/>
                 <a:ea typeface="HY견고딕" panose="02030600000101010101" pitchFamily="18" charset="-127"/>
               </a:rPr>
               <a:t>512x512m</a:t>
-            </a:r>
-          </a:p>
-          <a:p>
-            <a:pPr algn="r"/>
-            <a:r>
-              <a:rPr lang="en-US" altLang="ko-KR" dirty="0">
-                <a:latin typeface="HY견고딕" panose="02030600000101010101" pitchFamily="18" charset="-127"/>
-                <a:ea typeface="HY견고딕" panose="02030600000101010101" pitchFamily="18" charset="-127"/>
-              </a:rPr>
-              <a:t>			1 : 100 </a:t>
-            </a:r>
-            <a:r>
-              <a:rPr lang="ko-KR" altLang="en-US" dirty="0">
-                <a:latin typeface="HY견고딕" panose="02030600000101010101" pitchFamily="18" charset="-127"/>
-                <a:ea typeface="HY견고딕" panose="02030600000101010101" pitchFamily="18" charset="-127"/>
-              </a:rPr>
-              <a:t>비율</a:t>
             </a:r>
             <a:endParaRPr lang="en-US" altLang="ko-KR" dirty="0">
               <a:latin typeface="HY견고딕" panose="02030600000101010101" pitchFamily="18" charset="-127"/>
